--- a/Maixner.pptx
+++ b/Maixner.pptx
@@ -4,8 +4,30 @@
   <p:sldMasterIdLst>
     <p:sldMasterId id="2147483751" r:id="rId1"/>
   </p:sldMasterIdLst>
+  <p:notesMasterIdLst>
+    <p:notesMasterId r:id="rId22"/>
+  </p:notesMasterIdLst>
   <p:sldIdLst>
     <p:sldId id="256" r:id="rId2"/>
+    <p:sldId id="257" r:id="rId3"/>
+    <p:sldId id="258" r:id="rId4"/>
+    <p:sldId id="259" r:id="rId5"/>
+    <p:sldId id="260" r:id="rId6"/>
+    <p:sldId id="261" r:id="rId7"/>
+    <p:sldId id="262" r:id="rId8"/>
+    <p:sldId id="263" r:id="rId9"/>
+    <p:sldId id="264" r:id="rId10"/>
+    <p:sldId id="265" r:id="rId11"/>
+    <p:sldId id="266" r:id="rId12"/>
+    <p:sldId id="267" r:id="rId13"/>
+    <p:sldId id="268" r:id="rId14"/>
+    <p:sldId id="269" r:id="rId15"/>
+    <p:sldId id="270" r:id="rId16"/>
+    <p:sldId id="271" r:id="rId17"/>
+    <p:sldId id="272" r:id="rId18"/>
+    <p:sldId id="273" r:id="rId19"/>
+    <p:sldId id="274" r:id="rId20"/>
+    <p:sldId id="275" r:id="rId21"/>
   </p:sldIdLst>
   <p:sldSz cx="12192000" cy="6858000"/>
   <p:notesSz cx="6858000" cy="9144000"/>
@@ -104,7 +126,727 @@
       </a:defRPr>
     </a:lvl9pPr>
   </p:defaultTextStyle>
+  <p:extLst>
+    <p:ext uri="{EFAFB233-063F-42B5-8137-9DF3F51BA10A}">
+      <p15:sldGuideLst xmlns:p15="http://schemas.microsoft.com/office/powerpoint/2012/main"/>
+    </p:ext>
+  </p:extLst>
 </p:presentation>
+</file>
+
+<file path=ppt/notesMasters/notesMaster1.xml><?xml version="1.0" encoding="utf-8"?>
+<p:notesMaster xmlns:a="http://schemas.openxmlformats.org/drawingml/2006/main" xmlns:r="http://schemas.openxmlformats.org/officeDocument/2006/relationships" xmlns:p="http://schemas.openxmlformats.org/presentationml/2006/main">
+  <p:cSld>
+    <p:bg>
+      <p:bgRef idx="1001">
+        <a:schemeClr val="bg1"/>
+      </p:bgRef>
+    </p:bg>
+    <p:spTree>
+      <p:nvGrpSpPr>
+        <p:cNvPr id="1" name=""/>
+        <p:cNvGrpSpPr/>
+        <p:nvPr/>
+      </p:nvGrpSpPr>
+      <p:grpSpPr>
+        <a:xfrm>
+          <a:off x="0" y="0"/>
+          <a:ext cx="0" cy="0"/>
+          <a:chOff x="0" y="0"/>
+          <a:chExt cx="0" cy="0"/>
+        </a:xfrm>
+      </p:grpSpPr>
+      <p:sp>
+        <p:nvSpPr>
+          <p:cNvPr id="2" name="Zástupný symbol pro záhlaví 1"/>
+          <p:cNvSpPr>
+            <a:spLocks noGrp="1"/>
+          </p:cNvSpPr>
+          <p:nvPr>
+            <p:ph type="hdr" sz="quarter"/>
+          </p:nvPr>
+        </p:nvSpPr>
+        <p:spPr>
+          <a:xfrm>
+            <a:off x="0" y="0"/>
+            <a:ext cx="2971800" cy="458788"/>
+          </a:xfrm>
+          <a:prstGeom prst="rect">
+            <a:avLst/>
+          </a:prstGeom>
+        </p:spPr>
+        <p:txBody>
+          <a:bodyPr vert="horz" lIns="91440" tIns="45720" rIns="91440" bIns="45720" rtlCol="0"/>
+          <a:lstStyle>
+            <a:lvl1pPr algn="l">
+              <a:defRPr sz="1200"/>
+            </a:lvl1pPr>
+          </a:lstStyle>
+          <a:p>
+            <a:endParaRPr lang="cs-CZ"/>
+          </a:p>
+        </p:txBody>
+      </p:sp>
+      <p:sp>
+        <p:nvSpPr>
+          <p:cNvPr id="3" name="Zástupný symbol pro datum 2"/>
+          <p:cNvSpPr>
+            <a:spLocks noGrp="1"/>
+          </p:cNvSpPr>
+          <p:nvPr>
+            <p:ph type="dt" idx="1"/>
+          </p:nvPr>
+        </p:nvSpPr>
+        <p:spPr>
+          <a:xfrm>
+            <a:off x="3884613" y="0"/>
+            <a:ext cx="2971800" cy="458788"/>
+          </a:xfrm>
+          <a:prstGeom prst="rect">
+            <a:avLst/>
+          </a:prstGeom>
+        </p:spPr>
+        <p:txBody>
+          <a:bodyPr vert="horz" lIns="91440" tIns="45720" rIns="91440" bIns="45720" rtlCol="0"/>
+          <a:lstStyle>
+            <a:lvl1pPr algn="r">
+              <a:defRPr sz="1200"/>
+            </a:lvl1pPr>
+          </a:lstStyle>
+          <a:p>
+            <a:fld id="{6FDDD785-E9C8-406C-BA5D-32BF4EC1F056}" type="datetimeFigureOut">
+              <a:rPr lang="cs-CZ" smtClean="0"/>
+              <a:t>18.01.2023</a:t>
+            </a:fld>
+            <a:endParaRPr lang="cs-CZ"/>
+          </a:p>
+        </p:txBody>
+      </p:sp>
+      <p:sp>
+        <p:nvSpPr>
+          <p:cNvPr id="4" name="Zástupný symbol pro obrázek snímku 3"/>
+          <p:cNvSpPr>
+            <a:spLocks noGrp="1" noRot="1" noChangeAspect="1"/>
+          </p:cNvSpPr>
+          <p:nvPr>
+            <p:ph type="sldImg" idx="2"/>
+          </p:nvPr>
+        </p:nvSpPr>
+        <p:spPr>
+          <a:xfrm>
+            <a:off x="685800" y="1143000"/>
+            <a:ext cx="5486400" cy="3086100"/>
+          </a:xfrm>
+          <a:prstGeom prst="rect">
+            <a:avLst/>
+          </a:prstGeom>
+          <a:noFill/>
+          <a:ln w="12700">
+            <a:solidFill>
+              <a:prstClr val="black"/>
+            </a:solidFill>
+          </a:ln>
+        </p:spPr>
+        <p:txBody>
+          <a:bodyPr vert="horz" lIns="91440" tIns="45720" rIns="91440" bIns="45720" rtlCol="0" anchor="ctr"/>
+          <a:lstStyle/>
+          <a:p>
+            <a:endParaRPr lang="cs-CZ"/>
+          </a:p>
+        </p:txBody>
+      </p:sp>
+      <p:sp>
+        <p:nvSpPr>
+          <p:cNvPr id="5" name="Zástupný symbol pro poznámky 4"/>
+          <p:cNvSpPr>
+            <a:spLocks noGrp="1"/>
+          </p:cNvSpPr>
+          <p:nvPr>
+            <p:ph type="body" sz="quarter" idx="3"/>
+          </p:nvPr>
+        </p:nvSpPr>
+        <p:spPr>
+          <a:xfrm>
+            <a:off x="685800" y="4400550"/>
+            <a:ext cx="5486400" cy="3600450"/>
+          </a:xfrm>
+          <a:prstGeom prst="rect">
+            <a:avLst/>
+          </a:prstGeom>
+        </p:spPr>
+        <p:txBody>
+          <a:bodyPr vert="horz" lIns="91440" tIns="45720" rIns="91440" bIns="45720" rtlCol="0"/>
+          <a:lstStyle/>
+          <a:p>
+            <a:pPr lvl="0"/>
+            <a:r>
+              <a:rPr lang="cs-CZ"/>
+              <a:t>Po kliknutí můžete upravovat styly textu v předloze.</a:t>
+            </a:r>
+          </a:p>
+          <a:p>
+            <a:pPr lvl="1"/>
+            <a:r>
+              <a:rPr lang="cs-CZ"/>
+              <a:t>Druhá úroveň</a:t>
+            </a:r>
+          </a:p>
+          <a:p>
+            <a:pPr lvl="2"/>
+            <a:r>
+              <a:rPr lang="cs-CZ"/>
+              <a:t>Třetí úroveň</a:t>
+            </a:r>
+          </a:p>
+          <a:p>
+            <a:pPr lvl="3"/>
+            <a:r>
+              <a:rPr lang="cs-CZ"/>
+              <a:t>Čtvrtá úroveň</a:t>
+            </a:r>
+          </a:p>
+          <a:p>
+            <a:pPr lvl="4"/>
+            <a:r>
+              <a:rPr lang="cs-CZ"/>
+              <a:t>Pátá úroveň</a:t>
+            </a:r>
+          </a:p>
+        </p:txBody>
+      </p:sp>
+      <p:sp>
+        <p:nvSpPr>
+          <p:cNvPr id="6" name="Zástupný symbol pro zápatí 5"/>
+          <p:cNvSpPr>
+            <a:spLocks noGrp="1"/>
+          </p:cNvSpPr>
+          <p:nvPr>
+            <p:ph type="ftr" sz="quarter" idx="4"/>
+          </p:nvPr>
+        </p:nvSpPr>
+        <p:spPr>
+          <a:xfrm>
+            <a:off x="0" y="8685213"/>
+            <a:ext cx="2971800" cy="458787"/>
+          </a:xfrm>
+          <a:prstGeom prst="rect">
+            <a:avLst/>
+          </a:prstGeom>
+        </p:spPr>
+        <p:txBody>
+          <a:bodyPr vert="horz" lIns="91440" tIns="45720" rIns="91440" bIns="45720" rtlCol="0" anchor="b"/>
+          <a:lstStyle>
+            <a:lvl1pPr algn="l">
+              <a:defRPr sz="1200"/>
+            </a:lvl1pPr>
+          </a:lstStyle>
+          <a:p>
+            <a:endParaRPr lang="cs-CZ"/>
+          </a:p>
+        </p:txBody>
+      </p:sp>
+      <p:sp>
+        <p:nvSpPr>
+          <p:cNvPr id="7" name="Zástupný symbol pro číslo snímku 6"/>
+          <p:cNvSpPr>
+            <a:spLocks noGrp="1"/>
+          </p:cNvSpPr>
+          <p:nvPr>
+            <p:ph type="sldNum" sz="quarter" idx="5"/>
+          </p:nvPr>
+        </p:nvSpPr>
+        <p:spPr>
+          <a:xfrm>
+            <a:off x="3884613" y="8685213"/>
+            <a:ext cx="2971800" cy="458787"/>
+          </a:xfrm>
+          <a:prstGeom prst="rect">
+            <a:avLst/>
+          </a:prstGeom>
+        </p:spPr>
+        <p:txBody>
+          <a:bodyPr vert="horz" lIns="91440" tIns="45720" rIns="91440" bIns="45720" rtlCol="0" anchor="b"/>
+          <a:lstStyle>
+            <a:lvl1pPr algn="r">
+              <a:defRPr sz="1200"/>
+            </a:lvl1pPr>
+          </a:lstStyle>
+          <a:p>
+            <a:fld id="{335C404A-DE52-464E-AB8D-0875D9A9F9E6}" type="slidenum">
+              <a:rPr lang="cs-CZ" smtClean="0"/>
+              <a:t>‹#›</a:t>
+            </a:fld>
+            <a:endParaRPr lang="cs-CZ"/>
+          </a:p>
+        </p:txBody>
+      </p:sp>
+    </p:spTree>
+    <p:extLst>
+      <p:ext uri="{BB962C8B-B14F-4D97-AF65-F5344CB8AC3E}">
+        <p14:creationId xmlns:p14="http://schemas.microsoft.com/office/powerpoint/2010/main" val="986760366"/>
+      </p:ext>
+    </p:extLst>
+  </p:cSld>
+  <p:clrMap bg1="lt1" tx1="dk1" bg2="lt2" tx2="dk2" accent1="accent1" accent2="accent2" accent3="accent3" accent4="accent4" accent5="accent5" accent6="accent6" hlink="hlink" folHlink="folHlink"/>
+  <p:notesStyle>
+    <a:lvl1pPr marL="0" algn="l" defTabSz="914400" rtl="0" eaLnBrk="1" latinLnBrk="0" hangingPunct="1">
+      <a:defRPr sz="1200" kern="1200">
+        <a:solidFill>
+          <a:schemeClr val="tx1"/>
+        </a:solidFill>
+        <a:latin typeface="+mn-lt"/>
+        <a:ea typeface="+mn-ea"/>
+        <a:cs typeface="+mn-cs"/>
+      </a:defRPr>
+    </a:lvl1pPr>
+    <a:lvl2pPr marL="457200" algn="l" defTabSz="914400" rtl="0" eaLnBrk="1" latinLnBrk="0" hangingPunct="1">
+      <a:defRPr sz="1200" kern="1200">
+        <a:solidFill>
+          <a:schemeClr val="tx1"/>
+        </a:solidFill>
+        <a:latin typeface="+mn-lt"/>
+        <a:ea typeface="+mn-ea"/>
+        <a:cs typeface="+mn-cs"/>
+      </a:defRPr>
+    </a:lvl2pPr>
+    <a:lvl3pPr marL="914400" algn="l" defTabSz="914400" rtl="0" eaLnBrk="1" latinLnBrk="0" hangingPunct="1">
+      <a:defRPr sz="1200" kern="1200">
+        <a:solidFill>
+          <a:schemeClr val="tx1"/>
+        </a:solidFill>
+        <a:latin typeface="+mn-lt"/>
+        <a:ea typeface="+mn-ea"/>
+        <a:cs typeface="+mn-cs"/>
+      </a:defRPr>
+    </a:lvl3pPr>
+    <a:lvl4pPr marL="1371600" algn="l" defTabSz="914400" rtl="0" eaLnBrk="1" latinLnBrk="0" hangingPunct="1">
+      <a:defRPr sz="1200" kern="1200">
+        <a:solidFill>
+          <a:schemeClr val="tx1"/>
+        </a:solidFill>
+        <a:latin typeface="+mn-lt"/>
+        <a:ea typeface="+mn-ea"/>
+        <a:cs typeface="+mn-cs"/>
+      </a:defRPr>
+    </a:lvl4pPr>
+    <a:lvl5pPr marL="1828800" algn="l" defTabSz="914400" rtl="0" eaLnBrk="1" latinLnBrk="0" hangingPunct="1">
+      <a:defRPr sz="1200" kern="1200">
+        <a:solidFill>
+          <a:schemeClr val="tx1"/>
+        </a:solidFill>
+        <a:latin typeface="+mn-lt"/>
+        <a:ea typeface="+mn-ea"/>
+        <a:cs typeface="+mn-cs"/>
+      </a:defRPr>
+    </a:lvl5pPr>
+    <a:lvl6pPr marL="2286000" algn="l" defTabSz="914400" rtl="0" eaLnBrk="1" latinLnBrk="0" hangingPunct="1">
+      <a:defRPr sz="1200" kern="1200">
+        <a:solidFill>
+          <a:schemeClr val="tx1"/>
+        </a:solidFill>
+        <a:latin typeface="+mn-lt"/>
+        <a:ea typeface="+mn-ea"/>
+        <a:cs typeface="+mn-cs"/>
+      </a:defRPr>
+    </a:lvl6pPr>
+    <a:lvl7pPr marL="2743200" algn="l" defTabSz="914400" rtl="0" eaLnBrk="1" latinLnBrk="0" hangingPunct="1">
+      <a:defRPr sz="1200" kern="1200">
+        <a:solidFill>
+          <a:schemeClr val="tx1"/>
+        </a:solidFill>
+        <a:latin typeface="+mn-lt"/>
+        <a:ea typeface="+mn-ea"/>
+        <a:cs typeface="+mn-cs"/>
+      </a:defRPr>
+    </a:lvl7pPr>
+    <a:lvl8pPr marL="3200400" algn="l" defTabSz="914400" rtl="0" eaLnBrk="1" latinLnBrk="0" hangingPunct="1">
+      <a:defRPr sz="1200" kern="1200">
+        <a:solidFill>
+          <a:schemeClr val="tx1"/>
+        </a:solidFill>
+        <a:latin typeface="+mn-lt"/>
+        <a:ea typeface="+mn-ea"/>
+        <a:cs typeface="+mn-cs"/>
+      </a:defRPr>
+    </a:lvl8pPr>
+    <a:lvl9pPr marL="3657600" algn="l" defTabSz="914400" rtl="0" eaLnBrk="1" latinLnBrk="0" hangingPunct="1">
+      <a:defRPr sz="1200" kern="1200">
+        <a:solidFill>
+          <a:schemeClr val="tx1"/>
+        </a:solidFill>
+        <a:latin typeface="+mn-lt"/>
+        <a:ea typeface="+mn-ea"/>
+        <a:cs typeface="+mn-cs"/>
+      </a:defRPr>
+    </a:lvl9pPr>
+  </p:notesStyle>
+</p:notesMaster>
+</file>
+
+<file path=ppt/notesSlides/notesSlide1.xml><?xml version="1.0" encoding="utf-8"?>
+<p:notes xmlns:a="http://schemas.openxmlformats.org/drawingml/2006/main" xmlns:r="http://schemas.openxmlformats.org/officeDocument/2006/relationships" xmlns:p="http://schemas.openxmlformats.org/presentationml/2006/main">
+  <p:cSld>
+    <p:spTree>
+      <p:nvGrpSpPr>
+        <p:cNvPr id="1" name=""/>
+        <p:cNvGrpSpPr/>
+        <p:nvPr/>
+      </p:nvGrpSpPr>
+      <p:grpSpPr>
+        <a:xfrm>
+          <a:off x="0" y="0"/>
+          <a:ext cx="0" cy="0"/>
+          <a:chOff x="0" y="0"/>
+          <a:chExt cx="0" cy="0"/>
+        </a:xfrm>
+      </p:grpSpPr>
+      <p:sp>
+        <p:nvSpPr>
+          <p:cNvPr id="2" name="Zástupný symbol pro obrázek snímku 1"/>
+          <p:cNvSpPr>
+            <a:spLocks noGrp="1" noRot="1" noChangeAspect="1"/>
+          </p:cNvSpPr>
+          <p:nvPr>
+            <p:ph type="sldImg"/>
+          </p:nvPr>
+        </p:nvSpPr>
+        <p:spPr/>
+      </p:sp>
+      <p:sp>
+        <p:nvSpPr>
+          <p:cNvPr id="3" name="Zástupný symbol pro poznámky 2"/>
+          <p:cNvSpPr>
+            <a:spLocks noGrp="1"/>
+          </p:cNvSpPr>
+          <p:nvPr>
+            <p:ph type="body" idx="1"/>
+          </p:nvPr>
+        </p:nvSpPr>
+        <p:spPr/>
+        <p:txBody>
+          <a:bodyPr/>
+          <a:lstStyle/>
+          <a:p>
+            <a:r>
+              <a:rPr lang="cs-CZ" dirty="0"/>
+              <a:t>Identita je míněno jako třeba občanský průkaz nebo cestovní pás</a:t>
+            </a:r>
+          </a:p>
+        </p:txBody>
+      </p:sp>
+      <p:sp>
+        <p:nvSpPr>
+          <p:cNvPr id="4" name="Zástupný symbol pro číslo snímku 3"/>
+          <p:cNvSpPr>
+            <a:spLocks noGrp="1"/>
+          </p:cNvSpPr>
+          <p:nvPr>
+            <p:ph type="sldNum" sz="quarter" idx="5"/>
+          </p:nvPr>
+        </p:nvSpPr>
+        <p:spPr/>
+        <p:txBody>
+          <a:bodyPr/>
+          <a:lstStyle/>
+          <a:p>
+            <a:fld id="{335C404A-DE52-464E-AB8D-0875D9A9F9E6}" type="slidenum">
+              <a:rPr lang="cs-CZ" smtClean="0"/>
+              <a:t>2</a:t>
+            </a:fld>
+            <a:endParaRPr lang="cs-CZ"/>
+          </a:p>
+        </p:txBody>
+      </p:sp>
+    </p:spTree>
+    <p:extLst>
+      <p:ext uri="{BB962C8B-B14F-4D97-AF65-F5344CB8AC3E}">
+        <p14:creationId xmlns:p14="http://schemas.microsoft.com/office/powerpoint/2010/main" val="804515996"/>
+      </p:ext>
+    </p:extLst>
+  </p:cSld>
+  <p:clrMapOvr>
+    <a:masterClrMapping/>
+  </p:clrMapOvr>
+</p:notes>
+</file>
+
+<file path=ppt/notesSlides/notesSlide2.xml><?xml version="1.0" encoding="utf-8"?>
+<p:notes xmlns:a="http://schemas.openxmlformats.org/drawingml/2006/main" xmlns:r="http://schemas.openxmlformats.org/officeDocument/2006/relationships" xmlns:p="http://schemas.openxmlformats.org/presentationml/2006/main">
+  <p:cSld>
+    <p:spTree>
+      <p:nvGrpSpPr>
+        <p:cNvPr id="1" name=""/>
+        <p:cNvGrpSpPr/>
+        <p:nvPr/>
+      </p:nvGrpSpPr>
+      <p:grpSpPr>
+        <a:xfrm>
+          <a:off x="0" y="0"/>
+          <a:ext cx="0" cy="0"/>
+          <a:chOff x="0" y="0"/>
+          <a:chExt cx="0" cy="0"/>
+        </a:xfrm>
+      </p:grpSpPr>
+      <p:sp>
+        <p:nvSpPr>
+          <p:cNvPr id="2" name="Zástupný symbol pro obrázek snímku 1"/>
+          <p:cNvSpPr>
+            <a:spLocks noGrp="1" noRot="1" noChangeAspect="1"/>
+          </p:cNvSpPr>
+          <p:nvPr>
+            <p:ph type="sldImg"/>
+          </p:nvPr>
+        </p:nvSpPr>
+        <p:spPr/>
+      </p:sp>
+      <p:sp>
+        <p:nvSpPr>
+          <p:cNvPr id="3" name="Zástupný symbol pro poznámky 2"/>
+          <p:cNvSpPr>
+            <a:spLocks noGrp="1"/>
+          </p:cNvSpPr>
+          <p:nvPr>
+            <p:ph type="body" idx="1"/>
+          </p:nvPr>
+        </p:nvSpPr>
+        <p:spPr/>
+        <p:txBody>
+          <a:bodyPr/>
+          <a:lstStyle/>
+          <a:p>
+            <a:r>
+              <a:rPr lang="cs-CZ" dirty="0"/>
+              <a:t>Můžeme použít pro uzavírání smluv aniž by jsme musely někam chodit     K portál občanovi má přistup jen uživatel a může spravovat své doklady</a:t>
+            </a:r>
+          </a:p>
+          <a:p>
+            <a:r>
+              <a:rPr lang="cs-CZ" dirty="0" err="1"/>
+              <a:t>eGovenment</a:t>
+            </a:r>
+            <a:r>
+              <a:rPr lang="cs-CZ" dirty="0"/>
+              <a:t> je elektronická vláda</a:t>
+            </a:r>
+          </a:p>
+        </p:txBody>
+      </p:sp>
+      <p:sp>
+        <p:nvSpPr>
+          <p:cNvPr id="4" name="Zástupný symbol pro číslo snímku 3"/>
+          <p:cNvSpPr>
+            <a:spLocks noGrp="1"/>
+          </p:cNvSpPr>
+          <p:nvPr>
+            <p:ph type="sldNum" sz="quarter" idx="5"/>
+          </p:nvPr>
+        </p:nvSpPr>
+        <p:spPr/>
+        <p:txBody>
+          <a:bodyPr/>
+          <a:lstStyle/>
+          <a:p>
+            <a:fld id="{335C404A-DE52-464E-AB8D-0875D9A9F9E6}" type="slidenum">
+              <a:rPr lang="cs-CZ" smtClean="0"/>
+              <a:t>3</a:t>
+            </a:fld>
+            <a:endParaRPr lang="cs-CZ"/>
+          </a:p>
+        </p:txBody>
+      </p:sp>
+    </p:spTree>
+    <p:extLst>
+      <p:ext uri="{BB962C8B-B14F-4D97-AF65-F5344CB8AC3E}">
+        <p14:creationId xmlns:p14="http://schemas.microsoft.com/office/powerpoint/2010/main" val="2894974628"/>
+      </p:ext>
+    </p:extLst>
+  </p:cSld>
+  <p:clrMapOvr>
+    <a:masterClrMapping/>
+  </p:clrMapOvr>
+</p:notes>
+</file>
+
+<file path=ppt/notesSlides/notesSlide3.xml><?xml version="1.0" encoding="utf-8"?>
+<p:notes xmlns:a="http://schemas.openxmlformats.org/drawingml/2006/main" xmlns:r="http://schemas.openxmlformats.org/officeDocument/2006/relationships" xmlns:p="http://schemas.openxmlformats.org/presentationml/2006/main">
+  <p:cSld>
+    <p:spTree>
+      <p:nvGrpSpPr>
+        <p:cNvPr id="1" name=""/>
+        <p:cNvGrpSpPr/>
+        <p:nvPr/>
+      </p:nvGrpSpPr>
+      <p:grpSpPr>
+        <a:xfrm>
+          <a:off x="0" y="0"/>
+          <a:ext cx="0" cy="0"/>
+          <a:chOff x="0" y="0"/>
+          <a:chExt cx="0" cy="0"/>
+        </a:xfrm>
+      </p:grpSpPr>
+      <p:sp>
+        <p:nvSpPr>
+          <p:cNvPr id="2" name="Zástupný symbol pro obrázek snímku 1"/>
+          <p:cNvSpPr>
+            <a:spLocks noGrp="1" noRot="1" noChangeAspect="1"/>
+          </p:cNvSpPr>
+          <p:nvPr>
+            <p:ph type="sldImg"/>
+          </p:nvPr>
+        </p:nvSpPr>
+        <p:spPr/>
+      </p:sp>
+      <p:sp>
+        <p:nvSpPr>
+          <p:cNvPr id="3" name="Zástupný symbol pro poznámky 2"/>
+          <p:cNvSpPr>
+            <a:spLocks noGrp="1"/>
+          </p:cNvSpPr>
+          <p:nvPr>
+            <p:ph type="body" idx="1"/>
+          </p:nvPr>
+        </p:nvSpPr>
+        <p:spPr/>
+        <p:txBody>
+          <a:bodyPr/>
+          <a:lstStyle/>
+          <a:p>
+            <a:r>
+              <a:rPr lang="cs-CZ" dirty="0"/>
+              <a:t>E-</a:t>
+            </a:r>
+            <a:r>
+              <a:rPr lang="cs-CZ" dirty="0" err="1"/>
+              <a:t>citizen</a:t>
+            </a:r>
+            <a:r>
+              <a:rPr lang="cs-CZ" dirty="0"/>
+              <a:t> pomáhá uživatelům se orientovat na internetu </a:t>
+            </a:r>
+            <a:r>
+              <a:rPr lang="cs-CZ" sz="1200" b="0" i="0" kern="1200" dirty="0">
+                <a:solidFill>
+                  <a:schemeClr val="tx1"/>
+                </a:solidFill>
+                <a:effectLst/>
+                <a:latin typeface="+mn-lt"/>
+                <a:ea typeface="+mn-ea"/>
+                <a:cs typeface="+mn-cs"/>
+              </a:rPr>
+              <a:t>instant-</a:t>
+            </a:r>
+            <a:r>
+              <a:rPr lang="cs-CZ" sz="1200" b="0" i="0" kern="1200" dirty="0" err="1">
+                <a:solidFill>
+                  <a:schemeClr val="tx1"/>
+                </a:solidFill>
+                <a:effectLst/>
+                <a:latin typeface="+mn-lt"/>
+                <a:ea typeface="+mn-ea"/>
+                <a:cs typeface="+mn-cs"/>
+              </a:rPr>
+              <a:t>messaging</a:t>
+            </a:r>
+            <a:r>
+              <a:rPr lang="cs-CZ" sz="1200" b="0" i="0" kern="1200" dirty="0">
+                <a:solidFill>
+                  <a:schemeClr val="tx1"/>
+                </a:solidFill>
+                <a:effectLst/>
+                <a:latin typeface="+mn-lt"/>
+                <a:ea typeface="+mn-ea"/>
+                <a:cs typeface="+mn-cs"/>
+              </a:rPr>
+              <a:t> okamžité zasílání zpráv </a:t>
+            </a:r>
+          </a:p>
+          <a:p>
+            <a:r>
+              <a:rPr lang="cs-CZ" sz="1200" b="0" i="0" kern="1200" dirty="0">
+                <a:solidFill>
+                  <a:schemeClr val="tx1"/>
+                </a:solidFill>
+                <a:effectLst/>
+                <a:latin typeface="+mn-lt"/>
+                <a:ea typeface="+mn-ea"/>
+                <a:cs typeface="+mn-cs"/>
+              </a:rPr>
+              <a:t>V rámci </a:t>
+            </a:r>
+            <a:r>
+              <a:rPr lang="cs-CZ" sz="1200" b="0" i="0" kern="1200" dirty="0" err="1">
+                <a:solidFill>
+                  <a:schemeClr val="tx1"/>
+                </a:solidFill>
+                <a:effectLst/>
+                <a:latin typeface="+mn-lt"/>
+                <a:ea typeface="+mn-ea"/>
+                <a:cs typeface="+mn-cs"/>
+              </a:rPr>
+              <a:t>eGovenmentu</a:t>
+            </a:r>
+            <a:r>
+              <a:rPr lang="cs-CZ" sz="1200" b="0" i="0" kern="1200" dirty="0">
+                <a:solidFill>
+                  <a:schemeClr val="tx1"/>
+                </a:solidFill>
+                <a:effectLst/>
+                <a:latin typeface="+mn-lt"/>
+                <a:ea typeface="+mn-ea"/>
+                <a:cs typeface="+mn-cs"/>
+              </a:rPr>
+              <a:t> to je například zasílání varovných </a:t>
+            </a:r>
+            <a:r>
+              <a:rPr lang="cs-CZ" sz="1200" b="0" i="0" kern="1200" dirty="0" err="1">
+                <a:solidFill>
+                  <a:schemeClr val="tx1"/>
+                </a:solidFill>
+                <a:effectLst/>
+                <a:latin typeface="+mn-lt"/>
+                <a:ea typeface="+mn-ea"/>
+                <a:cs typeface="+mn-cs"/>
+              </a:rPr>
+              <a:t>sms</a:t>
+            </a:r>
+            <a:endParaRPr lang="cs-CZ" dirty="0"/>
+          </a:p>
+        </p:txBody>
+      </p:sp>
+      <p:sp>
+        <p:nvSpPr>
+          <p:cNvPr id="4" name="Zástupný symbol pro číslo snímku 3"/>
+          <p:cNvSpPr>
+            <a:spLocks noGrp="1"/>
+          </p:cNvSpPr>
+          <p:nvPr>
+            <p:ph type="sldNum" sz="quarter" idx="5"/>
+          </p:nvPr>
+        </p:nvSpPr>
+        <p:spPr/>
+        <p:txBody>
+          <a:bodyPr/>
+          <a:lstStyle/>
+          <a:p>
+            <a:fld id="{335C404A-DE52-464E-AB8D-0875D9A9F9E6}" type="slidenum">
+              <a:rPr lang="cs-CZ" smtClean="0"/>
+              <a:t>4</a:t>
+            </a:fld>
+            <a:endParaRPr lang="cs-CZ"/>
+          </a:p>
+        </p:txBody>
+      </p:sp>
+    </p:spTree>
+    <p:extLst>
+      <p:ext uri="{BB962C8B-B14F-4D97-AF65-F5344CB8AC3E}">
+        <p14:creationId xmlns:p14="http://schemas.microsoft.com/office/powerpoint/2010/main" val="1192947676"/>
+      </p:ext>
+    </p:extLst>
+  </p:cSld>
+  <p:clrMapOvr>
+    <a:masterClrMapping/>
+  </p:clrMapOvr>
+</p:notes>
 </file>
 
 <file path=ppt/slideLayouts/slideLayout1.xml><?xml version="1.0" encoding="utf-8"?>
@@ -263,7 +1005,7 @@
             <a:fld id="{11A6662E-FAF4-44BC-88B5-85A7CBFB6D30}" type="datetime1">
               <a:rPr lang="en-US" smtClean="0"/>
               <a:pPr/>
-              <a:t>1/17/2023</a:t>
+              <a:t>1/18/2023</a:t>
             </a:fld>
             <a:endParaRPr lang="en-US"/>
           </a:p>
@@ -474,7 +1216,7 @@
           <a:p>
             <a:fld id="{4C559632-1575-4E14-B53B-3DC3D5ED3947}" type="datetime1">
               <a:rPr lang="en-US" smtClean="0"/>
-              <a:t>1/17/2023</a:t>
+              <a:t>1/18/2023</a:t>
             </a:fld>
             <a:endParaRPr lang="en-US"/>
           </a:p>
@@ -682,7 +1424,7 @@
           <a:p>
             <a:fld id="{CC4A6868-2568-4CC9-B302-F37117B01A6E}" type="datetime1">
               <a:rPr lang="en-US" smtClean="0"/>
-              <a:t>1/17/2023</a:t>
+              <a:t>1/18/2023</a:t>
             </a:fld>
             <a:endParaRPr lang="en-US"/>
           </a:p>
@@ -885,7 +1627,7 @@
           <a:p>
             <a:fld id="{0055F08A-1E71-4B2B-BB49-E743F2903911}" type="datetime1">
               <a:rPr lang="en-US" smtClean="0"/>
-              <a:t>1/17/2023</a:t>
+              <a:t>1/18/2023</a:t>
             </a:fld>
             <a:endParaRPr lang="en-US" dirty="0"/>
           </a:p>
@@ -1159,7 +1901,7 @@
           <a:p>
             <a:fld id="{15417D9E-721A-44BB-8863-9873FE64DA75}" type="datetime1">
               <a:rPr lang="en-US" smtClean="0"/>
-              <a:t>1/17/2023</a:t>
+              <a:t>1/18/2023</a:t>
             </a:fld>
             <a:endParaRPr lang="en-US"/>
           </a:p>
@@ -1429,7 +2171,7 @@
           <a:p>
             <a:fld id="{5F31DA2F-80B8-49CF-99FB-5ABCA53A607A}" type="datetime1">
               <a:rPr lang="en-US" smtClean="0"/>
-              <a:t>1/17/2023</a:t>
+              <a:t>1/18/2023</a:t>
             </a:fld>
             <a:endParaRPr lang="en-US"/>
           </a:p>
@@ -1842,7 +2584,7 @@
           <a:p>
             <a:fld id="{28852172-E6C9-4B6C-929A-A9DE3837BBF1}" type="datetime1">
               <a:rPr lang="en-US" smtClean="0"/>
-              <a:t>1/17/2023</a:t>
+              <a:t>1/18/2023</a:t>
             </a:fld>
             <a:endParaRPr lang="en-US"/>
           </a:p>
@@ -1988,7 +2730,7 @@
           <a:p>
             <a:fld id="{3AB41CFF-90C9-47B3-9DA1-F2BF8D839F7E}" type="datetime1">
               <a:rPr lang="en-US" smtClean="0"/>
-              <a:t>1/17/2023</a:t>
+              <a:t>1/18/2023</a:t>
             </a:fld>
             <a:endParaRPr lang="en-US"/>
           </a:p>
@@ -2101,7 +2843,7 @@
           <a:p>
             <a:fld id="{F06048FA-06AB-4884-A69B-986B96E68A24}" type="datetime1">
               <a:rPr lang="en-US" smtClean="0"/>
-              <a:t>1/17/2023</a:t>
+              <a:t>1/18/2023</a:t>
             </a:fld>
             <a:endParaRPr lang="en-US"/>
           </a:p>
@@ -2412,7 +3154,7 @@
           <a:p>
             <a:fld id="{50DB7ABA-0172-4F9C-889D-567164F66BCD}" type="datetime1">
               <a:rPr lang="en-US" smtClean="0"/>
-              <a:t>1/17/2023</a:t>
+              <a:t>1/18/2023</a:t>
             </a:fld>
             <a:endParaRPr lang="en-US"/>
           </a:p>
@@ -2703,7 +3445,7 @@
           <a:p>
             <a:fld id="{78AC6A5B-8AE7-4A41-B5A7-9ADC6686DC18}" type="datetime1">
               <a:rPr lang="en-US" smtClean="0"/>
-              <a:t>1/17/2023</a:t>
+              <a:t>1/18/2023</a:t>
             </a:fld>
             <a:endParaRPr lang="en-US"/>
           </a:p>
@@ -3049,7 +3791,7 @@
             <a:fld id="{57E0CF6C-748E-4B7A-BC8B-3011EF78ED13}" type="datetime1">
               <a:rPr lang="en-US" smtClean="0"/>
               <a:pPr/>
-              <a:t>1/17/2023</a:t>
+              <a:t>1/18/2023</a:t>
             </a:fld>
             <a:endParaRPr lang="en-US" dirty="0"/>
           </a:p>
@@ -3764,7 +4506,23 @@
                   <a:srgbClr val="FFFFFF"/>
                 </a:solidFill>
               </a:rPr>
-              <a:t>Bankovnictví</a:t>
+              <a:t>Bankovní identita (</a:t>
+            </a:r>
+            <a:r>
+              <a:rPr lang="cs-CZ" sz="5200" dirty="0" err="1">
+                <a:solidFill>
+                  <a:srgbClr val="FFFFFF"/>
+                </a:solidFill>
+              </a:rPr>
+              <a:t>BankID</a:t>
+            </a:r>
+            <a:r>
+              <a:rPr lang="cs-CZ" sz="5200" dirty="0">
+                <a:solidFill>
+                  <a:srgbClr val="FFFFFF"/>
+                </a:solidFill>
+              </a:rPr>
+              <a:t>)</a:t>
             </a:r>
           </a:p>
         </p:txBody>
@@ -3812,6 +4570,2823 @@
     <p:extLst>
       <p:ext uri="{BB962C8B-B14F-4D97-AF65-F5344CB8AC3E}">
         <p14:creationId xmlns:p14="http://schemas.microsoft.com/office/powerpoint/2010/main" val="4187572051"/>
+      </p:ext>
+    </p:extLst>
+  </p:cSld>
+  <p:clrMapOvr>
+    <a:masterClrMapping/>
+  </p:clrMapOvr>
+</p:sld>
+</file>
+
+<file path=ppt/slides/slide10.xml><?xml version="1.0" encoding="utf-8"?>
+<p:sld xmlns:a="http://schemas.openxmlformats.org/drawingml/2006/main" xmlns:r="http://schemas.openxmlformats.org/officeDocument/2006/relationships" xmlns:p="http://schemas.openxmlformats.org/presentationml/2006/main">
+  <p:cSld>
+    <p:spTree>
+      <p:nvGrpSpPr>
+        <p:cNvPr id="1" name=""/>
+        <p:cNvGrpSpPr/>
+        <p:nvPr/>
+      </p:nvGrpSpPr>
+      <p:grpSpPr>
+        <a:xfrm>
+          <a:off x="0" y="0"/>
+          <a:ext cx="0" cy="0"/>
+          <a:chOff x="0" y="0"/>
+          <a:chExt cx="0" cy="0"/>
+        </a:xfrm>
+      </p:grpSpPr>
+      <p:sp>
+        <p:nvSpPr>
+          <p:cNvPr id="2" name="Nadpis 1">
+            <a:extLst>
+              <a:ext uri="{FF2B5EF4-FFF2-40B4-BE49-F238E27FC236}">
+                <a16:creationId xmlns:a16="http://schemas.microsoft.com/office/drawing/2014/main" id="{08BF65CE-E835-43C7-8C33-EA5389542A18}"/>
+              </a:ext>
+            </a:extLst>
+          </p:cNvPr>
+          <p:cNvSpPr>
+            <a:spLocks noGrp="1"/>
+          </p:cNvSpPr>
+          <p:nvPr>
+            <p:ph type="title"/>
+          </p:nvPr>
+        </p:nvSpPr>
+        <p:spPr/>
+        <p:txBody>
+          <a:bodyPr/>
+          <a:lstStyle/>
+          <a:p>
+            <a:endParaRPr lang="cs-CZ"/>
+          </a:p>
+        </p:txBody>
+      </p:sp>
+      <p:sp>
+        <p:nvSpPr>
+          <p:cNvPr id="3" name="Zástupný obsah 2">
+            <a:extLst>
+              <a:ext uri="{FF2B5EF4-FFF2-40B4-BE49-F238E27FC236}">
+                <a16:creationId xmlns:a16="http://schemas.microsoft.com/office/drawing/2014/main" id="{1FA5A66C-312E-42A6-9C9D-72F3A2104D59}"/>
+              </a:ext>
+            </a:extLst>
+          </p:cNvPr>
+          <p:cNvSpPr>
+            <a:spLocks noGrp="1"/>
+          </p:cNvSpPr>
+          <p:nvPr>
+            <p:ph idx="1"/>
+          </p:nvPr>
+        </p:nvSpPr>
+        <p:spPr/>
+        <p:txBody>
+          <a:bodyPr/>
+          <a:lstStyle/>
+          <a:p>
+            <a:endParaRPr lang="cs-CZ"/>
+          </a:p>
+        </p:txBody>
+      </p:sp>
+    </p:spTree>
+    <p:extLst>
+      <p:ext uri="{BB962C8B-B14F-4D97-AF65-F5344CB8AC3E}">
+        <p14:creationId xmlns:p14="http://schemas.microsoft.com/office/powerpoint/2010/main" val="3872601838"/>
+      </p:ext>
+    </p:extLst>
+  </p:cSld>
+  <p:clrMapOvr>
+    <a:masterClrMapping/>
+  </p:clrMapOvr>
+</p:sld>
+</file>
+
+<file path=ppt/slides/slide11.xml><?xml version="1.0" encoding="utf-8"?>
+<p:sld xmlns:a="http://schemas.openxmlformats.org/drawingml/2006/main" xmlns:r="http://schemas.openxmlformats.org/officeDocument/2006/relationships" xmlns:p="http://schemas.openxmlformats.org/presentationml/2006/main">
+  <p:cSld>
+    <p:spTree>
+      <p:nvGrpSpPr>
+        <p:cNvPr id="1" name=""/>
+        <p:cNvGrpSpPr/>
+        <p:nvPr/>
+      </p:nvGrpSpPr>
+      <p:grpSpPr>
+        <a:xfrm>
+          <a:off x="0" y="0"/>
+          <a:ext cx="0" cy="0"/>
+          <a:chOff x="0" y="0"/>
+          <a:chExt cx="0" cy="0"/>
+        </a:xfrm>
+      </p:grpSpPr>
+      <p:sp>
+        <p:nvSpPr>
+          <p:cNvPr id="2" name="Nadpis 1">
+            <a:extLst>
+              <a:ext uri="{FF2B5EF4-FFF2-40B4-BE49-F238E27FC236}">
+                <a16:creationId xmlns:a16="http://schemas.microsoft.com/office/drawing/2014/main" id="{0E329D9B-835D-4E26-83D0-39BFDD45A876}"/>
+              </a:ext>
+            </a:extLst>
+          </p:cNvPr>
+          <p:cNvSpPr>
+            <a:spLocks noGrp="1"/>
+          </p:cNvSpPr>
+          <p:nvPr>
+            <p:ph type="title"/>
+          </p:nvPr>
+        </p:nvSpPr>
+        <p:spPr/>
+        <p:txBody>
+          <a:bodyPr/>
+          <a:lstStyle/>
+          <a:p>
+            <a:endParaRPr lang="cs-CZ"/>
+          </a:p>
+        </p:txBody>
+      </p:sp>
+      <p:sp>
+        <p:nvSpPr>
+          <p:cNvPr id="3" name="Zástupný obsah 2">
+            <a:extLst>
+              <a:ext uri="{FF2B5EF4-FFF2-40B4-BE49-F238E27FC236}">
+                <a16:creationId xmlns:a16="http://schemas.microsoft.com/office/drawing/2014/main" id="{FCDEC319-E62C-47EA-B621-450C31B60DE6}"/>
+              </a:ext>
+            </a:extLst>
+          </p:cNvPr>
+          <p:cNvSpPr>
+            <a:spLocks noGrp="1"/>
+          </p:cNvSpPr>
+          <p:nvPr>
+            <p:ph idx="1"/>
+          </p:nvPr>
+        </p:nvSpPr>
+        <p:spPr/>
+        <p:txBody>
+          <a:bodyPr/>
+          <a:lstStyle/>
+          <a:p>
+            <a:endParaRPr lang="cs-CZ"/>
+          </a:p>
+        </p:txBody>
+      </p:sp>
+    </p:spTree>
+    <p:extLst>
+      <p:ext uri="{BB962C8B-B14F-4D97-AF65-F5344CB8AC3E}">
+        <p14:creationId xmlns:p14="http://schemas.microsoft.com/office/powerpoint/2010/main" val="2540076392"/>
+      </p:ext>
+    </p:extLst>
+  </p:cSld>
+  <p:clrMapOvr>
+    <a:masterClrMapping/>
+  </p:clrMapOvr>
+</p:sld>
+</file>
+
+<file path=ppt/slides/slide12.xml><?xml version="1.0" encoding="utf-8"?>
+<p:sld xmlns:a="http://schemas.openxmlformats.org/drawingml/2006/main" xmlns:r="http://schemas.openxmlformats.org/officeDocument/2006/relationships" xmlns:p="http://schemas.openxmlformats.org/presentationml/2006/main">
+  <p:cSld>
+    <p:spTree>
+      <p:nvGrpSpPr>
+        <p:cNvPr id="1" name=""/>
+        <p:cNvGrpSpPr/>
+        <p:nvPr/>
+      </p:nvGrpSpPr>
+      <p:grpSpPr>
+        <a:xfrm>
+          <a:off x="0" y="0"/>
+          <a:ext cx="0" cy="0"/>
+          <a:chOff x="0" y="0"/>
+          <a:chExt cx="0" cy="0"/>
+        </a:xfrm>
+      </p:grpSpPr>
+      <p:sp>
+        <p:nvSpPr>
+          <p:cNvPr id="2" name="Nadpis 1">
+            <a:extLst>
+              <a:ext uri="{FF2B5EF4-FFF2-40B4-BE49-F238E27FC236}">
+                <a16:creationId xmlns:a16="http://schemas.microsoft.com/office/drawing/2014/main" id="{8FB3BC45-6C5B-4B2C-A320-9806A09361AA}"/>
+              </a:ext>
+            </a:extLst>
+          </p:cNvPr>
+          <p:cNvSpPr>
+            <a:spLocks noGrp="1"/>
+          </p:cNvSpPr>
+          <p:nvPr>
+            <p:ph type="title"/>
+          </p:nvPr>
+        </p:nvSpPr>
+        <p:spPr/>
+        <p:txBody>
+          <a:bodyPr/>
+          <a:lstStyle/>
+          <a:p>
+            <a:endParaRPr lang="cs-CZ"/>
+          </a:p>
+        </p:txBody>
+      </p:sp>
+      <p:sp>
+        <p:nvSpPr>
+          <p:cNvPr id="3" name="Zástupný obsah 2">
+            <a:extLst>
+              <a:ext uri="{FF2B5EF4-FFF2-40B4-BE49-F238E27FC236}">
+                <a16:creationId xmlns:a16="http://schemas.microsoft.com/office/drawing/2014/main" id="{4E4B6243-49B7-4EF2-9413-00E8E9D4BDAC}"/>
+              </a:ext>
+            </a:extLst>
+          </p:cNvPr>
+          <p:cNvSpPr>
+            <a:spLocks noGrp="1"/>
+          </p:cNvSpPr>
+          <p:nvPr>
+            <p:ph idx="1"/>
+          </p:nvPr>
+        </p:nvSpPr>
+        <p:spPr/>
+        <p:txBody>
+          <a:bodyPr/>
+          <a:lstStyle/>
+          <a:p>
+            <a:endParaRPr lang="cs-CZ"/>
+          </a:p>
+        </p:txBody>
+      </p:sp>
+    </p:spTree>
+    <p:extLst>
+      <p:ext uri="{BB962C8B-B14F-4D97-AF65-F5344CB8AC3E}">
+        <p14:creationId xmlns:p14="http://schemas.microsoft.com/office/powerpoint/2010/main" val="3556208588"/>
+      </p:ext>
+    </p:extLst>
+  </p:cSld>
+  <p:clrMapOvr>
+    <a:masterClrMapping/>
+  </p:clrMapOvr>
+</p:sld>
+</file>
+
+<file path=ppt/slides/slide13.xml><?xml version="1.0" encoding="utf-8"?>
+<p:sld xmlns:a="http://schemas.openxmlformats.org/drawingml/2006/main" xmlns:r="http://schemas.openxmlformats.org/officeDocument/2006/relationships" xmlns:p="http://schemas.openxmlformats.org/presentationml/2006/main">
+  <p:cSld>
+    <p:spTree>
+      <p:nvGrpSpPr>
+        <p:cNvPr id="1" name=""/>
+        <p:cNvGrpSpPr/>
+        <p:nvPr/>
+      </p:nvGrpSpPr>
+      <p:grpSpPr>
+        <a:xfrm>
+          <a:off x="0" y="0"/>
+          <a:ext cx="0" cy="0"/>
+          <a:chOff x="0" y="0"/>
+          <a:chExt cx="0" cy="0"/>
+        </a:xfrm>
+      </p:grpSpPr>
+      <p:sp>
+        <p:nvSpPr>
+          <p:cNvPr id="2" name="Nadpis 1">
+            <a:extLst>
+              <a:ext uri="{FF2B5EF4-FFF2-40B4-BE49-F238E27FC236}">
+                <a16:creationId xmlns:a16="http://schemas.microsoft.com/office/drawing/2014/main" id="{7CBD45A7-BDD1-4F42-A6BA-4D9A290F430F}"/>
+              </a:ext>
+            </a:extLst>
+          </p:cNvPr>
+          <p:cNvSpPr>
+            <a:spLocks noGrp="1"/>
+          </p:cNvSpPr>
+          <p:nvPr>
+            <p:ph type="title"/>
+          </p:nvPr>
+        </p:nvSpPr>
+        <p:spPr/>
+        <p:txBody>
+          <a:bodyPr/>
+          <a:lstStyle/>
+          <a:p>
+            <a:endParaRPr lang="cs-CZ"/>
+          </a:p>
+        </p:txBody>
+      </p:sp>
+      <p:sp>
+        <p:nvSpPr>
+          <p:cNvPr id="3" name="Zástupný obsah 2">
+            <a:extLst>
+              <a:ext uri="{FF2B5EF4-FFF2-40B4-BE49-F238E27FC236}">
+                <a16:creationId xmlns:a16="http://schemas.microsoft.com/office/drawing/2014/main" id="{7F106ED4-B1DD-4780-A482-534F8F994ADE}"/>
+              </a:ext>
+            </a:extLst>
+          </p:cNvPr>
+          <p:cNvSpPr>
+            <a:spLocks noGrp="1"/>
+          </p:cNvSpPr>
+          <p:nvPr>
+            <p:ph idx="1"/>
+          </p:nvPr>
+        </p:nvSpPr>
+        <p:spPr/>
+        <p:txBody>
+          <a:bodyPr/>
+          <a:lstStyle/>
+          <a:p>
+            <a:endParaRPr lang="cs-CZ"/>
+          </a:p>
+        </p:txBody>
+      </p:sp>
+    </p:spTree>
+    <p:extLst>
+      <p:ext uri="{BB962C8B-B14F-4D97-AF65-F5344CB8AC3E}">
+        <p14:creationId xmlns:p14="http://schemas.microsoft.com/office/powerpoint/2010/main" val="4143625617"/>
+      </p:ext>
+    </p:extLst>
+  </p:cSld>
+  <p:clrMapOvr>
+    <a:masterClrMapping/>
+  </p:clrMapOvr>
+</p:sld>
+</file>
+
+<file path=ppt/slides/slide14.xml><?xml version="1.0" encoding="utf-8"?>
+<p:sld xmlns:a="http://schemas.openxmlformats.org/drawingml/2006/main" xmlns:r="http://schemas.openxmlformats.org/officeDocument/2006/relationships" xmlns:p="http://schemas.openxmlformats.org/presentationml/2006/main">
+  <p:cSld>
+    <p:spTree>
+      <p:nvGrpSpPr>
+        <p:cNvPr id="1" name=""/>
+        <p:cNvGrpSpPr/>
+        <p:nvPr/>
+      </p:nvGrpSpPr>
+      <p:grpSpPr>
+        <a:xfrm>
+          <a:off x="0" y="0"/>
+          <a:ext cx="0" cy="0"/>
+          <a:chOff x="0" y="0"/>
+          <a:chExt cx="0" cy="0"/>
+        </a:xfrm>
+      </p:grpSpPr>
+      <p:sp>
+        <p:nvSpPr>
+          <p:cNvPr id="2" name="Nadpis 1">
+            <a:extLst>
+              <a:ext uri="{FF2B5EF4-FFF2-40B4-BE49-F238E27FC236}">
+                <a16:creationId xmlns:a16="http://schemas.microsoft.com/office/drawing/2014/main" id="{1DF63850-DE6F-4847-8E91-9D816E98FDB4}"/>
+              </a:ext>
+            </a:extLst>
+          </p:cNvPr>
+          <p:cNvSpPr>
+            <a:spLocks noGrp="1"/>
+          </p:cNvSpPr>
+          <p:nvPr>
+            <p:ph type="title"/>
+          </p:nvPr>
+        </p:nvSpPr>
+        <p:spPr/>
+        <p:txBody>
+          <a:bodyPr/>
+          <a:lstStyle/>
+          <a:p>
+            <a:endParaRPr lang="cs-CZ"/>
+          </a:p>
+        </p:txBody>
+      </p:sp>
+      <p:sp>
+        <p:nvSpPr>
+          <p:cNvPr id="3" name="Zástupný obsah 2">
+            <a:extLst>
+              <a:ext uri="{FF2B5EF4-FFF2-40B4-BE49-F238E27FC236}">
+                <a16:creationId xmlns:a16="http://schemas.microsoft.com/office/drawing/2014/main" id="{6CA14623-1923-4AA6-BD44-C6D6EC1CE9DF}"/>
+              </a:ext>
+            </a:extLst>
+          </p:cNvPr>
+          <p:cNvSpPr>
+            <a:spLocks noGrp="1"/>
+          </p:cNvSpPr>
+          <p:nvPr>
+            <p:ph idx="1"/>
+          </p:nvPr>
+        </p:nvSpPr>
+        <p:spPr/>
+        <p:txBody>
+          <a:bodyPr/>
+          <a:lstStyle/>
+          <a:p>
+            <a:endParaRPr lang="cs-CZ"/>
+          </a:p>
+        </p:txBody>
+      </p:sp>
+    </p:spTree>
+    <p:extLst>
+      <p:ext uri="{BB962C8B-B14F-4D97-AF65-F5344CB8AC3E}">
+        <p14:creationId xmlns:p14="http://schemas.microsoft.com/office/powerpoint/2010/main" val="3045284139"/>
+      </p:ext>
+    </p:extLst>
+  </p:cSld>
+  <p:clrMapOvr>
+    <a:masterClrMapping/>
+  </p:clrMapOvr>
+</p:sld>
+</file>
+
+<file path=ppt/slides/slide15.xml><?xml version="1.0" encoding="utf-8"?>
+<p:sld xmlns:a="http://schemas.openxmlformats.org/drawingml/2006/main" xmlns:r="http://schemas.openxmlformats.org/officeDocument/2006/relationships" xmlns:p="http://schemas.openxmlformats.org/presentationml/2006/main">
+  <p:cSld>
+    <p:spTree>
+      <p:nvGrpSpPr>
+        <p:cNvPr id="1" name=""/>
+        <p:cNvGrpSpPr/>
+        <p:nvPr/>
+      </p:nvGrpSpPr>
+      <p:grpSpPr>
+        <a:xfrm>
+          <a:off x="0" y="0"/>
+          <a:ext cx="0" cy="0"/>
+          <a:chOff x="0" y="0"/>
+          <a:chExt cx="0" cy="0"/>
+        </a:xfrm>
+      </p:grpSpPr>
+      <p:sp>
+        <p:nvSpPr>
+          <p:cNvPr id="2" name="Nadpis 1">
+            <a:extLst>
+              <a:ext uri="{FF2B5EF4-FFF2-40B4-BE49-F238E27FC236}">
+                <a16:creationId xmlns:a16="http://schemas.microsoft.com/office/drawing/2014/main" id="{3366C81E-BF7E-40AB-B9C3-900DB05ECA83}"/>
+              </a:ext>
+            </a:extLst>
+          </p:cNvPr>
+          <p:cNvSpPr>
+            <a:spLocks noGrp="1"/>
+          </p:cNvSpPr>
+          <p:nvPr>
+            <p:ph type="title"/>
+          </p:nvPr>
+        </p:nvSpPr>
+        <p:spPr/>
+        <p:txBody>
+          <a:bodyPr/>
+          <a:lstStyle/>
+          <a:p>
+            <a:endParaRPr lang="cs-CZ"/>
+          </a:p>
+        </p:txBody>
+      </p:sp>
+      <p:sp>
+        <p:nvSpPr>
+          <p:cNvPr id="3" name="Zástupný obsah 2">
+            <a:extLst>
+              <a:ext uri="{FF2B5EF4-FFF2-40B4-BE49-F238E27FC236}">
+                <a16:creationId xmlns:a16="http://schemas.microsoft.com/office/drawing/2014/main" id="{3ACAF296-DE9C-4A96-9101-4691354A2324}"/>
+              </a:ext>
+            </a:extLst>
+          </p:cNvPr>
+          <p:cNvSpPr>
+            <a:spLocks noGrp="1"/>
+          </p:cNvSpPr>
+          <p:nvPr>
+            <p:ph idx="1"/>
+          </p:nvPr>
+        </p:nvSpPr>
+        <p:spPr/>
+        <p:txBody>
+          <a:bodyPr/>
+          <a:lstStyle/>
+          <a:p>
+            <a:endParaRPr lang="cs-CZ"/>
+          </a:p>
+        </p:txBody>
+      </p:sp>
+    </p:spTree>
+    <p:extLst>
+      <p:ext uri="{BB962C8B-B14F-4D97-AF65-F5344CB8AC3E}">
+        <p14:creationId xmlns:p14="http://schemas.microsoft.com/office/powerpoint/2010/main" val="3744669153"/>
+      </p:ext>
+    </p:extLst>
+  </p:cSld>
+  <p:clrMapOvr>
+    <a:masterClrMapping/>
+  </p:clrMapOvr>
+</p:sld>
+</file>
+
+<file path=ppt/slides/slide16.xml><?xml version="1.0" encoding="utf-8"?>
+<p:sld xmlns:a="http://schemas.openxmlformats.org/drawingml/2006/main" xmlns:r="http://schemas.openxmlformats.org/officeDocument/2006/relationships" xmlns:p="http://schemas.openxmlformats.org/presentationml/2006/main">
+  <p:cSld>
+    <p:spTree>
+      <p:nvGrpSpPr>
+        <p:cNvPr id="1" name=""/>
+        <p:cNvGrpSpPr/>
+        <p:nvPr/>
+      </p:nvGrpSpPr>
+      <p:grpSpPr>
+        <a:xfrm>
+          <a:off x="0" y="0"/>
+          <a:ext cx="0" cy="0"/>
+          <a:chOff x="0" y="0"/>
+          <a:chExt cx="0" cy="0"/>
+        </a:xfrm>
+      </p:grpSpPr>
+      <p:sp>
+        <p:nvSpPr>
+          <p:cNvPr id="2" name="Nadpis 1">
+            <a:extLst>
+              <a:ext uri="{FF2B5EF4-FFF2-40B4-BE49-F238E27FC236}">
+                <a16:creationId xmlns:a16="http://schemas.microsoft.com/office/drawing/2014/main" id="{DAC5C01B-9CBF-4221-B5FD-BD61A76E30E4}"/>
+              </a:ext>
+            </a:extLst>
+          </p:cNvPr>
+          <p:cNvSpPr>
+            <a:spLocks noGrp="1"/>
+          </p:cNvSpPr>
+          <p:nvPr>
+            <p:ph type="title"/>
+          </p:nvPr>
+        </p:nvSpPr>
+        <p:spPr/>
+        <p:txBody>
+          <a:bodyPr/>
+          <a:lstStyle/>
+          <a:p>
+            <a:endParaRPr lang="cs-CZ"/>
+          </a:p>
+        </p:txBody>
+      </p:sp>
+      <p:sp>
+        <p:nvSpPr>
+          <p:cNvPr id="3" name="Zástupný obsah 2">
+            <a:extLst>
+              <a:ext uri="{FF2B5EF4-FFF2-40B4-BE49-F238E27FC236}">
+                <a16:creationId xmlns:a16="http://schemas.microsoft.com/office/drawing/2014/main" id="{E4ED5FF2-7E40-4328-89A3-AE7243C8A61C}"/>
+              </a:ext>
+            </a:extLst>
+          </p:cNvPr>
+          <p:cNvSpPr>
+            <a:spLocks noGrp="1"/>
+          </p:cNvSpPr>
+          <p:nvPr>
+            <p:ph idx="1"/>
+          </p:nvPr>
+        </p:nvSpPr>
+        <p:spPr/>
+        <p:txBody>
+          <a:bodyPr/>
+          <a:lstStyle/>
+          <a:p>
+            <a:endParaRPr lang="cs-CZ"/>
+          </a:p>
+        </p:txBody>
+      </p:sp>
+    </p:spTree>
+    <p:extLst>
+      <p:ext uri="{BB962C8B-B14F-4D97-AF65-F5344CB8AC3E}">
+        <p14:creationId xmlns:p14="http://schemas.microsoft.com/office/powerpoint/2010/main" val="1295116176"/>
+      </p:ext>
+    </p:extLst>
+  </p:cSld>
+  <p:clrMapOvr>
+    <a:masterClrMapping/>
+  </p:clrMapOvr>
+</p:sld>
+</file>
+
+<file path=ppt/slides/slide17.xml><?xml version="1.0" encoding="utf-8"?>
+<p:sld xmlns:a="http://schemas.openxmlformats.org/drawingml/2006/main" xmlns:r="http://schemas.openxmlformats.org/officeDocument/2006/relationships" xmlns:p="http://schemas.openxmlformats.org/presentationml/2006/main">
+  <p:cSld>
+    <p:spTree>
+      <p:nvGrpSpPr>
+        <p:cNvPr id="1" name=""/>
+        <p:cNvGrpSpPr/>
+        <p:nvPr/>
+      </p:nvGrpSpPr>
+      <p:grpSpPr>
+        <a:xfrm>
+          <a:off x="0" y="0"/>
+          <a:ext cx="0" cy="0"/>
+          <a:chOff x="0" y="0"/>
+          <a:chExt cx="0" cy="0"/>
+        </a:xfrm>
+      </p:grpSpPr>
+      <p:sp>
+        <p:nvSpPr>
+          <p:cNvPr id="2" name="Nadpis 1">
+            <a:extLst>
+              <a:ext uri="{FF2B5EF4-FFF2-40B4-BE49-F238E27FC236}">
+                <a16:creationId xmlns:a16="http://schemas.microsoft.com/office/drawing/2014/main" id="{2B1F9A99-A1C4-46C1-A1CF-5734DEA8D85C}"/>
+              </a:ext>
+            </a:extLst>
+          </p:cNvPr>
+          <p:cNvSpPr>
+            <a:spLocks noGrp="1"/>
+          </p:cNvSpPr>
+          <p:nvPr>
+            <p:ph type="title"/>
+          </p:nvPr>
+        </p:nvSpPr>
+        <p:spPr/>
+        <p:txBody>
+          <a:bodyPr/>
+          <a:lstStyle/>
+          <a:p>
+            <a:endParaRPr lang="cs-CZ"/>
+          </a:p>
+        </p:txBody>
+      </p:sp>
+      <p:sp>
+        <p:nvSpPr>
+          <p:cNvPr id="3" name="Zástupný obsah 2">
+            <a:extLst>
+              <a:ext uri="{FF2B5EF4-FFF2-40B4-BE49-F238E27FC236}">
+                <a16:creationId xmlns:a16="http://schemas.microsoft.com/office/drawing/2014/main" id="{867F62A7-B903-4D63-B906-96F3B610EFF5}"/>
+              </a:ext>
+            </a:extLst>
+          </p:cNvPr>
+          <p:cNvSpPr>
+            <a:spLocks noGrp="1"/>
+          </p:cNvSpPr>
+          <p:nvPr>
+            <p:ph idx="1"/>
+          </p:nvPr>
+        </p:nvSpPr>
+        <p:spPr/>
+        <p:txBody>
+          <a:bodyPr/>
+          <a:lstStyle/>
+          <a:p>
+            <a:endParaRPr lang="cs-CZ"/>
+          </a:p>
+        </p:txBody>
+      </p:sp>
+    </p:spTree>
+    <p:extLst>
+      <p:ext uri="{BB962C8B-B14F-4D97-AF65-F5344CB8AC3E}">
+        <p14:creationId xmlns:p14="http://schemas.microsoft.com/office/powerpoint/2010/main" val="3779719780"/>
+      </p:ext>
+    </p:extLst>
+  </p:cSld>
+  <p:clrMapOvr>
+    <a:masterClrMapping/>
+  </p:clrMapOvr>
+</p:sld>
+</file>
+
+<file path=ppt/slides/slide18.xml><?xml version="1.0" encoding="utf-8"?>
+<p:sld xmlns:a="http://schemas.openxmlformats.org/drawingml/2006/main" xmlns:r="http://schemas.openxmlformats.org/officeDocument/2006/relationships" xmlns:p="http://schemas.openxmlformats.org/presentationml/2006/main">
+  <p:cSld>
+    <p:spTree>
+      <p:nvGrpSpPr>
+        <p:cNvPr id="1" name=""/>
+        <p:cNvGrpSpPr/>
+        <p:nvPr/>
+      </p:nvGrpSpPr>
+      <p:grpSpPr>
+        <a:xfrm>
+          <a:off x="0" y="0"/>
+          <a:ext cx="0" cy="0"/>
+          <a:chOff x="0" y="0"/>
+          <a:chExt cx="0" cy="0"/>
+        </a:xfrm>
+      </p:grpSpPr>
+      <p:sp>
+        <p:nvSpPr>
+          <p:cNvPr id="2" name="Nadpis 1">
+            <a:extLst>
+              <a:ext uri="{FF2B5EF4-FFF2-40B4-BE49-F238E27FC236}">
+                <a16:creationId xmlns:a16="http://schemas.microsoft.com/office/drawing/2014/main" id="{08B9F506-EED6-4275-B929-C3F08AFC98E7}"/>
+              </a:ext>
+            </a:extLst>
+          </p:cNvPr>
+          <p:cNvSpPr>
+            <a:spLocks noGrp="1"/>
+          </p:cNvSpPr>
+          <p:nvPr>
+            <p:ph type="title"/>
+          </p:nvPr>
+        </p:nvSpPr>
+        <p:spPr/>
+        <p:txBody>
+          <a:bodyPr/>
+          <a:lstStyle/>
+          <a:p>
+            <a:endParaRPr lang="cs-CZ"/>
+          </a:p>
+        </p:txBody>
+      </p:sp>
+      <p:sp>
+        <p:nvSpPr>
+          <p:cNvPr id="3" name="Zástupný obsah 2">
+            <a:extLst>
+              <a:ext uri="{FF2B5EF4-FFF2-40B4-BE49-F238E27FC236}">
+                <a16:creationId xmlns:a16="http://schemas.microsoft.com/office/drawing/2014/main" id="{0A1DF0F6-07B2-4A2A-9AE2-7B13F69D157E}"/>
+              </a:ext>
+            </a:extLst>
+          </p:cNvPr>
+          <p:cNvSpPr>
+            <a:spLocks noGrp="1"/>
+          </p:cNvSpPr>
+          <p:nvPr>
+            <p:ph idx="1"/>
+          </p:nvPr>
+        </p:nvSpPr>
+        <p:spPr/>
+        <p:txBody>
+          <a:bodyPr/>
+          <a:lstStyle/>
+          <a:p>
+            <a:endParaRPr lang="cs-CZ"/>
+          </a:p>
+        </p:txBody>
+      </p:sp>
+    </p:spTree>
+    <p:extLst>
+      <p:ext uri="{BB962C8B-B14F-4D97-AF65-F5344CB8AC3E}">
+        <p14:creationId xmlns:p14="http://schemas.microsoft.com/office/powerpoint/2010/main" val="3841958003"/>
+      </p:ext>
+    </p:extLst>
+  </p:cSld>
+  <p:clrMapOvr>
+    <a:masterClrMapping/>
+  </p:clrMapOvr>
+</p:sld>
+</file>
+
+<file path=ppt/slides/slide19.xml><?xml version="1.0" encoding="utf-8"?>
+<p:sld xmlns:a="http://schemas.openxmlformats.org/drawingml/2006/main" xmlns:r="http://schemas.openxmlformats.org/officeDocument/2006/relationships" xmlns:p="http://schemas.openxmlformats.org/presentationml/2006/main">
+  <p:cSld>
+    <p:spTree>
+      <p:nvGrpSpPr>
+        <p:cNvPr id="1" name=""/>
+        <p:cNvGrpSpPr/>
+        <p:nvPr/>
+      </p:nvGrpSpPr>
+      <p:grpSpPr>
+        <a:xfrm>
+          <a:off x="0" y="0"/>
+          <a:ext cx="0" cy="0"/>
+          <a:chOff x="0" y="0"/>
+          <a:chExt cx="0" cy="0"/>
+        </a:xfrm>
+      </p:grpSpPr>
+      <p:sp>
+        <p:nvSpPr>
+          <p:cNvPr id="2" name="Nadpis 1">
+            <a:extLst>
+              <a:ext uri="{FF2B5EF4-FFF2-40B4-BE49-F238E27FC236}">
+                <a16:creationId xmlns:a16="http://schemas.microsoft.com/office/drawing/2014/main" id="{142A986B-2CFD-40AB-A698-05B77717DEEA}"/>
+              </a:ext>
+            </a:extLst>
+          </p:cNvPr>
+          <p:cNvSpPr>
+            <a:spLocks noGrp="1"/>
+          </p:cNvSpPr>
+          <p:nvPr>
+            <p:ph type="title"/>
+          </p:nvPr>
+        </p:nvSpPr>
+        <p:spPr/>
+        <p:txBody>
+          <a:bodyPr/>
+          <a:lstStyle/>
+          <a:p>
+            <a:endParaRPr lang="cs-CZ"/>
+          </a:p>
+        </p:txBody>
+      </p:sp>
+      <p:sp>
+        <p:nvSpPr>
+          <p:cNvPr id="3" name="Zástupný obsah 2">
+            <a:extLst>
+              <a:ext uri="{FF2B5EF4-FFF2-40B4-BE49-F238E27FC236}">
+                <a16:creationId xmlns:a16="http://schemas.microsoft.com/office/drawing/2014/main" id="{8A2D7135-900B-4463-B846-3D1B65B4C7CD}"/>
+              </a:ext>
+            </a:extLst>
+          </p:cNvPr>
+          <p:cNvSpPr>
+            <a:spLocks noGrp="1"/>
+          </p:cNvSpPr>
+          <p:nvPr>
+            <p:ph idx="1"/>
+          </p:nvPr>
+        </p:nvSpPr>
+        <p:spPr/>
+        <p:txBody>
+          <a:bodyPr/>
+          <a:lstStyle/>
+          <a:p>
+            <a:endParaRPr lang="cs-CZ"/>
+          </a:p>
+        </p:txBody>
+      </p:sp>
+    </p:spTree>
+    <p:extLst>
+      <p:ext uri="{BB962C8B-B14F-4D97-AF65-F5344CB8AC3E}">
+        <p14:creationId xmlns:p14="http://schemas.microsoft.com/office/powerpoint/2010/main" val="2841062117"/>
+      </p:ext>
+    </p:extLst>
+  </p:cSld>
+  <p:clrMapOvr>
+    <a:masterClrMapping/>
+  </p:clrMapOvr>
+</p:sld>
+</file>
+
+<file path=ppt/slides/slide2.xml><?xml version="1.0" encoding="utf-8"?>
+<p:sld xmlns:a="http://schemas.openxmlformats.org/drawingml/2006/main" xmlns:r="http://schemas.openxmlformats.org/officeDocument/2006/relationships" xmlns:p="http://schemas.openxmlformats.org/presentationml/2006/main">
+  <p:cSld>
+    <p:bg>
+      <p:bgPr>
+        <a:solidFill>
+          <a:schemeClr val="bg1"/>
+        </a:solidFill>
+        <a:effectLst/>
+      </p:bgPr>
+    </p:bg>
+    <p:spTree>
+      <p:nvGrpSpPr>
+        <p:cNvPr id="1" name=""/>
+        <p:cNvGrpSpPr/>
+        <p:nvPr/>
+      </p:nvGrpSpPr>
+      <p:grpSpPr>
+        <a:xfrm>
+          <a:off x="0" y="0"/>
+          <a:ext cx="0" cy="0"/>
+          <a:chOff x="0" y="0"/>
+          <a:chExt cx="0" cy="0"/>
+        </a:xfrm>
+      </p:grpSpPr>
+      <p:sp useBgFill="1">
+        <p:nvSpPr>
+          <p:cNvPr id="1031" name="Rectangle 1030">
+            <a:extLst>
+              <a:ext uri="{FF2B5EF4-FFF2-40B4-BE49-F238E27FC236}">
+                <a16:creationId xmlns:a16="http://schemas.microsoft.com/office/drawing/2014/main" id="{8651CFA9-6065-4243-AC48-858E359780B1}"/>
+              </a:ext>
+              <a:ext uri="{C183D7F6-B498-43B3-948B-1728B52AA6E4}">
+                <adec:decorative xmlns:adec="http://schemas.microsoft.com/office/drawing/2017/decorative" val="1"/>
+              </a:ext>
+            </a:extLst>
+          </p:cNvPr>
+          <p:cNvSpPr>
+            <a:spLocks noGrp="1" noRot="1" noChangeAspect="1" noMove="1" noResize="1" noEditPoints="1" noAdjustHandles="1" noChangeArrowheads="1" noChangeShapeType="1" noTextEdit="1"/>
+          </p:cNvSpPr>
+          <p:nvPr>
+            <p:extLst>
+              <p:ext uri="{386F3935-93C4-4BCD-93E2-E3B085C9AB24}">
+                <p16:designElem xmlns:p16="http://schemas.microsoft.com/office/powerpoint/2015/main" val="1"/>
+              </p:ext>
+            </p:extLst>
+          </p:nvPr>
+        </p:nvSpPr>
+        <p:spPr>
+          <a:xfrm>
+            <a:off x="0" y="0"/>
+            <a:ext cx="12188952" cy="6858000"/>
+          </a:xfrm>
+          <a:prstGeom prst="rect">
+            <a:avLst/>
+          </a:prstGeom>
+          <a:ln>
+            <a:noFill/>
+          </a:ln>
+        </p:spPr>
+        <p:style>
+          <a:lnRef idx="2">
+            <a:schemeClr val="accent1">
+              <a:shade val="50000"/>
+            </a:schemeClr>
+          </a:lnRef>
+          <a:fillRef idx="1">
+            <a:schemeClr val="accent1"/>
+          </a:fillRef>
+          <a:effectRef idx="0">
+            <a:schemeClr val="accent1"/>
+          </a:effectRef>
+          <a:fontRef idx="minor">
+            <a:schemeClr val="lt1"/>
+          </a:fontRef>
+        </p:style>
+        <p:txBody>
+          <a:bodyPr rtlCol="0" anchor="ctr"/>
+          <a:lstStyle/>
+          <a:p>
+            <a:pPr algn="ctr"/>
+            <a:endParaRPr lang="en-US" dirty="0">
+              <a:solidFill>
+                <a:schemeClr val="tx1">
+                  <a:lumMod val="65000"/>
+                  <a:lumOff val="35000"/>
+                </a:schemeClr>
+              </a:solidFill>
+              <a:latin typeface="AvenirNext LT Pro Medium" panose="020B0504020202020204" pitchFamily="34" charset="0"/>
+            </a:endParaRPr>
+          </a:p>
+        </p:txBody>
+      </p:sp>
+      <p:sp>
+        <p:nvSpPr>
+          <p:cNvPr id="1033" name="Rectangle 1032">
+            <a:extLst>
+              <a:ext uri="{FF2B5EF4-FFF2-40B4-BE49-F238E27FC236}">
+                <a16:creationId xmlns:a16="http://schemas.microsoft.com/office/drawing/2014/main" id="{5A8C81AE-8F0D-49F3-9FB4-334B0DCDF195}"/>
+              </a:ext>
+              <a:ext uri="{C183D7F6-B498-43B3-948B-1728B52AA6E4}">
+                <adec:decorative xmlns:adec="http://schemas.microsoft.com/office/drawing/2017/decorative" val="1"/>
+              </a:ext>
+            </a:extLst>
+          </p:cNvPr>
+          <p:cNvSpPr>
+            <a:spLocks noGrp="1" noRot="1" noChangeAspect="1" noMove="1" noResize="1" noEditPoints="1" noAdjustHandles="1" noChangeArrowheads="1" noChangeShapeType="1" noTextEdit="1"/>
+          </p:cNvSpPr>
+          <p:nvPr>
+            <p:extLst>
+              <p:ext uri="{386F3935-93C4-4BCD-93E2-E3B085C9AB24}">
+                <p16:designElem xmlns:p16="http://schemas.microsoft.com/office/powerpoint/2015/main" val="1"/>
+              </p:ext>
+            </p:extLst>
+          </p:nvPr>
+        </p:nvSpPr>
+        <p:spPr>
+          <a:xfrm>
+            <a:off x="3048" y="0"/>
+            <a:ext cx="12188952" cy="6858000"/>
+          </a:xfrm>
+          <a:prstGeom prst="rect">
+            <a:avLst/>
+          </a:prstGeom>
+          <a:solidFill>
+            <a:schemeClr val="bg2">
+              <a:alpha val="70000"/>
+            </a:schemeClr>
+          </a:solidFill>
+          <a:ln>
+            <a:noFill/>
+          </a:ln>
+        </p:spPr>
+        <p:style>
+          <a:lnRef idx="2">
+            <a:schemeClr val="accent1">
+              <a:shade val="50000"/>
+            </a:schemeClr>
+          </a:lnRef>
+          <a:fillRef idx="1">
+            <a:schemeClr val="accent1"/>
+          </a:fillRef>
+          <a:effectRef idx="0">
+            <a:schemeClr val="accent1"/>
+          </a:effectRef>
+          <a:fontRef idx="minor">
+            <a:schemeClr val="lt1"/>
+          </a:fontRef>
+        </p:style>
+        <p:txBody>
+          <a:bodyPr rtlCol="0" anchor="ctr"/>
+          <a:lstStyle/>
+          <a:p>
+            <a:pPr algn="ctr"/>
+            <a:endParaRPr lang="en-US">
+              <a:solidFill>
+                <a:schemeClr val="tx1">
+                  <a:lumMod val="65000"/>
+                  <a:lumOff val="35000"/>
+                </a:schemeClr>
+              </a:solidFill>
+              <a:latin typeface="AvenirNext LT Pro Medium" panose="020B0504020202020204" pitchFamily="34" charset="0"/>
+            </a:endParaRPr>
+          </a:p>
+        </p:txBody>
+      </p:sp>
+      <p:sp>
+        <p:nvSpPr>
+          <p:cNvPr id="2" name="Nadpis 1">
+            <a:extLst>
+              <a:ext uri="{FF2B5EF4-FFF2-40B4-BE49-F238E27FC236}">
+                <a16:creationId xmlns:a16="http://schemas.microsoft.com/office/drawing/2014/main" id="{CA75C247-19A1-4221-B2DD-5C6BF0A14399}"/>
+              </a:ext>
+            </a:extLst>
+          </p:cNvPr>
+          <p:cNvSpPr>
+            <a:spLocks noGrp="1"/>
+          </p:cNvSpPr>
+          <p:nvPr>
+            <p:ph type="title"/>
+          </p:nvPr>
+        </p:nvSpPr>
+        <p:spPr>
+          <a:xfrm>
+            <a:off x="838200" y="559813"/>
+            <a:ext cx="4633785" cy="2397324"/>
+          </a:xfrm>
+        </p:spPr>
+        <p:txBody>
+          <a:bodyPr>
+            <a:normAutofit/>
+          </a:bodyPr>
+          <a:lstStyle/>
+          <a:p>
+            <a:r>
+              <a:rPr lang="cs-CZ">
+                <a:solidFill>
+                  <a:schemeClr val="tx2"/>
+                </a:solidFill>
+              </a:rPr>
+              <a:t>Co je BankID?</a:t>
+            </a:r>
+          </a:p>
+        </p:txBody>
+      </p:sp>
+      <p:sp>
+        <p:nvSpPr>
+          <p:cNvPr id="3" name="Zástupný obsah 2">
+            <a:extLst>
+              <a:ext uri="{FF2B5EF4-FFF2-40B4-BE49-F238E27FC236}">
+                <a16:creationId xmlns:a16="http://schemas.microsoft.com/office/drawing/2014/main" id="{380EB3B0-C1C6-4295-87A1-E4F9956639DC}"/>
+              </a:ext>
+            </a:extLst>
+          </p:cNvPr>
+          <p:cNvSpPr>
+            <a:spLocks noGrp="1"/>
+          </p:cNvSpPr>
+          <p:nvPr>
+            <p:ph idx="1"/>
+          </p:nvPr>
+        </p:nvSpPr>
+        <p:spPr>
+          <a:xfrm>
+            <a:off x="838200" y="3200400"/>
+            <a:ext cx="4633486" cy="2912687"/>
+          </a:xfrm>
+        </p:spPr>
+        <p:txBody>
+          <a:bodyPr>
+            <a:normAutofit/>
+          </a:bodyPr>
+          <a:lstStyle/>
+          <a:p>
+            <a:r>
+              <a:rPr lang="cs-CZ" sz="1800" dirty="0">
+                <a:solidFill>
+                  <a:schemeClr val="tx2"/>
+                </a:solidFill>
+              </a:rPr>
+              <a:t>Zabezpečená digitální identita</a:t>
+            </a:r>
+          </a:p>
+          <a:p>
+            <a:r>
+              <a:rPr lang="cs-CZ" sz="1800" dirty="0">
+                <a:solidFill>
+                  <a:schemeClr val="tx2"/>
+                </a:solidFill>
+              </a:rPr>
+              <a:t>Autorizovaná komunikace s úřady</a:t>
+            </a:r>
+          </a:p>
+          <a:p>
+            <a:pPr marL="0" indent="0">
+              <a:buNone/>
+            </a:pPr>
+            <a:endParaRPr lang="cs-CZ" sz="1800" dirty="0">
+              <a:solidFill>
+                <a:schemeClr val="tx2"/>
+              </a:solidFill>
+            </a:endParaRPr>
+          </a:p>
+          <a:p>
+            <a:endParaRPr lang="cs-CZ" sz="1800" dirty="0">
+              <a:solidFill>
+                <a:schemeClr val="tx2"/>
+              </a:solidFill>
+            </a:endParaRPr>
+          </a:p>
+        </p:txBody>
+      </p:sp>
+      <p:sp>
+        <p:nvSpPr>
+          <p:cNvPr id="1035" name="Rectangle 1034">
+            <a:extLst>
+              <a:ext uri="{FF2B5EF4-FFF2-40B4-BE49-F238E27FC236}">
+                <a16:creationId xmlns:a16="http://schemas.microsoft.com/office/drawing/2014/main" id="{7F174AE6-83F4-4EF2-8F3A-E34B1822DBF3}"/>
+              </a:ext>
+              <a:ext uri="{C183D7F6-B498-43B3-948B-1728B52AA6E4}">
+                <adec:decorative xmlns:adec="http://schemas.microsoft.com/office/drawing/2017/decorative" val="1"/>
+              </a:ext>
+            </a:extLst>
+          </p:cNvPr>
+          <p:cNvSpPr>
+            <a:spLocks noGrp="1" noRot="1" noChangeAspect="1" noMove="1" noResize="1" noEditPoints="1" noAdjustHandles="1" noChangeArrowheads="1" noChangeShapeType="1" noTextEdit="1"/>
+          </p:cNvSpPr>
+          <p:nvPr>
+            <p:extLst>
+              <p:ext uri="{386F3935-93C4-4BCD-93E2-E3B085C9AB24}">
+                <p16:designElem xmlns:p16="http://schemas.microsoft.com/office/powerpoint/2015/main" val="1"/>
+              </p:ext>
+            </p:extLst>
+          </p:nvPr>
+        </p:nvSpPr>
+        <p:spPr>
+          <a:xfrm>
+            <a:off x="6019800" y="0"/>
+            <a:ext cx="6172199" cy="6858000"/>
+          </a:xfrm>
+          <a:prstGeom prst="rect">
+            <a:avLst/>
+          </a:prstGeom>
+          <a:solidFill>
+            <a:schemeClr val="tx2">
+              <a:lumMod val="90000"/>
+              <a:lumOff val="10000"/>
+            </a:schemeClr>
+          </a:solidFill>
+          <a:ln>
+            <a:noFill/>
+          </a:ln>
+        </p:spPr>
+        <p:style>
+          <a:lnRef idx="2">
+            <a:schemeClr val="accent1">
+              <a:shade val="50000"/>
+            </a:schemeClr>
+          </a:lnRef>
+          <a:fillRef idx="1">
+            <a:schemeClr val="accent1"/>
+          </a:fillRef>
+          <a:effectRef idx="0">
+            <a:schemeClr val="accent1"/>
+          </a:effectRef>
+          <a:fontRef idx="minor">
+            <a:schemeClr val="lt1"/>
+          </a:fontRef>
+        </p:style>
+        <p:txBody>
+          <a:bodyPr rtlCol="0" anchor="ctr"/>
+          <a:lstStyle/>
+          <a:p>
+            <a:pPr algn="ctr"/>
+            <a:endParaRPr lang="en-US" dirty="0">
+              <a:solidFill>
+                <a:schemeClr val="tx1">
+                  <a:lumMod val="65000"/>
+                  <a:lumOff val="35000"/>
+                </a:schemeClr>
+              </a:solidFill>
+              <a:latin typeface="AvenirNext LT Pro Medium" panose="020B0504020202020204" pitchFamily="34" charset="0"/>
+            </a:endParaRPr>
+          </a:p>
+        </p:txBody>
+      </p:sp>
+      <p:sp>
+        <p:nvSpPr>
+          <p:cNvPr id="1037" name="Rectangle 1036">
+            <a:extLst>
+              <a:ext uri="{FF2B5EF4-FFF2-40B4-BE49-F238E27FC236}">
+                <a16:creationId xmlns:a16="http://schemas.microsoft.com/office/drawing/2014/main" id="{4C30E035-0509-409C-B71F-0650ACB14869}"/>
+              </a:ext>
+              <a:ext uri="{C183D7F6-B498-43B3-948B-1728B52AA6E4}">
+                <adec:decorative xmlns:adec="http://schemas.microsoft.com/office/drawing/2017/decorative" val="1"/>
+              </a:ext>
+            </a:extLst>
+          </p:cNvPr>
+          <p:cNvSpPr>
+            <a:spLocks noGrp="1" noRot="1" noChangeAspect="1" noMove="1" noResize="1" noEditPoints="1" noAdjustHandles="1" noChangeArrowheads="1" noChangeShapeType="1" noTextEdit="1"/>
+          </p:cNvSpPr>
+          <p:nvPr>
+            <p:extLst>
+              <p:ext uri="{386F3935-93C4-4BCD-93E2-E3B085C9AB24}">
+                <p16:designElem xmlns:p16="http://schemas.microsoft.com/office/powerpoint/2015/main" val="1"/>
+              </p:ext>
+            </p:extLst>
+          </p:nvPr>
+        </p:nvSpPr>
+        <p:spPr>
+          <a:xfrm rot="10800000">
+            <a:off x="6019800" y="0"/>
+            <a:ext cx="6172198" cy="6858000"/>
+          </a:xfrm>
+          <a:prstGeom prst="rect">
+            <a:avLst/>
+          </a:prstGeom>
+          <a:blipFill dpi="0" rotWithShape="1">
+            <a:blip r:embed="rId3">
+              <a:alphaModFix amt="20000"/>
+              <a:duotone>
+                <a:schemeClr val="accent1">
+                  <a:shade val="45000"/>
+                  <a:satMod val="135000"/>
+                </a:schemeClr>
+                <a:prstClr val="white"/>
+              </a:duotone>
+            </a:blip>
+            <a:srcRect/>
+            <a:tile tx="889000" ty="0" sx="100000" sy="100000" flip="none" algn="tl"/>
+          </a:blipFill>
+          <a:ln>
+            <a:noFill/>
+          </a:ln>
+        </p:spPr>
+        <p:style>
+          <a:lnRef idx="2">
+            <a:schemeClr val="accent1">
+              <a:shade val="50000"/>
+            </a:schemeClr>
+          </a:lnRef>
+          <a:fillRef idx="1">
+            <a:schemeClr val="accent1"/>
+          </a:fillRef>
+          <a:effectRef idx="0">
+            <a:schemeClr val="accent1"/>
+          </a:effectRef>
+          <a:fontRef idx="minor">
+            <a:schemeClr val="lt1"/>
+          </a:fontRef>
+        </p:style>
+        <p:txBody>
+          <a:bodyPr rtlCol="0" anchor="ctr"/>
+          <a:lstStyle/>
+          <a:p>
+            <a:pPr algn="ctr"/>
+            <a:endParaRPr lang="en-US" dirty="0"/>
+          </a:p>
+        </p:txBody>
+      </p:sp>
+      <p:pic>
+        <p:nvPicPr>
+          <p:cNvPr id="1026" name="Picture 2" descr="BankID OpenID Connect | Drupal.org">
+            <a:extLst>
+              <a:ext uri="{FF2B5EF4-FFF2-40B4-BE49-F238E27FC236}">
+                <a16:creationId xmlns:a16="http://schemas.microsoft.com/office/drawing/2014/main" id="{BA92E1CE-E4E1-4D11-A7A7-2D9C3509F08C}"/>
+              </a:ext>
+            </a:extLst>
+          </p:cNvPr>
+          <p:cNvPicPr>
+            <a:picLocks noChangeAspect="1" noChangeArrowheads="1"/>
+          </p:cNvPicPr>
+          <p:nvPr/>
+        </p:nvPicPr>
+        <p:blipFill rotWithShape="1">
+          <a:blip r:embed="rId4">
+            <a:extLst>
+              <a:ext uri="{28A0092B-C50C-407E-A947-70E740481C1C}">
+                <a14:useLocalDpi xmlns:a14="http://schemas.microsoft.com/office/drawing/2010/main" val="0"/>
+              </a:ext>
+            </a:extLst>
+          </a:blip>
+          <a:srcRect l="31208" r="8791" b="-2"/>
+          <a:stretch/>
+        </p:blipFill>
+        <p:spPr bwMode="auto">
+          <a:xfrm>
+            <a:off x="6508749" y="862806"/>
+            <a:ext cx="5132388" cy="5132388"/>
+          </a:xfrm>
+          <a:custGeom>
+            <a:avLst/>
+            <a:gdLst/>
+            <a:ahLst/>
+            <a:cxnLst/>
+            <a:rect l="l" t="t" r="r" b="b"/>
+            <a:pathLst>
+              <a:path w="5132388" h="5132388">
+                <a:moveTo>
+                  <a:pt x="2566194" y="0"/>
+                </a:moveTo>
+                <a:cubicBezTo>
+                  <a:pt x="3983464" y="0"/>
+                  <a:pt x="5132388" y="1148924"/>
+                  <a:pt x="5132388" y="2566194"/>
+                </a:cubicBezTo>
+                <a:cubicBezTo>
+                  <a:pt x="5132388" y="3983464"/>
+                  <a:pt x="3983464" y="5132388"/>
+                  <a:pt x="2566194" y="5132388"/>
+                </a:cubicBezTo>
+                <a:cubicBezTo>
+                  <a:pt x="1148924" y="5132388"/>
+                  <a:pt x="0" y="3983464"/>
+                  <a:pt x="0" y="2566194"/>
+                </a:cubicBezTo>
+                <a:cubicBezTo>
+                  <a:pt x="0" y="1148924"/>
+                  <a:pt x="1148924" y="0"/>
+                  <a:pt x="2566194" y="0"/>
+                </a:cubicBezTo>
+                <a:close/>
+              </a:path>
+            </a:pathLst>
+          </a:custGeom>
+          <a:noFill/>
+          <a:extLst>
+            <a:ext uri="{909E8E84-426E-40DD-AFC4-6F175D3DCCD1}">
+              <a14:hiddenFill xmlns:a14="http://schemas.microsoft.com/office/drawing/2010/main">
+                <a:solidFill>
+                  <a:srgbClr val="FFFFFF"/>
+                </a:solidFill>
+              </a14:hiddenFill>
+            </a:ext>
+          </a:extLst>
+        </p:spPr>
+      </p:pic>
+    </p:spTree>
+    <p:extLst>
+      <p:ext uri="{BB962C8B-B14F-4D97-AF65-F5344CB8AC3E}">
+        <p14:creationId xmlns:p14="http://schemas.microsoft.com/office/powerpoint/2010/main" val="2636286634"/>
+      </p:ext>
+    </p:extLst>
+  </p:cSld>
+  <p:clrMapOvr>
+    <a:masterClrMapping/>
+  </p:clrMapOvr>
+</p:sld>
+</file>
+
+<file path=ppt/slides/slide20.xml><?xml version="1.0" encoding="utf-8"?>
+<p:sld xmlns:a="http://schemas.openxmlformats.org/drawingml/2006/main" xmlns:r="http://schemas.openxmlformats.org/officeDocument/2006/relationships" xmlns:p="http://schemas.openxmlformats.org/presentationml/2006/main">
+  <p:cSld>
+    <p:spTree>
+      <p:nvGrpSpPr>
+        <p:cNvPr id="1" name=""/>
+        <p:cNvGrpSpPr/>
+        <p:nvPr/>
+      </p:nvGrpSpPr>
+      <p:grpSpPr>
+        <a:xfrm>
+          <a:off x="0" y="0"/>
+          <a:ext cx="0" cy="0"/>
+          <a:chOff x="0" y="0"/>
+          <a:chExt cx="0" cy="0"/>
+        </a:xfrm>
+      </p:grpSpPr>
+      <p:sp>
+        <p:nvSpPr>
+          <p:cNvPr id="2" name="Nadpis 1">
+            <a:extLst>
+              <a:ext uri="{FF2B5EF4-FFF2-40B4-BE49-F238E27FC236}">
+                <a16:creationId xmlns:a16="http://schemas.microsoft.com/office/drawing/2014/main" id="{C762E19F-329A-47C3-9C36-54C159349D6C}"/>
+              </a:ext>
+            </a:extLst>
+          </p:cNvPr>
+          <p:cNvSpPr>
+            <a:spLocks noGrp="1"/>
+          </p:cNvSpPr>
+          <p:nvPr>
+            <p:ph type="title"/>
+          </p:nvPr>
+        </p:nvSpPr>
+        <p:spPr/>
+        <p:txBody>
+          <a:bodyPr/>
+          <a:lstStyle/>
+          <a:p>
+            <a:r>
+              <a:rPr lang="cs-CZ" dirty="0"/>
+              <a:t>zdroje</a:t>
+            </a:r>
+          </a:p>
+        </p:txBody>
+      </p:sp>
+      <p:sp>
+        <p:nvSpPr>
+          <p:cNvPr id="3" name="Zástupný obsah 2">
+            <a:extLst>
+              <a:ext uri="{FF2B5EF4-FFF2-40B4-BE49-F238E27FC236}">
+                <a16:creationId xmlns:a16="http://schemas.microsoft.com/office/drawing/2014/main" id="{F96BBD1C-7574-4FCF-A881-EA609BB9D517}"/>
+              </a:ext>
+            </a:extLst>
+          </p:cNvPr>
+          <p:cNvSpPr>
+            <a:spLocks noGrp="1"/>
+          </p:cNvSpPr>
+          <p:nvPr>
+            <p:ph idx="1"/>
+          </p:nvPr>
+        </p:nvSpPr>
+        <p:spPr/>
+        <p:txBody>
+          <a:bodyPr/>
+          <a:lstStyle/>
+          <a:p>
+            <a:r>
+              <a:rPr lang="cs-CZ" sz="1200" dirty="0">
+                <a:hlinkClick r:id="rId2"/>
+              </a:rPr>
+              <a:t>https://blog.morosystems.cz/2021-02/odborne/bankovni-identita/?gclid=CjwKCAiAzp6eBhByEiwA_gGq5IZJtmOqGbEXki_-uzURo6lk67vM9iCw7Jk9iFupb28Xkg1E9zP30xoCwtUQAvD_BwE</a:t>
+            </a:r>
+            <a:endParaRPr lang="cs-CZ" sz="1200" dirty="0"/>
+          </a:p>
+          <a:p>
+            <a:r>
+              <a:rPr lang="cs-CZ" sz="1200" dirty="0">
+                <a:hlinkClick r:id="rId3"/>
+              </a:rPr>
+              <a:t>https://portal.gov.cz/rozcestniky/portal-obcana-RZC-108</a:t>
+            </a:r>
+            <a:endParaRPr lang="cs-CZ" sz="1200" dirty="0"/>
+          </a:p>
+          <a:p>
+            <a:r>
+              <a:rPr lang="cs-CZ" sz="1200" dirty="0">
+                <a:hlinkClick r:id="rId4"/>
+              </a:rPr>
+              <a:t>https://cs.wikipedia.org/wiki/Instant_messaging</a:t>
+            </a:r>
+            <a:endParaRPr lang="cs-CZ" sz="1200" dirty="0"/>
+          </a:p>
+          <a:p>
+            <a:r>
+              <a:rPr lang="cs-CZ" sz="1200" dirty="0">
+                <a:hlinkClick r:id="rId5"/>
+              </a:rPr>
+              <a:t>https://cs.wikipedia.org/wiki/E-Government</a:t>
+            </a:r>
+            <a:endParaRPr lang="cs-CZ" sz="1200" dirty="0"/>
+          </a:p>
+          <a:p>
+            <a:r>
+              <a:rPr lang="cs-CZ" sz="1200" dirty="0">
+                <a:hlinkClick r:id="rId6"/>
+              </a:rPr>
+              <a:t>https://cs.wikipedia.org/wiki/Bankovn%C3%AD_identita#cite_note-1</a:t>
+            </a:r>
+            <a:endParaRPr lang="cs-CZ" sz="1200" dirty="0"/>
+          </a:p>
+          <a:p>
+            <a:endParaRPr lang="cs-CZ" sz="1200" dirty="0"/>
+          </a:p>
+          <a:p>
+            <a:endParaRPr lang="cs-CZ" sz="1200" dirty="0"/>
+          </a:p>
+          <a:p>
+            <a:endParaRPr lang="cs-CZ" sz="1200" dirty="0"/>
+          </a:p>
+          <a:p>
+            <a:endParaRPr lang="cs-CZ" sz="1200" dirty="0"/>
+          </a:p>
+          <a:p>
+            <a:endParaRPr lang="cs-CZ" sz="1200" dirty="0"/>
+          </a:p>
+          <a:p>
+            <a:endParaRPr lang="cs-CZ" dirty="0"/>
+          </a:p>
+        </p:txBody>
+      </p:sp>
+    </p:spTree>
+    <p:extLst>
+      <p:ext uri="{BB962C8B-B14F-4D97-AF65-F5344CB8AC3E}">
+        <p14:creationId xmlns:p14="http://schemas.microsoft.com/office/powerpoint/2010/main" val="3105488888"/>
+      </p:ext>
+    </p:extLst>
+  </p:cSld>
+  <p:clrMapOvr>
+    <a:masterClrMapping/>
+  </p:clrMapOvr>
+</p:sld>
+</file>
+
+<file path=ppt/slides/slide3.xml><?xml version="1.0" encoding="utf-8"?>
+<p:sld xmlns:a="http://schemas.openxmlformats.org/drawingml/2006/main" xmlns:r="http://schemas.openxmlformats.org/officeDocument/2006/relationships" xmlns:p="http://schemas.openxmlformats.org/presentationml/2006/main">
+  <p:cSld>
+    <p:bg>
+      <p:bgPr>
+        <a:solidFill>
+          <a:schemeClr val="bg1"/>
+        </a:solidFill>
+        <a:effectLst/>
+      </p:bgPr>
+    </p:bg>
+    <p:spTree>
+      <p:nvGrpSpPr>
+        <p:cNvPr id="1" name=""/>
+        <p:cNvGrpSpPr/>
+        <p:nvPr/>
+      </p:nvGrpSpPr>
+      <p:grpSpPr>
+        <a:xfrm>
+          <a:off x="0" y="0"/>
+          <a:ext cx="0" cy="0"/>
+          <a:chOff x="0" y="0"/>
+          <a:chExt cx="0" cy="0"/>
+        </a:xfrm>
+      </p:grpSpPr>
+      <p:sp useBgFill="1">
+        <p:nvSpPr>
+          <p:cNvPr id="2055" name="Rectangle 2054">
+            <a:extLst>
+              <a:ext uri="{FF2B5EF4-FFF2-40B4-BE49-F238E27FC236}">
+                <a16:creationId xmlns:a16="http://schemas.microsoft.com/office/drawing/2014/main" id="{4AB8125F-0FD8-48CD-9F43-73E5494EA774}"/>
+              </a:ext>
+              <a:ext uri="{C183D7F6-B498-43B3-948B-1728B52AA6E4}">
+                <adec:decorative xmlns:adec="http://schemas.microsoft.com/office/drawing/2017/decorative" val="1"/>
+              </a:ext>
+            </a:extLst>
+          </p:cNvPr>
+          <p:cNvSpPr>
+            <a:spLocks noGrp="1" noRot="1" noChangeAspect="1" noMove="1" noResize="1" noEditPoints="1" noAdjustHandles="1" noChangeArrowheads="1" noChangeShapeType="1" noTextEdit="1"/>
+          </p:cNvSpPr>
+          <p:nvPr>
+            <p:extLst>
+              <p:ext uri="{386F3935-93C4-4BCD-93E2-E3B085C9AB24}">
+                <p16:designElem xmlns:p16="http://schemas.microsoft.com/office/powerpoint/2015/main" val="1"/>
+              </p:ext>
+            </p:extLst>
+          </p:nvPr>
+        </p:nvSpPr>
+        <p:spPr>
+          <a:xfrm>
+            <a:off x="3048" y="0"/>
+            <a:ext cx="12188952" cy="6858000"/>
+          </a:xfrm>
+          <a:prstGeom prst="rect">
+            <a:avLst/>
+          </a:prstGeom>
+          <a:ln>
+            <a:noFill/>
+          </a:ln>
+        </p:spPr>
+        <p:style>
+          <a:lnRef idx="2">
+            <a:schemeClr val="accent1">
+              <a:shade val="50000"/>
+            </a:schemeClr>
+          </a:lnRef>
+          <a:fillRef idx="1">
+            <a:schemeClr val="accent1"/>
+          </a:fillRef>
+          <a:effectRef idx="0">
+            <a:schemeClr val="accent1"/>
+          </a:effectRef>
+          <a:fontRef idx="minor">
+            <a:schemeClr val="lt1"/>
+          </a:fontRef>
+        </p:style>
+        <p:txBody>
+          <a:bodyPr rtlCol="0" anchor="ctr"/>
+          <a:lstStyle/>
+          <a:p>
+            <a:pPr algn="ctr"/>
+            <a:endParaRPr lang="en-US">
+              <a:solidFill>
+                <a:schemeClr val="tx1">
+                  <a:lumMod val="65000"/>
+                  <a:lumOff val="35000"/>
+                </a:schemeClr>
+              </a:solidFill>
+              <a:latin typeface="AvenirNext LT Pro Medium" panose="020B0504020202020204" pitchFamily="34" charset="0"/>
+            </a:endParaRPr>
+          </a:p>
+        </p:txBody>
+      </p:sp>
+      <p:sp>
+        <p:nvSpPr>
+          <p:cNvPr id="2057" name="Rectangle 2056">
+            <a:extLst>
+              <a:ext uri="{FF2B5EF4-FFF2-40B4-BE49-F238E27FC236}">
+                <a16:creationId xmlns:a16="http://schemas.microsoft.com/office/drawing/2014/main" id="{0019DD6C-5899-4C07-864B-EB0A7D104ACF}"/>
+              </a:ext>
+              <a:ext uri="{C183D7F6-B498-43B3-948B-1728B52AA6E4}">
+                <adec:decorative xmlns:adec="http://schemas.microsoft.com/office/drawing/2017/decorative" val="1"/>
+              </a:ext>
+            </a:extLst>
+          </p:cNvPr>
+          <p:cNvSpPr>
+            <a:spLocks noGrp="1" noRot="1" noChangeAspect="1" noMove="1" noResize="1" noEditPoints="1" noAdjustHandles="1" noChangeArrowheads="1" noChangeShapeType="1" noTextEdit="1"/>
+          </p:cNvSpPr>
+          <p:nvPr>
+            <p:extLst>
+              <p:ext uri="{386F3935-93C4-4BCD-93E2-E3B085C9AB24}">
+                <p16:designElem xmlns:p16="http://schemas.microsoft.com/office/powerpoint/2015/main" val="1"/>
+              </p:ext>
+            </p:extLst>
+          </p:nvPr>
+        </p:nvSpPr>
+        <p:spPr>
+          <a:xfrm>
+            <a:off x="3048" y="0"/>
+            <a:ext cx="12188952" cy="6858000"/>
+          </a:xfrm>
+          <a:prstGeom prst="rect">
+            <a:avLst/>
+          </a:prstGeom>
+          <a:solidFill>
+            <a:schemeClr val="bg2">
+              <a:alpha val="70000"/>
+            </a:schemeClr>
+          </a:solidFill>
+          <a:ln>
+            <a:noFill/>
+          </a:ln>
+        </p:spPr>
+        <p:style>
+          <a:lnRef idx="2">
+            <a:schemeClr val="accent1">
+              <a:shade val="50000"/>
+            </a:schemeClr>
+          </a:lnRef>
+          <a:fillRef idx="1">
+            <a:schemeClr val="accent1"/>
+          </a:fillRef>
+          <a:effectRef idx="0">
+            <a:schemeClr val="accent1"/>
+          </a:effectRef>
+          <a:fontRef idx="minor">
+            <a:schemeClr val="lt1"/>
+          </a:fontRef>
+        </p:style>
+        <p:txBody>
+          <a:bodyPr rtlCol="0" anchor="ctr"/>
+          <a:lstStyle/>
+          <a:p>
+            <a:pPr algn="ctr"/>
+            <a:endParaRPr lang="en-US">
+              <a:solidFill>
+                <a:schemeClr val="tx1">
+                  <a:lumMod val="65000"/>
+                  <a:lumOff val="35000"/>
+                </a:schemeClr>
+              </a:solidFill>
+              <a:latin typeface="AvenirNext LT Pro Medium" panose="020B0504020202020204" pitchFamily="34" charset="0"/>
+            </a:endParaRPr>
+          </a:p>
+        </p:txBody>
+      </p:sp>
+      <p:sp>
+        <p:nvSpPr>
+          <p:cNvPr id="2059" name="Rectangle 2058">
+            <a:extLst>
+              <a:ext uri="{FF2B5EF4-FFF2-40B4-BE49-F238E27FC236}">
+                <a16:creationId xmlns:a16="http://schemas.microsoft.com/office/drawing/2014/main" id="{EBDFFBC1-15BD-428E-B8AF-ECF5D1B76DEB}"/>
+              </a:ext>
+              <a:ext uri="{C183D7F6-B498-43B3-948B-1728B52AA6E4}">
+                <adec:decorative xmlns:adec="http://schemas.microsoft.com/office/drawing/2017/decorative" val="1"/>
+              </a:ext>
+            </a:extLst>
+          </p:cNvPr>
+          <p:cNvSpPr>
+            <a:spLocks noGrp="1" noRot="1" noChangeAspect="1" noMove="1" noResize="1" noEditPoints="1" noAdjustHandles="1" noChangeArrowheads="1" noChangeShapeType="1" noTextEdit="1"/>
+          </p:cNvSpPr>
+          <p:nvPr>
+            <p:extLst>
+              <p:ext uri="{386F3935-93C4-4BCD-93E2-E3B085C9AB24}">
+                <p16:designElem xmlns:p16="http://schemas.microsoft.com/office/powerpoint/2015/main" val="1"/>
+              </p:ext>
+            </p:extLst>
+          </p:nvPr>
+        </p:nvSpPr>
+        <p:spPr>
+          <a:xfrm>
+            <a:off x="0" y="-151"/>
+            <a:ext cx="12192000" cy="2217680"/>
+          </a:xfrm>
+          <a:prstGeom prst="rect">
+            <a:avLst/>
+          </a:prstGeom>
+          <a:solidFill>
+            <a:schemeClr val="tx2">
+              <a:lumMod val="90000"/>
+              <a:lumOff val="10000"/>
+            </a:schemeClr>
+          </a:solidFill>
+          <a:ln>
+            <a:noFill/>
+          </a:ln>
+        </p:spPr>
+        <p:style>
+          <a:lnRef idx="2">
+            <a:schemeClr val="accent1">
+              <a:shade val="50000"/>
+            </a:schemeClr>
+          </a:lnRef>
+          <a:fillRef idx="1">
+            <a:schemeClr val="accent1"/>
+          </a:fillRef>
+          <a:effectRef idx="0">
+            <a:schemeClr val="accent1"/>
+          </a:effectRef>
+          <a:fontRef idx="minor">
+            <a:schemeClr val="lt1"/>
+          </a:fontRef>
+        </p:style>
+        <p:txBody>
+          <a:bodyPr rtlCol="0" anchor="ctr"/>
+          <a:lstStyle/>
+          <a:p>
+            <a:pPr algn="ctr"/>
+            <a:endParaRPr lang="en-US" dirty="0">
+              <a:solidFill>
+                <a:schemeClr val="tx1">
+                  <a:lumMod val="65000"/>
+                  <a:lumOff val="35000"/>
+                </a:schemeClr>
+              </a:solidFill>
+              <a:latin typeface="AvenirNext LT Pro Medium" panose="020B0504020202020204" pitchFamily="34" charset="0"/>
+            </a:endParaRPr>
+          </a:p>
+        </p:txBody>
+      </p:sp>
+      <p:sp>
+        <p:nvSpPr>
+          <p:cNvPr id="2061" name="Rectangle 2060">
+            <a:extLst>
+              <a:ext uri="{FF2B5EF4-FFF2-40B4-BE49-F238E27FC236}">
+                <a16:creationId xmlns:a16="http://schemas.microsoft.com/office/drawing/2014/main" id="{EBFB3075-0323-4EB0-B1A5-776A0E709CEF}"/>
+              </a:ext>
+              <a:ext uri="{C183D7F6-B498-43B3-948B-1728B52AA6E4}">
+                <adec:decorative xmlns:adec="http://schemas.microsoft.com/office/drawing/2017/decorative" val="1"/>
+              </a:ext>
+            </a:extLst>
+          </p:cNvPr>
+          <p:cNvSpPr>
+            <a:spLocks noGrp="1" noRot="1" noChangeAspect="1" noMove="1" noResize="1" noEditPoints="1" noAdjustHandles="1" noChangeArrowheads="1" noChangeShapeType="1" noTextEdit="1"/>
+          </p:cNvSpPr>
+          <p:nvPr>
+            <p:extLst>
+              <p:ext uri="{386F3935-93C4-4BCD-93E2-E3B085C9AB24}">
+                <p16:designElem xmlns:p16="http://schemas.microsoft.com/office/powerpoint/2015/main" val="1"/>
+              </p:ext>
+            </p:extLst>
+          </p:nvPr>
+        </p:nvSpPr>
+        <p:spPr>
+          <a:xfrm rot="10800000">
+            <a:off x="0" y="-1"/>
+            <a:ext cx="12191999" cy="2224386"/>
+          </a:xfrm>
+          <a:prstGeom prst="rect">
+            <a:avLst/>
+          </a:prstGeom>
+          <a:blipFill dpi="0" rotWithShape="1">
+            <a:blip r:embed="rId3">
+              <a:alphaModFix amt="20000"/>
+              <a:duotone>
+                <a:schemeClr val="accent1">
+                  <a:shade val="45000"/>
+                  <a:satMod val="135000"/>
+                </a:schemeClr>
+                <a:prstClr val="white"/>
+              </a:duotone>
+            </a:blip>
+            <a:srcRect/>
+            <a:tile tx="889000" ty="0" sx="100000" sy="100000" flip="none" algn="tl"/>
+          </a:blipFill>
+          <a:ln>
+            <a:noFill/>
+          </a:ln>
+        </p:spPr>
+        <p:style>
+          <a:lnRef idx="2">
+            <a:schemeClr val="accent1">
+              <a:shade val="50000"/>
+            </a:schemeClr>
+          </a:lnRef>
+          <a:fillRef idx="1">
+            <a:schemeClr val="accent1"/>
+          </a:fillRef>
+          <a:effectRef idx="0">
+            <a:schemeClr val="accent1"/>
+          </a:effectRef>
+          <a:fontRef idx="minor">
+            <a:schemeClr val="lt1"/>
+          </a:fontRef>
+        </p:style>
+        <p:txBody>
+          <a:bodyPr rtlCol="0" anchor="ctr"/>
+          <a:lstStyle/>
+          <a:p>
+            <a:pPr algn="ctr"/>
+            <a:endParaRPr lang="en-US" dirty="0"/>
+          </a:p>
+        </p:txBody>
+      </p:sp>
+      <p:sp>
+        <p:nvSpPr>
+          <p:cNvPr id="2" name="Nadpis 1">
+            <a:extLst>
+              <a:ext uri="{FF2B5EF4-FFF2-40B4-BE49-F238E27FC236}">
+                <a16:creationId xmlns:a16="http://schemas.microsoft.com/office/drawing/2014/main" id="{A5CCA809-9D3B-47D2-80AB-BA6F1180C82F}"/>
+              </a:ext>
+            </a:extLst>
+          </p:cNvPr>
+          <p:cNvSpPr>
+            <a:spLocks noGrp="1"/>
+          </p:cNvSpPr>
+          <p:nvPr>
+            <p:ph type="title"/>
+          </p:nvPr>
+        </p:nvSpPr>
+        <p:spPr>
+          <a:xfrm>
+            <a:off x="838200" y="381000"/>
+            <a:ext cx="10003218" cy="1600124"/>
+          </a:xfrm>
+        </p:spPr>
+        <p:txBody>
+          <a:bodyPr>
+            <a:normAutofit/>
+          </a:bodyPr>
+          <a:lstStyle/>
+          <a:p>
+            <a:r>
+              <a:rPr lang="cs-CZ" dirty="0"/>
+              <a:t>Výhody </a:t>
+            </a:r>
+            <a:r>
+              <a:rPr lang="cs-CZ"/>
+              <a:t>BankID</a:t>
+            </a:r>
+            <a:endParaRPr lang="cs-CZ" dirty="0"/>
+          </a:p>
+        </p:txBody>
+      </p:sp>
+      <p:sp>
+        <p:nvSpPr>
+          <p:cNvPr id="3" name="Zástupný obsah 2">
+            <a:extLst>
+              <a:ext uri="{FF2B5EF4-FFF2-40B4-BE49-F238E27FC236}">
+                <a16:creationId xmlns:a16="http://schemas.microsoft.com/office/drawing/2014/main" id="{D0B3B30B-D6D7-4307-9FE6-2518464433C7}"/>
+              </a:ext>
+            </a:extLst>
+          </p:cNvPr>
+          <p:cNvSpPr>
+            <a:spLocks noGrp="1"/>
+          </p:cNvSpPr>
+          <p:nvPr>
+            <p:ph idx="1"/>
+          </p:nvPr>
+        </p:nvSpPr>
+        <p:spPr>
+          <a:xfrm>
+            <a:off x="838200" y="2745362"/>
+            <a:ext cx="4800600" cy="3552824"/>
+          </a:xfrm>
+        </p:spPr>
+        <p:txBody>
+          <a:bodyPr anchor="ctr">
+            <a:normAutofit/>
+          </a:bodyPr>
+          <a:lstStyle/>
+          <a:p>
+            <a:r>
+              <a:rPr lang="cs-CZ" sz="1800" dirty="0">
+                <a:solidFill>
+                  <a:schemeClr val="tx1"/>
+                </a:solidFill>
+              </a:rPr>
+              <a:t>Elektronický podpis</a:t>
+            </a:r>
+          </a:p>
+          <a:p>
+            <a:r>
+              <a:rPr lang="cs-CZ" sz="1800" dirty="0">
+                <a:solidFill>
+                  <a:schemeClr val="tx1"/>
+                </a:solidFill>
+              </a:rPr>
+              <a:t>Přístup do </a:t>
+            </a:r>
+            <a:r>
+              <a:rPr lang="cs-CZ" sz="1800" dirty="0" err="1">
+                <a:solidFill>
+                  <a:schemeClr val="tx1"/>
+                </a:solidFill>
+              </a:rPr>
+              <a:t>eGovenmentu</a:t>
+            </a:r>
+            <a:endParaRPr lang="cs-CZ" sz="1800" dirty="0">
+              <a:solidFill>
+                <a:schemeClr val="tx1"/>
+              </a:solidFill>
+            </a:endParaRPr>
+          </a:p>
+          <a:p>
+            <a:r>
+              <a:rPr lang="cs-CZ" sz="1800" dirty="0">
+                <a:solidFill>
+                  <a:schemeClr val="tx1"/>
+                </a:solidFill>
+              </a:rPr>
+              <a:t>Portál občana </a:t>
+            </a:r>
+          </a:p>
+          <a:p>
+            <a:endParaRPr lang="cs-CZ" sz="1800" dirty="0">
+              <a:solidFill>
+                <a:schemeClr val="tx1"/>
+              </a:solidFill>
+            </a:endParaRPr>
+          </a:p>
+        </p:txBody>
+      </p:sp>
+      <p:pic>
+        <p:nvPicPr>
+          <p:cNvPr id="2050" name="Picture 2" descr="logo portál občana - GISportal.cz">
+            <a:extLst>
+              <a:ext uri="{FF2B5EF4-FFF2-40B4-BE49-F238E27FC236}">
+                <a16:creationId xmlns:a16="http://schemas.microsoft.com/office/drawing/2014/main" id="{3C4BCEAD-AA5E-49A9-94B0-4FB85855344B}"/>
+              </a:ext>
+            </a:extLst>
+          </p:cNvPr>
+          <p:cNvPicPr>
+            <a:picLocks noChangeAspect="1" noChangeArrowheads="1"/>
+          </p:cNvPicPr>
+          <p:nvPr/>
+        </p:nvPicPr>
+        <p:blipFill>
+          <a:blip r:embed="rId4">
+            <a:extLst>
+              <a:ext uri="{28A0092B-C50C-407E-A947-70E740481C1C}">
+                <a14:useLocalDpi xmlns:a14="http://schemas.microsoft.com/office/drawing/2010/main" val="0"/>
+              </a:ext>
+            </a:extLst>
+          </a:blip>
+          <a:stretch>
+            <a:fillRect/>
+          </a:stretch>
+        </p:blipFill>
+        <p:spPr bwMode="auto">
+          <a:xfrm>
+            <a:off x="5996628" y="3334798"/>
+            <a:ext cx="5585772" cy="2373952"/>
+          </a:xfrm>
+          <a:prstGeom prst="rect">
+            <a:avLst/>
+          </a:prstGeom>
+          <a:noFill/>
+          <a:extLst>
+            <a:ext uri="{909E8E84-426E-40DD-AFC4-6F175D3DCCD1}">
+              <a14:hiddenFill xmlns:a14="http://schemas.microsoft.com/office/drawing/2010/main">
+                <a:solidFill>
+                  <a:srgbClr val="FFFFFF"/>
+                </a:solidFill>
+              </a14:hiddenFill>
+            </a:ext>
+          </a:extLst>
+        </p:spPr>
+      </p:pic>
+    </p:spTree>
+    <p:extLst>
+      <p:ext uri="{BB962C8B-B14F-4D97-AF65-F5344CB8AC3E}">
+        <p14:creationId xmlns:p14="http://schemas.microsoft.com/office/powerpoint/2010/main" val="2395215158"/>
+      </p:ext>
+    </p:extLst>
+  </p:cSld>
+  <p:clrMapOvr>
+    <a:masterClrMapping/>
+  </p:clrMapOvr>
+</p:sld>
+</file>
+
+<file path=ppt/slides/slide4.xml><?xml version="1.0" encoding="utf-8"?>
+<p:sld xmlns:a="http://schemas.openxmlformats.org/drawingml/2006/main" xmlns:r="http://schemas.openxmlformats.org/officeDocument/2006/relationships" xmlns:p="http://schemas.openxmlformats.org/presentationml/2006/main">
+  <p:cSld>
+    <p:bg>
+      <p:bgPr>
+        <a:solidFill>
+          <a:schemeClr val="bg1"/>
+        </a:solidFill>
+        <a:effectLst/>
+      </p:bgPr>
+    </p:bg>
+    <p:spTree>
+      <p:nvGrpSpPr>
+        <p:cNvPr id="1" name=""/>
+        <p:cNvGrpSpPr/>
+        <p:nvPr/>
+      </p:nvGrpSpPr>
+      <p:grpSpPr>
+        <a:xfrm>
+          <a:off x="0" y="0"/>
+          <a:ext cx="0" cy="0"/>
+          <a:chOff x="0" y="0"/>
+          <a:chExt cx="0" cy="0"/>
+        </a:xfrm>
+      </p:grpSpPr>
+      <p:sp useBgFill="1">
+        <p:nvSpPr>
+          <p:cNvPr id="3081" name="Rectangle 3080">
+            <a:extLst>
+              <a:ext uri="{FF2B5EF4-FFF2-40B4-BE49-F238E27FC236}">
+                <a16:creationId xmlns:a16="http://schemas.microsoft.com/office/drawing/2014/main" id="{4AB8125F-0FD8-48CD-9F43-73E5494EA774}"/>
+              </a:ext>
+              <a:ext uri="{C183D7F6-B498-43B3-948B-1728B52AA6E4}">
+                <adec:decorative xmlns:adec="http://schemas.microsoft.com/office/drawing/2017/decorative" val="1"/>
+              </a:ext>
+            </a:extLst>
+          </p:cNvPr>
+          <p:cNvSpPr>
+            <a:spLocks noGrp="1" noRot="1" noChangeAspect="1" noMove="1" noResize="1" noEditPoints="1" noAdjustHandles="1" noChangeArrowheads="1" noChangeShapeType="1" noTextEdit="1"/>
+          </p:cNvSpPr>
+          <p:nvPr>
+            <p:extLst>
+              <p:ext uri="{386F3935-93C4-4BCD-93E2-E3B085C9AB24}">
+                <p16:designElem xmlns:p16="http://schemas.microsoft.com/office/powerpoint/2015/main" val="1"/>
+              </p:ext>
+            </p:extLst>
+          </p:nvPr>
+        </p:nvSpPr>
+        <p:spPr>
+          <a:xfrm>
+            <a:off x="3048" y="0"/>
+            <a:ext cx="12188952" cy="6858000"/>
+          </a:xfrm>
+          <a:prstGeom prst="rect">
+            <a:avLst/>
+          </a:prstGeom>
+          <a:ln>
+            <a:noFill/>
+          </a:ln>
+        </p:spPr>
+        <p:style>
+          <a:lnRef idx="2">
+            <a:schemeClr val="accent1">
+              <a:shade val="50000"/>
+            </a:schemeClr>
+          </a:lnRef>
+          <a:fillRef idx="1">
+            <a:schemeClr val="accent1"/>
+          </a:fillRef>
+          <a:effectRef idx="0">
+            <a:schemeClr val="accent1"/>
+          </a:effectRef>
+          <a:fontRef idx="minor">
+            <a:schemeClr val="lt1"/>
+          </a:fontRef>
+        </p:style>
+        <p:txBody>
+          <a:bodyPr rtlCol="0" anchor="ctr"/>
+          <a:lstStyle/>
+          <a:p>
+            <a:pPr algn="ctr"/>
+            <a:endParaRPr lang="en-US">
+              <a:solidFill>
+                <a:schemeClr val="tx1">
+                  <a:lumMod val="65000"/>
+                  <a:lumOff val="35000"/>
+                </a:schemeClr>
+              </a:solidFill>
+              <a:latin typeface="AvenirNext LT Pro Medium" panose="020B0504020202020204" pitchFamily="34" charset="0"/>
+            </a:endParaRPr>
+          </a:p>
+        </p:txBody>
+      </p:sp>
+      <p:sp>
+        <p:nvSpPr>
+          <p:cNvPr id="3083" name="Rectangle 3082">
+            <a:extLst>
+              <a:ext uri="{FF2B5EF4-FFF2-40B4-BE49-F238E27FC236}">
+                <a16:creationId xmlns:a16="http://schemas.microsoft.com/office/drawing/2014/main" id="{0019DD6C-5899-4C07-864B-EB0A7D104ACF}"/>
+              </a:ext>
+              <a:ext uri="{C183D7F6-B498-43B3-948B-1728B52AA6E4}">
+                <adec:decorative xmlns:adec="http://schemas.microsoft.com/office/drawing/2017/decorative" val="1"/>
+              </a:ext>
+            </a:extLst>
+          </p:cNvPr>
+          <p:cNvSpPr>
+            <a:spLocks noGrp="1" noRot="1" noChangeAspect="1" noMove="1" noResize="1" noEditPoints="1" noAdjustHandles="1" noChangeArrowheads="1" noChangeShapeType="1" noTextEdit="1"/>
+          </p:cNvSpPr>
+          <p:nvPr>
+            <p:extLst>
+              <p:ext uri="{386F3935-93C4-4BCD-93E2-E3B085C9AB24}">
+                <p16:designElem xmlns:p16="http://schemas.microsoft.com/office/powerpoint/2015/main" val="1"/>
+              </p:ext>
+            </p:extLst>
+          </p:nvPr>
+        </p:nvSpPr>
+        <p:spPr>
+          <a:xfrm>
+            <a:off x="3048" y="0"/>
+            <a:ext cx="12188952" cy="6858000"/>
+          </a:xfrm>
+          <a:prstGeom prst="rect">
+            <a:avLst/>
+          </a:prstGeom>
+          <a:solidFill>
+            <a:schemeClr val="bg2">
+              <a:alpha val="70000"/>
+            </a:schemeClr>
+          </a:solidFill>
+          <a:ln>
+            <a:noFill/>
+          </a:ln>
+        </p:spPr>
+        <p:style>
+          <a:lnRef idx="2">
+            <a:schemeClr val="accent1">
+              <a:shade val="50000"/>
+            </a:schemeClr>
+          </a:lnRef>
+          <a:fillRef idx="1">
+            <a:schemeClr val="accent1"/>
+          </a:fillRef>
+          <a:effectRef idx="0">
+            <a:schemeClr val="accent1"/>
+          </a:effectRef>
+          <a:fontRef idx="minor">
+            <a:schemeClr val="lt1"/>
+          </a:fontRef>
+        </p:style>
+        <p:txBody>
+          <a:bodyPr rtlCol="0" anchor="ctr"/>
+          <a:lstStyle/>
+          <a:p>
+            <a:pPr algn="ctr"/>
+            <a:endParaRPr lang="en-US">
+              <a:solidFill>
+                <a:schemeClr val="tx1">
+                  <a:lumMod val="65000"/>
+                  <a:lumOff val="35000"/>
+                </a:schemeClr>
+              </a:solidFill>
+              <a:latin typeface="AvenirNext LT Pro Medium" panose="020B0504020202020204" pitchFamily="34" charset="0"/>
+            </a:endParaRPr>
+          </a:p>
+        </p:txBody>
+      </p:sp>
+      <p:sp>
+        <p:nvSpPr>
+          <p:cNvPr id="3085" name="Rectangle 3084">
+            <a:extLst>
+              <a:ext uri="{FF2B5EF4-FFF2-40B4-BE49-F238E27FC236}">
+                <a16:creationId xmlns:a16="http://schemas.microsoft.com/office/drawing/2014/main" id="{EBDFFBC1-15BD-428E-B8AF-ECF5D1B76DEB}"/>
+              </a:ext>
+              <a:ext uri="{C183D7F6-B498-43B3-948B-1728B52AA6E4}">
+                <adec:decorative xmlns:adec="http://schemas.microsoft.com/office/drawing/2017/decorative" val="1"/>
+              </a:ext>
+            </a:extLst>
+          </p:cNvPr>
+          <p:cNvSpPr>
+            <a:spLocks noGrp="1" noRot="1" noChangeAspect="1" noMove="1" noResize="1" noEditPoints="1" noAdjustHandles="1" noChangeArrowheads="1" noChangeShapeType="1" noTextEdit="1"/>
+          </p:cNvSpPr>
+          <p:nvPr>
+            <p:extLst>
+              <p:ext uri="{386F3935-93C4-4BCD-93E2-E3B085C9AB24}">
+                <p16:designElem xmlns:p16="http://schemas.microsoft.com/office/powerpoint/2015/main" val="1"/>
+              </p:ext>
+            </p:extLst>
+          </p:nvPr>
+        </p:nvSpPr>
+        <p:spPr>
+          <a:xfrm>
+            <a:off x="0" y="-151"/>
+            <a:ext cx="12192000" cy="2217680"/>
+          </a:xfrm>
+          <a:prstGeom prst="rect">
+            <a:avLst/>
+          </a:prstGeom>
+          <a:solidFill>
+            <a:schemeClr val="tx2">
+              <a:lumMod val="90000"/>
+              <a:lumOff val="10000"/>
+            </a:schemeClr>
+          </a:solidFill>
+          <a:ln>
+            <a:noFill/>
+          </a:ln>
+        </p:spPr>
+        <p:style>
+          <a:lnRef idx="2">
+            <a:schemeClr val="accent1">
+              <a:shade val="50000"/>
+            </a:schemeClr>
+          </a:lnRef>
+          <a:fillRef idx="1">
+            <a:schemeClr val="accent1"/>
+          </a:fillRef>
+          <a:effectRef idx="0">
+            <a:schemeClr val="accent1"/>
+          </a:effectRef>
+          <a:fontRef idx="minor">
+            <a:schemeClr val="lt1"/>
+          </a:fontRef>
+        </p:style>
+        <p:txBody>
+          <a:bodyPr rtlCol="0" anchor="ctr"/>
+          <a:lstStyle/>
+          <a:p>
+            <a:pPr algn="ctr"/>
+            <a:endParaRPr lang="en-US" dirty="0">
+              <a:solidFill>
+                <a:schemeClr val="tx1">
+                  <a:lumMod val="65000"/>
+                  <a:lumOff val="35000"/>
+                </a:schemeClr>
+              </a:solidFill>
+              <a:latin typeface="AvenirNext LT Pro Medium" panose="020B0504020202020204" pitchFamily="34" charset="0"/>
+            </a:endParaRPr>
+          </a:p>
+        </p:txBody>
+      </p:sp>
+      <p:sp>
+        <p:nvSpPr>
+          <p:cNvPr id="3087" name="Rectangle 3086">
+            <a:extLst>
+              <a:ext uri="{FF2B5EF4-FFF2-40B4-BE49-F238E27FC236}">
+                <a16:creationId xmlns:a16="http://schemas.microsoft.com/office/drawing/2014/main" id="{EBFB3075-0323-4EB0-B1A5-776A0E709CEF}"/>
+              </a:ext>
+              <a:ext uri="{C183D7F6-B498-43B3-948B-1728B52AA6E4}">
+                <adec:decorative xmlns:adec="http://schemas.microsoft.com/office/drawing/2017/decorative" val="1"/>
+              </a:ext>
+            </a:extLst>
+          </p:cNvPr>
+          <p:cNvSpPr>
+            <a:spLocks noGrp="1" noRot="1" noChangeAspect="1" noMove="1" noResize="1" noEditPoints="1" noAdjustHandles="1" noChangeArrowheads="1" noChangeShapeType="1" noTextEdit="1"/>
+          </p:cNvSpPr>
+          <p:nvPr>
+            <p:extLst>
+              <p:ext uri="{386F3935-93C4-4BCD-93E2-E3B085C9AB24}">
+                <p16:designElem xmlns:p16="http://schemas.microsoft.com/office/powerpoint/2015/main" val="1"/>
+              </p:ext>
+            </p:extLst>
+          </p:nvPr>
+        </p:nvSpPr>
+        <p:spPr>
+          <a:xfrm rot="10800000">
+            <a:off x="0" y="-1"/>
+            <a:ext cx="12191999" cy="2224386"/>
+          </a:xfrm>
+          <a:prstGeom prst="rect">
+            <a:avLst/>
+          </a:prstGeom>
+          <a:blipFill dpi="0" rotWithShape="1">
+            <a:blip r:embed="rId3">
+              <a:alphaModFix amt="20000"/>
+              <a:duotone>
+                <a:schemeClr val="accent1">
+                  <a:shade val="45000"/>
+                  <a:satMod val="135000"/>
+                </a:schemeClr>
+                <a:prstClr val="white"/>
+              </a:duotone>
+            </a:blip>
+            <a:srcRect/>
+            <a:tile tx="889000" ty="0" sx="100000" sy="100000" flip="none" algn="tl"/>
+          </a:blipFill>
+          <a:ln>
+            <a:noFill/>
+          </a:ln>
+        </p:spPr>
+        <p:style>
+          <a:lnRef idx="2">
+            <a:schemeClr val="accent1">
+              <a:shade val="50000"/>
+            </a:schemeClr>
+          </a:lnRef>
+          <a:fillRef idx="1">
+            <a:schemeClr val="accent1"/>
+          </a:fillRef>
+          <a:effectRef idx="0">
+            <a:schemeClr val="accent1"/>
+          </a:effectRef>
+          <a:fontRef idx="minor">
+            <a:schemeClr val="lt1"/>
+          </a:fontRef>
+        </p:style>
+        <p:txBody>
+          <a:bodyPr rtlCol="0" anchor="ctr"/>
+          <a:lstStyle/>
+          <a:p>
+            <a:pPr algn="ctr"/>
+            <a:endParaRPr lang="en-US" dirty="0"/>
+          </a:p>
+        </p:txBody>
+      </p:sp>
+      <p:sp>
+        <p:nvSpPr>
+          <p:cNvPr id="2" name="Nadpis 1">
+            <a:extLst>
+              <a:ext uri="{FF2B5EF4-FFF2-40B4-BE49-F238E27FC236}">
+                <a16:creationId xmlns:a16="http://schemas.microsoft.com/office/drawing/2014/main" id="{6DDC27C6-03BB-41F6-AEEB-7496BDE645F4}"/>
+              </a:ext>
+            </a:extLst>
+          </p:cNvPr>
+          <p:cNvSpPr>
+            <a:spLocks noGrp="1"/>
+          </p:cNvSpPr>
+          <p:nvPr>
+            <p:ph type="title"/>
+          </p:nvPr>
+        </p:nvSpPr>
+        <p:spPr>
+          <a:xfrm>
+            <a:off x="838200" y="381000"/>
+            <a:ext cx="10003218" cy="1600124"/>
+          </a:xfrm>
+        </p:spPr>
+        <p:txBody>
+          <a:bodyPr>
+            <a:normAutofit/>
+          </a:bodyPr>
+          <a:lstStyle/>
+          <a:p>
+            <a:r>
+              <a:rPr lang="cs-CZ"/>
+              <a:t>eGovenment</a:t>
+            </a:r>
+            <a:endParaRPr lang="cs-CZ" dirty="0"/>
+          </a:p>
+        </p:txBody>
+      </p:sp>
+      <p:sp>
+        <p:nvSpPr>
+          <p:cNvPr id="3" name="Zástupný obsah 2">
+            <a:extLst>
+              <a:ext uri="{FF2B5EF4-FFF2-40B4-BE49-F238E27FC236}">
+                <a16:creationId xmlns:a16="http://schemas.microsoft.com/office/drawing/2014/main" id="{CFCFAC44-F1A4-4636-982E-A61E4F3BD009}"/>
+              </a:ext>
+            </a:extLst>
+          </p:cNvPr>
+          <p:cNvSpPr>
+            <a:spLocks noGrp="1"/>
+          </p:cNvSpPr>
+          <p:nvPr>
+            <p:ph idx="1"/>
+          </p:nvPr>
+        </p:nvSpPr>
+        <p:spPr>
+          <a:xfrm>
+            <a:off x="838200" y="2745362"/>
+            <a:ext cx="4800600" cy="3552824"/>
+          </a:xfrm>
+        </p:spPr>
+        <p:txBody>
+          <a:bodyPr anchor="ctr">
+            <a:normAutofit/>
+          </a:bodyPr>
+          <a:lstStyle/>
+          <a:p>
+            <a:r>
+              <a:rPr lang="cs-CZ" sz="1800">
+                <a:solidFill>
+                  <a:schemeClr val="tx1"/>
+                </a:solidFill>
+              </a:rPr>
+              <a:t>Komunikace státu s občany</a:t>
+            </a:r>
+          </a:p>
+          <a:p>
+            <a:r>
+              <a:rPr lang="cs-CZ" sz="1800">
+                <a:solidFill>
+                  <a:schemeClr val="tx1"/>
+                </a:solidFill>
+              </a:rPr>
+              <a:t>Komunikace tipu e-citizen</a:t>
+            </a:r>
+          </a:p>
+          <a:p>
+            <a:r>
+              <a:rPr lang="cs-CZ" sz="1800">
+                <a:solidFill>
+                  <a:schemeClr val="tx1"/>
+                </a:solidFill>
+              </a:rPr>
+              <a:t>Statní instant-messaging</a:t>
+            </a:r>
+          </a:p>
+        </p:txBody>
+      </p:sp>
+      <p:pic>
+        <p:nvPicPr>
+          <p:cNvPr id="3076" name="Picture 4" descr="EUROPEAN COMPUTER DRIVING LICENCE / INTERNATIONAL COMPUTER DRIVING LICENCE  - e-Citizen SYLABUS 1.0">
+            <a:extLst>
+              <a:ext uri="{FF2B5EF4-FFF2-40B4-BE49-F238E27FC236}">
+                <a16:creationId xmlns:a16="http://schemas.microsoft.com/office/drawing/2014/main" id="{B2D88B05-D1C6-4D79-AFD6-C63F345CC632}"/>
+              </a:ext>
+            </a:extLst>
+          </p:cNvPr>
+          <p:cNvPicPr>
+            <a:picLocks noChangeAspect="1" noChangeArrowheads="1"/>
+          </p:cNvPicPr>
+          <p:nvPr/>
+        </p:nvPicPr>
+        <p:blipFill>
+          <a:blip r:embed="rId4">
+            <a:extLst>
+              <a:ext uri="{28A0092B-C50C-407E-A947-70E740481C1C}">
+                <a14:useLocalDpi xmlns:a14="http://schemas.microsoft.com/office/drawing/2010/main" val="0"/>
+              </a:ext>
+            </a:extLst>
+          </a:blip>
+          <a:stretch>
+            <a:fillRect/>
+          </a:stretch>
+        </p:blipFill>
+        <p:spPr bwMode="auto">
+          <a:xfrm>
+            <a:off x="5996628" y="3024933"/>
+            <a:ext cx="5585772" cy="2993681"/>
+          </a:xfrm>
+          <a:prstGeom prst="rect">
+            <a:avLst/>
+          </a:prstGeom>
+          <a:noFill/>
+          <a:extLst>
+            <a:ext uri="{909E8E84-426E-40DD-AFC4-6F175D3DCCD1}">
+              <a14:hiddenFill xmlns:a14="http://schemas.microsoft.com/office/drawing/2010/main">
+                <a:solidFill>
+                  <a:srgbClr val="FFFFFF"/>
+                </a:solidFill>
+              </a14:hiddenFill>
+            </a:ext>
+          </a:extLst>
+        </p:spPr>
+      </p:pic>
+    </p:spTree>
+    <p:extLst>
+      <p:ext uri="{BB962C8B-B14F-4D97-AF65-F5344CB8AC3E}">
+        <p14:creationId xmlns:p14="http://schemas.microsoft.com/office/powerpoint/2010/main" val="1335757661"/>
+      </p:ext>
+    </p:extLst>
+  </p:cSld>
+  <p:clrMapOvr>
+    <a:masterClrMapping/>
+  </p:clrMapOvr>
+</p:sld>
+</file>
+
+<file path=ppt/slides/slide5.xml><?xml version="1.0" encoding="utf-8"?>
+<p:sld xmlns:a="http://schemas.openxmlformats.org/drawingml/2006/main" xmlns:r="http://schemas.openxmlformats.org/officeDocument/2006/relationships" xmlns:p="http://schemas.openxmlformats.org/presentationml/2006/main">
+  <p:cSld>
+    <p:spTree>
+      <p:nvGrpSpPr>
+        <p:cNvPr id="1" name=""/>
+        <p:cNvGrpSpPr/>
+        <p:nvPr/>
+      </p:nvGrpSpPr>
+      <p:grpSpPr>
+        <a:xfrm>
+          <a:off x="0" y="0"/>
+          <a:ext cx="0" cy="0"/>
+          <a:chOff x="0" y="0"/>
+          <a:chExt cx="0" cy="0"/>
+        </a:xfrm>
+      </p:grpSpPr>
+      <p:sp>
+        <p:nvSpPr>
+          <p:cNvPr id="2" name="Nadpis 1">
+            <a:extLst>
+              <a:ext uri="{FF2B5EF4-FFF2-40B4-BE49-F238E27FC236}">
+                <a16:creationId xmlns:a16="http://schemas.microsoft.com/office/drawing/2014/main" id="{F6CBFAC3-B37A-43CE-ADAB-824526337979}"/>
+              </a:ext>
+            </a:extLst>
+          </p:cNvPr>
+          <p:cNvSpPr>
+            <a:spLocks noGrp="1"/>
+          </p:cNvSpPr>
+          <p:nvPr>
+            <p:ph type="title"/>
+          </p:nvPr>
+        </p:nvSpPr>
+        <p:spPr/>
+        <p:txBody>
+          <a:bodyPr>
+            <a:normAutofit/>
+          </a:bodyPr>
+          <a:lstStyle/>
+          <a:p>
+            <a:r>
+              <a:rPr lang="cs-CZ"/>
+              <a:t>Portál občana</a:t>
+            </a:r>
+          </a:p>
+        </p:txBody>
+      </p:sp>
+      <p:sp>
+        <p:nvSpPr>
+          <p:cNvPr id="3" name="Zástupný obsah 2">
+            <a:extLst>
+              <a:ext uri="{FF2B5EF4-FFF2-40B4-BE49-F238E27FC236}">
+                <a16:creationId xmlns:a16="http://schemas.microsoft.com/office/drawing/2014/main" id="{16B73FDF-F64B-46C0-B598-1661946D8CB1}"/>
+              </a:ext>
+            </a:extLst>
+          </p:cNvPr>
+          <p:cNvSpPr>
+            <a:spLocks noGrp="1"/>
+          </p:cNvSpPr>
+          <p:nvPr>
+            <p:ph idx="1"/>
+          </p:nvPr>
+        </p:nvSpPr>
+        <p:spPr/>
+        <p:txBody>
+          <a:bodyPr/>
+          <a:lstStyle/>
+          <a:p>
+            <a:endParaRPr lang="cs-CZ"/>
+          </a:p>
+        </p:txBody>
+      </p:sp>
+    </p:spTree>
+    <p:extLst>
+      <p:ext uri="{BB962C8B-B14F-4D97-AF65-F5344CB8AC3E}">
+        <p14:creationId xmlns:p14="http://schemas.microsoft.com/office/powerpoint/2010/main" val="2866794615"/>
+      </p:ext>
+    </p:extLst>
+  </p:cSld>
+  <p:clrMapOvr>
+    <a:masterClrMapping/>
+  </p:clrMapOvr>
+</p:sld>
+</file>
+
+<file path=ppt/slides/slide6.xml><?xml version="1.0" encoding="utf-8"?>
+<p:sld xmlns:a="http://schemas.openxmlformats.org/drawingml/2006/main" xmlns:r="http://schemas.openxmlformats.org/officeDocument/2006/relationships" xmlns:p="http://schemas.openxmlformats.org/presentationml/2006/main">
+  <p:cSld>
+    <p:spTree>
+      <p:nvGrpSpPr>
+        <p:cNvPr id="1" name=""/>
+        <p:cNvGrpSpPr/>
+        <p:nvPr/>
+      </p:nvGrpSpPr>
+      <p:grpSpPr>
+        <a:xfrm>
+          <a:off x="0" y="0"/>
+          <a:ext cx="0" cy="0"/>
+          <a:chOff x="0" y="0"/>
+          <a:chExt cx="0" cy="0"/>
+        </a:xfrm>
+      </p:grpSpPr>
+      <p:sp>
+        <p:nvSpPr>
+          <p:cNvPr id="2" name="Nadpis 1">
+            <a:extLst>
+              <a:ext uri="{FF2B5EF4-FFF2-40B4-BE49-F238E27FC236}">
+                <a16:creationId xmlns:a16="http://schemas.microsoft.com/office/drawing/2014/main" id="{5DEE2E97-5831-4EE3-80E9-20CC2E86213C}"/>
+              </a:ext>
+            </a:extLst>
+          </p:cNvPr>
+          <p:cNvSpPr>
+            <a:spLocks noGrp="1"/>
+          </p:cNvSpPr>
+          <p:nvPr>
+            <p:ph type="title"/>
+          </p:nvPr>
+        </p:nvSpPr>
+        <p:spPr/>
+        <p:txBody>
+          <a:bodyPr/>
+          <a:lstStyle/>
+          <a:p>
+            <a:endParaRPr lang="cs-CZ"/>
+          </a:p>
+        </p:txBody>
+      </p:sp>
+      <p:sp>
+        <p:nvSpPr>
+          <p:cNvPr id="3" name="Zástupný obsah 2">
+            <a:extLst>
+              <a:ext uri="{FF2B5EF4-FFF2-40B4-BE49-F238E27FC236}">
+                <a16:creationId xmlns:a16="http://schemas.microsoft.com/office/drawing/2014/main" id="{A620CB58-5760-4B48-A5A9-C661A9B838F5}"/>
+              </a:ext>
+            </a:extLst>
+          </p:cNvPr>
+          <p:cNvSpPr>
+            <a:spLocks noGrp="1"/>
+          </p:cNvSpPr>
+          <p:nvPr>
+            <p:ph idx="1"/>
+          </p:nvPr>
+        </p:nvSpPr>
+        <p:spPr/>
+        <p:txBody>
+          <a:bodyPr/>
+          <a:lstStyle/>
+          <a:p>
+            <a:endParaRPr lang="cs-CZ"/>
+          </a:p>
+        </p:txBody>
+      </p:sp>
+    </p:spTree>
+    <p:extLst>
+      <p:ext uri="{BB962C8B-B14F-4D97-AF65-F5344CB8AC3E}">
+        <p14:creationId xmlns:p14="http://schemas.microsoft.com/office/powerpoint/2010/main" val="2249468069"/>
+      </p:ext>
+    </p:extLst>
+  </p:cSld>
+  <p:clrMapOvr>
+    <a:masterClrMapping/>
+  </p:clrMapOvr>
+</p:sld>
+</file>
+
+<file path=ppt/slides/slide7.xml><?xml version="1.0" encoding="utf-8"?>
+<p:sld xmlns:a="http://schemas.openxmlformats.org/drawingml/2006/main" xmlns:r="http://schemas.openxmlformats.org/officeDocument/2006/relationships" xmlns:p="http://schemas.openxmlformats.org/presentationml/2006/main">
+  <p:cSld>
+    <p:spTree>
+      <p:nvGrpSpPr>
+        <p:cNvPr id="1" name=""/>
+        <p:cNvGrpSpPr/>
+        <p:nvPr/>
+      </p:nvGrpSpPr>
+      <p:grpSpPr>
+        <a:xfrm>
+          <a:off x="0" y="0"/>
+          <a:ext cx="0" cy="0"/>
+          <a:chOff x="0" y="0"/>
+          <a:chExt cx="0" cy="0"/>
+        </a:xfrm>
+      </p:grpSpPr>
+      <p:sp>
+        <p:nvSpPr>
+          <p:cNvPr id="2" name="Nadpis 1">
+            <a:extLst>
+              <a:ext uri="{FF2B5EF4-FFF2-40B4-BE49-F238E27FC236}">
+                <a16:creationId xmlns:a16="http://schemas.microsoft.com/office/drawing/2014/main" id="{13129B2B-7521-4D13-B4B9-0808615DE565}"/>
+              </a:ext>
+            </a:extLst>
+          </p:cNvPr>
+          <p:cNvSpPr>
+            <a:spLocks noGrp="1"/>
+          </p:cNvSpPr>
+          <p:nvPr>
+            <p:ph type="title"/>
+          </p:nvPr>
+        </p:nvSpPr>
+        <p:spPr/>
+        <p:txBody>
+          <a:bodyPr/>
+          <a:lstStyle/>
+          <a:p>
+            <a:endParaRPr lang="cs-CZ"/>
+          </a:p>
+        </p:txBody>
+      </p:sp>
+      <p:sp>
+        <p:nvSpPr>
+          <p:cNvPr id="3" name="Zástupný obsah 2">
+            <a:extLst>
+              <a:ext uri="{FF2B5EF4-FFF2-40B4-BE49-F238E27FC236}">
+                <a16:creationId xmlns:a16="http://schemas.microsoft.com/office/drawing/2014/main" id="{73195B5F-8520-44FA-A872-3E5294C164D8}"/>
+              </a:ext>
+            </a:extLst>
+          </p:cNvPr>
+          <p:cNvSpPr>
+            <a:spLocks noGrp="1"/>
+          </p:cNvSpPr>
+          <p:nvPr>
+            <p:ph idx="1"/>
+          </p:nvPr>
+        </p:nvSpPr>
+        <p:spPr/>
+        <p:txBody>
+          <a:bodyPr/>
+          <a:lstStyle/>
+          <a:p>
+            <a:endParaRPr lang="cs-CZ"/>
+          </a:p>
+        </p:txBody>
+      </p:sp>
+    </p:spTree>
+    <p:extLst>
+      <p:ext uri="{BB962C8B-B14F-4D97-AF65-F5344CB8AC3E}">
+        <p14:creationId xmlns:p14="http://schemas.microsoft.com/office/powerpoint/2010/main" val="716167254"/>
+      </p:ext>
+    </p:extLst>
+  </p:cSld>
+  <p:clrMapOvr>
+    <a:masterClrMapping/>
+  </p:clrMapOvr>
+</p:sld>
+</file>
+
+<file path=ppt/slides/slide8.xml><?xml version="1.0" encoding="utf-8"?>
+<p:sld xmlns:a="http://schemas.openxmlformats.org/drawingml/2006/main" xmlns:r="http://schemas.openxmlformats.org/officeDocument/2006/relationships" xmlns:p="http://schemas.openxmlformats.org/presentationml/2006/main">
+  <p:cSld>
+    <p:spTree>
+      <p:nvGrpSpPr>
+        <p:cNvPr id="1" name=""/>
+        <p:cNvGrpSpPr/>
+        <p:nvPr/>
+      </p:nvGrpSpPr>
+      <p:grpSpPr>
+        <a:xfrm>
+          <a:off x="0" y="0"/>
+          <a:ext cx="0" cy="0"/>
+          <a:chOff x="0" y="0"/>
+          <a:chExt cx="0" cy="0"/>
+        </a:xfrm>
+      </p:grpSpPr>
+      <p:sp>
+        <p:nvSpPr>
+          <p:cNvPr id="2" name="Nadpis 1">
+            <a:extLst>
+              <a:ext uri="{FF2B5EF4-FFF2-40B4-BE49-F238E27FC236}">
+                <a16:creationId xmlns:a16="http://schemas.microsoft.com/office/drawing/2014/main" id="{A2920C6B-5210-4567-B7FB-346BD0C3E2E2}"/>
+              </a:ext>
+            </a:extLst>
+          </p:cNvPr>
+          <p:cNvSpPr>
+            <a:spLocks noGrp="1"/>
+          </p:cNvSpPr>
+          <p:nvPr>
+            <p:ph type="title"/>
+          </p:nvPr>
+        </p:nvSpPr>
+        <p:spPr/>
+        <p:txBody>
+          <a:bodyPr/>
+          <a:lstStyle/>
+          <a:p>
+            <a:endParaRPr lang="cs-CZ"/>
+          </a:p>
+        </p:txBody>
+      </p:sp>
+      <p:sp>
+        <p:nvSpPr>
+          <p:cNvPr id="3" name="Zástupný obsah 2">
+            <a:extLst>
+              <a:ext uri="{FF2B5EF4-FFF2-40B4-BE49-F238E27FC236}">
+                <a16:creationId xmlns:a16="http://schemas.microsoft.com/office/drawing/2014/main" id="{4AB92AB2-C9A4-46E3-B8A5-58550FD9E7BA}"/>
+              </a:ext>
+            </a:extLst>
+          </p:cNvPr>
+          <p:cNvSpPr>
+            <a:spLocks noGrp="1"/>
+          </p:cNvSpPr>
+          <p:nvPr>
+            <p:ph idx="1"/>
+          </p:nvPr>
+        </p:nvSpPr>
+        <p:spPr/>
+        <p:txBody>
+          <a:bodyPr/>
+          <a:lstStyle/>
+          <a:p>
+            <a:endParaRPr lang="cs-CZ"/>
+          </a:p>
+        </p:txBody>
+      </p:sp>
+    </p:spTree>
+    <p:extLst>
+      <p:ext uri="{BB962C8B-B14F-4D97-AF65-F5344CB8AC3E}">
+        <p14:creationId xmlns:p14="http://schemas.microsoft.com/office/powerpoint/2010/main" val="3096248135"/>
+      </p:ext>
+    </p:extLst>
+  </p:cSld>
+  <p:clrMapOvr>
+    <a:masterClrMapping/>
+  </p:clrMapOvr>
+</p:sld>
+</file>
+
+<file path=ppt/slides/slide9.xml><?xml version="1.0" encoding="utf-8"?>
+<p:sld xmlns:a="http://schemas.openxmlformats.org/drawingml/2006/main" xmlns:r="http://schemas.openxmlformats.org/officeDocument/2006/relationships" xmlns:p="http://schemas.openxmlformats.org/presentationml/2006/main">
+  <p:cSld>
+    <p:spTree>
+      <p:nvGrpSpPr>
+        <p:cNvPr id="1" name=""/>
+        <p:cNvGrpSpPr/>
+        <p:nvPr/>
+      </p:nvGrpSpPr>
+      <p:grpSpPr>
+        <a:xfrm>
+          <a:off x="0" y="0"/>
+          <a:ext cx="0" cy="0"/>
+          <a:chOff x="0" y="0"/>
+          <a:chExt cx="0" cy="0"/>
+        </a:xfrm>
+      </p:grpSpPr>
+      <p:sp>
+        <p:nvSpPr>
+          <p:cNvPr id="2" name="Nadpis 1">
+            <a:extLst>
+              <a:ext uri="{FF2B5EF4-FFF2-40B4-BE49-F238E27FC236}">
+                <a16:creationId xmlns:a16="http://schemas.microsoft.com/office/drawing/2014/main" id="{38689241-0ECF-4F8D-AFCB-D3D9DB335CC2}"/>
+              </a:ext>
+            </a:extLst>
+          </p:cNvPr>
+          <p:cNvSpPr>
+            <a:spLocks noGrp="1"/>
+          </p:cNvSpPr>
+          <p:nvPr>
+            <p:ph type="title"/>
+          </p:nvPr>
+        </p:nvSpPr>
+        <p:spPr/>
+        <p:txBody>
+          <a:bodyPr/>
+          <a:lstStyle/>
+          <a:p>
+            <a:endParaRPr lang="cs-CZ"/>
+          </a:p>
+        </p:txBody>
+      </p:sp>
+      <p:sp>
+        <p:nvSpPr>
+          <p:cNvPr id="3" name="Zástupný obsah 2">
+            <a:extLst>
+              <a:ext uri="{FF2B5EF4-FFF2-40B4-BE49-F238E27FC236}">
+                <a16:creationId xmlns:a16="http://schemas.microsoft.com/office/drawing/2014/main" id="{13AE5F42-49B4-4EC4-BC84-04D3D6775205}"/>
+              </a:ext>
+            </a:extLst>
+          </p:cNvPr>
+          <p:cNvSpPr>
+            <a:spLocks noGrp="1"/>
+          </p:cNvSpPr>
+          <p:nvPr>
+            <p:ph idx="1"/>
+          </p:nvPr>
+        </p:nvSpPr>
+        <p:spPr/>
+        <p:txBody>
+          <a:bodyPr/>
+          <a:lstStyle/>
+          <a:p>
+            <a:endParaRPr lang="cs-CZ"/>
+          </a:p>
+        </p:txBody>
+      </p:sp>
+    </p:spTree>
+    <p:extLst>
+      <p:ext uri="{BB962C8B-B14F-4D97-AF65-F5344CB8AC3E}">
+        <p14:creationId xmlns:p14="http://schemas.microsoft.com/office/powerpoint/2010/main" val="1540846668"/>
       </p:ext>
     </p:extLst>
   </p:cSld>
@@ -4020,4 +7595,299 @@
     </a:ext>
   </a:extLst>
 </a:theme>
+</file>
+
+<file path=ppt/theme/theme2.xml><?xml version="1.0" encoding="utf-8"?>
+<a:theme xmlns:a="http://schemas.openxmlformats.org/drawingml/2006/main" name="Motiv Office">
+  <a:themeElements>
+    <a:clrScheme name="Office">
+      <a:dk1>
+        <a:sysClr val="windowText" lastClr="000000"/>
+      </a:dk1>
+      <a:lt1>
+        <a:sysClr val="window" lastClr="FFFFFF"/>
+      </a:lt1>
+      <a:dk2>
+        <a:srgbClr val="44546A"/>
+      </a:dk2>
+      <a:lt2>
+        <a:srgbClr val="E7E6E6"/>
+      </a:lt2>
+      <a:accent1>
+        <a:srgbClr val="4472C4"/>
+      </a:accent1>
+      <a:accent2>
+        <a:srgbClr val="ED7D31"/>
+      </a:accent2>
+      <a:accent3>
+        <a:srgbClr val="A5A5A5"/>
+      </a:accent3>
+      <a:accent4>
+        <a:srgbClr val="FFC000"/>
+      </a:accent4>
+      <a:accent5>
+        <a:srgbClr val="5B9BD5"/>
+      </a:accent5>
+      <a:accent6>
+        <a:srgbClr val="70AD47"/>
+      </a:accent6>
+      <a:hlink>
+        <a:srgbClr val="0563C1"/>
+      </a:hlink>
+      <a:folHlink>
+        <a:srgbClr val="954F72"/>
+      </a:folHlink>
+    </a:clrScheme>
+    <a:fontScheme name="Office">
+      <a:majorFont>
+        <a:latin typeface="Calibri Light" panose="020F0302020204030204"/>
+        <a:ea typeface=""/>
+        <a:cs typeface=""/>
+        <a:font script="Jpan" typeface="游ゴシック Light"/>
+        <a:font script="Hang" typeface="맑은 고딕"/>
+        <a:font script="Hans" typeface="等线 Light"/>
+        <a:font script="Hant" typeface="新細明體"/>
+        <a:font script="Arab" typeface="Times New Roman"/>
+        <a:font script="Hebr" typeface="Times New Roman"/>
+        <a:font script="Thai" typeface="Angsana New"/>
+        <a:font script="Ethi" typeface="Nyala"/>
+        <a:font script="Beng" typeface="Vrinda"/>
+        <a:font script="Gujr" typeface="Shruti"/>
+        <a:font script="Khmr" typeface="MoolBoran"/>
+        <a:font script="Knda" typeface="Tunga"/>
+        <a:font script="Guru" typeface="Raavi"/>
+        <a:font script="Cans" typeface="Euphemia"/>
+        <a:font script="Cher" typeface="Plantagenet Cherokee"/>
+        <a:font script="Yiii" typeface="Microsoft Yi Baiti"/>
+        <a:font script="Tibt" typeface="Microsoft Himalaya"/>
+        <a:font script="Thaa" typeface="MV Boli"/>
+        <a:font script="Deva" typeface="Mangal"/>
+        <a:font script="Telu" typeface="Gautami"/>
+        <a:font script="Taml" typeface="Latha"/>
+        <a:font script="Syrc" typeface="Estrangelo Edessa"/>
+        <a:font script="Orya" typeface="Kalinga"/>
+        <a:font script="Mlym" typeface="Kartika"/>
+        <a:font script="Laoo" typeface="DokChampa"/>
+        <a:font script="Sinh" typeface="Iskoola Pota"/>
+        <a:font script="Mong" typeface="Mongolian Baiti"/>
+        <a:font script="Viet" typeface="Times New Roman"/>
+        <a:font script="Uigh" typeface="Microsoft Uighur"/>
+        <a:font script="Geor" typeface="Sylfaen"/>
+        <a:font script="Armn" typeface="Arial"/>
+        <a:font script="Bugi" typeface="Leelawadee UI"/>
+        <a:font script="Bopo" typeface="Microsoft JhengHei"/>
+        <a:font script="Java" typeface="Javanese Text"/>
+        <a:font script="Lisu" typeface="Segoe UI"/>
+        <a:font script="Mymr" typeface="Myanmar Text"/>
+        <a:font script="Nkoo" typeface="Ebrima"/>
+        <a:font script="Olck" typeface="Nirmala UI"/>
+        <a:font script="Osma" typeface="Ebrima"/>
+        <a:font script="Phag" typeface="Phagspa"/>
+        <a:font script="Syrn" typeface="Estrangelo Edessa"/>
+        <a:font script="Syrj" typeface="Estrangelo Edessa"/>
+        <a:font script="Syre" typeface="Estrangelo Edessa"/>
+        <a:font script="Sora" typeface="Nirmala UI"/>
+        <a:font script="Tale" typeface="Microsoft Tai Le"/>
+        <a:font script="Talu" typeface="Microsoft New Tai Lue"/>
+        <a:font script="Tfng" typeface="Ebrima"/>
+      </a:majorFont>
+      <a:minorFont>
+        <a:latin typeface="Calibri" panose="020F0502020204030204"/>
+        <a:ea typeface=""/>
+        <a:cs typeface=""/>
+        <a:font script="Jpan" typeface="游ゴシック"/>
+        <a:font script="Hang" typeface="맑은 고딕"/>
+        <a:font script="Hans" typeface="等线"/>
+        <a:font script="Hant" typeface="新細明體"/>
+        <a:font script="Arab" typeface="Arial"/>
+        <a:font script="Hebr" typeface="Arial"/>
+        <a:font script="Thai" typeface="Cordia New"/>
+        <a:font script="Ethi" typeface="Nyala"/>
+        <a:font script="Beng" typeface="Vrinda"/>
+        <a:font script="Gujr" typeface="Shruti"/>
+        <a:font script="Khmr" typeface="DaunPenh"/>
+        <a:font script="Knda" typeface="Tunga"/>
+        <a:font script="Guru" typeface="Raavi"/>
+        <a:font script="Cans" typeface="Euphemia"/>
+        <a:font script="Cher" typeface="Plantagenet Cherokee"/>
+        <a:font script="Yiii" typeface="Microsoft Yi Baiti"/>
+        <a:font script="Tibt" typeface="Microsoft Himalaya"/>
+        <a:font script="Thaa" typeface="MV Boli"/>
+        <a:font script="Deva" typeface="Mangal"/>
+        <a:font script="Telu" typeface="Gautami"/>
+        <a:font script="Taml" typeface="Latha"/>
+        <a:font script="Syrc" typeface="Estrangelo Edessa"/>
+        <a:font script="Orya" typeface="Kalinga"/>
+        <a:font script="Mlym" typeface="Kartika"/>
+        <a:font script="Laoo" typeface="DokChampa"/>
+        <a:font script="Sinh" typeface="Iskoola Pota"/>
+        <a:font script="Mong" typeface="Mongolian Baiti"/>
+        <a:font script="Viet" typeface="Arial"/>
+        <a:font script="Uigh" typeface="Microsoft Uighur"/>
+        <a:font script="Geor" typeface="Sylfaen"/>
+        <a:font script="Armn" typeface="Arial"/>
+        <a:font script="Bugi" typeface="Leelawadee UI"/>
+        <a:font script="Bopo" typeface="Microsoft JhengHei"/>
+        <a:font script="Java" typeface="Javanese Text"/>
+        <a:font script="Lisu" typeface="Segoe UI"/>
+        <a:font script="Mymr" typeface="Myanmar Text"/>
+        <a:font script="Nkoo" typeface="Ebrima"/>
+        <a:font script="Olck" typeface="Nirmala UI"/>
+        <a:font script="Osma" typeface="Ebrima"/>
+        <a:font script="Phag" typeface="Phagspa"/>
+        <a:font script="Syrn" typeface="Estrangelo Edessa"/>
+        <a:font script="Syrj" typeface="Estrangelo Edessa"/>
+        <a:font script="Syre" typeface="Estrangelo Edessa"/>
+        <a:font script="Sora" typeface="Nirmala UI"/>
+        <a:font script="Tale" typeface="Microsoft Tai Le"/>
+        <a:font script="Talu" typeface="Microsoft New Tai Lue"/>
+        <a:font script="Tfng" typeface="Ebrima"/>
+      </a:minorFont>
+    </a:fontScheme>
+    <a:fmtScheme name="Office">
+      <a:fillStyleLst>
+        <a:solidFill>
+          <a:schemeClr val="phClr"/>
+        </a:solidFill>
+        <a:gradFill rotWithShape="1">
+          <a:gsLst>
+            <a:gs pos="0">
+              <a:schemeClr val="phClr">
+                <a:lumMod val="110000"/>
+                <a:satMod val="105000"/>
+                <a:tint val="67000"/>
+              </a:schemeClr>
+            </a:gs>
+            <a:gs pos="50000">
+              <a:schemeClr val="phClr">
+                <a:lumMod val="105000"/>
+                <a:satMod val="103000"/>
+                <a:tint val="73000"/>
+              </a:schemeClr>
+            </a:gs>
+            <a:gs pos="100000">
+              <a:schemeClr val="phClr">
+                <a:lumMod val="105000"/>
+                <a:satMod val="109000"/>
+                <a:tint val="81000"/>
+              </a:schemeClr>
+            </a:gs>
+          </a:gsLst>
+          <a:lin ang="5400000" scaled="0"/>
+        </a:gradFill>
+        <a:gradFill rotWithShape="1">
+          <a:gsLst>
+            <a:gs pos="0">
+              <a:schemeClr val="phClr">
+                <a:satMod val="103000"/>
+                <a:lumMod val="102000"/>
+                <a:tint val="94000"/>
+              </a:schemeClr>
+            </a:gs>
+            <a:gs pos="50000">
+              <a:schemeClr val="phClr">
+                <a:satMod val="110000"/>
+                <a:lumMod val="100000"/>
+                <a:shade val="100000"/>
+              </a:schemeClr>
+            </a:gs>
+            <a:gs pos="100000">
+              <a:schemeClr val="phClr">
+                <a:lumMod val="99000"/>
+                <a:satMod val="120000"/>
+                <a:shade val="78000"/>
+              </a:schemeClr>
+            </a:gs>
+          </a:gsLst>
+          <a:lin ang="5400000" scaled="0"/>
+        </a:gradFill>
+      </a:fillStyleLst>
+      <a:lnStyleLst>
+        <a:ln w="6350" cap="flat" cmpd="sng" algn="ctr">
+          <a:solidFill>
+            <a:schemeClr val="phClr"/>
+          </a:solidFill>
+          <a:prstDash val="solid"/>
+          <a:miter lim="800000"/>
+        </a:ln>
+        <a:ln w="12700" cap="flat" cmpd="sng" algn="ctr">
+          <a:solidFill>
+            <a:schemeClr val="phClr"/>
+          </a:solidFill>
+          <a:prstDash val="solid"/>
+          <a:miter lim="800000"/>
+        </a:ln>
+        <a:ln w="19050" cap="flat" cmpd="sng" algn="ctr">
+          <a:solidFill>
+            <a:schemeClr val="phClr"/>
+          </a:solidFill>
+          <a:prstDash val="solid"/>
+          <a:miter lim="800000"/>
+        </a:ln>
+      </a:lnStyleLst>
+      <a:effectStyleLst>
+        <a:effectStyle>
+          <a:effectLst/>
+        </a:effectStyle>
+        <a:effectStyle>
+          <a:effectLst/>
+        </a:effectStyle>
+        <a:effectStyle>
+          <a:effectLst>
+            <a:outerShdw blurRad="57150" dist="19050" dir="5400000" algn="ctr" rotWithShape="0">
+              <a:srgbClr val="000000">
+                <a:alpha val="63000"/>
+              </a:srgbClr>
+            </a:outerShdw>
+          </a:effectLst>
+        </a:effectStyle>
+      </a:effectStyleLst>
+      <a:bgFillStyleLst>
+        <a:solidFill>
+          <a:schemeClr val="phClr"/>
+        </a:solidFill>
+        <a:solidFill>
+          <a:schemeClr val="phClr">
+            <a:tint val="95000"/>
+            <a:satMod val="170000"/>
+          </a:schemeClr>
+        </a:solidFill>
+        <a:gradFill rotWithShape="1">
+          <a:gsLst>
+            <a:gs pos="0">
+              <a:schemeClr val="phClr">
+                <a:tint val="93000"/>
+                <a:satMod val="150000"/>
+                <a:shade val="98000"/>
+                <a:lumMod val="102000"/>
+              </a:schemeClr>
+            </a:gs>
+            <a:gs pos="50000">
+              <a:schemeClr val="phClr">
+                <a:tint val="98000"/>
+                <a:satMod val="130000"/>
+                <a:shade val="90000"/>
+                <a:lumMod val="103000"/>
+              </a:schemeClr>
+            </a:gs>
+            <a:gs pos="100000">
+              <a:schemeClr val="phClr">
+                <a:shade val="63000"/>
+                <a:satMod val="120000"/>
+              </a:schemeClr>
+            </a:gs>
+          </a:gsLst>
+          <a:lin ang="5400000" scaled="0"/>
+        </a:gradFill>
+      </a:bgFillStyleLst>
+    </a:fmtScheme>
+  </a:themeElements>
+  <a:objectDefaults/>
+  <a:extraClrSchemeLst/>
+  <a:extLst>
+    <a:ext uri="{05A4C25C-085E-4340-85A3-A5531E510DB2}">
+      <thm15:themeFamily xmlns:thm15="http://schemas.microsoft.com/office/thememl/2012/main" name="Office Theme" id="{62F939B6-93AF-4DB8-9C6B-D6C7DFDC589F}" vid="{4A3C46E8-61CC-4603-A589-7422A47A8E4A}"/>
+    </a:ext>
+  </a:extLst>
+</a:theme>
 </file>
--- a/Maixner.pptx
+++ b/Maixner.pptx
@@ -13,7 +13,7 @@
     <p:sldId id="258" r:id="rId4"/>
     <p:sldId id="259" r:id="rId5"/>
     <p:sldId id="260" r:id="rId6"/>
-    <p:sldId id="261" r:id="rId7"/>
+    <p:sldId id="277" r:id="rId7"/>
     <p:sldId id="262" r:id="rId8"/>
     <p:sldId id="263" r:id="rId9"/>
     <p:sldId id="264" r:id="rId10"/>
@@ -621,12 +621,8 @@
           </a:p>
           <a:p>
             <a:r>
-              <a:rPr lang="cs-CZ" dirty="0" err="1"/>
-              <a:t>eGovenment</a:t>
-            </a:r>
-            <a:r>
               <a:rPr lang="cs-CZ" dirty="0"/>
-              <a:t> je elektronická vláda</a:t>
+              <a:t>eGovernment je elektronická vláda</a:t>
             </a:r>
           </a:p>
         </p:txBody>
@@ -721,7 +717,7 @@
             </a:r>
             <a:r>
               <a:rPr lang="cs-CZ" dirty="0"/>
-              <a:t> pomáhá uživatelům se orientovat na internetu </a:t>
+              <a:t> pomáhá uživatelům se orientovat na internetu                  </a:t>
             </a:r>
             <a:r>
               <a:rPr lang="cs-CZ" sz="1200" b="0" i="0" kern="1200" dirty="0">
@@ -771,31 +767,7 @@
                 <a:ea typeface="+mn-ea"/>
                 <a:cs typeface="+mn-cs"/>
               </a:rPr>
-              <a:t>V rámci </a:t>
-            </a:r>
-            <a:r>
-              <a:rPr lang="cs-CZ" sz="1200" b="0" i="0" kern="1200" dirty="0" err="1">
-                <a:solidFill>
-                  <a:schemeClr val="tx1"/>
-                </a:solidFill>
-                <a:effectLst/>
-                <a:latin typeface="+mn-lt"/>
-                <a:ea typeface="+mn-ea"/>
-                <a:cs typeface="+mn-cs"/>
-              </a:rPr>
-              <a:t>eGovenmentu</a:t>
-            </a:r>
-            <a:r>
-              <a:rPr lang="cs-CZ" sz="1200" b="0" i="0" kern="1200" dirty="0">
-                <a:solidFill>
-                  <a:schemeClr val="tx1"/>
-                </a:solidFill>
-                <a:effectLst/>
-                <a:latin typeface="+mn-lt"/>
-                <a:ea typeface="+mn-ea"/>
-                <a:cs typeface="+mn-cs"/>
-              </a:rPr>
-              <a:t> to je například zasílání varovných </a:t>
+              <a:t>V rámci eGovernmentu to je například zasílání varovných </a:t>
             </a:r>
             <a:r>
               <a:rPr lang="cs-CZ" sz="1200" b="0" i="0" kern="1200" dirty="0" err="1">
@@ -840,6 +812,364 @@
     <p:extLst>
       <p:ext uri="{BB962C8B-B14F-4D97-AF65-F5344CB8AC3E}">
         <p14:creationId xmlns:p14="http://schemas.microsoft.com/office/powerpoint/2010/main" val="1192947676"/>
+      </p:ext>
+    </p:extLst>
+  </p:cSld>
+  <p:clrMapOvr>
+    <a:masterClrMapping/>
+  </p:clrMapOvr>
+</p:notes>
+</file>
+
+<file path=ppt/notesSlides/notesSlide4.xml><?xml version="1.0" encoding="utf-8"?>
+<p:notes xmlns:a="http://schemas.openxmlformats.org/drawingml/2006/main" xmlns:r="http://schemas.openxmlformats.org/officeDocument/2006/relationships" xmlns:p="http://schemas.openxmlformats.org/presentationml/2006/main">
+  <p:cSld>
+    <p:spTree>
+      <p:nvGrpSpPr>
+        <p:cNvPr id="1" name=""/>
+        <p:cNvGrpSpPr/>
+        <p:nvPr/>
+      </p:nvGrpSpPr>
+      <p:grpSpPr>
+        <a:xfrm>
+          <a:off x="0" y="0"/>
+          <a:ext cx="0" cy="0"/>
+          <a:chOff x="0" y="0"/>
+          <a:chExt cx="0" cy="0"/>
+        </a:xfrm>
+      </p:grpSpPr>
+      <p:sp>
+        <p:nvSpPr>
+          <p:cNvPr id="2" name="Zástupný symbol pro obrázek snímku 1"/>
+          <p:cNvSpPr>
+            <a:spLocks noGrp="1" noRot="1" noChangeAspect="1"/>
+          </p:cNvSpPr>
+          <p:nvPr>
+            <p:ph type="sldImg"/>
+          </p:nvPr>
+        </p:nvSpPr>
+        <p:spPr/>
+      </p:sp>
+      <p:sp>
+        <p:nvSpPr>
+          <p:cNvPr id="3" name="Zástupný symbol pro poznámky 2"/>
+          <p:cNvSpPr>
+            <a:spLocks noGrp="1"/>
+          </p:cNvSpPr>
+          <p:nvPr>
+            <p:ph type="body" idx="1"/>
+          </p:nvPr>
+        </p:nvSpPr>
+        <p:spPr/>
+        <p:txBody>
+          <a:bodyPr/>
+          <a:lstStyle/>
+          <a:p>
+            <a:r>
+              <a:rPr lang="cs-CZ" dirty="0"/>
+              <a:t>Portál je postaven na platformě </a:t>
+            </a:r>
+            <a:r>
+              <a:rPr lang="cs-CZ" dirty="0" err="1"/>
+              <a:t>opensource</a:t>
+            </a:r>
+            <a:r>
+              <a:rPr lang="cs-CZ" dirty="0"/>
+              <a:t>   skrze datovou schránku můžete komunikovat s úřady </a:t>
+            </a:r>
+          </a:p>
+        </p:txBody>
+      </p:sp>
+      <p:sp>
+        <p:nvSpPr>
+          <p:cNvPr id="4" name="Zástupný symbol pro číslo snímku 3"/>
+          <p:cNvSpPr>
+            <a:spLocks noGrp="1"/>
+          </p:cNvSpPr>
+          <p:nvPr>
+            <p:ph type="sldNum" sz="quarter" idx="5"/>
+          </p:nvPr>
+        </p:nvSpPr>
+        <p:spPr/>
+        <p:txBody>
+          <a:bodyPr/>
+          <a:lstStyle/>
+          <a:p>
+            <a:fld id="{335C404A-DE52-464E-AB8D-0875D9A9F9E6}" type="slidenum">
+              <a:rPr lang="cs-CZ" smtClean="0"/>
+              <a:t>5</a:t>
+            </a:fld>
+            <a:endParaRPr lang="cs-CZ"/>
+          </a:p>
+        </p:txBody>
+      </p:sp>
+    </p:spTree>
+    <p:extLst>
+      <p:ext uri="{BB962C8B-B14F-4D97-AF65-F5344CB8AC3E}">
+        <p14:creationId xmlns:p14="http://schemas.microsoft.com/office/powerpoint/2010/main" val="3807269982"/>
+      </p:ext>
+    </p:extLst>
+  </p:cSld>
+  <p:clrMapOvr>
+    <a:masterClrMapping/>
+  </p:clrMapOvr>
+</p:notes>
+</file>
+
+<file path=ppt/notesSlides/notesSlide5.xml><?xml version="1.0" encoding="utf-8"?>
+<p:notes xmlns:a="http://schemas.openxmlformats.org/drawingml/2006/main" xmlns:r="http://schemas.openxmlformats.org/officeDocument/2006/relationships" xmlns:p="http://schemas.openxmlformats.org/presentationml/2006/main">
+  <p:cSld>
+    <p:spTree>
+      <p:nvGrpSpPr>
+        <p:cNvPr id="1" name=""/>
+        <p:cNvGrpSpPr/>
+        <p:nvPr/>
+      </p:nvGrpSpPr>
+      <p:grpSpPr>
+        <a:xfrm>
+          <a:off x="0" y="0"/>
+          <a:ext cx="0" cy="0"/>
+          <a:chOff x="0" y="0"/>
+          <a:chExt cx="0" cy="0"/>
+        </a:xfrm>
+      </p:grpSpPr>
+      <p:sp>
+        <p:nvSpPr>
+          <p:cNvPr id="2" name="Zástupný symbol pro obrázek snímku 1"/>
+          <p:cNvSpPr>
+            <a:spLocks noGrp="1" noRot="1" noChangeAspect="1"/>
+          </p:cNvSpPr>
+          <p:nvPr>
+            <p:ph type="sldImg"/>
+          </p:nvPr>
+        </p:nvSpPr>
+        <p:spPr/>
+      </p:sp>
+      <p:sp>
+        <p:nvSpPr>
+          <p:cNvPr id="3" name="Zástupný symbol pro poznámky 2"/>
+          <p:cNvSpPr>
+            <a:spLocks noGrp="1"/>
+          </p:cNvSpPr>
+          <p:nvPr>
+            <p:ph type="body" idx="1"/>
+          </p:nvPr>
+        </p:nvSpPr>
+        <p:spPr/>
+        <p:txBody>
+          <a:bodyPr/>
+          <a:lstStyle/>
+          <a:p>
+            <a:r>
+              <a:rPr lang="cs-CZ" dirty="0"/>
+              <a:t>Portál občana kontrola platnosti dokladů, obnovení řidičáku, bodové hodnocení řidičů, založení nebo změna živnosti, výpis z rejstříku trestů, podpis </a:t>
+            </a:r>
+            <a:r>
+              <a:rPr lang="cs-CZ" dirty="0" err="1"/>
+              <a:t>ePetice</a:t>
+            </a:r>
+            <a:endParaRPr lang="cs-CZ" dirty="0"/>
+          </a:p>
+          <a:p>
+            <a:r>
+              <a:rPr lang="cs-CZ" dirty="0"/>
+              <a:t>Česká správa sociálního zabezpečení podání přehledu o příjmech a výdajích OSVČ,</a:t>
+            </a:r>
+            <a:r>
+              <a:rPr lang="cs-CZ" sz="1200" b="0" i="0" kern="1200" dirty="0">
+                <a:solidFill>
+                  <a:schemeClr val="tx1"/>
+                </a:solidFill>
+                <a:effectLst/>
+                <a:latin typeface="+mn-lt"/>
+                <a:ea typeface="+mn-ea"/>
+                <a:cs typeface="+mn-cs"/>
+              </a:rPr>
+              <a:t> informace o zaplacených zálohách na důchodové pojištění OSVČ</a:t>
+            </a:r>
+          </a:p>
+          <a:p>
+            <a:r>
+              <a:rPr lang="cs-CZ" sz="1200" b="0" i="0" kern="1200" dirty="0">
+                <a:solidFill>
+                  <a:schemeClr val="tx1"/>
+                </a:solidFill>
+                <a:effectLst/>
+                <a:latin typeface="+mn-lt"/>
+                <a:ea typeface="+mn-ea"/>
+                <a:cs typeface="+mn-cs"/>
+              </a:rPr>
+              <a:t>Moje daně  vyplnění a podání daňového přiznání k dani z příjmu fyzických osob, dani z nemovitých věcí nebo dani z přidané hodnoty, kontrola stavu vašeho daňového účtu</a:t>
+            </a:r>
+            <a:endParaRPr lang="cs-CZ" dirty="0"/>
+          </a:p>
+        </p:txBody>
+      </p:sp>
+      <p:sp>
+        <p:nvSpPr>
+          <p:cNvPr id="4" name="Zástupný symbol pro číslo snímku 3"/>
+          <p:cNvSpPr>
+            <a:spLocks noGrp="1"/>
+          </p:cNvSpPr>
+          <p:nvPr>
+            <p:ph type="sldNum" sz="quarter" idx="5"/>
+          </p:nvPr>
+        </p:nvSpPr>
+        <p:spPr/>
+        <p:txBody>
+          <a:bodyPr/>
+          <a:lstStyle/>
+          <a:p>
+            <a:fld id="{335C404A-DE52-464E-AB8D-0875D9A9F9E6}" type="slidenum">
+              <a:rPr lang="cs-CZ" smtClean="0"/>
+              <a:t>6</a:t>
+            </a:fld>
+            <a:endParaRPr lang="cs-CZ"/>
+          </a:p>
+        </p:txBody>
+      </p:sp>
+    </p:spTree>
+    <p:extLst>
+      <p:ext uri="{BB962C8B-B14F-4D97-AF65-F5344CB8AC3E}">
+        <p14:creationId xmlns:p14="http://schemas.microsoft.com/office/powerpoint/2010/main" val="3768702009"/>
+      </p:ext>
+    </p:extLst>
+  </p:cSld>
+  <p:clrMapOvr>
+    <a:masterClrMapping/>
+  </p:clrMapOvr>
+</p:notes>
+</file>
+
+<file path=ppt/notesSlides/notesSlide6.xml><?xml version="1.0" encoding="utf-8"?>
+<p:notes xmlns:a="http://schemas.openxmlformats.org/drawingml/2006/main" xmlns:r="http://schemas.openxmlformats.org/officeDocument/2006/relationships" xmlns:p="http://schemas.openxmlformats.org/presentationml/2006/main">
+  <p:cSld>
+    <p:spTree>
+      <p:nvGrpSpPr>
+        <p:cNvPr id="1" name=""/>
+        <p:cNvGrpSpPr/>
+        <p:nvPr/>
+      </p:nvGrpSpPr>
+      <p:grpSpPr>
+        <a:xfrm>
+          <a:off x="0" y="0"/>
+          <a:ext cx="0" cy="0"/>
+          <a:chOff x="0" y="0"/>
+          <a:chExt cx="0" cy="0"/>
+        </a:xfrm>
+      </p:grpSpPr>
+      <p:sp>
+        <p:nvSpPr>
+          <p:cNvPr id="2" name="Zástupný symbol pro obrázek snímku 1"/>
+          <p:cNvSpPr>
+            <a:spLocks noGrp="1" noRot="1" noChangeAspect="1"/>
+          </p:cNvSpPr>
+          <p:nvPr>
+            <p:ph type="sldImg"/>
+          </p:nvPr>
+        </p:nvSpPr>
+        <p:spPr/>
+      </p:sp>
+      <p:sp>
+        <p:nvSpPr>
+          <p:cNvPr id="3" name="Zástupný symbol pro poznámky 2"/>
+          <p:cNvSpPr>
+            <a:spLocks noGrp="1"/>
+          </p:cNvSpPr>
+          <p:nvPr>
+            <p:ph type="body" idx="1"/>
+          </p:nvPr>
+        </p:nvSpPr>
+        <p:spPr/>
+        <p:txBody>
+          <a:bodyPr/>
+          <a:lstStyle/>
+          <a:p>
+            <a:r>
+              <a:rPr lang="cs-CZ" dirty="0"/>
+              <a:t>Úřad práce ČR </a:t>
+            </a:r>
+            <a:r>
+              <a:rPr lang="cs-CZ" sz="1200" b="0" i="0" kern="1200" dirty="0">
+                <a:solidFill>
+                  <a:schemeClr val="tx1"/>
+                </a:solidFill>
+                <a:effectLst/>
+                <a:latin typeface="+mn-lt"/>
+                <a:ea typeface="+mn-ea"/>
+                <a:cs typeface="+mn-cs"/>
+              </a:rPr>
+              <a:t>žádost o podporu v nezaměstnanosti, o rodičovský příspěvek a další dávky nebo podání žádosti o zprostředkování zaměstnání</a:t>
+            </a:r>
+            <a:endParaRPr lang="cs-CZ" dirty="0"/>
+          </a:p>
+          <a:p>
+            <a:r>
+              <a:rPr lang="cs-CZ" dirty="0"/>
+              <a:t>Očkovací portál </a:t>
+            </a:r>
+            <a:r>
+              <a:rPr lang="cs-CZ" sz="1200" b="0" i="0" kern="1200" dirty="0">
+                <a:solidFill>
+                  <a:schemeClr val="tx1"/>
+                </a:solidFill>
+                <a:effectLst/>
+                <a:latin typeface="+mn-lt"/>
+                <a:ea typeface="+mn-ea"/>
+                <a:cs typeface="+mn-cs"/>
+              </a:rPr>
+              <a:t>stažení certifikátu o očkování, testu nebo prodělané nemoci</a:t>
+            </a:r>
+            <a:endParaRPr lang="cs-CZ" dirty="0"/>
+          </a:p>
+          <a:p>
+            <a:r>
+              <a:rPr lang="cs-CZ" dirty="0"/>
+              <a:t>eRecept </a:t>
+            </a:r>
+            <a:r>
+              <a:rPr lang="cs-CZ" sz="1200" b="0" i="0" kern="1200" dirty="0">
+                <a:solidFill>
+                  <a:schemeClr val="tx1"/>
+                </a:solidFill>
+                <a:effectLst/>
+                <a:latin typeface="+mn-lt"/>
+                <a:ea typeface="+mn-ea"/>
+                <a:cs typeface="+mn-cs"/>
+              </a:rPr>
+              <a:t>seznam vydaných i nevydaných léků, chystá se přehled o absolvovaném očkování</a:t>
+            </a:r>
+            <a:endParaRPr lang="cs-CZ" dirty="0"/>
+          </a:p>
+        </p:txBody>
+      </p:sp>
+      <p:sp>
+        <p:nvSpPr>
+          <p:cNvPr id="4" name="Zástupný symbol pro číslo snímku 3"/>
+          <p:cNvSpPr>
+            <a:spLocks noGrp="1"/>
+          </p:cNvSpPr>
+          <p:nvPr>
+            <p:ph type="sldNum" sz="quarter" idx="5"/>
+          </p:nvPr>
+        </p:nvSpPr>
+        <p:spPr/>
+        <p:txBody>
+          <a:bodyPr/>
+          <a:lstStyle/>
+          <a:p>
+            <a:fld id="{335C404A-DE52-464E-AB8D-0875D9A9F9E6}" type="slidenum">
+              <a:rPr lang="cs-CZ" smtClean="0"/>
+              <a:t>7</a:t>
+            </a:fld>
+            <a:endParaRPr lang="cs-CZ"/>
+          </a:p>
+        </p:txBody>
+      </p:sp>
+    </p:spTree>
+    <p:extLst>
+      <p:ext uri="{BB962C8B-B14F-4D97-AF65-F5344CB8AC3E}">
+        <p14:creationId xmlns:p14="http://schemas.microsoft.com/office/powerpoint/2010/main" val="1176295734"/>
       </p:ext>
     </p:extLst>
   </p:cSld>
@@ -6429,21 +6759,8 @@
                   <a:schemeClr val="tx1"/>
                 </a:solidFill>
               </a:rPr>
-              <a:t>Přístup do </a:t>
-            </a:r>
-            <a:r>
-              <a:rPr lang="cs-CZ" sz="1800" dirty="0" err="1">
-                <a:solidFill>
-                  <a:schemeClr val="tx1"/>
-                </a:solidFill>
-              </a:rPr>
-              <a:t>eGovenmentu</a:t>
-            </a:r>
-            <a:endParaRPr lang="cs-CZ" sz="1800" dirty="0">
-              <a:solidFill>
-                <a:schemeClr val="tx1"/>
-              </a:solidFill>
-            </a:endParaRPr>
+              <a:t>Přístup do eGovernmentu</a:t>
+            </a:r>
           </a:p>
           <a:p>
             <a:r>
@@ -6866,10 +7183,9 @@
           <a:lstStyle/>
           <a:p>
             <a:r>
-              <a:rPr lang="cs-CZ"/>
-              <a:t>eGovenment</a:t>
-            </a:r>
-            <a:endParaRPr lang="cs-CZ" dirty="0"/>
+              <a:rPr lang="cs-CZ" dirty="0"/>
+              <a:t>eGovernment</a:t>
+            </a:r>
           </a:p>
         </p:txBody>
       </p:sp>
@@ -6902,7 +7218,7 @@
           <a:lstStyle/>
           <a:p>
             <a:r>
-              <a:rPr lang="cs-CZ" sz="1800">
+              <a:rPr lang="cs-CZ" sz="1800" dirty="0">
                 <a:solidFill>
                   <a:schemeClr val="tx1"/>
                 </a:solidFill>
@@ -6912,23 +7228,49 @@
           </a:p>
           <a:p>
             <a:r>
-              <a:rPr lang="cs-CZ" sz="1800">
+              <a:rPr lang="cs-CZ" sz="1800" dirty="0">
                 <a:solidFill>
                   <a:schemeClr val="tx1"/>
                 </a:solidFill>
               </a:rPr>
-              <a:t>Komunikace tipu e-citizen</a:t>
-            </a:r>
-          </a:p>
-          <a:p>
-            <a:r>
-              <a:rPr lang="cs-CZ" sz="1800">
+              <a:t>Komunikace tipu e-</a:t>
+            </a:r>
+            <a:r>
+              <a:rPr lang="cs-CZ" sz="1800" dirty="0" err="1">
                 <a:solidFill>
                   <a:schemeClr val="tx1"/>
                 </a:solidFill>
               </a:rPr>
-              <a:t>Statní instant-messaging</a:t>
-            </a:r>
+              <a:t>citizen</a:t>
+            </a:r>
+            <a:endParaRPr lang="cs-CZ" sz="1800" dirty="0">
+              <a:solidFill>
+                <a:schemeClr val="tx1"/>
+              </a:solidFill>
+            </a:endParaRPr>
+          </a:p>
+          <a:p>
+            <a:r>
+              <a:rPr lang="cs-CZ" sz="1800" dirty="0">
+                <a:solidFill>
+                  <a:schemeClr val="tx1"/>
+                </a:solidFill>
+              </a:rPr>
+              <a:t>Statní instant-</a:t>
+            </a:r>
+            <a:r>
+              <a:rPr lang="cs-CZ" sz="1800" dirty="0" err="1">
+                <a:solidFill>
+                  <a:schemeClr val="tx1"/>
+                </a:solidFill>
+              </a:rPr>
+              <a:t>messaging</a:t>
+            </a:r>
+            <a:endParaRPr lang="cs-CZ" sz="1800" dirty="0">
+              <a:solidFill>
+                <a:schemeClr val="tx1"/>
+              </a:solidFill>
+            </a:endParaRPr>
           </a:p>
         </p:txBody>
       </p:sp>
@@ -6994,6 +7336,14 @@
 <file path=ppt/slides/slide5.xml><?xml version="1.0" encoding="utf-8"?>
 <p:sld xmlns:a="http://schemas.openxmlformats.org/drawingml/2006/main" xmlns:r="http://schemas.openxmlformats.org/officeDocument/2006/relationships" xmlns:p="http://schemas.openxmlformats.org/presentationml/2006/main">
   <p:cSld>
+    <p:bg>
+      <p:bgPr>
+        <a:solidFill>
+          <a:schemeClr val="bg1"/>
+        </a:solidFill>
+        <a:effectLst/>
+      </p:bgPr>
+    </p:bg>
     <p:spTree>
       <p:nvGrpSpPr>
         <p:cNvPr id="1" name=""/>
@@ -7008,6 +7358,295 @@
           <a:chExt cx="0" cy="0"/>
         </a:xfrm>
       </p:grpSpPr>
+      <p:sp useBgFill="1">
+        <p:nvSpPr>
+          <p:cNvPr id="2055" name="Rectangle 2054">
+            <a:extLst>
+              <a:ext uri="{FF2B5EF4-FFF2-40B4-BE49-F238E27FC236}">
+                <a16:creationId xmlns:a16="http://schemas.microsoft.com/office/drawing/2014/main" id="{4AB8125F-0FD8-48CD-9F43-73E5494EA774}"/>
+              </a:ext>
+              <a:ext uri="{C183D7F6-B498-43B3-948B-1728B52AA6E4}">
+                <adec:decorative xmlns:adec="http://schemas.microsoft.com/office/drawing/2017/decorative" val="1"/>
+              </a:ext>
+            </a:extLst>
+          </p:cNvPr>
+          <p:cNvSpPr>
+            <a:spLocks noGrp="1" noRot="1" noChangeAspect="1" noMove="1" noResize="1" noEditPoints="1" noAdjustHandles="1" noChangeArrowheads="1" noChangeShapeType="1" noTextEdit="1"/>
+          </p:cNvSpPr>
+          <p:nvPr>
+            <p:extLst>
+              <p:ext uri="{386F3935-93C4-4BCD-93E2-E3B085C9AB24}">
+                <p16:designElem xmlns:p16="http://schemas.microsoft.com/office/powerpoint/2015/main" val="1"/>
+              </p:ext>
+            </p:extLst>
+          </p:nvPr>
+        </p:nvSpPr>
+        <p:spPr>
+          <a:xfrm>
+            <a:off x="3048" y="0"/>
+            <a:ext cx="12188952" cy="6858000"/>
+          </a:xfrm>
+          <a:prstGeom prst="rect">
+            <a:avLst/>
+          </a:prstGeom>
+          <a:ln>
+            <a:noFill/>
+          </a:ln>
+        </p:spPr>
+        <p:style>
+          <a:lnRef idx="2">
+            <a:schemeClr val="accent1">
+              <a:shade val="50000"/>
+            </a:schemeClr>
+          </a:lnRef>
+          <a:fillRef idx="1">
+            <a:schemeClr val="accent1"/>
+          </a:fillRef>
+          <a:effectRef idx="0">
+            <a:schemeClr val="accent1"/>
+          </a:effectRef>
+          <a:fontRef idx="minor">
+            <a:schemeClr val="lt1"/>
+          </a:fontRef>
+        </p:style>
+        <p:txBody>
+          <a:bodyPr rtlCol="0" anchor="ctr"/>
+          <a:lstStyle/>
+          <a:p>
+            <a:pPr algn="ctr"/>
+            <a:endParaRPr lang="en-US">
+              <a:solidFill>
+                <a:schemeClr val="tx1">
+                  <a:lumMod val="65000"/>
+                  <a:lumOff val="35000"/>
+                </a:schemeClr>
+              </a:solidFill>
+              <a:latin typeface="AvenirNext LT Pro Medium" panose="020B0504020202020204" pitchFamily="34" charset="0"/>
+            </a:endParaRPr>
+          </a:p>
+        </p:txBody>
+      </p:sp>
+      <p:sp>
+        <p:nvSpPr>
+          <p:cNvPr id="2057" name="Rectangle 2056">
+            <a:extLst>
+              <a:ext uri="{FF2B5EF4-FFF2-40B4-BE49-F238E27FC236}">
+                <a16:creationId xmlns:a16="http://schemas.microsoft.com/office/drawing/2014/main" id="{0019DD6C-5899-4C07-864B-EB0A7D104ACF}"/>
+              </a:ext>
+              <a:ext uri="{C183D7F6-B498-43B3-948B-1728B52AA6E4}">
+                <adec:decorative xmlns:adec="http://schemas.microsoft.com/office/drawing/2017/decorative" val="1"/>
+              </a:ext>
+            </a:extLst>
+          </p:cNvPr>
+          <p:cNvSpPr>
+            <a:spLocks noGrp="1" noRot="1" noChangeAspect="1" noMove="1" noResize="1" noEditPoints="1" noAdjustHandles="1" noChangeArrowheads="1" noChangeShapeType="1" noTextEdit="1"/>
+          </p:cNvSpPr>
+          <p:nvPr>
+            <p:extLst>
+              <p:ext uri="{386F3935-93C4-4BCD-93E2-E3B085C9AB24}">
+                <p16:designElem xmlns:p16="http://schemas.microsoft.com/office/powerpoint/2015/main" val="1"/>
+              </p:ext>
+            </p:extLst>
+          </p:nvPr>
+        </p:nvSpPr>
+        <p:spPr>
+          <a:xfrm>
+            <a:off x="3048" y="0"/>
+            <a:ext cx="12188952" cy="6858000"/>
+          </a:xfrm>
+          <a:prstGeom prst="rect">
+            <a:avLst/>
+          </a:prstGeom>
+          <a:solidFill>
+            <a:schemeClr val="bg2">
+              <a:alpha val="70000"/>
+            </a:schemeClr>
+          </a:solidFill>
+          <a:ln>
+            <a:noFill/>
+          </a:ln>
+        </p:spPr>
+        <p:style>
+          <a:lnRef idx="2">
+            <a:schemeClr val="accent1">
+              <a:shade val="50000"/>
+            </a:schemeClr>
+          </a:lnRef>
+          <a:fillRef idx="1">
+            <a:schemeClr val="accent1"/>
+          </a:fillRef>
+          <a:effectRef idx="0">
+            <a:schemeClr val="accent1"/>
+          </a:effectRef>
+          <a:fontRef idx="minor">
+            <a:schemeClr val="lt1"/>
+          </a:fontRef>
+        </p:style>
+        <p:txBody>
+          <a:bodyPr rtlCol="0" anchor="ctr"/>
+          <a:lstStyle/>
+          <a:p>
+            <a:pPr algn="ctr"/>
+            <a:endParaRPr lang="en-US">
+              <a:solidFill>
+                <a:schemeClr val="tx1">
+                  <a:lumMod val="65000"/>
+                  <a:lumOff val="35000"/>
+                </a:schemeClr>
+              </a:solidFill>
+              <a:latin typeface="AvenirNext LT Pro Medium" panose="020B0504020202020204" pitchFamily="34" charset="0"/>
+            </a:endParaRPr>
+          </a:p>
+        </p:txBody>
+      </p:sp>
+      <p:sp>
+        <p:nvSpPr>
+          <p:cNvPr id="2059" name="Rectangle 2058">
+            <a:extLst>
+              <a:ext uri="{FF2B5EF4-FFF2-40B4-BE49-F238E27FC236}">
+                <a16:creationId xmlns:a16="http://schemas.microsoft.com/office/drawing/2014/main" id="{EBDFFBC1-15BD-428E-B8AF-ECF5D1B76DEB}"/>
+              </a:ext>
+              <a:ext uri="{C183D7F6-B498-43B3-948B-1728B52AA6E4}">
+                <adec:decorative xmlns:adec="http://schemas.microsoft.com/office/drawing/2017/decorative" val="1"/>
+              </a:ext>
+            </a:extLst>
+          </p:cNvPr>
+          <p:cNvSpPr>
+            <a:spLocks noGrp="1" noRot="1" noChangeAspect="1" noMove="1" noResize="1" noEditPoints="1" noAdjustHandles="1" noChangeArrowheads="1" noChangeShapeType="1" noTextEdit="1"/>
+          </p:cNvSpPr>
+          <p:nvPr>
+            <p:extLst>
+              <p:ext uri="{386F3935-93C4-4BCD-93E2-E3B085C9AB24}">
+                <p16:designElem xmlns:p16="http://schemas.microsoft.com/office/powerpoint/2015/main" val="1"/>
+              </p:ext>
+            </p:extLst>
+          </p:nvPr>
+        </p:nvSpPr>
+        <p:spPr>
+          <a:xfrm>
+            <a:off x="0" y="-151"/>
+            <a:ext cx="12192000" cy="2217680"/>
+          </a:xfrm>
+          <a:prstGeom prst="rect">
+            <a:avLst/>
+          </a:prstGeom>
+          <a:solidFill>
+            <a:schemeClr val="tx2">
+              <a:lumMod val="90000"/>
+              <a:lumOff val="10000"/>
+            </a:schemeClr>
+          </a:solidFill>
+          <a:ln>
+            <a:noFill/>
+          </a:ln>
+        </p:spPr>
+        <p:style>
+          <a:lnRef idx="2">
+            <a:schemeClr val="accent1">
+              <a:shade val="50000"/>
+            </a:schemeClr>
+          </a:lnRef>
+          <a:fillRef idx="1">
+            <a:schemeClr val="accent1"/>
+          </a:fillRef>
+          <a:effectRef idx="0">
+            <a:schemeClr val="accent1"/>
+          </a:effectRef>
+          <a:fontRef idx="minor">
+            <a:schemeClr val="lt1"/>
+          </a:fontRef>
+        </p:style>
+        <p:txBody>
+          <a:bodyPr rtlCol="0" anchor="ctr"/>
+          <a:lstStyle/>
+          <a:p>
+            <a:pPr algn="ctr"/>
+            <a:endParaRPr lang="en-US" dirty="0">
+              <a:solidFill>
+                <a:schemeClr val="tx1">
+                  <a:lumMod val="65000"/>
+                  <a:lumOff val="35000"/>
+                </a:schemeClr>
+              </a:solidFill>
+              <a:latin typeface="AvenirNext LT Pro Medium" panose="020B0504020202020204" pitchFamily="34" charset="0"/>
+            </a:endParaRPr>
+          </a:p>
+        </p:txBody>
+      </p:sp>
+      <p:sp>
+        <p:nvSpPr>
+          <p:cNvPr id="2061" name="Rectangle 2060">
+            <a:extLst>
+              <a:ext uri="{FF2B5EF4-FFF2-40B4-BE49-F238E27FC236}">
+                <a16:creationId xmlns:a16="http://schemas.microsoft.com/office/drawing/2014/main" id="{EBFB3075-0323-4EB0-B1A5-776A0E709CEF}"/>
+              </a:ext>
+              <a:ext uri="{C183D7F6-B498-43B3-948B-1728B52AA6E4}">
+                <adec:decorative xmlns:adec="http://schemas.microsoft.com/office/drawing/2017/decorative" val="1"/>
+              </a:ext>
+            </a:extLst>
+          </p:cNvPr>
+          <p:cNvSpPr>
+            <a:spLocks noGrp="1" noRot="1" noChangeAspect="1" noMove="1" noResize="1" noEditPoints="1" noAdjustHandles="1" noChangeArrowheads="1" noChangeShapeType="1" noTextEdit="1"/>
+          </p:cNvSpPr>
+          <p:nvPr>
+            <p:extLst>
+              <p:ext uri="{386F3935-93C4-4BCD-93E2-E3B085C9AB24}">
+                <p16:designElem xmlns:p16="http://schemas.microsoft.com/office/powerpoint/2015/main" val="1"/>
+              </p:ext>
+            </p:extLst>
+          </p:nvPr>
+        </p:nvSpPr>
+        <p:spPr>
+          <a:xfrm rot="10800000">
+            <a:off x="0" y="-1"/>
+            <a:ext cx="12191999" cy="2224386"/>
+          </a:xfrm>
+          <a:prstGeom prst="rect">
+            <a:avLst/>
+          </a:prstGeom>
+          <a:blipFill dpi="0" rotWithShape="1">
+            <a:blip r:embed="rId3">
+              <a:alphaModFix amt="20000"/>
+              <a:duotone>
+                <a:schemeClr val="accent1">
+                  <a:shade val="45000"/>
+                  <a:satMod val="135000"/>
+                </a:schemeClr>
+                <a:prstClr val="white"/>
+              </a:duotone>
+            </a:blip>
+            <a:srcRect/>
+            <a:tile tx="889000" ty="0" sx="100000" sy="100000" flip="none" algn="tl"/>
+          </a:blipFill>
+          <a:ln>
+            <a:noFill/>
+          </a:ln>
+        </p:spPr>
+        <p:style>
+          <a:lnRef idx="2">
+            <a:schemeClr val="accent1">
+              <a:shade val="50000"/>
+            </a:schemeClr>
+          </a:lnRef>
+          <a:fillRef idx="1">
+            <a:schemeClr val="accent1"/>
+          </a:fillRef>
+          <a:effectRef idx="0">
+            <a:schemeClr val="accent1"/>
+          </a:effectRef>
+          <a:fontRef idx="minor">
+            <a:schemeClr val="lt1"/>
+          </a:fontRef>
+        </p:style>
+        <p:txBody>
+          <a:bodyPr rtlCol="0" anchor="ctr"/>
+          <a:lstStyle/>
+          <a:p>
+            <a:pPr algn="ctr"/>
+            <a:endParaRPr lang="en-US" dirty="0"/>
+          </a:p>
+        </p:txBody>
+      </p:sp>
       <p:sp>
         <p:nvSpPr>
           <p:cNvPr id="2" name="Nadpis 1">
@@ -7024,7 +7663,12 @@
             <p:ph type="title"/>
           </p:nvPr>
         </p:nvSpPr>
-        <p:spPr/>
+        <p:spPr>
+          <a:xfrm>
+            <a:off x="838200" y="381000"/>
+            <a:ext cx="10003218" cy="1600124"/>
+          </a:xfrm>
+        </p:spPr>
         <p:txBody>
           <a:bodyPr>
             <a:normAutofit/>
@@ -7035,6 +7679,7 @@
               <a:rPr lang="cs-CZ"/>
               <a:t>Portál občana</a:t>
             </a:r>
+            <a:endParaRPr lang="cs-CZ" dirty="0"/>
           </a:p>
         </p:txBody>
       </p:sp>
@@ -7054,15 +7699,95 @@
             <p:ph idx="1"/>
           </p:nvPr>
         </p:nvSpPr>
-        <p:spPr/>
-        <p:txBody>
-          <a:bodyPr/>
-          <a:lstStyle/>
-          <a:p>
-            <a:endParaRPr lang="cs-CZ"/>
-          </a:p>
-        </p:txBody>
-      </p:sp>
+        <p:spPr>
+          <a:xfrm>
+            <a:off x="838200" y="2745362"/>
+            <a:ext cx="4800600" cy="3552824"/>
+          </a:xfrm>
+        </p:spPr>
+        <p:txBody>
+          <a:bodyPr anchor="ctr">
+            <a:normAutofit/>
+          </a:bodyPr>
+          <a:lstStyle/>
+          <a:p>
+            <a:r>
+              <a:rPr lang="cs-CZ" sz="1800">
+                <a:solidFill>
+                  <a:schemeClr val="tx1"/>
+                </a:solidFill>
+              </a:rPr>
+              <a:t>Opensource</a:t>
+            </a:r>
+          </a:p>
+          <a:p>
+            <a:r>
+              <a:rPr lang="cs-CZ" sz="1800">
+                <a:solidFill>
+                  <a:schemeClr val="tx1"/>
+                </a:solidFill>
+              </a:rPr>
+              <a:t>Datová schránka</a:t>
+            </a:r>
+          </a:p>
+          <a:p>
+            <a:r>
+              <a:rPr lang="cs-CZ" sz="1800">
+                <a:solidFill>
+                  <a:schemeClr val="tx1"/>
+                </a:solidFill>
+              </a:rPr>
+              <a:t>Správa dokladů</a:t>
+            </a:r>
+          </a:p>
+        </p:txBody>
+      </p:sp>
+      <p:pic>
+        <p:nvPicPr>
+          <p:cNvPr id="2050" name="Picture 2" descr="Datové schránky – Hospodářská Komora">
+            <a:extLst>
+              <a:ext uri="{FF2B5EF4-FFF2-40B4-BE49-F238E27FC236}">
+                <a16:creationId xmlns:a16="http://schemas.microsoft.com/office/drawing/2014/main" id="{AE22F750-C310-4943-AB52-637EFDE69DA8}"/>
+              </a:ext>
+            </a:extLst>
+          </p:cNvPr>
+          <p:cNvPicPr>
+            <a:picLocks noChangeAspect="1" noChangeArrowheads="1"/>
+          </p:cNvPicPr>
+          <p:nvPr/>
+        </p:nvPicPr>
+        <p:blipFill>
+          <a:blip r:embed="rId4">
+            <a:extLst>
+              <a:ext uri="{28A0092B-C50C-407E-A947-70E740481C1C}">
+                <a14:useLocalDpi xmlns:a14="http://schemas.microsoft.com/office/drawing/2010/main" val="0"/>
+              </a:ext>
+            </a:extLst>
+          </a:blip>
+          <a:stretch>
+            <a:fillRect/>
+          </a:stretch>
+        </p:blipFill>
+        <p:spPr bwMode="auto">
+          <a:xfrm>
+            <a:off x="5996628" y="3588419"/>
+            <a:ext cx="5585772" cy="1866710"/>
+          </a:xfrm>
+          <a:prstGeom prst="rect">
+            <a:avLst/>
+          </a:prstGeom>
+          <a:noFill/>
+          <a:extLst>
+            <a:ext uri="{909E8E84-426E-40DD-AFC4-6F175D3DCCD1}">
+              <a14:hiddenFill xmlns:a14="http://schemas.microsoft.com/office/drawing/2010/main">
+                <a:solidFill>
+                  <a:srgbClr val="FFFFFF"/>
+                </a:solidFill>
+              </a14:hiddenFill>
+            </a:ext>
+          </a:extLst>
+        </p:spPr>
+      </p:pic>
     </p:spTree>
     <p:extLst>
       <p:ext uri="{BB962C8B-B14F-4D97-AF65-F5344CB8AC3E}">
@@ -7079,6 +7804,14 @@
 <file path=ppt/slides/slide6.xml><?xml version="1.0" encoding="utf-8"?>
 <p:sld xmlns:a="http://schemas.openxmlformats.org/drawingml/2006/main" xmlns:r="http://schemas.openxmlformats.org/officeDocument/2006/relationships" xmlns:p="http://schemas.openxmlformats.org/presentationml/2006/main">
   <p:cSld>
+    <p:bg>
+      <p:bgPr>
+        <a:solidFill>
+          <a:schemeClr val="bg1"/>
+        </a:solidFill>
+        <a:effectLst/>
+      </p:bgPr>
+    </p:bg>
     <p:spTree>
       <p:nvGrpSpPr>
         <p:cNvPr id="1" name=""/>
@@ -7093,12 +7826,301 @@
           <a:chExt cx="0" cy="0"/>
         </a:xfrm>
       </p:grpSpPr>
+      <p:sp useBgFill="1">
+        <p:nvSpPr>
+          <p:cNvPr id="11" name="Rectangle 10">
+            <a:extLst>
+              <a:ext uri="{FF2B5EF4-FFF2-40B4-BE49-F238E27FC236}">
+                <a16:creationId xmlns:a16="http://schemas.microsoft.com/office/drawing/2014/main" id="{4AB8125F-0FD8-48CD-9F43-73E5494EA774}"/>
+              </a:ext>
+              <a:ext uri="{C183D7F6-B498-43B3-948B-1728B52AA6E4}">
+                <adec:decorative xmlns:adec="http://schemas.microsoft.com/office/drawing/2017/decorative" val="1"/>
+              </a:ext>
+            </a:extLst>
+          </p:cNvPr>
+          <p:cNvSpPr>
+            <a:spLocks noGrp="1" noRot="1" noChangeAspect="1" noMove="1" noResize="1" noEditPoints="1" noAdjustHandles="1" noChangeArrowheads="1" noChangeShapeType="1" noTextEdit="1"/>
+          </p:cNvSpPr>
+          <p:nvPr>
+            <p:extLst>
+              <p:ext uri="{386F3935-93C4-4BCD-93E2-E3B085C9AB24}">
+                <p16:designElem xmlns:p16="http://schemas.microsoft.com/office/powerpoint/2015/main" val="1"/>
+              </p:ext>
+            </p:extLst>
+          </p:nvPr>
+        </p:nvSpPr>
+        <p:spPr>
+          <a:xfrm>
+            <a:off x="3048" y="0"/>
+            <a:ext cx="12188952" cy="6858000"/>
+          </a:xfrm>
+          <a:prstGeom prst="rect">
+            <a:avLst/>
+          </a:prstGeom>
+          <a:ln>
+            <a:noFill/>
+          </a:ln>
+        </p:spPr>
+        <p:style>
+          <a:lnRef idx="2">
+            <a:schemeClr val="accent1">
+              <a:shade val="50000"/>
+            </a:schemeClr>
+          </a:lnRef>
+          <a:fillRef idx="1">
+            <a:schemeClr val="accent1"/>
+          </a:fillRef>
+          <a:effectRef idx="0">
+            <a:schemeClr val="accent1"/>
+          </a:effectRef>
+          <a:fontRef idx="minor">
+            <a:schemeClr val="lt1"/>
+          </a:fontRef>
+        </p:style>
+        <p:txBody>
+          <a:bodyPr rtlCol="0" anchor="ctr"/>
+          <a:lstStyle/>
+          <a:p>
+            <a:pPr algn="ctr"/>
+            <a:endParaRPr lang="en-US">
+              <a:solidFill>
+                <a:schemeClr val="tx1">
+                  <a:lumMod val="65000"/>
+                  <a:lumOff val="35000"/>
+                </a:schemeClr>
+              </a:solidFill>
+              <a:latin typeface="AvenirNext LT Pro Medium" panose="020B0504020202020204" pitchFamily="34" charset="0"/>
+            </a:endParaRPr>
+          </a:p>
+        </p:txBody>
+      </p:sp>
+      <p:sp>
+        <p:nvSpPr>
+          <p:cNvPr id="13" name="Rectangle 12">
+            <a:extLst>
+              <a:ext uri="{FF2B5EF4-FFF2-40B4-BE49-F238E27FC236}">
+                <a16:creationId xmlns:a16="http://schemas.microsoft.com/office/drawing/2014/main" id="{0019DD6C-5899-4C07-864B-EB0A7D104ACF}"/>
+              </a:ext>
+              <a:ext uri="{C183D7F6-B498-43B3-948B-1728B52AA6E4}">
+                <adec:decorative xmlns:adec="http://schemas.microsoft.com/office/drawing/2017/decorative" val="1"/>
+              </a:ext>
+            </a:extLst>
+          </p:cNvPr>
+          <p:cNvSpPr>
+            <a:spLocks noGrp="1" noRot="1" noChangeAspect="1" noMove="1" noResize="1" noEditPoints="1" noAdjustHandles="1" noChangeArrowheads="1" noChangeShapeType="1" noTextEdit="1"/>
+          </p:cNvSpPr>
+          <p:nvPr>
+            <p:extLst>
+              <p:ext uri="{386F3935-93C4-4BCD-93E2-E3B085C9AB24}">
+                <p16:designElem xmlns:p16="http://schemas.microsoft.com/office/powerpoint/2015/main" val="1"/>
+              </p:ext>
+            </p:extLst>
+          </p:nvPr>
+        </p:nvSpPr>
+        <p:spPr>
+          <a:xfrm>
+            <a:off x="3048" y="0"/>
+            <a:ext cx="12188952" cy="6858000"/>
+          </a:xfrm>
+          <a:prstGeom prst="rect">
+            <a:avLst/>
+          </a:prstGeom>
+          <a:solidFill>
+            <a:schemeClr val="bg2">
+              <a:alpha val="70000"/>
+            </a:schemeClr>
+          </a:solidFill>
+          <a:ln>
+            <a:noFill/>
+          </a:ln>
+        </p:spPr>
+        <p:style>
+          <a:lnRef idx="2">
+            <a:schemeClr val="accent1">
+              <a:shade val="50000"/>
+            </a:schemeClr>
+          </a:lnRef>
+          <a:fillRef idx="1">
+            <a:schemeClr val="accent1"/>
+          </a:fillRef>
+          <a:effectRef idx="0">
+            <a:schemeClr val="accent1"/>
+          </a:effectRef>
+          <a:fontRef idx="minor">
+            <a:schemeClr val="lt1"/>
+          </a:fontRef>
+        </p:style>
+        <p:txBody>
+          <a:bodyPr rtlCol="0" anchor="ctr"/>
+          <a:lstStyle/>
+          <a:p>
+            <a:pPr algn="ctr"/>
+            <a:endParaRPr lang="en-US">
+              <a:solidFill>
+                <a:schemeClr val="tx1">
+                  <a:lumMod val="65000"/>
+                  <a:lumOff val="35000"/>
+                </a:schemeClr>
+              </a:solidFill>
+              <a:latin typeface="AvenirNext LT Pro Medium" panose="020B0504020202020204" pitchFamily="34" charset="0"/>
+            </a:endParaRPr>
+          </a:p>
+        </p:txBody>
+      </p:sp>
+      <p:sp>
+        <p:nvSpPr>
+          <p:cNvPr id="15" name="Rectangle 14">
+            <a:extLst>
+              <a:ext uri="{FF2B5EF4-FFF2-40B4-BE49-F238E27FC236}">
+                <a16:creationId xmlns:a16="http://schemas.microsoft.com/office/drawing/2014/main" id="{EBDFFBC1-15BD-428E-B8AF-ECF5D1B76DEB}"/>
+              </a:ext>
+              <a:ext uri="{C183D7F6-B498-43B3-948B-1728B52AA6E4}">
+                <adec:decorative xmlns:adec="http://schemas.microsoft.com/office/drawing/2017/decorative" val="1"/>
+              </a:ext>
+            </a:extLst>
+          </p:cNvPr>
+          <p:cNvSpPr>
+            <a:spLocks noGrp="1" noRot="1" noChangeAspect="1" noMove="1" noResize="1" noEditPoints="1" noAdjustHandles="1" noChangeArrowheads="1" noChangeShapeType="1" noTextEdit="1"/>
+          </p:cNvSpPr>
+          <p:nvPr>
+            <p:extLst>
+              <p:ext uri="{386F3935-93C4-4BCD-93E2-E3B085C9AB24}">
+                <p16:designElem xmlns:p16="http://schemas.microsoft.com/office/powerpoint/2015/main" val="1"/>
+              </p:ext>
+            </p:extLst>
+          </p:nvPr>
+        </p:nvSpPr>
+        <p:spPr>
+          <a:xfrm>
+            <a:off x="0" y="-151"/>
+            <a:ext cx="12192000" cy="2217680"/>
+          </a:xfrm>
+          <a:prstGeom prst="rect">
+            <a:avLst/>
+          </a:prstGeom>
+          <a:solidFill>
+            <a:schemeClr val="tx2">
+              <a:lumMod val="90000"/>
+              <a:lumOff val="10000"/>
+            </a:schemeClr>
+          </a:solidFill>
+          <a:ln>
+            <a:noFill/>
+          </a:ln>
+        </p:spPr>
+        <p:style>
+          <a:lnRef idx="2">
+            <a:schemeClr val="accent1">
+              <a:shade val="50000"/>
+            </a:schemeClr>
+          </a:lnRef>
+          <a:fillRef idx="1">
+            <a:schemeClr val="accent1"/>
+          </a:fillRef>
+          <a:effectRef idx="0">
+            <a:schemeClr val="accent1"/>
+          </a:effectRef>
+          <a:fontRef idx="minor">
+            <a:schemeClr val="lt1"/>
+          </a:fontRef>
+        </p:style>
+        <p:txBody>
+          <a:bodyPr rtlCol="0" anchor="ctr"/>
+          <a:lstStyle/>
+          <a:p>
+            <a:pPr algn="ctr"/>
+            <a:endParaRPr lang="en-US" dirty="0">
+              <a:solidFill>
+                <a:schemeClr val="tx1">
+                  <a:lumMod val="65000"/>
+                  <a:lumOff val="35000"/>
+                </a:schemeClr>
+              </a:solidFill>
+              <a:latin typeface="AvenirNext LT Pro Medium" panose="020B0504020202020204" pitchFamily="34" charset="0"/>
+            </a:endParaRPr>
+          </a:p>
+        </p:txBody>
+      </p:sp>
+      <p:sp>
+        <p:nvSpPr>
+          <p:cNvPr id="17" name="Rectangle 16">
+            <a:extLst>
+              <a:ext uri="{FF2B5EF4-FFF2-40B4-BE49-F238E27FC236}">
+                <a16:creationId xmlns:a16="http://schemas.microsoft.com/office/drawing/2014/main" id="{EBFB3075-0323-4EB0-B1A5-776A0E709CEF}"/>
+              </a:ext>
+              <a:ext uri="{C183D7F6-B498-43B3-948B-1728B52AA6E4}">
+                <adec:decorative xmlns:adec="http://schemas.microsoft.com/office/drawing/2017/decorative" val="1"/>
+              </a:ext>
+            </a:extLst>
+          </p:cNvPr>
+          <p:cNvSpPr>
+            <a:spLocks noGrp="1" noRot="1" noChangeAspect="1" noMove="1" noResize="1" noEditPoints="1" noAdjustHandles="1" noChangeArrowheads="1" noChangeShapeType="1" noTextEdit="1"/>
+          </p:cNvSpPr>
+          <p:nvPr>
+            <p:extLst>
+              <p:ext uri="{386F3935-93C4-4BCD-93E2-E3B085C9AB24}">
+                <p16:designElem xmlns:p16="http://schemas.microsoft.com/office/powerpoint/2015/main" val="1"/>
+              </p:ext>
+            </p:extLst>
+          </p:nvPr>
+        </p:nvSpPr>
+        <p:spPr>
+          <a:xfrm rot="10800000">
+            <a:off x="0" y="-1"/>
+            <a:ext cx="12191999" cy="2224386"/>
+          </a:xfrm>
+          <a:prstGeom prst="rect">
+            <a:avLst/>
+          </a:prstGeom>
+          <a:blipFill dpi="0" rotWithShape="1">
+            <a:blip r:embed="rId3">
+              <a:alphaModFix amt="20000"/>
+              <a:duotone>
+                <a:schemeClr val="accent1">
+                  <a:shade val="45000"/>
+                  <a:satMod val="135000"/>
+                </a:schemeClr>
+                <a:prstClr val="white"/>
+              </a:duotone>
+            </a:blip>
+            <a:srcRect/>
+            <a:tile tx="889000" ty="0" sx="100000" sy="100000" flip="none" algn="tl"/>
+          </a:blipFill>
+          <a:ln>
+            <a:noFill/>
+          </a:ln>
+        </p:spPr>
+        <p:style>
+          <a:lnRef idx="2">
+            <a:schemeClr val="accent1">
+              <a:shade val="50000"/>
+            </a:schemeClr>
+          </a:lnRef>
+          <a:fillRef idx="1">
+            <a:schemeClr val="accent1"/>
+          </a:fillRef>
+          <a:effectRef idx="0">
+            <a:schemeClr val="accent1"/>
+          </a:effectRef>
+          <a:fontRef idx="minor">
+            <a:schemeClr val="lt1"/>
+          </a:fontRef>
+        </p:style>
+        <p:txBody>
+          <a:bodyPr rtlCol="0" anchor="ctr"/>
+          <a:lstStyle/>
+          <a:p>
+            <a:pPr algn="ctr"/>
+            <a:endParaRPr lang="en-US" dirty="0"/>
+          </a:p>
+        </p:txBody>
+      </p:sp>
       <p:sp>
         <p:nvSpPr>
           <p:cNvPr id="2" name="Nadpis 1">
             <a:extLst>
               <a:ext uri="{FF2B5EF4-FFF2-40B4-BE49-F238E27FC236}">
-                <a16:creationId xmlns:a16="http://schemas.microsoft.com/office/drawing/2014/main" id="{5DEE2E97-5831-4EE3-80E9-20CC2E86213C}"/>
+                <a16:creationId xmlns:a16="http://schemas.microsoft.com/office/drawing/2014/main" id="{33F7C8E2-B064-4EF9-B86F-71F2C7F47CA8}"/>
               </a:ext>
             </a:extLst>
           </p:cNvPr>
@@ -7109,12 +8131,22 @@
             <p:ph type="title"/>
           </p:nvPr>
         </p:nvSpPr>
-        <p:spPr/>
-        <p:txBody>
-          <a:bodyPr/>
-          <a:lstStyle/>
-          <a:p>
-            <a:endParaRPr lang="cs-CZ"/>
+        <p:spPr>
+          <a:xfrm>
+            <a:off x="838200" y="381000"/>
+            <a:ext cx="10003218" cy="1600124"/>
+          </a:xfrm>
+        </p:spPr>
+        <p:txBody>
+          <a:bodyPr>
+            <a:normAutofit/>
+          </a:bodyPr>
+          <a:lstStyle/>
+          <a:p>
+            <a:r>
+              <a:rPr lang="cs-CZ"/>
+              <a:t>BankID ve statní správě</a:t>
+            </a:r>
           </a:p>
         </p:txBody>
       </p:sp>
@@ -7123,7 +8155,7 @@
           <p:cNvPr id="3" name="Zástupný obsah 2">
             <a:extLst>
               <a:ext uri="{FF2B5EF4-FFF2-40B4-BE49-F238E27FC236}">
-                <a16:creationId xmlns:a16="http://schemas.microsoft.com/office/drawing/2014/main" id="{A620CB58-5760-4B48-A5A9-C661A9B838F5}"/>
+                <a16:creationId xmlns:a16="http://schemas.microsoft.com/office/drawing/2014/main" id="{35CD13C8-9712-472D-8031-96AAF2DB53EC}"/>
               </a:ext>
             </a:extLst>
           </p:cNvPr>
@@ -7134,19 +8166,102 @@
             <p:ph idx="1"/>
           </p:nvPr>
         </p:nvSpPr>
-        <p:spPr/>
-        <p:txBody>
-          <a:bodyPr/>
-          <a:lstStyle/>
-          <a:p>
-            <a:endParaRPr lang="cs-CZ"/>
-          </a:p>
-        </p:txBody>
-      </p:sp>
+        <p:spPr>
+          <a:xfrm>
+            <a:off x="838200" y="2745362"/>
+            <a:ext cx="4800600" cy="3552824"/>
+          </a:xfrm>
+        </p:spPr>
+        <p:txBody>
+          <a:bodyPr anchor="ctr">
+            <a:normAutofit/>
+          </a:bodyPr>
+          <a:lstStyle/>
+          <a:p>
+            <a:r>
+              <a:rPr lang="cs-CZ" sz="1800" dirty="0">
+                <a:solidFill>
+                  <a:schemeClr val="tx1"/>
+                </a:solidFill>
+              </a:rPr>
+              <a:t>Portál občana</a:t>
+            </a:r>
+          </a:p>
+          <a:p>
+            <a:r>
+              <a:rPr lang="cs-CZ" sz="1800" dirty="0">
+                <a:solidFill>
+                  <a:schemeClr val="tx1"/>
+                </a:solidFill>
+              </a:rPr>
+              <a:t>Česká správa sociálního </a:t>
+            </a:r>
+            <a:r>
+              <a:rPr lang="cs-CZ" sz="1800" dirty="0" err="1">
+                <a:solidFill>
+                  <a:schemeClr val="tx1"/>
+                </a:solidFill>
+              </a:rPr>
+              <a:t>zabespečení</a:t>
+            </a:r>
+            <a:endParaRPr lang="cs-CZ" sz="1800" dirty="0">
+              <a:solidFill>
+                <a:schemeClr val="tx1"/>
+              </a:solidFill>
+            </a:endParaRPr>
+          </a:p>
+          <a:p>
+            <a:r>
+              <a:rPr lang="cs-CZ" sz="1800" dirty="0">
+                <a:solidFill>
+                  <a:schemeClr val="tx1"/>
+                </a:solidFill>
+              </a:rPr>
+              <a:t>Moje daně</a:t>
+            </a:r>
+          </a:p>
+        </p:txBody>
+      </p:sp>
+      <p:pic>
+        <p:nvPicPr>
+          <p:cNvPr id="6" name="Obrázek 5">
+            <a:extLst>
+              <a:ext uri="{FF2B5EF4-FFF2-40B4-BE49-F238E27FC236}">
+                <a16:creationId xmlns:a16="http://schemas.microsoft.com/office/drawing/2014/main" id="{E7D24F6B-1FE5-44BC-A877-A22D83CB3C17}"/>
+              </a:ext>
+            </a:extLst>
+          </p:cNvPr>
+          <p:cNvPicPr>
+            <a:picLocks noChangeAspect="1"/>
+          </p:cNvPicPr>
+          <p:nvPr/>
+        </p:nvPicPr>
+        <p:blipFill>
+          <a:blip r:embed="rId4">
+            <a:extLst>
+              <a:ext uri="{28A0092B-C50C-407E-A947-70E740481C1C}">
+                <a14:useLocalDpi xmlns:a14="http://schemas.microsoft.com/office/drawing/2010/main" val="0"/>
+              </a:ext>
+            </a:extLst>
+          </a:blip>
+          <a:stretch>
+            <a:fillRect/>
+          </a:stretch>
+        </p:blipFill>
+        <p:spPr>
+          <a:xfrm>
+            <a:off x="7572672" y="2745362"/>
+            <a:ext cx="2433684" cy="3552824"/>
+          </a:xfrm>
+          <a:prstGeom prst="rect">
+            <a:avLst/>
+          </a:prstGeom>
+        </p:spPr>
+      </p:pic>
     </p:spTree>
     <p:extLst>
       <p:ext uri="{BB962C8B-B14F-4D97-AF65-F5344CB8AC3E}">
-        <p14:creationId xmlns:p14="http://schemas.microsoft.com/office/powerpoint/2010/main" val="2249468069"/>
+        <p14:creationId xmlns:p14="http://schemas.microsoft.com/office/powerpoint/2010/main" val="357394144"/>
       </p:ext>
     </p:extLst>
   </p:cSld>
@@ -7159,6 +8274,14 @@
 <file path=ppt/slides/slide7.xml><?xml version="1.0" encoding="utf-8"?>
 <p:sld xmlns:a="http://schemas.openxmlformats.org/drawingml/2006/main" xmlns:r="http://schemas.openxmlformats.org/officeDocument/2006/relationships" xmlns:p="http://schemas.openxmlformats.org/presentationml/2006/main">
   <p:cSld>
+    <p:bg>
+      <p:bgPr>
+        <a:solidFill>
+          <a:schemeClr val="bg1"/>
+        </a:solidFill>
+        <a:effectLst/>
+      </p:bgPr>
+    </p:bg>
     <p:spTree>
       <p:nvGrpSpPr>
         <p:cNvPr id="1" name=""/>
@@ -7173,6 +8296,295 @@
           <a:chExt cx="0" cy="0"/>
         </a:xfrm>
       </p:grpSpPr>
+      <p:sp useBgFill="1">
+        <p:nvSpPr>
+          <p:cNvPr id="12" name="Rectangle 11">
+            <a:extLst>
+              <a:ext uri="{FF2B5EF4-FFF2-40B4-BE49-F238E27FC236}">
+                <a16:creationId xmlns:a16="http://schemas.microsoft.com/office/drawing/2014/main" id="{4AB8125F-0FD8-48CD-9F43-73E5494EA774}"/>
+              </a:ext>
+              <a:ext uri="{C183D7F6-B498-43B3-948B-1728B52AA6E4}">
+                <adec:decorative xmlns:adec="http://schemas.microsoft.com/office/drawing/2017/decorative" val="1"/>
+              </a:ext>
+            </a:extLst>
+          </p:cNvPr>
+          <p:cNvSpPr>
+            <a:spLocks noGrp="1" noRot="1" noChangeAspect="1" noMove="1" noResize="1" noEditPoints="1" noAdjustHandles="1" noChangeArrowheads="1" noChangeShapeType="1" noTextEdit="1"/>
+          </p:cNvSpPr>
+          <p:nvPr>
+            <p:extLst>
+              <p:ext uri="{386F3935-93C4-4BCD-93E2-E3B085C9AB24}">
+                <p16:designElem xmlns:p16="http://schemas.microsoft.com/office/powerpoint/2015/main" val="1"/>
+              </p:ext>
+            </p:extLst>
+          </p:nvPr>
+        </p:nvSpPr>
+        <p:spPr>
+          <a:xfrm>
+            <a:off x="3048" y="0"/>
+            <a:ext cx="12188952" cy="6858000"/>
+          </a:xfrm>
+          <a:prstGeom prst="rect">
+            <a:avLst/>
+          </a:prstGeom>
+          <a:ln>
+            <a:noFill/>
+          </a:ln>
+        </p:spPr>
+        <p:style>
+          <a:lnRef idx="2">
+            <a:schemeClr val="accent1">
+              <a:shade val="50000"/>
+            </a:schemeClr>
+          </a:lnRef>
+          <a:fillRef idx="1">
+            <a:schemeClr val="accent1"/>
+          </a:fillRef>
+          <a:effectRef idx="0">
+            <a:schemeClr val="accent1"/>
+          </a:effectRef>
+          <a:fontRef idx="minor">
+            <a:schemeClr val="lt1"/>
+          </a:fontRef>
+        </p:style>
+        <p:txBody>
+          <a:bodyPr rtlCol="0" anchor="ctr"/>
+          <a:lstStyle/>
+          <a:p>
+            <a:pPr algn="ctr"/>
+            <a:endParaRPr lang="en-US">
+              <a:solidFill>
+                <a:schemeClr val="tx1">
+                  <a:lumMod val="65000"/>
+                  <a:lumOff val="35000"/>
+                </a:schemeClr>
+              </a:solidFill>
+              <a:latin typeface="AvenirNext LT Pro Medium" panose="020B0504020202020204" pitchFamily="34" charset="0"/>
+            </a:endParaRPr>
+          </a:p>
+        </p:txBody>
+      </p:sp>
+      <p:sp>
+        <p:nvSpPr>
+          <p:cNvPr id="14" name="Rectangle 13">
+            <a:extLst>
+              <a:ext uri="{FF2B5EF4-FFF2-40B4-BE49-F238E27FC236}">
+                <a16:creationId xmlns:a16="http://schemas.microsoft.com/office/drawing/2014/main" id="{0019DD6C-5899-4C07-864B-EB0A7D104ACF}"/>
+              </a:ext>
+              <a:ext uri="{C183D7F6-B498-43B3-948B-1728B52AA6E4}">
+                <adec:decorative xmlns:adec="http://schemas.microsoft.com/office/drawing/2017/decorative" val="1"/>
+              </a:ext>
+            </a:extLst>
+          </p:cNvPr>
+          <p:cNvSpPr>
+            <a:spLocks noGrp="1" noRot="1" noChangeAspect="1" noMove="1" noResize="1" noEditPoints="1" noAdjustHandles="1" noChangeArrowheads="1" noChangeShapeType="1" noTextEdit="1"/>
+          </p:cNvSpPr>
+          <p:nvPr>
+            <p:extLst>
+              <p:ext uri="{386F3935-93C4-4BCD-93E2-E3B085C9AB24}">
+                <p16:designElem xmlns:p16="http://schemas.microsoft.com/office/powerpoint/2015/main" val="1"/>
+              </p:ext>
+            </p:extLst>
+          </p:nvPr>
+        </p:nvSpPr>
+        <p:spPr>
+          <a:xfrm>
+            <a:off x="3048" y="0"/>
+            <a:ext cx="12188952" cy="6858000"/>
+          </a:xfrm>
+          <a:prstGeom prst="rect">
+            <a:avLst/>
+          </a:prstGeom>
+          <a:solidFill>
+            <a:schemeClr val="bg2">
+              <a:alpha val="70000"/>
+            </a:schemeClr>
+          </a:solidFill>
+          <a:ln>
+            <a:noFill/>
+          </a:ln>
+        </p:spPr>
+        <p:style>
+          <a:lnRef idx="2">
+            <a:schemeClr val="accent1">
+              <a:shade val="50000"/>
+            </a:schemeClr>
+          </a:lnRef>
+          <a:fillRef idx="1">
+            <a:schemeClr val="accent1"/>
+          </a:fillRef>
+          <a:effectRef idx="0">
+            <a:schemeClr val="accent1"/>
+          </a:effectRef>
+          <a:fontRef idx="minor">
+            <a:schemeClr val="lt1"/>
+          </a:fontRef>
+        </p:style>
+        <p:txBody>
+          <a:bodyPr rtlCol="0" anchor="ctr"/>
+          <a:lstStyle/>
+          <a:p>
+            <a:pPr algn="ctr"/>
+            <a:endParaRPr lang="en-US">
+              <a:solidFill>
+                <a:schemeClr val="tx1">
+                  <a:lumMod val="65000"/>
+                  <a:lumOff val="35000"/>
+                </a:schemeClr>
+              </a:solidFill>
+              <a:latin typeface="AvenirNext LT Pro Medium" panose="020B0504020202020204" pitchFamily="34" charset="0"/>
+            </a:endParaRPr>
+          </a:p>
+        </p:txBody>
+      </p:sp>
+      <p:sp>
+        <p:nvSpPr>
+          <p:cNvPr id="16" name="Rectangle 15">
+            <a:extLst>
+              <a:ext uri="{FF2B5EF4-FFF2-40B4-BE49-F238E27FC236}">
+                <a16:creationId xmlns:a16="http://schemas.microsoft.com/office/drawing/2014/main" id="{EBDFFBC1-15BD-428E-B8AF-ECF5D1B76DEB}"/>
+              </a:ext>
+              <a:ext uri="{C183D7F6-B498-43B3-948B-1728B52AA6E4}">
+                <adec:decorative xmlns:adec="http://schemas.microsoft.com/office/drawing/2017/decorative" val="1"/>
+              </a:ext>
+            </a:extLst>
+          </p:cNvPr>
+          <p:cNvSpPr>
+            <a:spLocks noGrp="1" noRot="1" noChangeAspect="1" noMove="1" noResize="1" noEditPoints="1" noAdjustHandles="1" noChangeArrowheads="1" noChangeShapeType="1" noTextEdit="1"/>
+          </p:cNvSpPr>
+          <p:nvPr>
+            <p:extLst>
+              <p:ext uri="{386F3935-93C4-4BCD-93E2-E3B085C9AB24}">
+                <p16:designElem xmlns:p16="http://schemas.microsoft.com/office/powerpoint/2015/main" val="1"/>
+              </p:ext>
+            </p:extLst>
+          </p:nvPr>
+        </p:nvSpPr>
+        <p:spPr>
+          <a:xfrm>
+            <a:off x="0" y="-151"/>
+            <a:ext cx="12192000" cy="2217680"/>
+          </a:xfrm>
+          <a:prstGeom prst="rect">
+            <a:avLst/>
+          </a:prstGeom>
+          <a:solidFill>
+            <a:schemeClr val="tx2">
+              <a:lumMod val="90000"/>
+              <a:lumOff val="10000"/>
+            </a:schemeClr>
+          </a:solidFill>
+          <a:ln>
+            <a:noFill/>
+          </a:ln>
+        </p:spPr>
+        <p:style>
+          <a:lnRef idx="2">
+            <a:schemeClr val="accent1">
+              <a:shade val="50000"/>
+            </a:schemeClr>
+          </a:lnRef>
+          <a:fillRef idx="1">
+            <a:schemeClr val="accent1"/>
+          </a:fillRef>
+          <a:effectRef idx="0">
+            <a:schemeClr val="accent1"/>
+          </a:effectRef>
+          <a:fontRef idx="minor">
+            <a:schemeClr val="lt1"/>
+          </a:fontRef>
+        </p:style>
+        <p:txBody>
+          <a:bodyPr rtlCol="0" anchor="ctr"/>
+          <a:lstStyle/>
+          <a:p>
+            <a:pPr algn="ctr"/>
+            <a:endParaRPr lang="en-US" dirty="0">
+              <a:solidFill>
+                <a:schemeClr val="tx1">
+                  <a:lumMod val="65000"/>
+                  <a:lumOff val="35000"/>
+                </a:schemeClr>
+              </a:solidFill>
+              <a:latin typeface="AvenirNext LT Pro Medium" panose="020B0504020202020204" pitchFamily="34" charset="0"/>
+            </a:endParaRPr>
+          </a:p>
+        </p:txBody>
+      </p:sp>
+      <p:sp>
+        <p:nvSpPr>
+          <p:cNvPr id="18" name="Rectangle 17">
+            <a:extLst>
+              <a:ext uri="{FF2B5EF4-FFF2-40B4-BE49-F238E27FC236}">
+                <a16:creationId xmlns:a16="http://schemas.microsoft.com/office/drawing/2014/main" id="{EBFB3075-0323-4EB0-B1A5-776A0E709CEF}"/>
+              </a:ext>
+              <a:ext uri="{C183D7F6-B498-43B3-948B-1728B52AA6E4}">
+                <adec:decorative xmlns:adec="http://schemas.microsoft.com/office/drawing/2017/decorative" val="1"/>
+              </a:ext>
+            </a:extLst>
+          </p:cNvPr>
+          <p:cNvSpPr>
+            <a:spLocks noGrp="1" noRot="1" noChangeAspect="1" noMove="1" noResize="1" noEditPoints="1" noAdjustHandles="1" noChangeArrowheads="1" noChangeShapeType="1" noTextEdit="1"/>
+          </p:cNvSpPr>
+          <p:nvPr>
+            <p:extLst>
+              <p:ext uri="{386F3935-93C4-4BCD-93E2-E3B085C9AB24}">
+                <p16:designElem xmlns:p16="http://schemas.microsoft.com/office/powerpoint/2015/main" val="1"/>
+              </p:ext>
+            </p:extLst>
+          </p:nvPr>
+        </p:nvSpPr>
+        <p:spPr>
+          <a:xfrm rot="10800000">
+            <a:off x="0" y="-1"/>
+            <a:ext cx="12191999" cy="2224386"/>
+          </a:xfrm>
+          <a:prstGeom prst="rect">
+            <a:avLst/>
+          </a:prstGeom>
+          <a:blipFill dpi="0" rotWithShape="1">
+            <a:blip r:embed="rId3">
+              <a:alphaModFix amt="20000"/>
+              <a:duotone>
+                <a:schemeClr val="accent1">
+                  <a:shade val="45000"/>
+                  <a:satMod val="135000"/>
+                </a:schemeClr>
+                <a:prstClr val="white"/>
+              </a:duotone>
+            </a:blip>
+            <a:srcRect/>
+            <a:tile tx="889000" ty="0" sx="100000" sy="100000" flip="none" algn="tl"/>
+          </a:blipFill>
+          <a:ln>
+            <a:noFill/>
+          </a:ln>
+        </p:spPr>
+        <p:style>
+          <a:lnRef idx="2">
+            <a:schemeClr val="accent1">
+              <a:shade val="50000"/>
+            </a:schemeClr>
+          </a:lnRef>
+          <a:fillRef idx="1">
+            <a:schemeClr val="accent1"/>
+          </a:fillRef>
+          <a:effectRef idx="0">
+            <a:schemeClr val="accent1"/>
+          </a:effectRef>
+          <a:fontRef idx="minor">
+            <a:schemeClr val="lt1"/>
+          </a:fontRef>
+        </p:style>
+        <p:txBody>
+          <a:bodyPr rtlCol="0" anchor="ctr"/>
+          <a:lstStyle/>
+          <a:p>
+            <a:pPr algn="ctr"/>
+            <a:endParaRPr lang="en-US" dirty="0"/>
+          </a:p>
+        </p:txBody>
+      </p:sp>
       <p:sp>
         <p:nvSpPr>
           <p:cNvPr id="2" name="Nadpis 1">
@@ -7189,21 +8601,35 @@
             <p:ph type="title"/>
           </p:nvPr>
         </p:nvSpPr>
-        <p:spPr/>
-        <p:txBody>
-          <a:bodyPr/>
-          <a:lstStyle/>
-          <a:p>
-            <a:endParaRPr lang="cs-CZ"/>
-          </a:p>
-        </p:txBody>
-      </p:sp>
-      <p:sp>
-        <p:nvSpPr>
-          <p:cNvPr id="3" name="Zástupný obsah 2">
-            <a:extLst>
-              <a:ext uri="{FF2B5EF4-FFF2-40B4-BE49-F238E27FC236}">
-                <a16:creationId xmlns:a16="http://schemas.microsoft.com/office/drawing/2014/main" id="{73195B5F-8520-44FA-A872-3E5294C164D8}"/>
+        <p:spPr>
+          <a:xfrm>
+            <a:off x="838200" y="381000"/>
+            <a:ext cx="10003218" cy="1600124"/>
+          </a:xfrm>
+        </p:spPr>
+        <p:txBody>
+          <a:bodyPr>
+            <a:normAutofit/>
+          </a:bodyPr>
+          <a:lstStyle/>
+          <a:p>
+            <a:r>
+              <a:rPr lang="cs-CZ" dirty="0" err="1"/>
+              <a:t>BankID</a:t>
+            </a:r>
+            <a:r>
+              <a:rPr lang="cs-CZ" dirty="0"/>
+              <a:t> ve státní správě</a:t>
+            </a:r>
+          </a:p>
+        </p:txBody>
+      </p:sp>
+      <p:sp>
+        <p:nvSpPr>
+          <p:cNvPr id="9" name="Content Placeholder 8">
+            <a:extLst>
+              <a:ext uri="{FF2B5EF4-FFF2-40B4-BE49-F238E27FC236}">
+                <a16:creationId xmlns:a16="http://schemas.microsoft.com/office/drawing/2014/main" id="{716A104B-8AA4-4663-9DA8-B981EB81C1D4}"/>
               </a:ext>
             </a:extLst>
           </p:cNvPr>
@@ -7214,15 +8640,90 @@
             <p:ph idx="1"/>
           </p:nvPr>
         </p:nvSpPr>
-        <p:spPr/>
-        <p:txBody>
-          <a:bodyPr/>
-          <a:lstStyle/>
-          <a:p>
-            <a:endParaRPr lang="cs-CZ"/>
-          </a:p>
-        </p:txBody>
-      </p:sp>
+        <p:spPr>
+          <a:xfrm>
+            <a:off x="838200" y="2745362"/>
+            <a:ext cx="4800600" cy="3552824"/>
+          </a:xfrm>
+        </p:spPr>
+        <p:txBody>
+          <a:bodyPr anchor="ctr">
+            <a:normAutofit/>
+          </a:bodyPr>
+          <a:lstStyle/>
+          <a:p>
+            <a:r>
+              <a:rPr lang="cs-CZ" sz="1800" dirty="0">
+                <a:solidFill>
+                  <a:schemeClr val="tx1"/>
+                </a:solidFill>
+              </a:rPr>
+              <a:t>Úřad práce ČR</a:t>
+            </a:r>
+          </a:p>
+          <a:p>
+            <a:r>
+              <a:rPr lang="cs-CZ" sz="1800" dirty="0">
+                <a:solidFill>
+                  <a:schemeClr val="tx1"/>
+                </a:solidFill>
+              </a:rPr>
+              <a:t>Očkovací portál</a:t>
+            </a:r>
+          </a:p>
+          <a:p>
+            <a:r>
+              <a:rPr lang="cs-CZ" sz="1800" dirty="0">
+                <a:solidFill>
+                  <a:schemeClr val="tx1"/>
+                </a:solidFill>
+              </a:rPr>
+              <a:t>eRecept</a:t>
+            </a:r>
+            <a:endParaRPr lang="en-US" sz="1800" dirty="0">
+              <a:solidFill>
+                <a:schemeClr val="tx1"/>
+              </a:solidFill>
+            </a:endParaRPr>
+          </a:p>
+        </p:txBody>
+      </p:sp>
+      <p:pic>
+        <p:nvPicPr>
+          <p:cNvPr id="5" name="Zástupný obsah 4">
+            <a:extLst>
+              <a:ext uri="{FF2B5EF4-FFF2-40B4-BE49-F238E27FC236}">
+                <a16:creationId xmlns:a16="http://schemas.microsoft.com/office/drawing/2014/main" id="{09CFD4AC-A221-4BF4-964F-2C21FEF49924}"/>
+              </a:ext>
+            </a:extLst>
+          </p:cNvPr>
+          <p:cNvPicPr>
+            <a:picLocks noChangeAspect="1"/>
+          </p:cNvPicPr>
+          <p:nvPr/>
+        </p:nvPicPr>
+        <p:blipFill>
+          <a:blip r:embed="rId4">
+            <a:extLst>
+              <a:ext uri="{28A0092B-C50C-407E-A947-70E740481C1C}">
+                <a14:useLocalDpi xmlns:a14="http://schemas.microsoft.com/office/drawing/2010/main" val="0"/>
+              </a:ext>
+            </a:extLst>
+          </a:blip>
+          <a:stretch>
+            <a:fillRect/>
+          </a:stretch>
+        </p:blipFill>
+        <p:spPr>
+          <a:xfrm>
+            <a:off x="7572672" y="2745362"/>
+            <a:ext cx="2433684" cy="3552824"/>
+          </a:xfrm>
+          <a:prstGeom prst="rect">
+            <a:avLst/>
+          </a:prstGeom>
+        </p:spPr>
+      </p:pic>
     </p:spTree>
     <p:extLst>
       <p:ext uri="{BB962C8B-B14F-4D97-AF65-F5344CB8AC3E}">

--- a/Maixner.pptx
+++ b/Maixner.pptx
@@ -5,29 +5,30 @@
     <p:sldMasterId id="2147483751" r:id="rId1"/>
   </p:sldMasterIdLst>
   <p:notesMasterIdLst>
-    <p:notesMasterId r:id="rId22"/>
+    <p:notesMasterId r:id="rId23"/>
   </p:notesMasterIdLst>
   <p:sldIdLst>
     <p:sldId id="256" r:id="rId2"/>
     <p:sldId id="257" r:id="rId3"/>
-    <p:sldId id="258" r:id="rId4"/>
-    <p:sldId id="259" r:id="rId5"/>
-    <p:sldId id="260" r:id="rId6"/>
-    <p:sldId id="277" r:id="rId7"/>
-    <p:sldId id="262" r:id="rId8"/>
-    <p:sldId id="263" r:id="rId9"/>
-    <p:sldId id="264" r:id="rId10"/>
-    <p:sldId id="265" r:id="rId11"/>
-    <p:sldId id="266" r:id="rId12"/>
-    <p:sldId id="267" r:id="rId13"/>
-    <p:sldId id="268" r:id="rId14"/>
-    <p:sldId id="269" r:id="rId15"/>
-    <p:sldId id="270" r:id="rId16"/>
-    <p:sldId id="271" r:id="rId17"/>
-    <p:sldId id="272" r:id="rId18"/>
-    <p:sldId id="273" r:id="rId19"/>
-    <p:sldId id="274" r:id="rId20"/>
-    <p:sldId id="275" r:id="rId21"/>
+    <p:sldId id="278" r:id="rId4"/>
+    <p:sldId id="258" r:id="rId5"/>
+    <p:sldId id="263" r:id="rId6"/>
+    <p:sldId id="259" r:id="rId7"/>
+    <p:sldId id="260" r:id="rId8"/>
+    <p:sldId id="277" r:id="rId9"/>
+    <p:sldId id="262" r:id="rId10"/>
+    <p:sldId id="264" r:id="rId11"/>
+    <p:sldId id="265" r:id="rId12"/>
+    <p:sldId id="266" r:id="rId13"/>
+    <p:sldId id="267" r:id="rId14"/>
+    <p:sldId id="268" r:id="rId15"/>
+    <p:sldId id="269" r:id="rId16"/>
+    <p:sldId id="270" r:id="rId17"/>
+    <p:sldId id="271" r:id="rId18"/>
+    <p:sldId id="272" r:id="rId19"/>
+    <p:sldId id="273" r:id="rId20"/>
+    <p:sldId id="274" r:id="rId21"/>
+    <p:sldId id="275" r:id="rId22"/>
   </p:sldIdLst>
   <p:sldSz cx="12192000" cy="6858000"/>
   <p:notesSz cx="6858000" cy="9144000"/>
@@ -216,7 +217,7 @@
           <a:p>
             <a:fld id="{6FDDD785-E9C8-406C-BA5D-32BF4EC1F056}" type="datetimeFigureOut">
               <a:rPr lang="cs-CZ" smtClean="0"/>
-              <a:t>18.01.2023</a:t>
+              <a:t>19.01.2023</a:t>
             </a:fld>
             <a:endParaRPr lang="cs-CZ"/>
           </a:p>
@@ -570,6 +571,96 @@
 </p:notes>
 </file>
 
+<file path=ppt/notesSlides/notesSlide10.xml><?xml version="1.0" encoding="utf-8"?>
+<p:notes xmlns:a="http://schemas.openxmlformats.org/drawingml/2006/main" xmlns:r="http://schemas.openxmlformats.org/officeDocument/2006/relationships" xmlns:p="http://schemas.openxmlformats.org/presentationml/2006/main">
+  <p:cSld>
+    <p:spTree>
+      <p:nvGrpSpPr>
+        <p:cNvPr id="1" name=""/>
+        <p:cNvGrpSpPr/>
+        <p:nvPr/>
+      </p:nvGrpSpPr>
+      <p:grpSpPr>
+        <a:xfrm>
+          <a:off x="0" y="0"/>
+          <a:ext cx="0" cy="0"/>
+          <a:chOff x="0" y="0"/>
+          <a:chExt cx="0" cy="0"/>
+        </a:xfrm>
+      </p:grpSpPr>
+      <p:sp>
+        <p:nvSpPr>
+          <p:cNvPr id="2" name="Zástupný symbol pro obrázek snímku 1"/>
+          <p:cNvSpPr>
+            <a:spLocks noGrp="1" noRot="1" noChangeAspect="1"/>
+          </p:cNvSpPr>
+          <p:nvPr>
+            <p:ph type="sldImg"/>
+          </p:nvPr>
+        </p:nvSpPr>
+        <p:spPr/>
+      </p:sp>
+      <p:sp>
+        <p:nvSpPr>
+          <p:cNvPr id="3" name="Zástupný symbol pro poznámky 2"/>
+          <p:cNvSpPr>
+            <a:spLocks noGrp="1"/>
+          </p:cNvSpPr>
+          <p:nvPr>
+            <p:ph type="body" idx="1"/>
+          </p:nvPr>
+        </p:nvSpPr>
+        <p:spPr/>
+        <p:txBody>
+          <a:bodyPr/>
+          <a:lstStyle/>
+          <a:p>
+            <a:r>
+              <a:rPr lang="cs-CZ" dirty="0"/>
+              <a:t>Sonia-Projekt bankovní asociace pro přípravu Bank id rok 2019</a:t>
+            </a:r>
+          </a:p>
+          <a:p>
+            <a:endParaRPr lang="cs-CZ" dirty="0"/>
+          </a:p>
+        </p:txBody>
+      </p:sp>
+      <p:sp>
+        <p:nvSpPr>
+          <p:cNvPr id="4" name="Zástupný symbol pro číslo snímku 3"/>
+          <p:cNvSpPr>
+            <a:spLocks noGrp="1"/>
+          </p:cNvSpPr>
+          <p:nvPr>
+            <p:ph type="sldNum" sz="quarter" idx="5"/>
+          </p:nvPr>
+        </p:nvSpPr>
+        <p:spPr/>
+        <p:txBody>
+          <a:bodyPr/>
+          <a:lstStyle/>
+          <a:p>
+            <a:fld id="{335C404A-DE52-464E-AB8D-0875D9A9F9E6}" type="slidenum">
+              <a:rPr lang="cs-CZ" smtClean="0"/>
+              <a:t>11</a:t>
+            </a:fld>
+            <a:endParaRPr lang="cs-CZ"/>
+          </a:p>
+        </p:txBody>
+      </p:sp>
+    </p:spTree>
+    <p:extLst>
+      <p:ext uri="{BB962C8B-B14F-4D97-AF65-F5344CB8AC3E}">
+        <p14:creationId xmlns:p14="http://schemas.microsoft.com/office/powerpoint/2010/main" val="2196594349"/>
+      </p:ext>
+    </p:extLst>
+  </p:cSld>
+  <p:clrMapOvr>
+    <a:masterClrMapping/>
+  </p:clrMapOvr>
+</p:notes>
+</file>
+
 <file path=ppt/notesSlides/notesSlide2.xml><?xml version="1.0" encoding="utf-8"?>
 <p:notes xmlns:a="http://schemas.openxmlformats.org/drawingml/2006/main" xmlns:r="http://schemas.openxmlformats.org/officeDocument/2006/relationships" xmlns:p="http://schemas.openxmlformats.org/presentationml/2006/main">
   <p:cSld>
@@ -614,16 +705,7 @@
           <a:bodyPr/>
           <a:lstStyle/>
           <a:p>
-            <a:r>
-              <a:rPr lang="cs-CZ" dirty="0"/>
-              <a:t>Můžeme použít pro uzavírání smluv aniž by jsme musely někam chodit     K portál občanovi má přistup jen uživatel a může spravovat své doklady</a:t>
-            </a:r>
-          </a:p>
-          <a:p>
-            <a:r>
-              <a:rPr lang="cs-CZ" dirty="0"/>
-              <a:t>eGovernment je elektronická vláda</a:t>
-            </a:r>
+            <a:endParaRPr lang="cs-CZ" dirty="0"/>
           </a:p>
         </p:txBody>
       </p:sp>
@@ -653,7 +735,7 @@
     </p:spTree>
     <p:extLst>
       <p:ext uri="{BB962C8B-B14F-4D97-AF65-F5344CB8AC3E}">
-        <p14:creationId xmlns:p14="http://schemas.microsoft.com/office/powerpoint/2010/main" val="2894974628"/>
+        <p14:creationId xmlns:p14="http://schemas.microsoft.com/office/powerpoint/2010/main" val="3471323080"/>
       </p:ext>
     </p:extLst>
   </p:cSld>
@@ -709,79 +791,14 @@
           <a:p>
             <a:r>
               <a:rPr lang="cs-CZ" dirty="0"/>
-              <a:t>E-</a:t>
-            </a:r>
-            <a:r>
-              <a:rPr lang="cs-CZ" dirty="0" err="1"/>
-              <a:t>citizen</a:t>
-            </a:r>
+              <a:t>Můžeme použít pro uzavírání smluv aniž by jsme musely někam chodit     K portál občanovi má přistup jen uživatel a může spravovat své doklady</a:t>
+            </a:r>
+          </a:p>
+          <a:p>
             <a:r>
               <a:rPr lang="cs-CZ" dirty="0"/>
-              <a:t> pomáhá uživatelům se orientovat na internetu                  </a:t>
-            </a:r>
-            <a:r>
-              <a:rPr lang="cs-CZ" sz="1200" b="0" i="0" kern="1200" dirty="0">
-                <a:solidFill>
-                  <a:schemeClr val="tx1"/>
-                </a:solidFill>
-                <a:effectLst/>
-                <a:latin typeface="+mn-lt"/>
-                <a:ea typeface="+mn-ea"/>
-                <a:cs typeface="+mn-cs"/>
-              </a:rPr>
-              <a:t>instant-</a:t>
-            </a:r>
-            <a:r>
-              <a:rPr lang="cs-CZ" sz="1200" b="0" i="0" kern="1200" dirty="0" err="1">
-                <a:solidFill>
-                  <a:schemeClr val="tx1"/>
-                </a:solidFill>
-                <a:effectLst/>
-                <a:latin typeface="+mn-lt"/>
-                <a:ea typeface="+mn-ea"/>
-                <a:cs typeface="+mn-cs"/>
-              </a:rPr>
-              <a:t>messaging</a:t>
-            </a:r>
-            <a:r>
-              <a:rPr lang="cs-CZ" sz="1200" b="0" i="0" kern="1200" dirty="0">
-                <a:solidFill>
-                  <a:schemeClr val="tx1"/>
-                </a:solidFill>
-                <a:effectLst/>
-                <a:latin typeface="+mn-lt"/>
-                <a:ea typeface="+mn-ea"/>
-                <a:cs typeface="+mn-cs"/>
-              </a:rPr>
-              <a:t> okamžité zasílání zpráv </a:t>
-            </a:r>
-          </a:p>
-          <a:p>
-            <a:r>
-              <a:rPr lang="cs-CZ" sz="1200" b="0" i="0" kern="1200" dirty="0">
-                <a:solidFill>
-                  <a:schemeClr val="tx1"/>
-                </a:solidFill>
-                <a:effectLst/>
-                <a:latin typeface="+mn-lt"/>
-                <a:ea typeface="+mn-ea"/>
-                <a:cs typeface="+mn-cs"/>
-              </a:rPr>
-              <a:t>V rámci eGovernmentu to je například zasílání varovných </a:t>
-            </a:r>
-            <a:r>
-              <a:rPr lang="cs-CZ" sz="1200" b="0" i="0" kern="1200" dirty="0" err="1">
-                <a:solidFill>
-                  <a:schemeClr val="tx1"/>
-                </a:solidFill>
-                <a:effectLst/>
-                <a:latin typeface="+mn-lt"/>
-                <a:ea typeface="+mn-ea"/>
-                <a:cs typeface="+mn-cs"/>
-              </a:rPr>
-              <a:t>sms</a:t>
-            </a:r>
-            <a:endParaRPr lang="cs-CZ" dirty="0"/>
+              <a:t>eGovernment je elektronická vláda</a:t>
+            </a:r>
           </a:p>
         </p:txBody>
       </p:sp>
@@ -811,7 +828,7 @@
     </p:spTree>
     <p:extLst>
       <p:ext uri="{BB962C8B-B14F-4D97-AF65-F5344CB8AC3E}">
-        <p14:creationId xmlns:p14="http://schemas.microsoft.com/office/powerpoint/2010/main" val="1192947676"/>
+        <p14:creationId xmlns:p14="http://schemas.microsoft.com/office/powerpoint/2010/main" val="2894974628"/>
       </p:ext>
     </p:extLst>
   </p:cSld>
@@ -867,15 +884,13 @@
           <a:p>
             <a:r>
               <a:rPr lang="cs-CZ" dirty="0"/>
-              <a:t>Portál je postaven na platformě </a:t>
-            </a:r>
-            <a:r>
-              <a:rPr lang="cs-CZ" dirty="0" err="1"/>
-              <a:t>opensource</a:t>
-            </a:r>
+              <a:t>Správcem tohoto portálu je ministerstvo vnitra      </a:t>
+            </a:r>
+          </a:p>
+          <a:p>
             <a:r>
               <a:rPr lang="cs-CZ" dirty="0"/>
-              <a:t>   skrze datovou schránku můžete komunikovat s úřady </a:t>
+              <a:t>Na portálu veřejné zprávy najdeme informace státních věcech a zdravotních</a:t>
             </a:r>
           </a:p>
         </p:txBody>
@@ -906,7 +921,7 @@
     </p:spTree>
     <p:extLst>
       <p:ext uri="{BB962C8B-B14F-4D97-AF65-F5344CB8AC3E}">
-        <p14:creationId xmlns:p14="http://schemas.microsoft.com/office/powerpoint/2010/main" val="3807269982"/>
+        <p14:creationId xmlns:p14="http://schemas.microsoft.com/office/powerpoint/2010/main" val="65488455"/>
       </p:ext>
     </p:extLst>
   </p:cSld>
@@ -962,18 +977,15 @@
           <a:p>
             <a:r>
               <a:rPr lang="cs-CZ" dirty="0"/>
-              <a:t>Portál občana kontrola platnosti dokladů, obnovení řidičáku, bodové hodnocení řidičů, založení nebo změna živnosti, výpis z rejstříku trestů, podpis </a:t>
+              <a:t>E-</a:t>
             </a:r>
             <a:r>
               <a:rPr lang="cs-CZ" dirty="0" err="1"/>
-              <a:t>ePetice</a:t>
-            </a:r>
-            <a:endParaRPr lang="cs-CZ" dirty="0"/>
-          </a:p>
-          <a:p>
+              <a:t>citizen</a:t>
+            </a:r>
             <a:r>
               <a:rPr lang="cs-CZ" dirty="0"/>
-              <a:t>Česká správa sociálního zabezpečení podání přehledu o příjmech a výdajích OSVČ,</a:t>
+              <a:t> pomáhá uživatelům se orientovat na internetu                  </a:t>
             </a:r>
             <a:r>
               <a:rPr lang="cs-CZ" sz="1200" b="0" i="0" kern="1200" dirty="0">
@@ -985,10 +997,20 @@
                 <a:ea typeface="+mn-ea"/>
                 <a:cs typeface="+mn-cs"/>
               </a:rPr>
-              <a:t> informace o zaplacených zálohách na důchodové pojištění OSVČ</a:t>
-            </a:r>
-          </a:p>
-          <a:p>
+              <a:t>instant-</a:t>
+            </a:r>
+            <a:r>
+              <a:rPr lang="cs-CZ" sz="1200" b="0" i="0" kern="1200" dirty="0" err="1">
+                <a:solidFill>
+                  <a:schemeClr val="tx1"/>
+                </a:solidFill>
+                <a:effectLst/>
+                <a:latin typeface="+mn-lt"/>
+                <a:ea typeface="+mn-ea"/>
+                <a:cs typeface="+mn-cs"/>
+              </a:rPr>
+              <a:t>messaging</a:t>
+            </a:r>
             <a:r>
               <a:rPr lang="cs-CZ" sz="1200" b="0" i="0" kern="1200" dirty="0">
                 <a:solidFill>
@@ -999,7 +1021,33 @@
                 <a:ea typeface="+mn-ea"/>
                 <a:cs typeface="+mn-cs"/>
               </a:rPr>
-              <a:t>Moje daně  vyplnění a podání daňového přiznání k dani z příjmu fyzických osob, dani z nemovitých věcí nebo dani z přidané hodnoty, kontrola stavu vašeho daňového účtu</a:t>
+              <a:t> okamžité zasílání zpráv </a:t>
+            </a:r>
+          </a:p>
+          <a:p>
+            <a:r>
+              <a:rPr lang="cs-CZ" sz="1200" b="0" i="0" kern="1200" dirty="0">
+                <a:solidFill>
+                  <a:schemeClr val="tx1"/>
+                </a:solidFill>
+                <a:effectLst/>
+                <a:latin typeface="+mn-lt"/>
+                <a:ea typeface="+mn-ea"/>
+                <a:cs typeface="+mn-cs"/>
+              </a:rPr>
+              <a:t>V rámci eGovernmentu to je například zasílání varovných </a:t>
+            </a:r>
+            <a:r>
+              <a:rPr lang="cs-CZ" sz="1200" b="0" i="0" kern="1200" dirty="0" err="1">
+                <a:solidFill>
+                  <a:schemeClr val="tx1"/>
+                </a:solidFill>
+                <a:effectLst/>
+                <a:latin typeface="+mn-lt"/>
+                <a:ea typeface="+mn-ea"/>
+                <a:cs typeface="+mn-cs"/>
+              </a:rPr>
+              <a:t>sms</a:t>
             </a:r>
             <a:endParaRPr lang="cs-CZ" dirty="0"/>
           </a:p>
@@ -1031,7 +1079,7 @@
     </p:spTree>
     <p:extLst>
       <p:ext uri="{BB962C8B-B14F-4D97-AF65-F5344CB8AC3E}">
-        <p14:creationId xmlns:p14="http://schemas.microsoft.com/office/powerpoint/2010/main" val="3768702009"/>
+        <p14:creationId xmlns:p14="http://schemas.microsoft.com/office/powerpoint/2010/main" val="1192947676"/>
       </p:ext>
     </p:extLst>
   </p:cSld>
@@ -1087,6 +1135,226 @@
           <a:p>
             <a:r>
               <a:rPr lang="cs-CZ" dirty="0"/>
+              <a:t>Portál je postaven na platformě </a:t>
+            </a:r>
+            <a:r>
+              <a:rPr lang="cs-CZ" dirty="0" err="1"/>
+              <a:t>opensource</a:t>
+            </a:r>
+            <a:r>
+              <a:rPr lang="cs-CZ" dirty="0"/>
+              <a:t>   skrze datovou schránku můžete komunikovat s úřady </a:t>
+            </a:r>
+          </a:p>
+        </p:txBody>
+      </p:sp>
+      <p:sp>
+        <p:nvSpPr>
+          <p:cNvPr id="4" name="Zástupný symbol pro číslo snímku 3"/>
+          <p:cNvSpPr>
+            <a:spLocks noGrp="1"/>
+          </p:cNvSpPr>
+          <p:nvPr>
+            <p:ph type="sldNum" sz="quarter" idx="5"/>
+          </p:nvPr>
+        </p:nvSpPr>
+        <p:spPr/>
+        <p:txBody>
+          <a:bodyPr/>
+          <a:lstStyle/>
+          <a:p>
+            <a:fld id="{335C404A-DE52-464E-AB8D-0875D9A9F9E6}" type="slidenum">
+              <a:rPr lang="cs-CZ" smtClean="0"/>
+              <a:t>7</a:t>
+            </a:fld>
+            <a:endParaRPr lang="cs-CZ"/>
+          </a:p>
+        </p:txBody>
+      </p:sp>
+    </p:spTree>
+    <p:extLst>
+      <p:ext uri="{BB962C8B-B14F-4D97-AF65-F5344CB8AC3E}">
+        <p14:creationId xmlns:p14="http://schemas.microsoft.com/office/powerpoint/2010/main" val="3807269982"/>
+      </p:ext>
+    </p:extLst>
+  </p:cSld>
+  <p:clrMapOvr>
+    <a:masterClrMapping/>
+  </p:clrMapOvr>
+</p:notes>
+</file>
+
+<file path=ppt/notesSlides/notesSlide7.xml><?xml version="1.0" encoding="utf-8"?>
+<p:notes xmlns:a="http://schemas.openxmlformats.org/drawingml/2006/main" xmlns:r="http://schemas.openxmlformats.org/officeDocument/2006/relationships" xmlns:p="http://schemas.openxmlformats.org/presentationml/2006/main">
+  <p:cSld>
+    <p:spTree>
+      <p:nvGrpSpPr>
+        <p:cNvPr id="1" name=""/>
+        <p:cNvGrpSpPr/>
+        <p:nvPr/>
+      </p:nvGrpSpPr>
+      <p:grpSpPr>
+        <a:xfrm>
+          <a:off x="0" y="0"/>
+          <a:ext cx="0" cy="0"/>
+          <a:chOff x="0" y="0"/>
+          <a:chExt cx="0" cy="0"/>
+        </a:xfrm>
+      </p:grpSpPr>
+      <p:sp>
+        <p:nvSpPr>
+          <p:cNvPr id="2" name="Zástupný symbol pro obrázek snímku 1"/>
+          <p:cNvSpPr>
+            <a:spLocks noGrp="1" noRot="1" noChangeAspect="1"/>
+          </p:cNvSpPr>
+          <p:nvPr>
+            <p:ph type="sldImg"/>
+          </p:nvPr>
+        </p:nvSpPr>
+        <p:spPr/>
+      </p:sp>
+      <p:sp>
+        <p:nvSpPr>
+          <p:cNvPr id="3" name="Zástupný symbol pro poznámky 2"/>
+          <p:cNvSpPr>
+            <a:spLocks noGrp="1"/>
+          </p:cNvSpPr>
+          <p:nvPr>
+            <p:ph type="body" idx="1"/>
+          </p:nvPr>
+        </p:nvSpPr>
+        <p:spPr/>
+        <p:txBody>
+          <a:bodyPr/>
+          <a:lstStyle/>
+          <a:p>
+            <a:r>
+              <a:rPr lang="cs-CZ" dirty="0"/>
+              <a:t>Portál občana kontrola platnosti dokladů, obnovení řidičáku, bodové hodnocení řidičů, založení nebo změna živnosti, výpis z rejstříku trestů, podpis </a:t>
+            </a:r>
+            <a:r>
+              <a:rPr lang="cs-CZ" dirty="0" err="1"/>
+              <a:t>ePetice</a:t>
+            </a:r>
+            <a:endParaRPr lang="cs-CZ" dirty="0"/>
+          </a:p>
+          <a:p>
+            <a:r>
+              <a:rPr lang="cs-CZ" dirty="0"/>
+              <a:t>Česká správa sociálního zabezpečení podání přehledu o příjmech a výdajích OSVČ,</a:t>
+            </a:r>
+            <a:r>
+              <a:rPr lang="cs-CZ" sz="1200" b="0" i="0" kern="1200" dirty="0">
+                <a:solidFill>
+                  <a:schemeClr val="tx1"/>
+                </a:solidFill>
+                <a:effectLst/>
+                <a:latin typeface="+mn-lt"/>
+                <a:ea typeface="+mn-ea"/>
+                <a:cs typeface="+mn-cs"/>
+              </a:rPr>
+              <a:t> informace o zaplacených zálohách na důchodové pojištění OSVČ</a:t>
+            </a:r>
+          </a:p>
+          <a:p>
+            <a:r>
+              <a:rPr lang="cs-CZ" sz="1200" b="0" i="0" kern="1200" dirty="0">
+                <a:solidFill>
+                  <a:schemeClr val="tx1"/>
+                </a:solidFill>
+                <a:effectLst/>
+                <a:latin typeface="+mn-lt"/>
+                <a:ea typeface="+mn-ea"/>
+                <a:cs typeface="+mn-cs"/>
+              </a:rPr>
+              <a:t>Moje daně  vyplnění a podání daňového přiznání k dani z příjmu fyzických osob, dani z nemovitých věcí nebo dani z přidané hodnoty, kontrola stavu vašeho daňového účtu</a:t>
+            </a:r>
+            <a:endParaRPr lang="cs-CZ" dirty="0"/>
+          </a:p>
+        </p:txBody>
+      </p:sp>
+      <p:sp>
+        <p:nvSpPr>
+          <p:cNvPr id="4" name="Zástupný symbol pro číslo snímku 3"/>
+          <p:cNvSpPr>
+            <a:spLocks noGrp="1"/>
+          </p:cNvSpPr>
+          <p:nvPr>
+            <p:ph type="sldNum" sz="quarter" idx="5"/>
+          </p:nvPr>
+        </p:nvSpPr>
+        <p:spPr/>
+        <p:txBody>
+          <a:bodyPr/>
+          <a:lstStyle/>
+          <a:p>
+            <a:fld id="{335C404A-DE52-464E-AB8D-0875D9A9F9E6}" type="slidenum">
+              <a:rPr lang="cs-CZ" smtClean="0"/>
+              <a:t>8</a:t>
+            </a:fld>
+            <a:endParaRPr lang="cs-CZ"/>
+          </a:p>
+        </p:txBody>
+      </p:sp>
+    </p:spTree>
+    <p:extLst>
+      <p:ext uri="{BB962C8B-B14F-4D97-AF65-F5344CB8AC3E}">
+        <p14:creationId xmlns:p14="http://schemas.microsoft.com/office/powerpoint/2010/main" val="3768702009"/>
+      </p:ext>
+    </p:extLst>
+  </p:cSld>
+  <p:clrMapOvr>
+    <a:masterClrMapping/>
+  </p:clrMapOvr>
+</p:notes>
+</file>
+
+<file path=ppt/notesSlides/notesSlide8.xml><?xml version="1.0" encoding="utf-8"?>
+<p:notes xmlns:a="http://schemas.openxmlformats.org/drawingml/2006/main" xmlns:r="http://schemas.openxmlformats.org/officeDocument/2006/relationships" xmlns:p="http://schemas.openxmlformats.org/presentationml/2006/main">
+  <p:cSld>
+    <p:spTree>
+      <p:nvGrpSpPr>
+        <p:cNvPr id="1" name=""/>
+        <p:cNvGrpSpPr/>
+        <p:nvPr/>
+      </p:nvGrpSpPr>
+      <p:grpSpPr>
+        <a:xfrm>
+          <a:off x="0" y="0"/>
+          <a:ext cx="0" cy="0"/>
+          <a:chOff x="0" y="0"/>
+          <a:chExt cx="0" cy="0"/>
+        </a:xfrm>
+      </p:grpSpPr>
+      <p:sp>
+        <p:nvSpPr>
+          <p:cNvPr id="2" name="Zástupný symbol pro obrázek snímku 1"/>
+          <p:cNvSpPr>
+            <a:spLocks noGrp="1" noRot="1" noChangeAspect="1"/>
+          </p:cNvSpPr>
+          <p:nvPr>
+            <p:ph type="sldImg"/>
+          </p:nvPr>
+        </p:nvSpPr>
+        <p:spPr/>
+      </p:sp>
+      <p:sp>
+        <p:nvSpPr>
+          <p:cNvPr id="3" name="Zástupný symbol pro poznámky 2"/>
+          <p:cNvSpPr>
+            <a:spLocks noGrp="1"/>
+          </p:cNvSpPr>
+          <p:nvPr>
+            <p:ph type="body" idx="1"/>
+          </p:nvPr>
+        </p:nvSpPr>
+        <p:spPr/>
+        <p:txBody>
+          <a:bodyPr/>
+          <a:lstStyle/>
+          <a:p>
+            <a:r>
+              <a:rPr lang="cs-CZ" dirty="0"/>
               <a:t>Úřad práce ČR </a:t>
             </a:r>
             <a:r>
@@ -1160,7 +1428,7 @@
           <a:p>
             <a:fld id="{335C404A-DE52-464E-AB8D-0875D9A9F9E6}" type="slidenum">
               <a:rPr lang="cs-CZ" smtClean="0"/>
-              <a:t>7</a:t>
+              <a:t>9</a:t>
             </a:fld>
             <a:endParaRPr lang="cs-CZ"/>
           </a:p>
@@ -1170,6 +1438,104 @@
     <p:extLst>
       <p:ext uri="{BB962C8B-B14F-4D97-AF65-F5344CB8AC3E}">
         <p14:creationId xmlns:p14="http://schemas.microsoft.com/office/powerpoint/2010/main" val="1176295734"/>
+      </p:ext>
+    </p:extLst>
+  </p:cSld>
+  <p:clrMapOvr>
+    <a:masterClrMapping/>
+  </p:clrMapOvr>
+</p:notes>
+</file>
+
+<file path=ppt/notesSlides/notesSlide9.xml><?xml version="1.0" encoding="utf-8"?>
+<p:notes xmlns:a="http://schemas.openxmlformats.org/drawingml/2006/main" xmlns:r="http://schemas.openxmlformats.org/officeDocument/2006/relationships" xmlns:p="http://schemas.openxmlformats.org/presentationml/2006/main">
+  <p:cSld>
+    <p:spTree>
+      <p:nvGrpSpPr>
+        <p:cNvPr id="1" name=""/>
+        <p:cNvGrpSpPr/>
+        <p:nvPr/>
+      </p:nvGrpSpPr>
+      <p:grpSpPr>
+        <a:xfrm>
+          <a:off x="0" y="0"/>
+          <a:ext cx="0" cy="0"/>
+          <a:chOff x="0" y="0"/>
+          <a:chExt cx="0" cy="0"/>
+        </a:xfrm>
+      </p:grpSpPr>
+      <p:sp>
+        <p:nvSpPr>
+          <p:cNvPr id="2" name="Zástupný symbol pro obrázek snímku 1"/>
+          <p:cNvSpPr>
+            <a:spLocks noGrp="1" noRot="1" noChangeAspect="1"/>
+          </p:cNvSpPr>
+          <p:nvPr>
+            <p:ph type="sldImg"/>
+          </p:nvPr>
+        </p:nvSpPr>
+        <p:spPr/>
+      </p:sp>
+      <p:sp>
+        <p:nvSpPr>
+          <p:cNvPr id="3" name="Zástupný symbol pro poznámky 2"/>
+          <p:cNvSpPr>
+            <a:spLocks noGrp="1"/>
+          </p:cNvSpPr>
+          <p:nvPr>
+            <p:ph type="body" idx="1"/>
+          </p:nvPr>
+        </p:nvSpPr>
+        <p:spPr/>
+        <p:txBody>
+          <a:bodyPr/>
+          <a:lstStyle/>
+          <a:p>
+            <a:r>
+              <a:rPr lang="cs-CZ" dirty="0"/>
+              <a:t>Založím si učet u banky která má výhody online bankovnictví</a:t>
+            </a:r>
+          </a:p>
+          <a:p>
+            <a:r>
+              <a:rPr lang="cs-CZ" dirty="0"/>
+              <a:t>ČSOB a Česká spořitelna spustily službu </a:t>
+            </a:r>
+            <a:r>
+              <a:rPr lang="cs-CZ" dirty="0" err="1"/>
+              <a:t>BankId</a:t>
+            </a:r>
+            <a:endParaRPr lang="cs-CZ" dirty="0"/>
+          </a:p>
+        </p:txBody>
+      </p:sp>
+      <p:sp>
+        <p:nvSpPr>
+          <p:cNvPr id="4" name="Zástupný symbol pro číslo snímku 3"/>
+          <p:cNvSpPr>
+            <a:spLocks noGrp="1"/>
+          </p:cNvSpPr>
+          <p:nvPr>
+            <p:ph type="sldNum" sz="quarter" idx="5"/>
+          </p:nvPr>
+        </p:nvSpPr>
+        <p:spPr/>
+        <p:txBody>
+          <a:bodyPr/>
+          <a:lstStyle/>
+          <a:p>
+            <a:fld id="{335C404A-DE52-464E-AB8D-0875D9A9F9E6}" type="slidenum">
+              <a:rPr lang="cs-CZ" smtClean="0"/>
+              <a:t>10</a:t>
+            </a:fld>
+            <a:endParaRPr lang="cs-CZ"/>
+          </a:p>
+        </p:txBody>
+      </p:sp>
+    </p:spTree>
+    <p:extLst>
+      <p:ext uri="{BB962C8B-B14F-4D97-AF65-F5344CB8AC3E}">
+        <p14:creationId xmlns:p14="http://schemas.microsoft.com/office/powerpoint/2010/main" val="588074427"/>
       </p:ext>
     </p:extLst>
   </p:cSld>
@@ -1335,7 +1701,7 @@
             <a:fld id="{11A6662E-FAF4-44BC-88B5-85A7CBFB6D30}" type="datetime1">
               <a:rPr lang="en-US" smtClean="0"/>
               <a:pPr/>
-              <a:t>1/18/2023</a:t>
+              <a:t>1/19/2023</a:t>
             </a:fld>
             <a:endParaRPr lang="en-US"/>
           </a:p>
@@ -1546,7 +1912,7 @@
           <a:p>
             <a:fld id="{4C559632-1575-4E14-B53B-3DC3D5ED3947}" type="datetime1">
               <a:rPr lang="en-US" smtClean="0"/>
-              <a:t>1/18/2023</a:t>
+              <a:t>1/19/2023</a:t>
             </a:fld>
             <a:endParaRPr lang="en-US"/>
           </a:p>
@@ -1754,7 +2120,7 @@
           <a:p>
             <a:fld id="{CC4A6868-2568-4CC9-B302-F37117B01A6E}" type="datetime1">
               <a:rPr lang="en-US" smtClean="0"/>
-              <a:t>1/18/2023</a:t>
+              <a:t>1/19/2023</a:t>
             </a:fld>
             <a:endParaRPr lang="en-US"/>
           </a:p>
@@ -1957,7 +2323,7 @@
           <a:p>
             <a:fld id="{0055F08A-1E71-4B2B-BB49-E743F2903911}" type="datetime1">
               <a:rPr lang="en-US" smtClean="0"/>
-              <a:t>1/18/2023</a:t>
+              <a:t>1/19/2023</a:t>
             </a:fld>
             <a:endParaRPr lang="en-US" dirty="0"/>
           </a:p>
@@ -2231,7 +2597,7 @@
           <a:p>
             <a:fld id="{15417D9E-721A-44BB-8863-9873FE64DA75}" type="datetime1">
               <a:rPr lang="en-US" smtClean="0"/>
-              <a:t>1/18/2023</a:t>
+              <a:t>1/19/2023</a:t>
             </a:fld>
             <a:endParaRPr lang="en-US"/>
           </a:p>
@@ -2501,7 +2867,7 @@
           <a:p>
             <a:fld id="{5F31DA2F-80B8-49CF-99FB-5ABCA53A607A}" type="datetime1">
               <a:rPr lang="en-US" smtClean="0"/>
-              <a:t>1/18/2023</a:t>
+              <a:t>1/19/2023</a:t>
             </a:fld>
             <a:endParaRPr lang="en-US"/>
           </a:p>
@@ -2914,7 +3280,7 @@
           <a:p>
             <a:fld id="{28852172-E6C9-4B6C-929A-A9DE3837BBF1}" type="datetime1">
               <a:rPr lang="en-US" smtClean="0"/>
-              <a:t>1/18/2023</a:t>
+              <a:t>1/19/2023</a:t>
             </a:fld>
             <a:endParaRPr lang="en-US"/>
           </a:p>
@@ -3060,7 +3426,7 @@
           <a:p>
             <a:fld id="{3AB41CFF-90C9-47B3-9DA1-F2BF8D839F7E}" type="datetime1">
               <a:rPr lang="en-US" smtClean="0"/>
-              <a:t>1/18/2023</a:t>
+              <a:t>1/19/2023</a:t>
             </a:fld>
             <a:endParaRPr lang="en-US"/>
           </a:p>
@@ -3173,7 +3539,7 @@
           <a:p>
             <a:fld id="{F06048FA-06AB-4884-A69B-986B96E68A24}" type="datetime1">
               <a:rPr lang="en-US" smtClean="0"/>
-              <a:t>1/18/2023</a:t>
+              <a:t>1/19/2023</a:t>
             </a:fld>
             <a:endParaRPr lang="en-US"/>
           </a:p>
@@ -3484,7 +3850,7 @@
           <a:p>
             <a:fld id="{50DB7ABA-0172-4F9C-889D-567164F66BCD}" type="datetime1">
               <a:rPr lang="en-US" smtClean="0"/>
-              <a:t>1/18/2023</a:t>
+              <a:t>1/19/2023</a:t>
             </a:fld>
             <a:endParaRPr lang="en-US"/>
           </a:p>
@@ -3775,7 +4141,7 @@
           <a:p>
             <a:fld id="{78AC6A5B-8AE7-4A41-B5A7-9ADC6686DC18}" type="datetime1">
               <a:rPr lang="en-US" smtClean="0"/>
-              <a:t>1/18/2023</a:t>
+              <a:t>1/19/2023</a:t>
             </a:fld>
             <a:endParaRPr lang="en-US"/>
           </a:p>
@@ -4121,7 +4487,7 @@
             <a:fld id="{57E0CF6C-748E-4B7A-BC8B-3011EF78ED13}" type="datetime1">
               <a:rPr lang="en-US" smtClean="0"/>
               <a:pPr/>
-              <a:t>1/18/2023</a:t>
+              <a:t>1/19/2023</a:t>
             </a:fld>
             <a:endParaRPr lang="en-US" dirty="0"/>
           </a:p>
@@ -4912,6 +5278,14 @@
 <file path=ppt/slides/slide10.xml><?xml version="1.0" encoding="utf-8"?>
 <p:sld xmlns:a="http://schemas.openxmlformats.org/drawingml/2006/main" xmlns:r="http://schemas.openxmlformats.org/officeDocument/2006/relationships" xmlns:p="http://schemas.openxmlformats.org/presentationml/2006/main">
   <p:cSld>
+    <p:bg>
+      <p:bgPr>
+        <a:solidFill>
+          <a:schemeClr val="bg1"/>
+        </a:solidFill>
+        <a:effectLst/>
+      </p:bgPr>
+    </p:bg>
     <p:spTree>
       <p:nvGrpSpPr>
         <p:cNvPr id="1" name=""/>
@@ -4926,12 +5300,301 @@
           <a:chExt cx="0" cy="0"/>
         </a:xfrm>
       </p:grpSpPr>
+      <p:sp useBgFill="1">
+        <p:nvSpPr>
+          <p:cNvPr id="2066" name="Rectangle 2065">
+            <a:extLst>
+              <a:ext uri="{FF2B5EF4-FFF2-40B4-BE49-F238E27FC236}">
+                <a16:creationId xmlns:a16="http://schemas.microsoft.com/office/drawing/2014/main" id="{4AB8125F-0FD8-48CD-9F43-73E5494EA774}"/>
+              </a:ext>
+              <a:ext uri="{C183D7F6-B498-43B3-948B-1728B52AA6E4}">
+                <adec:decorative xmlns:adec="http://schemas.microsoft.com/office/drawing/2017/decorative" val="1"/>
+              </a:ext>
+            </a:extLst>
+          </p:cNvPr>
+          <p:cNvSpPr>
+            <a:spLocks noGrp="1" noRot="1" noChangeAspect="1" noMove="1" noResize="1" noEditPoints="1" noAdjustHandles="1" noChangeArrowheads="1" noChangeShapeType="1" noTextEdit="1"/>
+          </p:cNvSpPr>
+          <p:nvPr>
+            <p:extLst>
+              <p:ext uri="{386F3935-93C4-4BCD-93E2-E3B085C9AB24}">
+                <p16:designElem xmlns:p16="http://schemas.microsoft.com/office/powerpoint/2015/main" val="1"/>
+              </p:ext>
+            </p:extLst>
+          </p:nvPr>
+        </p:nvSpPr>
+        <p:spPr>
+          <a:xfrm>
+            <a:off x="3048" y="0"/>
+            <a:ext cx="12188952" cy="6858000"/>
+          </a:xfrm>
+          <a:prstGeom prst="rect">
+            <a:avLst/>
+          </a:prstGeom>
+          <a:ln>
+            <a:noFill/>
+          </a:ln>
+        </p:spPr>
+        <p:style>
+          <a:lnRef idx="2">
+            <a:schemeClr val="accent1">
+              <a:shade val="50000"/>
+            </a:schemeClr>
+          </a:lnRef>
+          <a:fillRef idx="1">
+            <a:schemeClr val="accent1"/>
+          </a:fillRef>
+          <a:effectRef idx="0">
+            <a:schemeClr val="accent1"/>
+          </a:effectRef>
+          <a:fontRef idx="minor">
+            <a:schemeClr val="lt1"/>
+          </a:fontRef>
+        </p:style>
+        <p:txBody>
+          <a:bodyPr rtlCol="0" anchor="ctr"/>
+          <a:lstStyle/>
+          <a:p>
+            <a:pPr algn="ctr"/>
+            <a:endParaRPr lang="en-US">
+              <a:solidFill>
+                <a:schemeClr val="tx1">
+                  <a:lumMod val="65000"/>
+                  <a:lumOff val="35000"/>
+                </a:schemeClr>
+              </a:solidFill>
+              <a:latin typeface="AvenirNext LT Pro Medium" panose="020B0504020202020204" pitchFamily="34" charset="0"/>
+            </a:endParaRPr>
+          </a:p>
+        </p:txBody>
+      </p:sp>
+      <p:sp>
+        <p:nvSpPr>
+          <p:cNvPr id="2068" name="Rectangle 2067">
+            <a:extLst>
+              <a:ext uri="{FF2B5EF4-FFF2-40B4-BE49-F238E27FC236}">
+                <a16:creationId xmlns:a16="http://schemas.microsoft.com/office/drawing/2014/main" id="{0019DD6C-5899-4C07-864B-EB0A7D104ACF}"/>
+              </a:ext>
+              <a:ext uri="{C183D7F6-B498-43B3-948B-1728B52AA6E4}">
+                <adec:decorative xmlns:adec="http://schemas.microsoft.com/office/drawing/2017/decorative" val="1"/>
+              </a:ext>
+            </a:extLst>
+          </p:cNvPr>
+          <p:cNvSpPr>
+            <a:spLocks noGrp="1" noRot="1" noChangeAspect="1" noMove="1" noResize="1" noEditPoints="1" noAdjustHandles="1" noChangeArrowheads="1" noChangeShapeType="1" noTextEdit="1"/>
+          </p:cNvSpPr>
+          <p:nvPr>
+            <p:extLst>
+              <p:ext uri="{386F3935-93C4-4BCD-93E2-E3B085C9AB24}">
+                <p16:designElem xmlns:p16="http://schemas.microsoft.com/office/powerpoint/2015/main" val="1"/>
+              </p:ext>
+            </p:extLst>
+          </p:nvPr>
+        </p:nvSpPr>
+        <p:spPr>
+          <a:xfrm>
+            <a:off x="1524" y="0"/>
+            <a:ext cx="12188952" cy="6858000"/>
+          </a:xfrm>
+          <a:prstGeom prst="rect">
+            <a:avLst/>
+          </a:prstGeom>
+          <a:solidFill>
+            <a:schemeClr val="bg2">
+              <a:alpha val="70000"/>
+            </a:schemeClr>
+          </a:solidFill>
+          <a:ln>
+            <a:noFill/>
+          </a:ln>
+        </p:spPr>
+        <p:style>
+          <a:lnRef idx="2">
+            <a:schemeClr val="accent1">
+              <a:shade val="50000"/>
+            </a:schemeClr>
+          </a:lnRef>
+          <a:fillRef idx="1">
+            <a:schemeClr val="accent1"/>
+          </a:fillRef>
+          <a:effectRef idx="0">
+            <a:schemeClr val="accent1"/>
+          </a:effectRef>
+          <a:fontRef idx="minor">
+            <a:schemeClr val="lt1"/>
+          </a:fontRef>
+        </p:style>
+        <p:txBody>
+          <a:bodyPr rtlCol="0" anchor="ctr"/>
+          <a:lstStyle/>
+          <a:p>
+            <a:pPr algn="ctr"/>
+            <a:endParaRPr lang="en-US">
+              <a:solidFill>
+                <a:schemeClr val="tx1">
+                  <a:lumMod val="65000"/>
+                  <a:lumOff val="35000"/>
+                </a:schemeClr>
+              </a:solidFill>
+              <a:latin typeface="AvenirNext LT Pro Medium" panose="020B0504020202020204" pitchFamily="34" charset="0"/>
+            </a:endParaRPr>
+          </a:p>
+        </p:txBody>
+      </p:sp>
+      <p:sp>
+        <p:nvSpPr>
+          <p:cNvPr id="2070" name="Rectangle 2069">
+            <a:extLst>
+              <a:ext uri="{FF2B5EF4-FFF2-40B4-BE49-F238E27FC236}">
+                <a16:creationId xmlns:a16="http://schemas.microsoft.com/office/drawing/2014/main" id="{EBDFFBC1-15BD-428E-B8AF-ECF5D1B76DEB}"/>
+              </a:ext>
+              <a:ext uri="{C183D7F6-B498-43B3-948B-1728B52AA6E4}">
+                <adec:decorative xmlns:adec="http://schemas.microsoft.com/office/drawing/2017/decorative" val="1"/>
+              </a:ext>
+            </a:extLst>
+          </p:cNvPr>
+          <p:cNvSpPr>
+            <a:spLocks noGrp="1" noRot="1" noChangeAspect="1" noMove="1" noResize="1" noEditPoints="1" noAdjustHandles="1" noChangeArrowheads="1" noChangeShapeType="1" noTextEdit="1"/>
+          </p:cNvSpPr>
+          <p:nvPr>
+            <p:extLst>
+              <p:ext uri="{386F3935-93C4-4BCD-93E2-E3B085C9AB24}">
+                <p16:designElem xmlns:p16="http://schemas.microsoft.com/office/powerpoint/2015/main" val="1"/>
+              </p:ext>
+            </p:extLst>
+          </p:nvPr>
+        </p:nvSpPr>
+        <p:spPr>
+          <a:xfrm>
+            <a:off x="0" y="0"/>
+            <a:ext cx="12192000" cy="2267339"/>
+          </a:xfrm>
+          <a:prstGeom prst="rect">
+            <a:avLst/>
+          </a:prstGeom>
+          <a:solidFill>
+            <a:schemeClr val="tx2">
+              <a:lumMod val="90000"/>
+              <a:lumOff val="10000"/>
+            </a:schemeClr>
+          </a:solidFill>
+          <a:ln>
+            <a:noFill/>
+          </a:ln>
+        </p:spPr>
+        <p:style>
+          <a:lnRef idx="2">
+            <a:schemeClr val="accent1">
+              <a:shade val="50000"/>
+            </a:schemeClr>
+          </a:lnRef>
+          <a:fillRef idx="1">
+            <a:schemeClr val="accent1"/>
+          </a:fillRef>
+          <a:effectRef idx="0">
+            <a:schemeClr val="accent1"/>
+          </a:effectRef>
+          <a:fontRef idx="minor">
+            <a:schemeClr val="lt1"/>
+          </a:fontRef>
+        </p:style>
+        <p:txBody>
+          <a:bodyPr rtlCol="0" anchor="ctr"/>
+          <a:lstStyle/>
+          <a:p>
+            <a:pPr algn="ctr"/>
+            <a:endParaRPr lang="en-US" dirty="0">
+              <a:solidFill>
+                <a:schemeClr val="tx1">
+                  <a:lumMod val="65000"/>
+                  <a:lumOff val="35000"/>
+                </a:schemeClr>
+              </a:solidFill>
+              <a:latin typeface="AvenirNext LT Pro Medium" panose="020B0504020202020204" pitchFamily="34" charset="0"/>
+            </a:endParaRPr>
+          </a:p>
+        </p:txBody>
+      </p:sp>
+      <p:sp>
+        <p:nvSpPr>
+          <p:cNvPr id="2072" name="Rectangle 2071">
+            <a:extLst>
+              <a:ext uri="{FF2B5EF4-FFF2-40B4-BE49-F238E27FC236}">
+                <a16:creationId xmlns:a16="http://schemas.microsoft.com/office/drawing/2014/main" id="{EBFB3075-0323-4EB0-B1A5-776A0E709CEF}"/>
+              </a:ext>
+              <a:ext uri="{C183D7F6-B498-43B3-948B-1728B52AA6E4}">
+                <adec:decorative xmlns:adec="http://schemas.microsoft.com/office/drawing/2017/decorative" val="1"/>
+              </a:ext>
+            </a:extLst>
+          </p:cNvPr>
+          <p:cNvSpPr>
+            <a:spLocks noGrp="1" noRot="1" noChangeAspect="1" noMove="1" noResize="1" noEditPoints="1" noAdjustHandles="1" noChangeArrowheads="1" noChangeShapeType="1" noTextEdit="1"/>
+          </p:cNvSpPr>
+          <p:nvPr>
+            <p:extLst>
+              <p:ext uri="{386F3935-93C4-4BCD-93E2-E3B085C9AB24}">
+                <p16:designElem xmlns:p16="http://schemas.microsoft.com/office/powerpoint/2015/main" val="1"/>
+              </p:ext>
+            </p:extLst>
+          </p:nvPr>
+        </p:nvSpPr>
+        <p:spPr>
+          <a:xfrm rot="10800000">
+            <a:off x="-3055" y="0"/>
+            <a:ext cx="12191999" cy="2274195"/>
+          </a:xfrm>
+          <a:prstGeom prst="rect">
+            <a:avLst/>
+          </a:prstGeom>
+          <a:blipFill dpi="0" rotWithShape="1">
+            <a:blip r:embed="rId3">
+              <a:alphaModFix amt="20000"/>
+              <a:duotone>
+                <a:schemeClr val="accent1">
+                  <a:shade val="45000"/>
+                  <a:satMod val="135000"/>
+                </a:schemeClr>
+                <a:prstClr val="white"/>
+              </a:duotone>
+            </a:blip>
+            <a:srcRect/>
+            <a:tile tx="889000" ty="0" sx="100000" sy="100000" flip="none" algn="tl"/>
+          </a:blipFill>
+          <a:ln>
+            <a:noFill/>
+          </a:ln>
+        </p:spPr>
+        <p:style>
+          <a:lnRef idx="2">
+            <a:schemeClr val="accent1">
+              <a:shade val="50000"/>
+            </a:schemeClr>
+          </a:lnRef>
+          <a:fillRef idx="1">
+            <a:schemeClr val="accent1"/>
+          </a:fillRef>
+          <a:effectRef idx="0">
+            <a:schemeClr val="accent1"/>
+          </a:effectRef>
+          <a:fontRef idx="minor">
+            <a:schemeClr val="lt1"/>
+          </a:fontRef>
+        </p:style>
+        <p:txBody>
+          <a:bodyPr rtlCol="0" anchor="ctr"/>
+          <a:lstStyle/>
+          <a:p>
+            <a:pPr algn="ctr"/>
+            <a:endParaRPr lang="en-US" dirty="0"/>
+          </a:p>
+        </p:txBody>
+      </p:sp>
       <p:sp>
         <p:nvSpPr>
           <p:cNvPr id="2" name="Nadpis 1">
             <a:extLst>
               <a:ext uri="{FF2B5EF4-FFF2-40B4-BE49-F238E27FC236}">
-                <a16:creationId xmlns:a16="http://schemas.microsoft.com/office/drawing/2014/main" id="{08BF65CE-E835-43C7-8C33-EA5389542A18}"/>
+                <a16:creationId xmlns:a16="http://schemas.microsoft.com/office/drawing/2014/main" id="{38689241-0ECF-4F8D-AFCB-D3D9DB335CC2}"/>
               </a:ext>
             </a:extLst>
           </p:cNvPr>
@@ -4942,12 +5605,30 @@
             <p:ph type="title"/>
           </p:nvPr>
         </p:nvSpPr>
-        <p:spPr/>
-        <p:txBody>
-          <a:bodyPr/>
-          <a:lstStyle/>
-          <a:p>
-            <a:endParaRPr lang="cs-CZ"/>
+        <p:spPr>
+          <a:xfrm>
+            <a:off x="838200" y="381000"/>
+            <a:ext cx="10003218" cy="1600124"/>
+          </a:xfrm>
+        </p:spPr>
+        <p:txBody>
+          <a:bodyPr>
+            <a:normAutofit/>
+          </a:bodyPr>
+          <a:lstStyle/>
+          <a:p>
+            <a:r>
+              <a:rPr lang="cs-CZ" dirty="0"/>
+              <a:t>Jak si vytvořit </a:t>
+            </a:r>
+            <a:r>
+              <a:rPr lang="cs-CZ"/>
+              <a:t>BankID</a:t>
+            </a:r>
+            <a:r>
+              <a:rPr lang="cs-CZ" dirty="0"/>
+              <a:t>?</a:t>
+            </a:r>
           </a:p>
         </p:txBody>
       </p:sp>
@@ -4956,7 +5637,7 @@
           <p:cNvPr id="3" name="Zástupný obsah 2">
             <a:extLst>
               <a:ext uri="{FF2B5EF4-FFF2-40B4-BE49-F238E27FC236}">
-                <a16:creationId xmlns:a16="http://schemas.microsoft.com/office/drawing/2014/main" id="{1FA5A66C-312E-42A6-9C9D-72F3A2104D59}"/>
+                <a16:creationId xmlns:a16="http://schemas.microsoft.com/office/drawing/2014/main" id="{13AE5F42-49B4-4EC4-BC84-04D3D6775205}"/>
               </a:ext>
             </a:extLst>
           </p:cNvPr>
@@ -4967,19 +5648,145 @@
             <p:ph idx="1"/>
           </p:nvPr>
         </p:nvSpPr>
-        <p:spPr/>
-        <p:txBody>
-          <a:bodyPr/>
-          <a:lstStyle/>
-          <a:p>
-            <a:endParaRPr lang="cs-CZ"/>
-          </a:p>
-        </p:txBody>
-      </p:sp>
+        <p:spPr>
+          <a:xfrm>
+            <a:off x="838199" y="2514600"/>
+            <a:ext cx="4777491" cy="3614488"/>
+          </a:xfrm>
+        </p:spPr>
+        <p:txBody>
+          <a:bodyPr anchor="ctr">
+            <a:normAutofit/>
+          </a:bodyPr>
+          <a:lstStyle/>
+          <a:p>
+            <a:r>
+              <a:rPr lang="cs-CZ" sz="1800">
+                <a:solidFill>
+                  <a:schemeClr val="tx2"/>
+                </a:solidFill>
+              </a:rPr>
+              <a:t>Založím si účet</a:t>
+            </a:r>
+          </a:p>
+          <a:p>
+            <a:r>
+              <a:rPr lang="cs-CZ" sz="1800">
+                <a:solidFill>
+                  <a:schemeClr val="tx2"/>
+                </a:solidFill>
+              </a:rPr>
+              <a:t>ČSOB</a:t>
+            </a:r>
+          </a:p>
+          <a:p>
+            <a:r>
+              <a:rPr lang="cs-CZ" sz="1800">
+                <a:solidFill>
+                  <a:schemeClr val="tx2"/>
+                </a:solidFill>
+              </a:rPr>
+              <a:t>Česká spořitelna </a:t>
+            </a:r>
+          </a:p>
+        </p:txBody>
+      </p:sp>
+      <p:pic>
+        <p:nvPicPr>
+          <p:cNvPr id="2050" name="Picture 2" descr="Československá obchodní banka – Wikipedie">
+            <a:extLst>
+              <a:ext uri="{FF2B5EF4-FFF2-40B4-BE49-F238E27FC236}">
+                <a16:creationId xmlns:a16="http://schemas.microsoft.com/office/drawing/2014/main" id="{25585968-EA66-6FB9-3EA4-48E48C86232D}"/>
+              </a:ext>
+            </a:extLst>
+          </p:cNvPr>
+          <p:cNvPicPr>
+            <a:picLocks noChangeAspect="1" noChangeArrowheads="1"/>
+          </p:cNvPicPr>
+          <p:nvPr/>
+        </p:nvPicPr>
+        <p:blipFill>
+          <a:blip r:embed="rId4">
+            <a:extLst>
+              <a:ext uri="{28A0092B-C50C-407E-A947-70E740481C1C}">
+                <a14:useLocalDpi xmlns:a14="http://schemas.microsoft.com/office/drawing/2010/main" val="0"/>
+              </a:ext>
+            </a:extLst>
+          </a:blip>
+          <a:stretch>
+            <a:fillRect/>
+          </a:stretch>
+        </p:blipFill>
+        <p:spPr bwMode="auto">
+          <a:xfrm>
+            <a:off x="5912616" y="3155359"/>
+            <a:ext cx="2690172" cy="2332970"/>
+          </a:xfrm>
+          <a:prstGeom prst="rect">
+            <a:avLst/>
+          </a:prstGeom>
+          <a:noFill/>
+          <a:extLst>
+            <a:ext uri="{909E8E84-426E-40DD-AFC4-6F175D3DCCD1}">
+              <a14:hiddenFill xmlns:a14="http://schemas.microsoft.com/office/drawing/2010/main">
+                <a:solidFill>
+                  <a:srgbClr val="FFFFFF"/>
+                </a:solidFill>
+              </a14:hiddenFill>
+            </a:ext>
+          </a:extLst>
+        </p:spPr>
+      </p:pic>
+      <p:pic>
+        <p:nvPicPr>
+          <p:cNvPr id="2052" name="Picture 4" descr="ČESKÁ SPOŘITELNA | Galerie Harfa">
+            <a:extLst>
+              <a:ext uri="{FF2B5EF4-FFF2-40B4-BE49-F238E27FC236}">
+                <a16:creationId xmlns:a16="http://schemas.microsoft.com/office/drawing/2014/main" id="{F6A8F1F0-4601-2825-BEF1-2E2E5E75B212}"/>
+              </a:ext>
+            </a:extLst>
+          </p:cNvPr>
+          <p:cNvPicPr>
+            <a:picLocks noChangeAspect="1" noChangeArrowheads="1"/>
+          </p:cNvPicPr>
+          <p:nvPr/>
+        </p:nvPicPr>
+        <p:blipFill>
+          <a:blip r:embed="rId5">
+            <a:extLst>
+              <a:ext uri="{28A0092B-C50C-407E-A947-70E740481C1C}">
+                <a14:useLocalDpi xmlns:a14="http://schemas.microsoft.com/office/drawing/2010/main" val="0"/>
+              </a:ext>
+            </a:extLst>
+          </a:blip>
+          <a:stretch>
+            <a:fillRect/>
+          </a:stretch>
+        </p:blipFill>
+        <p:spPr bwMode="auto">
+          <a:xfrm>
+            <a:off x="8763000" y="3390247"/>
+            <a:ext cx="2690172" cy="1863193"/>
+          </a:xfrm>
+          <a:prstGeom prst="rect">
+            <a:avLst/>
+          </a:prstGeom>
+          <a:noFill/>
+          <a:extLst>
+            <a:ext uri="{909E8E84-426E-40DD-AFC4-6F175D3DCCD1}">
+              <a14:hiddenFill xmlns:a14="http://schemas.microsoft.com/office/drawing/2010/main">
+                <a:solidFill>
+                  <a:srgbClr val="FFFFFF"/>
+                </a:solidFill>
+              </a14:hiddenFill>
+            </a:ext>
+          </a:extLst>
+        </p:spPr>
+      </p:pic>
     </p:spTree>
     <p:extLst>
       <p:ext uri="{BB962C8B-B14F-4D97-AF65-F5344CB8AC3E}">
-        <p14:creationId xmlns:p14="http://schemas.microsoft.com/office/powerpoint/2010/main" val="3872601838"/>
+        <p14:creationId xmlns:p14="http://schemas.microsoft.com/office/powerpoint/2010/main" val="1540846668"/>
       </p:ext>
     </p:extLst>
   </p:cSld>
@@ -5011,7 +5818,7 @@
           <p:cNvPr id="2" name="Nadpis 1">
             <a:extLst>
               <a:ext uri="{FF2B5EF4-FFF2-40B4-BE49-F238E27FC236}">
-                <a16:creationId xmlns:a16="http://schemas.microsoft.com/office/drawing/2014/main" id="{0E329D9B-835D-4E26-83D0-39BFDD45A876}"/>
+                <a16:creationId xmlns:a16="http://schemas.microsoft.com/office/drawing/2014/main" id="{08BF65CE-E835-43C7-8C33-EA5389542A18}"/>
               </a:ext>
             </a:extLst>
           </p:cNvPr>
@@ -5027,7 +5834,14 @@
           <a:bodyPr/>
           <a:lstStyle/>
           <a:p>
-            <a:endParaRPr lang="cs-CZ"/>
+            <a:r>
+              <a:rPr lang="cs-CZ" dirty="0" err="1"/>
+              <a:t>BankID</a:t>
+            </a:r>
+            <a:r>
+              <a:rPr lang="cs-CZ" dirty="0"/>
+              <a:t> v ČR</a:t>
+            </a:r>
           </a:p>
         </p:txBody>
       </p:sp>
@@ -5036,7 +5850,7 @@
           <p:cNvPr id="3" name="Zástupný obsah 2">
             <a:extLst>
               <a:ext uri="{FF2B5EF4-FFF2-40B4-BE49-F238E27FC236}">
-                <a16:creationId xmlns:a16="http://schemas.microsoft.com/office/drawing/2014/main" id="{FCDEC319-E62C-47EA-B621-450C31B60DE6}"/>
+                <a16:creationId xmlns:a16="http://schemas.microsoft.com/office/drawing/2014/main" id="{1FA5A66C-312E-42A6-9C9D-72F3A2104D59}"/>
               </a:ext>
             </a:extLst>
           </p:cNvPr>
@@ -5052,14 +5866,24 @@
           <a:bodyPr/>
           <a:lstStyle/>
           <a:p>
-            <a:endParaRPr lang="cs-CZ"/>
+            <a:r>
+              <a:rPr lang="cs-CZ" dirty="0"/>
+              <a:t>SONIA (Soukromá elektronická identita)</a:t>
+            </a:r>
+          </a:p>
+          <a:p>
+            <a:r>
+              <a:rPr lang="cs-CZ"/>
+              <a:t>Datová schránka</a:t>
+            </a:r>
+            <a:endParaRPr lang="cs-CZ" dirty="0"/>
           </a:p>
         </p:txBody>
       </p:sp>
     </p:spTree>
     <p:extLst>
       <p:ext uri="{BB962C8B-B14F-4D97-AF65-F5344CB8AC3E}">
-        <p14:creationId xmlns:p14="http://schemas.microsoft.com/office/powerpoint/2010/main" val="2540076392"/>
+        <p14:creationId xmlns:p14="http://schemas.microsoft.com/office/powerpoint/2010/main" val="3872601838"/>
       </p:ext>
     </p:extLst>
   </p:cSld>
@@ -5072,6 +5896,14 @@
 <file path=ppt/slides/slide12.xml><?xml version="1.0" encoding="utf-8"?>
 <p:sld xmlns:a="http://schemas.openxmlformats.org/drawingml/2006/main" xmlns:r="http://schemas.openxmlformats.org/officeDocument/2006/relationships" xmlns:p="http://schemas.openxmlformats.org/presentationml/2006/main">
   <p:cSld>
+    <p:bg>
+      <p:bgPr>
+        <a:solidFill>
+          <a:schemeClr val="bg1"/>
+        </a:solidFill>
+        <a:effectLst/>
+      </p:bgPr>
+    </p:bg>
     <p:spTree>
       <p:nvGrpSpPr>
         <p:cNvPr id="1" name=""/>
@@ -5086,12 +5918,301 @@
           <a:chExt cx="0" cy="0"/>
         </a:xfrm>
       </p:grpSpPr>
+      <p:sp useBgFill="1">
+        <p:nvSpPr>
+          <p:cNvPr id="12" name="Rectangle 11">
+            <a:extLst>
+              <a:ext uri="{FF2B5EF4-FFF2-40B4-BE49-F238E27FC236}">
+                <a16:creationId xmlns:a16="http://schemas.microsoft.com/office/drawing/2014/main" id="{4AB8125F-0FD8-48CD-9F43-73E5494EA774}"/>
+              </a:ext>
+              <a:ext uri="{C183D7F6-B498-43B3-948B-1728B52AA6E4}">
+                <adec:decorative xmlns:adec="http://schemas.microsoft.com/office/drawing/2017/decorative" val="1"/>
+              </a:ext>
+            </a:extLst>
+          </p:cNvPr>
+          <p:cNvSpPr>
+            <a:spLocks noGrp="1" noRot="1" noChangeAspect="1" noMove="1" noResize="1" noEditPoints="1" noAdjustHandles="1" noChangeArrowheads="1" noChangeShapeType="1" noTextEdit="1"/>
+          </p:cNvSpPr>
+          <p:nvPr>
+            <p:extLst>
+              <p:ext uri="{386F3935-93C4-4BCD-93E2-E3B085C9AB24}">
+                <p16:designElem xmlns:p16="http://schemas.microsoft.com/office/powerpoint/2015/main" val="1"/>
+              </p:ext>
+            </p:extLst>
+          </p:nvPr>
+        </p:nvSpPr>
+        <p:spPr>
+          <a:xfrm>
+            <a:off x="3048" y="0"/>
+            <a:ext cx="12188952" cy="6858000"/>
+          </a:xfrm>
+          <a:prstGeom prst="rect">
+            <a:avLst/>
+          </a:prstGeom>
+          <a:ln>
+            <a:noFill/>
+          </a:ln>
+        </p:spPr>
+        <p:style>
+          <a:lnRef idx="2">
+            <a:schemeClr val="accent1">
+              <a:shade val="50000"/>
+            </a:schemeClr>
+          </a:lnRef>
+          <a:fillRef idx="1">
+            <a:schemeClr val="accent1"/>
+          </a:fillRef>
+          <a:effectRef idx="0">
+            <a:schemeClr val="accent1"/>
+          </a:effectRef>
+          <a:fontRef idx="minor">
+            <a:schemeClr val="lt1"/>
+          </a:fontRef>
+        </p:style>
+        <p:txBody>
+          <a:bodyPr rtlCol="0" anchor="ctr"/>
+          <a:lstStyle/>
+          <a:p>
+            <a:pPr algn="ctr"/>
+            <a:endParaRPr lang="en-US">
+              <a:solidFill>
+                <a:schemeClr val="tx1">
+                  <a:lumMod val="65000"/>
+                  <a:lumOff val="35000"/>
+                </a:schemeClr>
+              </a:solidFill>
+              <a:latin typeface="AvenirNext LT Pro Medium" panose="020B0504020202020204" pitchFamily="34" charset="0"/>
+            </a:endParaRPr>
+          </a:p>
+        </p:txBody>
+      </p:sp>
+      <p:sp>
+        <p:nvSpPr>
+          <p:cNvPr id="14" name="Rectangle 13">
+            <a:extLst>
+              <a:ext uri="{FF2B5EF4-FFF2-40B4-BE49-F238E27FC236}">
+                <a16:creationId xmlns:a16="http://schemas.microsoft.com/office/drawing/2014/main" id="{0019DD6C-5899-4C07-864B-EB0A7D104ACF}"/>
+              </a:ext>
+              <a:ext uri="{C183D7F6-B498-43B3-948B-1728B52AA6E4}">
+                <adec:decorative xmlns:adec="http://schemas.microsoft.com/office/drawing/2017/decorative" val="1"/>
+              </a:ext>
+            </a:extLst>
+          </p:cNvPr>
+          <p:cNvSpPr>
+            <a:spLocks noGrp="1" noRot="1" noChangeAspect="1" noMove="1" noResize="1" noEditPoints="1" noAdjustHandles="1" noChangeArrowheads="1" noChangeShapeType="1" noTextEdit="1"/>
+          </p:cNvSpPr>
+          <p:nvPr>
+            <p:extLst>
+              <p:ext uri="{386F3935-93C4-4BCD-93E2-E3B085C9AB24}">
+                <p16:designElem xmlns:p16="http://schemas.microsoft.com/office/powerpoint/2015/main" val="1"/>
+              </p:ext>
+            </p:extLst>
+          </p:nvPr>
+        </p:nvSpPr>
+        <p:spPr>
+          <a:xfrm>
+            <a:off x="3048" y="0"/>
+            <a:ext cx="12188952" cy="6858000"/>
+          </a:xfrm>
+          <a:prstGeom prst="rect">
+            <a:avLst/>
+          </a:prstGeom>
+          <a:solidFill>
+            <a:schemeClr val="bg2">
+              <a:alpha val="70000"/>
+            </a:schemeClr>
+          </a:solidFill>
+          <a:ln>
+            <a:noFill/>
+          </a:ln>
+        </p:spPr>
+        <p:style>
+          <a:lnRef idx="2">
+            <a:schemeClr val="accent1">
+              <a:shade val="50000"/>
+            </a:schemeClr>
+          </a:lnRef>
+          <a:fillRef idx="1">
+            <a:schemeClr val="accent1"/>
+          </a:fillRef>
+          <a:effectRef idx="0">
+            <a:schemeClr val="accent1"/>
+          </a:effectRef>
+          <a:fontRef idx="minor">
+            <a:schemeClr val="lt1"/>
+          </a:fontRef>
+        </p:style>
+        <p:txBody>
+          <a:bodyPr rtlCol="0" anchor="ctr"/>
+          <a:lstStyle/>
+          <a:p>
+            <a:pPr algn="ctr"/>
+            <a:endParaRPr lang="en-US">
+              <a:solidFill>
+                <a:schemeClr val="tx1">
+                  <a:lumMod val="65000"/>
+                  <a:lumOff val="35000"/>
+                </a:schemeClr>
+              </a:solidFill>
+              <a:latin typeface="AvenirNext LT Pro Medium" panose="020B0504020202020204" pitchFamily="34" charset="0"/>
+            </a:endParaRPr>
+          </a:p>
+        </p:txBody>
+      </p:sp>
+      <p:sp>
+        <p:nvSpPr>
+          <p:cNvPr id="16" name="Rectangle 15">
+            <a:extLst>
+              <a:ext uri="{FF2B5EF4-FFF2-40B4-BE49-F238E27FC236}">
+                <a16:creationId xmlns:a16="http://schemas.microsoft.com/office/drawing/2014/main" id="{EBDFFBC1-15BD-428E-B8AF-ECF5D1B76DEB}"/>
+              </a:ext>
+              <a:ext uri="{C183D7F6-B498-43B3-948B-1728B52AA6E4}">
+                <adec:decorative xmlns:adec="http://schemas.microsoft.com/office/drawing/2017/decorative" val="1"/>
+              </a:ext>
+            </a:extLst>
+          </p:cNvPr>
+          <p:cNvSpPr>
+            <a:spLocks noGrp="1" noRot="1" noChangeAspect="1" noMove="1" noResize="1" noEditPoints="1" noAdjustHandles="1" noChangeArrowheads="1" noChangeShapeType="1" noTextEdit="1"/>
+          </p:cNvSpPr>
+          <p:nvPr>
+            <p:extLst>
+              <p:ext uri="{386F3935-93C4-4BCD-93E2-E3B085C9AB24}">
+                <p16:designElem xmlns:p16="http://schemas.microsoft.com/office/powerpoint/2015/main" val="1"/>
+              </p:ext>
+            </p:extLst>
+          </p:nvPr>
+        </p:nvSpPr>
+        <p:spPr>
+          <a:xfrm>
+            <a:off x="0" y="-151"/>
+            <a:ext cx="12192000" cy="2217680"/>
+          </a:xfrm>
+          <a:prstGeom prst="rect">
+            <a:avLst/>
+          </a:prstGeom>
+          <a:solidFill>
+            <a:schemeClr val="tx2">
+              <a:lumMod val="90000"/>
+              <a:lumOff val="10000"/>
+            </a:schemeClr>
+          </a:solidFill>
+          <a:ln>
+            <a:noFill/>
+          </a:ln>
+        </p:spPr>
+        <p:style>
+          <a:lnRef idx="2">
+            <a:schemeClr val="accent1">
+              <a:shade val="50000"/>
+            </a:schemeClr>
+          </a:lnRef>
+          <a:fillRef idx="1">
+            <a:schemeClr val="accent1"/>
+          </a:fillRef>
+          <a:effectRef idx="0">
+            <a:schemeClr val="accent1"/>
+          </a:effectRef>
+          <a:fontRef idx="minor">
+            <a:schemeClr val="lt1"/>
+          </a:fontRef>
+        </p:style>
+        <p:txBody>
+          <a:bodyPr rtlCol="0" anchor="ctr"/>
+          <a:lstStyle/>
+          <a:p>
+            <a:pPr algn="ctr"/>
+            <a:endParaRPr lang="en-US" dirty="0">
+              <a:solidFill>
+                <a:schemeClr val="tx1">
+                  <a:lumMod val="65000"/>
+                  <a:lumOff val="35000"/>
+                </a:schemeClr>
+              </a:solidFill>
+              <a:latin typeface="AvenirNext LT Pro Medium" panose="020B0504020202020204" pitchFamily="34" charset="0"/>
+            </a:endParaRPr>
+          </a:p>
+        </p:txBody>
+      </p:sp>
+      <p:sp>
+        <p:nvSpPr>
+          <p:cNvPr id="18" name="Rectangle 17">
+            <a:extLst>
+              <a:ext uri="{FF2B5EF4-FFF2-40B4-BE49-F238E27FC236}">
+                <a16:creationId xmlns:a16="http://schemas.microsoft.com/office/drawing/2014/main" id="{EBFB3075-0323-4EB0-B1A5-776A0E709CEF}"/>
+              </a:ext>
+              <a:ext uri="{C183D7F6-B498-43B3-948B-1728B52AA6E4}">
+                <adec:decorative xmlns:adec="http://schemas.microsoft.com/office/drawing/2017/decorative" val="1"/>
+              </a:ext>
+            </a:extLst>
+          </p:cNvPr>
+          <p:cNvSpPr>
+            <a:spLocks noGrp="1" noRot="1" noChangeAspect="1" noMove="1" noResize="1" noEditPoints="1" noAdjustHandles="1" noChangeArrowheads="1" noChangeShapeType="1" noTextEdit="1"/>
+          </p:cNvSpPr>
+          <p:nvPr>
+            <p:extLst>
+              <p:ext uri="{386F3935-93C4-4BCD-93E2-E3B085C9AB24}">
+                <p16:designElem xmlns:p16="http://schemas.microsoft.com/office/powerpoint/2015/main" val="1"/>
+              </p:ext>
+            </p:extLst>
+          </p:nvPr>
+        </p:nvSpPr>
+        <p:spPr>
+          <a:xfrm rot="10800000">
+            <a:off x="0" y="-1"/>
+            <a:ext cx="12191999" cy="2224386"/>
+          </a:xfrm>
+          <a:prstGeom prst="rect">
+            <a:avLst/>
+          </a:prstGeom>
+          <a:blipFill dpi="0" rotWithShape="1">
+            <a:blip r:embed="rId2">
+              <a:alphaModFix amt="20000"/>
+              <a:duotone>
+                <a:schemeClr val="accent1">
+                  <a:shade val="45000"/>
+                  <a:satMod val="135000"/>
+                </a:schemeClr>
+                <a:prstClr val="white"/>
+              </a:duotone>
+            </a:blip>
+            <a:srcRect/>
+            <a:tile tx="889000" ty="0" sx="100000" sy="100000" flip="none" algn="tl"/>
+          </a:blipFill>
+          <a:ln>
+            <a:noFill/>
+          </a:ln>
+        </p:spPr>
+        <p:style>
+          <a:lnRef idx="2">
+            <a:schemeClr val="accent1">
+              <a:shade val="50000"/>
+            </a:schemeClr>
+          </a:lnRef>
+          <a:fillRef idx="1">
+            <a:schemeClr val="accent1"/>
+          </a:fillRef>
+          <a:effectRef idx="0">
+            <a:schemeClr val="accent1"/>
+          </a:effectRef>
+          <a:fontRef idx="minor">
+            <a:schemeClr val="lt1"/>
+          </a:fontRef>
+        </p:style>
+        <p:txBody>
+          <a:bodyPr rtlCol="0" anchor="ctr"/>
+          <a:lstStyle/>
+          <a:p>
+            <a:pPr algn="ctr"/>
+            <a:endParaRPr lang="en-US" dirty="0"/>
+          </a:p>
+        </p:txBody>
+      </p:sp>
       <p:sp>
         <p:nvSpPr>
           <p:cNvPr id="2" name="Nadpis 1">
             <a:extLst>
               <a:ext uri="{FF2B5EF4-FFF2-40B4-BE49-F238E27FC236}">
-                <a16:creationId xmlns:a16="http://schemas.microsoft.com/office/drawing/2014/main" id="{8FB3BC45-6C5B-4B2C-A320-9806A09361AA}"/>
+                <a16:creationId xmlns:a16="http://schemas.microsoft.com/office/drawing/2014/main" id="{0E329D9B-835D-4E26-83D0-39BFDD45A876}"/>
               </a:ext>
             </a:extLst>
           </p:cNvPr>
@@ -5102,21 +6223,28 @@
             <p:ph type="title"/>
           </p:nvPr>
         </p:nvSpPr>
-        <p:spPr/>
-        <p:txBody>
-          <a:bodyPr/>
-          <a:lstStyle/>
-          <a:p>
-            <a:endParaRPr lang="cs-CZ"/>
-          </a:p>
-        </p:txBody>
-      </p:sp>
-      <p:sp>
-        <p:nvSpPr>
-          <p:cNvPr id="3" name="Zástupný obsah 2">
-            <a:extLst>
-              <a:ext uri="{FF2B5EF4-FFF2-40B4-BE49-F238E27FC236}">
-                <a16:creationId xmlns:a16="http://schemas.microsoft.com/office/drawing/2014/main" id="{4E4B6243-49B7-4EF2-9413-00E8E9D4BDAC}"/>
+        <p:spPr>
+          <a:xfrm>
+            <a:off x="838200" y="381000"/>
+            <a:ext cx="10003218" cy="1600124"/>
+          </a:xfrm>
+        </p:spPr>
+        <p:txBody>
+          <a:bodyPr>
+            <a:normAutofit/>
+          </a:bodyPr>
+          <a:lstStyle/>
+          <a:p>
+            <a:endParaRPr lang="cs-CZ" dirty="0"/>
+          </a:p>
+        </p:txBody>
+      </p:sp>
+      <p:sp>
+        <p:nvSpPr>
+          <p:cNvPr id="9" name="Content Placeholder 8">
+            <a:extLst>
+              <a:ext uri="{FF2B5EF4-FFF2-40B4-BE49-F238E27FC236}">
+                <a16:creationId xmlns:a16="http://schemas.microsoft.com/office/drawing/2014/main" id="{25B1184E-CA5F-BF41-7063-15E86EE0B8BF}"/>
               </a:ext>
             </a:extLst>
           </p:cNvPr>
@@ -5127,19 +6255,30 @@
             <p:ph idx="1"/>
           </p:nvPr>
         </p:nvSpPr>
-        <p:spPr/>
-        <p:txBody>
-          <a:bodyPr/>
-          <a:lstStyle/>
-          <a:p>
-            <a:endParaRPr lang="cs-CZ"/>
+        <p:spPr>
+          <a:xfrm>
+            <a:off x="838200" y="2771995"/>
+            <a:ext cx="4800600" cy="3552824"/>
+          </a:xfrm>
+        </p:spPr>
+        <p:txBody>
+          <a:bodyPr anchor="ctr">
+            <a:normAutofit/>
+          </a:bodyPr>
+          <a:lstStyle/>
+          <a:p>
+            <a:endParaRPr lang="en-US" sz="1800" dirty="0">
+              <a:solidFill>
+                <a:schemeClr val="tx1"/>
+              </a:solidFill>
+            </a:endParaRPr>
           </a:p>
         </p:txBody>
       </p:sp>
     </p:spTree>
     <p:extLst>
       <p:ext uri="{BB962C8B-B14F-4D97-AF65-F5344CB8AC3E}">
-        <p14:creationId xmlns:p14="http://schemas.microsoft.com/office/powerpoint/2010/main" val="3556208588"/>
+        <p14:creationId xmlns:p14="http://schemas.microsoft.com/office/powerpoint/2010/main" val="2540076392"/>
       </p:ext>
     </p:extLst>
   </p:cSld>
@@ -5171,7 +6310,7 @@
           <p:cNvPr id="2" name="Nadpis 1">
             <a:extLst>
               <a:ext uri="{FF2B5EF4-FFF2-40B4-BE49-F238E27FC236}">
-                <a16:creationId xmlns:a16="http://schemas.microsoft.com/office/drawing/2014/main" id="{7CBD45A7-BDD1-4F42-A6BA-4D9A290F430F}"/>
+                <a16:creationId xmlns:a16="http://schemas.microsoft.com/office/drawing/2014/main" id="{8FB3BC45-6C5B-4B2C-A320-9806A09361AA}"/>
               </a:ext>
             </a:extLst>
           </p:cNvPr>
@@ -5196,7 +6335,7 @@
           <p:cNvPr id="3" name="Zástupný obsah 2">
             <a:extLst>
               <a:ext uri="{FF2B5EF4-FFF2-40B4-BE49-F238E27FC236}">
-                <a16:creationId xmlns:a16="http://schemas.microsoft.com/office/drawing/2014/main" id="{7F106ED4-B1DD-4780-A482-534F8F994ADE}"/>
+                <a16:creationId xmlns:a16="http://schemas.microsoft.com/office/drawing/2014/main" id="{4E4B6243-49B7-4EF2-9413-00E8E9D4BDAC}"/>
               </a:ext>
             </a:extLst>
           </p:cNvPr>
@@ -5219,7 +6358,7 @@
     </p:spTree>
     <p:extLst>
       <p:ext uri="{BB962C8B-B14F-4D97-AF65-F5344CB8AC3E}">
-        <p14:creationId xmlns:p14="http://schemas.microsoft.com/office/powerpoint/2010/main" val="4143625617"/>
+        <p14:creationId xmlns:p14="http://schemas.microsoft.com/office/powerpoint/2010/main" val="3556208588"/>
       </p:ext>
     </p:extLst>
   </p:cSld>
@@ -5251,7 +6390,7 @@
           <p:cNvPr id="2" name="Nadpis 1">
             <a:extLst>
               <a:ext uri="{FF2B5EF4-FFF2-40B4-BE49-F238E27FC236}">
-                <a16:creationId xmlns:a16="http://schemas.microsoft.com/office/drawing/2014/main" id="{1DF63850-DE6F-4847-8E91-9D816E98FDB4}"/>
+                <a16:creationId xmlns:a16="http://schemas.microsoft.com/office/drawing/2014/main" id="{7CBD45A7-BDD1-4F42-A6BA-4D9A290F430F}"/>
               </a:ext>
             </a:extLst>
           </p:cNvPr>
@@ -5276,7 +6415,7 @@
           <p:cNvPr id="3" name="Zástupný obsah 2">
             <a:extLst>
               <a:ext uri="{FF2B5EF4-FFF2-40B4-BE49-F238E27FC236}">
-                <a16:creationId xmlns:a16="http://schemas.microsoft.com/office/drawing/2014/main" id="{6CA14623-1923-4AA6-BD44-C6D6EC1CE9DF}"/>
+                <a16:creationId xmlns:a16="http://schemas.microsoft.com/office/drawing/2014/main" id="{7F106ED4-B1DD-4780-A482-534F8F994ADE}"/>
               </a:ext>
             </a:extLst>
           </p:cNvPr>
@@ -5299,7 +6438,7 @@
     </p:spTree>
     <p:extLst>
       <p:ext uri="{BB962C8B-B14F-4D97-AF65-F5344CB8AC3E}">
-        <p14:creationId xmlns:p14="http://schemas.microsoft.com/office/powerpoint/2010/main" val="3045284139"/>
+        <p14:creationId xmlns:p14="http://schemas.microsoft.com/office/powerpoint/2010/main" val="4143625617"/>
       </p:ext>
     </p:extLst>
   </p:cSld>
@@ -5331,7 +6470,7 @@
           <p:cNvPr id="2" name="Nadpis 1">
             <a:extLst>
               <a:ext uri="{FF2B5EF4-FFF2-40B4-BE49-F238E27FC236}">
-                <a16:creationId xmlns:a16="http://schemas.microsoft.com/office/drawing/2014/main" id="{3366C81E-BF7E-40AB-B9C3-900DB05ECA83}"/>
+                <a16:creationId xmlns:a16="http://schemas.microsoft.com/office/drawing/2014/main" id="{1DF63850-DE6F-4847-8E91-9D816E98FDB4}"/>
               </a:ext>
             </a:extLst>
           </p:cNvPr>
@@ -5356,7 +6495,7 @@
           <p:cNvPr id="3" name="Zástupný obsah 2">
             <a:extLst>
               <a:ext uri="{FF2B5EF4-FFF2-40B4-BE49-F238E27FC236}">
-                <a16:creationId xmlns:a16="http://schemas.microsoft.com/office/drawing/2014/main" id="{3ACAF296-DE9C-4A96-9101-4691354A2324}"/>
+                <a16:creationId xmlns:a16="http://schemas.microsoft.com/office/drawing/2014/main" id="{6CA14623-1923-4AA6-BD44-C6D6EC1CE9DF}"/>
               </a:ext>
             </a:extLst>
           </p:cNvPr>
@@ -5379,7 +6518,7 @@
     </p:spTree>
     <p:extLst>
       <p:ext uri="{BB962C8B-B14F-4D97-AF65-F5344CB8AC3E}">
-        <p14:creationId xmlns:p14="http://schemas.microsoft.com/office/powerpoint/2010/main" val="3744669153"/>
+        <p14:creationId xmlns:p14="http://schemas.microsoft.com/office/powerpoint/2010/main" val="3045284139"/>
       </p:ext>
     </p:extLst>
   </p:cSld>
@@ -5411,7 +6550,7 @@
           <p:cNvPr id="2" name="Nadpis 1">
             <a:extLst>
               <a:ext uri="{FF2B5EF4-FFF2-40B4-BE49-F238E27FC236}">
-                <a16:creationId xmlns:a16="http://schemas.microsoft.com/office/drawing/2014/main" id="{DAC5C01B-9CBF-4221-B5FD-BD61A76E30E4}"/>
+                <a16:creationId xmlns:a16="http://schemas.microsoft.com/office/drawing/2014/main" id="{3366C81E-BF7E-40AB-B9C3-900DB05ECA83}"/>
               </a:ext>
             </a:extLst>
           </p:cNvPr>
@@ -5436,7 +6575,7 @@
           <p:cNvPr id="3" name="Zástupný obsah 2">
             <a:extLst>
               <a:ext uri="{FF2B5EF4-FFF2-40B4-BE49-F238E27FC236}">
-                <a16:creationId xmlns:a16="http://schemas.microsoft.com/office/drawing/2014/main" id="{E4ED5FF2-7E40-4328-89A3-AE7243C8A61C}"/>
+                <a16:creationId xmlns:a16="http://schemas.microsoft.com/office/drawing/2014/main" id="{3ACAF296-DE9C-4A96-9101-4691354A2324}"/>
               </a:ext>
             </a:extLst>
           </p:cNvPr>
@@ -5459,7 +6598,7 @@
     </p:spTree>
     <p:extLst>
       <p:ext uri="{BB962C8B-B14F-4D97-AF65-F5344CB8AC3E}">
-        <p14:creationId xmlns:p14="http://schemas.microsoft.com/office/powerpoint/2010/main" val="1295116176"/>
+        <p14:creationId xmlns:p14="http://schemas.microsoft.com/office/powerpoint/2010/main" val="3744669153"/>
       </p:ext>
     </p:extLst>
   </p:cSld>
@@ -5491,7 +6630,7 @@
           <p:cNvPr id="2" name="Nadpis 1">
             <a:extLst>
               <a:ext uri="{FF2B5EF4-FFF2-40B4-BE49-F238E27FC236}">
-                <a16:creationId xmlns:a16="http://schemas.microsoft.com/office/drawing/2014/main" id="{2B1F9A99-A1C4-46C1-A1CF-5734DEA8D85C}"/>
+                <a16:creationId xmlns:a16="http://schemas.microsoft.com/office/drawing/2014/main" id="{DAC5C01B-9CBF-4221-B5FD-BD61A76E30E4}"/>
               </a:ext>
             </a:extLst>
           </p:cNvPr>
@@ -5516,7 +6655,7 @@
           <p:cNvPr id="3" name="Zástupný obsah 2">
             <a:extLst>
               <a:ext uri="{FF2B5EF4-FFF2-40B4-BE49-F238E27FC236}">
-                <a16:creationId xmlns:a16="http://schemas.microsoft.com/office/drawing/2014/main" id="{867F62A7-B903-4D63-B906-96F3B610EFF5}"/>
+                <a16:creationId xmlns:a16="http://schemas.microsoft.com/office/drawing/2014/main" id="{E4ED5FF2-7E40-4328-89A3-AE7243C8A61C}"/>
               </a:ext>
             </a:extLst>
           </p:cNvPr>
@@ -5539,7 +6678,7 @@
     </p:spTree>
     <p:extLst>
       <p:ext uri="{BB962C8B-B14F-4D97-AF65-F5344CB8AC3E}">
-        <p14:creationId xmlns:p14="http://schemas.microsoft.com/office/powerpoint/2010/main" val="3779719780"/>
+        <p14:creationId xmlns:p14="http://schemas.microsoft.com/office/powerpoint/2010/main" val="1295116176"/>
       </p:ext>
     </p:extLst>
   </p:cSld>
@@ -5571,7 +6710,7 @@
           <p:cNvPr id="2" name="Nadpis 1">
             <a:extLst>
               <a:ext uri="{FF2B5EF4-FFF2-40B4-BE49-F238E27FC236}">
-                <a16:creationId xmlns:a16="http://schemas.microsoft.com/office/drawing/2014/main" id="{08B9F506-EED6-4275-B929-C3F08AFC98E7}"/>
+                <a16:creationId xmlns:a16="http://schemas.microsoft.com/office/drawing/2014/main" id="{2B1F9A99-A1C4-46C1-A1CF-5734DEA8D85C}"/>
               </a:ext>
             </a:extLst>
           </p:cNvPr>
@@ -5596,7 +6735,7 @@
           <p:cNvPr id="3" name="Zástupný obsah 2">
             <a:extLst>
               <a:ext uri="{FF2B5EF4-FFF2-40B4-BE49-F238E27FC236}">
-                <a16:creationId xmlns:a16="http://schemas.microsoft.com/office/drawing/2014/main" id="{0A1DF0F6-07B2-4A2A-9AE2-7B13F69D157E}"/>
+                <a16:creationId xmlns:a16="http://schemas.microsoft.com/office/drawing/2014/main" id="{867F62A7-B903-4D63-B906-96F3B610EFF5}"/>
               </a:ext>
             </a:extLst>
           </p:cNvPr>
@@ -5619,7 +6758,7 @@
     </p:spTree>
     <p:extLst>
       <p:ext uri="{BB962C8B-B14F-4D97-AF65-F5344CB8AC3E}">
-        <p14:creationId xmlns:p14="http://schemas.microsoft.com/office/powerpoint/2010/main" val="3841958003"/>
+        <p14:creationId xmlns:p14="http://schemas.microsoft.com/office/powerpoint/2010/main" val="3779719780"/>
       </p:ext>
     </p:extLst>
   </p:cSld>
@@ -5651,7 +6790,7 @@
           <p:cNvPr id="2" name="Nadpis 1">
             <a:extLst>
               <a:ext uri="{FF2B5EF4-FFF2-40B4-BE49-F238E27FC236}">
-                <a16:creationId xmlns:a16="http://schemas.microsoft.com/office/drawing/2014/main" id="{142A986B-2CFD-40AB-A698-05B77717DEEA}"/>
+                <a16:creationId xmlns:a16="http://schemas.microsoft.com/office/drawing/2014/main" id="{08B9F506-EED6-4275-B929-C3F08AFC98E7}"/>
               </a:ext>
             </a:extLst>
           </p:cNvPr>
@@ -5676,7 +6815,7 @@
           <p:cNvPr id="3" name="Zástupný obsah 2">
             <a:extLst>
               <a:ext uri="{FF2B5EF4-FFF2-40B4-BE49-F238E27FC236}">
-                <a16:creationId xmlns:a16="http://schemas.microsoft.com/office/drawing/2014/main" id="{8A2D7135-900B-4463-B846-3D1B65B4C7CD}"/>
+                <a16:creationId xmlns:a16="http://schemas.microsoft.com/office/drawing/2014/main" id="{0A1DF0F6-07B2-4A2A-9AE2-7B13F69D157E}"/>
               </a:ext>
             </a:extLst>
           </p:cNvPr>
@@ -5699,7 +6838,7 @@
     </p:spTree>
     <p:extLst>
       <p:ext uri="{BB962C8B-B14F-4D97-AF65-F5344CB8AC3E}">
-        <p14:creationId xmlns:p14="http://schemas.microsoft.com/office/powerpoint/2010/main" val="2841062117"/>
+        <p14:creationId xmlns:p14="http://schemas.microsoft.com/office/powerpoint/2010/main" val="3841958003"/>
       </p:ext>
     </p:extLst>
   </p:cSld>
@@ -6240,6 +7379,86 @@
           <p:cNvPr id="2" name="Nadpis 1">
             <a:extLst>
               <a:ext uri="{FF2B5EF4-FFF2-40B4-BE49-F238E27FC236}">
+                <a16:creationId xmlns:a16="http://schemas.microsoft.com/office/drawing/2014/main" id="{142A986B-2CFD-40AB-A698-05B77717DEEA}"/>
+              </a:ext>
+            </a:extLst>
+          </p:cNvPr>
+          <p:cNvSpPr>
+            <a:spLocks noGrp="1"/>
+          </p:cNvSpPr>
+          <p:nvPr>
+            <p:ph type="title"/>
+          </p:nvPr>
+        </p:nvSpPr>
+        <p:spPr/>
+        <p:txBody>
+          <a:bodyPr/>
+          <a:lstStyle/>
+          <a:p>
+            <a:endParaRPr lang="cs-CZ"/>
+          </a:p>
+        </p:txBody>
+      </p:sp>
+      <p:sp>
+        <p:nvSpPr>
+          <p:cNvPr id="3" name="Zástupný obsah 2">
+            <a:extLst>
+              <a:ext uri="{FF2B5EF4-FFF2-40B4-BE49-F238E27FC236}">
+                <a16:creationId xmlns:a16="http://schemas.microsoft.com/office/drawing/2014/main" id="{8A2D7135-900B-4463-B846-3D1B65B4C7CD}"/>
+              </a:ext>
+            </a:extLst>
+          </p:cNvPr>
+          <p:cNvSpPr>
+            <a:spLocks noGrp="1"/>
+          </p:cNvSpPr>
+          <p:nvPr>
+            <p:ph idx="1"/>
+          </p:nvPr>
+        </p:nvSpPr>
+        <p:spPr/>
+        <p:txBody>
+          <a:bodyPr/>
+          <a:lstStyle/>
+          <a:p>
+            <a:endParaRPr lang="cs-CZ"/>
+          </a:p>
+        </p:txBody>
+      </p:sp>
+    </p:spTree>
+    <p:extLst>
+      <p:ext uri="{BB962C8B-B14F-4D97-AF65-F5344CB8AC3E}">
+        <p14:creationId xmlns:p14="http://schemas.microsoft.com/office/powerpoint/2010/main" val="2841062117"/>
+      </p:ext>
+    </p:extLst>
+  </p:cSld>
+  <p:clrMapOvr>
+    <a:masterClrMapping/>
+  </p:clrMapOvr>
+</p:sld>
+</file>
+
+<file path=ppt/slides/slide21.xml><?xml version="1.0" encoding="utf-8"?>
+<p:sld xmlns:a="http://schemas.openxmlformats.org/drawingml/2006/main" xmlns:r="http://schemas.openxmlformats.org/officeDocument/2006/relationships" xmlns:p="http://schemas.openxmlformats.org/presentationml/2006/main">
+  <p:cSld>
+    <p:spTree>
+      <p:nvGrpSpPr>
+        <p:cNvPr id="1" name=""/>
+        <p:cNvGrpSpPr/>
+        <p:nvPr/>
+      </p:nvGrpSpPr>
+      <p:grpSpPr>
+        <a:xfrm>
+          <a:off x="0" y="0"/>
+          <a:ext cx="0" cy="0"/>
+          <a:chOff x="0" y="0"/>
+          <a:chExt cx="0" cy="0"/>
+        </a:xfrm>
+      </p:grpSpPr>
+      <p:sp>
+        <p:nvSpPr>
+          <p:cNvPr id="2" name="Nadpis 1">
+            <a:extLst>
+              <a:ext uri="{FF2B5EF4-FFF2-40B4-BE49-F238E27FC236}">
                 <a16:creationId xmlns:a16="http://schemas.microsoft.com/office/drawing/2014/main" id="{C762E19F-329A-47C3-9C36-54C159349D6C}"/>
               </a:ext>
             </a:extLst>
@@ -6258,7 +7477,7 @@
           <a:p>
             <a:r>
               <a:rPr lang="cs-CZ" dirty="0"/>
-              <a:t>zdroje</a:t>
+              <a:t>citace</a:t>
             </a:r>
           </a:p>
         </p:txBody>
@@ -6285,57 +7504,386 @@
           <a:lstStyle/>
           <a:p>
             <a:r>
-              <a:rPr lang="cs-CZ" sz="1200" dirty="0">
-                <a:hlinkClick r:id="rId2"/>
+              <a:rPr lang="cs-CZ" sz="1200" b="0" i="1" dirty="0">
+                <a:effectLst/>
+              </a:rPr>
+              <a:t>Bankovní identita – 5 faktů o </a:t>
+            </a:r>
+            <a:r>
+              <a:rPr lang="cs-CZ" sz="1200" b="0" i="1" dirty="0" err="1">
+                <a:effectLst/>
+              </a:rPr>
+              <a:t>BankID</a:t>
+            </a:r>
+            <a:r>
+              <a:rPr lang="cs-CZ" sz="1200" b="0" i="1" dirty="0">
+                <a:effectLst/>
+              </a:rPr>
+              <a:t>, o kterých jste možná nevěděli - </a:t>
+            </a:r>
+            <a:r>
+              <a:rPr lang="cs-CZ" sz="1200" b="0" i="1" dirty="0" err="1">
+                <a:effectLst/>
+              </a:rPr>
+              <a:t>MoroSystems</a:t>
+            </a:r>
+            <a:r>
+              <a:rPr lang="cs-CZ" sz="1200" b="0" i="1" dirty="0">
+                <a:effectLst/>
+              </a:rPr>
+              <a:t> Blog</a:t>
+            </a:r>
+            <a:r>
+              <a:rPr lang="cs-CZ" sz="1200" b="0" i="0" dirty="0">
+                <a:effectLst/>
+              </a:rPr>
+              <a:t>. (</a:t>
+            </a:r>
+            <a:r>
+              <a:rPr lang="cs-CZ" sz="1200" b="0" i="0" dirty="0" err="1">
+                <a:effectLst/>
+              </a:rPr>
+              <a:t>n.d</a:t>
+            </a:r>
+            <a:r>
+              <a:rPr lang="cs-CZ" sz="1200" b="0" i="0" dirty="0">
+                <a:effectLst/>
+              </a:rPr>
+              <a:t>.). </a:t>
+            </a:r>
+            <a:r>
+              <a:rPr lang="cs-CZ" sz="1200" b="0" i="0" dirty="0" err="1">
+                <a:effectLst/>
+              </a:rPr>
+              <a:t>MoroSystems</a:t>
+            </a:r>
+            <a:r>
+              <a:rPr lang="cs-CZ" sz="1200" b="0" i="0" dirty="0">
+                <a:effectLst/>
+              </a:rPr>
+              <a:t> Blog -.</a:t>
+            </a:r>
+            <a:r>
+              <a:rPr lang="cs-CZ" sz="1200" b="0" i="0" dirty="0">
+                <a:solidFill>
+                  <a:srgbClr val="00B0F0"/>
+                </a:solidFill>
+                <a:effectLst/>
+              </a:rPr>
+              <a:t> </a:t>
+            </a:r>
+            <a:r>
+              <a:rPr lang="cs-CZ" sz="1200" b="0" i="0" u="none" strike="noStrike" dirty="0">
+                <a:solidFill>
+                  <a:srgbClr val="00B0F0"/>
+                </a:solidFill>
+                <a:effectLst/>
+                <a:hlinkClick r:id="rId2">
+                  <a:extLst>
+                    <a:ext uri="{A12FA001-AC4F-418D-AE19-62706E023703}">
+                      <ahyp:hlinkClr xmlns:ahyp="http://schemas.microsoft.com/office/drawing/2018/hyperlinkcolor" val="tx"/>
+                    </a:ext>
+                  </a:extLst>
+                </a:hlinkClick>
               </a:rPr>
               <a:t>https://blog.morosystems.cz/2021-02/odborne/bankovni-identita/?gclid=CjwKCAiAzp6eBhByEiwA_gGq5IZJtmOqGbEXki_-uzURo6lk67vM9iCw7Jk9iFupb28Xkg1E9zP30xoCwtUQAvD_BwE</a:t>
             </a:r>
-            <a:endParaRPr lang="cs-CZ" sz="1200" dirty="0"/>
-          </a:p>
-          <a:p>
-            <a:r>
-              <a:rPr lang="cs-CZ" sz="1200" dirty="0">
-                <a:hlinkClick r:id="rId3"/>
+            <a:endParaRPr lang="cs-CZ" sz="1200" b="0" i="0" u="none" strike="noStrike" dirty="0">
+              <a:solidFill>
+                <a:srgbClr val="00B0F0"/>
+              </a:solidFill>
+              <a:effectLst/>
+            </a:endParaRPr>
+          </a:p>
+          <a:p>
+            <a:r>
+              <a:rPr lang="cs-CZ" sz="1200" b="0" i="1" dirty="0">
+                <a:effectLst/>
+              </a:rPr>
+              <a:t>gov.cz - Portál veřejné správy</a:t>
+            </a:r>
+            <a:r>
+              <a:rPr lang="cs-CZ" sz="1200" b="0" i="0" dirty="0">
+                <a:effectLst/>
+              </a:rPr>
+              <a:t>. (</a:t>
+            </a:r>
+            <a:r>
+              <a:rPr lang="cs-CZ" sz="1200" b="0" i="0" dirty="0" err="1">
+                <a:effectLst/>
+              </a:rPr>
+              <a:t>n.d</a:t>
+            </a:r>
+            <a:r>
+              <a:rPr lang="cs-CZ" sz="1200" b="0" i="0" dirty="0">
+                <a:effectLst/>
+              </a:rPr>
+              <a:t>.). gov.cz - Portál veřejné správy.</a:t>
+            </a:r>
+            <a:r>
+              <a:rPr lang="cs-CZ" sz="1200" b="0" i="0" dirty="0">
+                <a:solidFill>
+                  <a:srgbClr val="00B0F0"/>
+                </a:solidFill>
+                <a:effectLst/>
+              </a:rPr>
+              <a:t> </a:t>
+            </a:r>
+            <a:r>
+              <a:rPr lang="cs-CZ" sz="1200" b="0" i="0" u="none" strike="noStrike" dirty="0">
+                <a:solidFill>
+                  <a:srgbClr val="00B0F0"/>
+                </a:solidFill>
+                <a:effectLst/>
+                <a:hlinkClick r:id="rId3">
+                  <a:extLst>
+                    <a:ext uri="{A12FA001-AC4F-418D-AE19-62706E023703}">
+                      <ahyp:hlinkClr xmlns:ahyp="http://schemas.microsoft.com/office/drawing/2018/hyperlinkcolor" val="tx"/>
+                    </a:ext>
+                  </a:extLst>
+                </a:hlinkClick>
               </a:rPr>
               <a:t>https://portal.gov.cz/rozcestniky/portal-obcana-RZC-108</a:t>
             </a:r>
-            <a:endParaRPr lang="cs-CZ" sz="1200" dirty="0"/>
-          </a:p>
-          <a:p>
-            <a:r>
-              <a:rPr lang="cs-CZ" sz="1200" dirty="0">
-                <a:hlinkClick r:id="rId4"/>
+            <a:endParaRPr lang="cs-CZ" sz="1200" b="0" i="0" u="none" strike="noStrike" dirty="0">
+              <a:solidFill>
+                <a:srgbClr val="00B0F0"/>
+              </a:solidFill>
+              <a:effectLst/>
+            </a:endParaRPr>
+          </a:p>
+          <a:p>
+            <a:r>
+              <a:rPr lang="cs-CZ" sz="1200" b="0" i="0" dirty="0">
+                <a:effectLst/>
+              </a:rPr>
+              <a:t>Přispěvatelé projektů </a:t>
+            </a:r>
+            <a:r>
+              <a:rPr lang="cs-CZ" sz="1200" b="0" i="0" dirty="0" err="1">
+                <a:effectLst/>
+              </a:rPr>
+              <a:t>Wikimedia</a:t>
+            </a:r>
+            <a:r>
+              <a:rPr lang="cs-CZ" sz="1200" b="0" i="0" dirty="0">
+                <a:effectLst/>
+              </a:rPr>
+              <a:t>. (2005, July 8). </a:t>
+            </a:r>
+            <a:r>
+              <a:rPr lang="cs-CZ" sz="1200" b="0" i="1" dirty="0">
+                <a:effectLst/>
+              </a:rPr>
+              <a:t>Instant </a:t>
+            </a:r>
+            <a:r>
+              <a:rPr lang="cs-CZ" sz="1200" b="0" i="1" dirty="0" err="1">
+                <a:effectLst/>
+              </a:rPr>
+              <a:t>messaging</a:t>
+            </a:r>
+            <a:r>
+              <a:rPr lang="cs-CZ" sz="1200" b="0" i="1" dirty="0">
+                <a:effectLst/>
+              </a:rPr>
+              <a:t> – Wikipedie</a:t>
+            </a:r>
+            <a:r>
+              <a:rPr lang="cs-CZ" sz="1200" b="0" i="0" dirty="0">
+                <a:effectLst/>
+              </a:rPr>
+              <a:t>. Wikipedie, otevřená encyklopedie.</a:t>
+            </a:r>
+            <a:r>
+              <a:rPr lang="cs-CZ" sz="1200" b="0" i="0" dirty="0">
+                <a:solidFill>
+                  <a:srgbClr val="00B0F0"/>
+                </a:solidFill>
+                <a:effectLst/>
+              </a:rPr>
+              <a:t> </a:t>
+            </a:r>
+            <a:r>
+              <a:rPr lang="cs-CZ" sz="1200" b="0" i="0" u="none" strike="noStrike" dirty="0">
+                <a:solidFill>
+                  <a:srgbClr val="00B0F0"/>
+                </a:solidFill>
+                <a:effectLst/>
+                <a:hlinkClick r:id="rId4">
+                  <a:extLst>
+                    <a:ext uri="{A12FA001-AC4F-418D-AE19-62706E023703}">
+                      <ahyp:hlinkClr xmlns:ahyp="http://schemas.microsoft.com/office/drawing/2018/hyperlinkcolor" val="tx"/>
+                    </a:ext>
+                  </a:extLst>
+                </a:hlinkClick>
               </a:rPr>
               <a:t>https://cs.wikipedia.org/wiki/Instant_messaging</a:t>
             </a:r>
-            <a:endParaRPr lang="cs-CZ" sz="1200" dirty="0"/>
-          </a:p>
-          <a:p>
-            <a:r>
-              <a:rPr lang="cs-CZ" sz="1200" dirty="0">
-                <a:hlinkClick r:id="rId5"/>
+            <a:endParaRPr lang="cs-CZ" sz="1200" b="0" i="0" u="none" strike="noStrike" dirty="0">
+              <a:solidFill>
+                <a:srgbClr val="00B0F0"/>
+              </a:solidFill>
+              <a:effectLst/>
+            </a:endParaRPr>
+          </a:p>
+          <a:p>
+            <a:r>
+              <a:rPr lang="cs-CZ" sz="1200" b="0" i="0" dirty="0">
+                <a:effectLst/>
+              </a:rPr>
+              <a:t>Přispěvatelé projektů </a:t>
+            </a:r>
+            <a:r>
+              <a:rPr lang="cs-CZ" sz="1200" b="0" i="0" dirty="0" err="1">
+                <a:effectLst/>
+              </a:rPr>
+              <a:t>Wikimedia</a:t>
+            </a:r>
+            <a:r>
+              <a:rPr lang="cs-CZ" sz="1200" b="0" i="0" dirty="0">
+                <a:effectLst/>
+              </a:rPr>
+              <a:t>. (2021, </a:t>
+            </a:r>
+            <a:r>
+              <a:rPr lang="cs-CZ" sz="1200" b="0" i="0" dirty="0" err="1">
+                <a:effectLst/>
+              </a:rPr>
+              <a:t>February</a:t>
+            </a:r>
+            <a:r>
+              <a:rPr lang="cs-CZ" sz="1200" b="0" i="0" dirty="0">
+                <a:effectLst/>
+              </a:rPr>
+              <a:t> 4). </a:t>
+            </a:r>
+            <a:r>
+              <a:rPr lang="cs-CZ" sz="1200" b="0" i="1" dirty="0">
+                <a:effectLst/>
+              </a:rPr>
+              <a:t>Bankovní identita – Wikipedie</a:t>
+            </a:r>
+            <a:r>
+              <a:rPr lang="cs-CZ" sz="1200" b="0" i="0" dirty="0">
+                <a:effectLst/>
+              </a:rPr>
+              <a:t>. Wikipedie, otevřená encyklopedie. </a:t>
+            </a:r>
+            <a:r>
+              <a:rPr lang="cs-CZ" sz="1200" b="0" i="0" u="none" strike="noStrike" dirty="0">
+                <a:solidFill>
+                  <a:srgbClr val="00B0F0"/>
+                </a:solidFill>
+                <a:effectLst/>
+                <a:hlinkClick r:id="rId5">
+                  <a:extLst>
+                    <a:ext uri="{A12FA001-AC4F-418D-AE19-62706E023703}">
+                      <ahyp:hlinkClr xmlns:ahyp="http://schemas.microsoft.com/office/drawing/2018/hyperlinkcolor" val="tx"/>
+                    </a:ext>
+                  </a:extLst>
+                </a:hlinkClick>
+              </a:rPr>
+              <a:t>https://cs.wikipedia.org/wiki/Bankovní_identita#cite_note-1</a:t>
+            </a:r>
+            <a:endParaRPr lang="cs-CZ" sz="1200" dirty="0">
+              <a:solidFill>
+                <a:srgbClr val="00B0F0"/>
+              </a:solidFill>
+            </a:endParaRPr>
+          </a:p>
+          <a:p>
+            <a:r>
+              <a:rPr lang="cs-CZ" sz="1200" b="0" i="0" dirty="0" err="1">
+                <a:effectLst/>
+              </a:rPr>
+              <a:t>řispěvatelé</a:t>
+            </a:r>
+            <a:r>
+              <a:rPr lang="cs-CZ" sz="1200" b="0" i="0" dirty="0">
+                <a:effectLst/>
+              </a:rPr>
+              <a:t> projektů </a:t>
+            </a:r>
+            <a:r>
+              <a:rPr lang="cs-CZ" sz="1200" b="0" i="0" dirty="0" err="1">
+                <a:effectLst/>
+              </a:rPr>
+              <a:t>Wikimedia</a:t>
+            </a:r>
+            <a:r>
+              <a:rPr lang="cs-CZ" sz="1200" b="0" i="0" dirty="0">
+                <a:effectLst/>
+              </a:rPr>
+              <a:t>. (2007, </a:t>
+            </a:r>
+            <a:r>
+              <a:rPr lang="cs-CZ" sz="1200" b="0" i="0" dirty="0" err="1">
+                <a:effectLst/>
+              </a:rPr>
+              <a:t>February</a:t>
+            </a:r>
+            <a:r>
+              <a:rPr lang="cs-CZ" sz="1200" b="0" i="0" dirty="0">
+                <a:effectLst/>
+              </a:rPr>
+              <a:t> 23). </a:t>
+            </a:r>
+            <a:r>
+              <a:rPr lang="cs-CZ" sz="1200" b="0" i="1" dirty="0" err="1">
+                <a:effectLst/>
+              </a:rPr>
+              <a:t>e-Government</a:t>
+            </a:r>
+            <a:r>
+              <a:rPr lang="cs-CZ" sz="1200" b="0" i="1" dirty="0">
+                <a:effectLst/>
+              </a:rPr>
+              <a:t> – Wikipedie</a:t>
+            </a:r>
+            <a:r>
+              <a:rPr lang="cs-CZ" sz="1200" b="0" i="0" dirty="0">
+                <a:effectLst/>
+              </a:rPr>
+              <a:t>. Wikipedie, otevřená encyklopedie</a:t>
+            </a:r>
+            <a:r>
+              <a:rPr lang="cs-CZ" sz="1200" b="0" i="0" dirty="0">
+                <a:solidFill>
+                  <a:srgbClr val="212121"/>
+                </a:solidFill>
+                <a:effectLst/>
+              </a:rPr>
+              <a:t>. </a:t>
+            </a:r>
+            <a:r>
+              <a:rPr lang="cs-CZ" sz="1200" b="0" i="0" u="none" strike="noStrike" dirty="0">
+                <a:solidFill>
+                  <a:srgbClr val="00B0F0"/>
+                </a:solidFill>
+                <a:effectLst/>
+                <a:hlinkClick r:id="rId6">
+                  <a:extLst>
+                    <a:ext uri="{A12FA001-AC4F-418D-AE19-62706E023703}">
+                      <ahyp:hlinkClr xmlns:ahyp="http://schemas.microsoft.com/office/drawing/2018/hyperlinkcolor" val="tx"/>
+                    </a:ext>
+                  </a:extLst>
+                </a:hlinkClick>
               </a:rPr>
               <a:t>https://cs.wikipedia.org/wiki/E-Government</a:t>
             </a:r>
-            <a:endParaRPr lang="cs-CZ" sz="1200" dirty="0"/>
-          </a:p>
-          <a:p>
-            <a:r>
-              <a:rPr lang="cs-CZ" sz="1200" dirty="0">
-                <a:hlinkClick r:id="rId6"/>
-              </a:rPr>
-              <a:t>https://cs.wikipedia.org/wiki/Bankovn%C3%AD_identita#cite_note-1</a:t>
-            </a:r>
-            <a:endParaRPr lang="cs-CZ" sz="1200" dirty="0"/>
-          </a:p>
-          <a:p>
-            <a:endParaRPr lang="cs-CZ" sz="1200" dirty="0"/>
-          </a:p>
-          <a:p>
-            <a:endParaRPr lang="cs-CZ" sz="1200" dirty="0"/>
-          </a:p>
-          <a:p>
-            <a:endParaRPr lang="cs-CZ" sz="1200" dirty="0"/>
+            <a:endParaRPr lang="cs-CZ" sz="1200" dirty="0">
+              <a:solidFill>
+                <a:srgbClr val="00B0F0"/>
+              </a:solidFill>
+            </a:endParaRPr>
+          </a:p>
+          <a:p>
+            <a:endParaRPr lang="cs-CZ" sz="1200" dirty="0">
+              <a:solidFill>
+                <a:srgbClr val="00B0F0"/>
+              </a:solidFill>
+            </a:endParaRPr>
           </a:p>
           <a:p>
             <a:endParaRPr lang="cs-CZ" sz="1200" dirty="0"/>
@@ -6362,6 +7910,112 @@
 </file>
 
 <file path=ppt/slides/slide3.xml><?xml version="1.0" encoding="utf-8"?>
+<p:sld xmlns:a="http://schemas.openxmlformats.org/drawingml/2006/main" xmlns:r="http://schemas.openxmlformats.org/officeDocument/2006/relationships" xmlns:p="http://schemas.openxmlformats.org/presentationml/2006/main">
+  <p:cSld>
+    <p:spTree>
+      <p:nvGrpSpPr>
+        <p:cNvPr id="1" name=""/>
+        <p:cNvGrpSpPr/>
+        <p:nvPr/>
+      </p:nvGrpSpPr>
+      <p:grpSpPr>
+        <a:xfrm>
+          <a:off x="0" y="0"/>
+          <a:ext cx="0" cy="0"/>
+          <a:chOff x="0" y="0"/>
+          <a:chExt cx="0" cy="0"/>
+        </a:xfrm>
+      </p:grpSpPr>
+      <p:sp>
+        <p:nvSpPr>
+          <p:cNvPr id="2" name="Nadpis 1">
+            <a:extLst>
+              <a:ext uri="{FF2B5EF4-FFF2-40B4-BE49-F238E27FC236}">
+                <a16:creationId xmlns:a16="http://schemas.microsoft.com/office/drawing/2014/main" id="{3878BF4E-7C37-8B96-DAF4-8DD4C1A22A49}"/>
+              </a:ext>
+            </a:extLst>
+          </p:cNvPr>
+          <p:cNvSpPr>
+            <a:spLocks noGrp="1"/>
+          </p:cNvSpPr>
+          <p:nvPr>
+            <p:ph type="title"/>
+          </p:nvPr>
+        </p:nvSpPr>
+        <p:spPr/>
+        <p:txBody>
+          <a:bodyPr/>
+          <a:lstStyle/>
+          <a:p>
+            <a:r>
+              <a:rPr lang="cs-CZ" dirty="0"/>
+              <a:t>Identifikace v </a:t>
+            </a:r>
+            <a:r>
+              <a:rPr lang="cs-CZ" dirty="0" err="1"/>
+              <a:t>BankID</a:t>
+            </a:r>
+            <a:endParaRPr lang="cs-CZ" dirty="0"/>
+          </a:p>
+        </p:txBody>
+      </p:sp>
+      <p:sp>
+        <p:nvSpPr>
+          <p:cNvPr id="3" name="Zástupný obsah 2">
+            <a:extLst>
+              <a:ext uri="{FF2B5EF4-FFF2-40B4-BE49-F238E27FC236}">
+                <a16:creationId xmlns:a16="http://schemas.microsoft.com/office/drawing/2014/main" id="{34BFACA2-9B48-F68F-09A3-A95177C15395}"/>
+              </a:ext>
+            </a:extLst>
+          </p:cNvPr>
+          <p:cNvSpPr>
+            <a:spLocks noGrp="1"/>
+          </p:cNvSpPr>
+          <p:nvPr>
+            <p:ph idx="1"/>
+          </p:nvPr>
+        </p:nvSpPr>
+        <p:spPr/>
+        <p:txBody>
+          <a:bodyPr/>
+          <a:lstStyle/>
+          <a:p>
+            <a:r>
+              <a:rPr lang="cs-CZ" dirty="0"/>
+              <a:t>Bankovní identita </a:t>
+            </a:r>
+          </a:p>
+          <a:p>
+            <a:r>
+              <a:rPr lang="cs-CZ" dirty="0"/>
+              <a:t>Občanský průkaz</a:t>
+            </a:r>
+          </a:p>
+          <a:p>
+            <a:r>
+              <a:rPr lang="cs-CZ" dirty="0"/>
+              <a:t>Elektronický klíč</a:t>
+            </a:r>
+          </a:p>
+          <a:p>
+            <a:endParaRPr lang="cs-CZ" dirty="0"/>
+          </a:p>
+        </p:txBody>
+      </p:sp>
+    </p:spTree>
+    <p:extLst>
+      <p:ext uri="{BB962C8B-B14F-4D97-AF65-F5344CB8AC3E}">
+        <p14:creationId xmlns:p14="http://schemas.microsoft.com/office/powerpoint/2010/main" val="3184145547"/>
+      </p:ext>
+    </p:extLst>
+  </p:cSld>
+  <p:clrMapOvr>
+    <a:masterClrMapping/>
+  </p:clrMapOvr>
+</p:sld>
+</file>
+
+<file path=ppt/slides/slide4.xml><?xml version="1.0" encoding="utf-8"?>
 <p:sld xmlns:a="http://schemas.openxmlformats.org/drawingml/2006/main" xmlns:r="http://schemas.openxmlformats.org/officeDocument/2006/relationships" xmlns:p="http://schemas.openxmlformats.org/presentationml/2006/main">
   <p:cSld>
     <p:bg>
@@ -6840,7 +8494,7 @@
 </p:sld>
 </file>
 
-<file path=ppt/slides/slide4.xml><?xml version="1.0" encoding="utf-8"?>
+<file path=ppt/slides/slide5.xml><?xml version="1.0" encoding="utf-8"?>
 <p:sld xmlns:a="http://schemas.openxmlformats.org/drawingml/2006/main" xmlns:r="http://schemas.openxmlformats.org/officeDocument/2006/relationships" xmlns:p="http://schemas.openxmlformats.org/presentationml/2006/main">
   <p:cSld>
     <p:bg>
@@ -6867,7 +8521,7 @@
       </p:grpSpPr>
       <p:sp useBgFill="1">
         <p:nvSpPr>
-          <p:cNvPr id="3081" name="Rectangle 3080">
+          <p:cNvPr id="1039" name="Rectangle 1030">
             <a:extLst>
               <a:ext uri="{FF2B5EF4-FFF2-40B4-BE49-F238E27FC236}">
                 <a16:creationId xmlns:a16="http://schemas.microsoft.com/office/drawing/2014/main" id="{4AB8125F-0FD8-48CD-9F43-73E5494EA774}"/>
@@ -6935,7 +8589,7 @@
       </p:sp>
       <p:sp>
         <p:nvSpPr>
-          <p:cNvPr id="3083" name="Rectangle 3082">
+          <p:cNvPr id="1040" name="Rectangle 1032">
             <a:extLst>
               <a:ext uri="{FF2B5EF4-FFF2-40B4-BE49-F238E27FC236}">
                 <a16:creationId xmlns:a16="http://schemas.microsoft.com/office/drawing/2014/main" id="{0019DD6C-5899-4C07-864B-EB0A7D104ACF}"/>
@@ -7008,7 +8662,7 @@
       </p:sp>
       <p:sp>
         <p:nvSpPr>
-          <p:cNvPr id="3085" name="Rectangle 3084">
+          <p:cNvPr id="1041" name="Rectangle 1034">
             <a:extLst>
               <a:ext uri="{FF2B5EF4-FFF2-40B4-BE49-F238E27FC236}">
                 <a16:creationId xmlns:a16="http://schemas.microsoft.com/office/drawing/2014/main" id="{EBDFFBC1-15BD-428E-B8AF-ECF5D1B76DEB}"/>
@@ -7082,7 +8736,7 @@
       </p:sp>
       <p:sp>
         <p:nvSpPr>
-          <p:cNvPr id="3087" name="Rectangle 3086">
+          <p:cNvPr id="1042" name="Rectangle 1036">
             <a:extLst>
               <a:ext uri="{FF2B5EF4-FFF2-40B4-BE49-F238E27FC236}">
                 <a16:creationId xmlns:a16="http://schemas.microsoft.com/office/drawing/2014/main" id="{EBFB3075-0323-4EB0-B1A5-776A0E709CEF}"/>
@@ -7159,7 +8813,7 @@
           <p:cNvPr id="2" name="Nadpis 1">
             <a:extLst>
               <a:ext uri="{FF2B5EF4-FFF2-40B4-BE49-F238E27FC236}">
-                <a16:creationId xmlns:a16="http://schemas.microsoft.com/office/drawing/2014/main" id="{6DDC27C6-03BB-41F6-AEEB-7496BDE645F4}"/>
+                <a16:creationId xmlns:a16="http://schemas.microsoft.com/office/drawing/2014/main" id="{A2920C6B-5210-4567-B7FB-346BD0C3E2E2}"/>
               </a:ext>
             </a:extLst>
           </p:cNvPr>
@@ -7183,9 +8837,10 @@
           <a:lstStyle/>
           <a:p>
             <a:r>
-              <a:rPr lang="cs-CZ" dirty="0"/>
-              <a:t>eGovernment</a:t>
-            </a:r>
+              <a:rPr lang="cs-CZ"/>
+              <a:t>Portál veřejné zprávy</a:t>
+            </a:r>
+            <a:endParaRPr lang="cs-CZ" dirty="0"/>
           </a:p>
         </p:txBody>
       </p:sp>
@@ -7194,7 +8849,7 @@
           <p:cNvPr id="3" name="Zástupný obsah 2">
             <a:extLst>
               <a:ext uri="{FF2B5EF4-FFF2-40B4-BE49-F238E27FC236}">
-                <a16:creationId xmlns:a16="http://schemas.microsoft.com/office/drawing/2014/main" id="{CFCFAC44-F1A4-4636-982E-A61E4F3BD009}"/>
+                <a16:creationId xmlns:a16="http://schemas.microsoft.com/office/drawing/2014/main" id="{4AB92AB2-C9A4-46E3-B8A5-58550FD9E7BA}"/>
               </a:ext>
             </a:extLst>
           </p:cNvPr>
@@ -7223,7 +8878,7 @@
                   <a:schemeClr val="tx1"/>
                 </a:solidFill>
               </a:rPr>
-              <a:t>Komunikace státu s občany</a:t>
+              <a:t>Ministerstvo vnitra</a:t>
             </a:r>
           </a:p>
           <a:p>
@@ -7233,15 +8888,17 @@
                   <a:schemeClr val="tx1"/>
                 </a:solidFill>
               </a:rPr>
-              <a:t>Komunikace tipu e-</a:t>
-            </a:r>
+              <a:t>Informace</a:t>
+            </a:r>
+          </a:p>
+          <a:p>
             <a:r>
               <a:rPr lang="cs-CZ" sz="1800" dirty="0" err="1">
                 <a:solidFill>
                   <a:schemeClr val="tx1"/>
                 </a:solidFill>
               </a:rPr>
-              <a:t>citizen</a:t>
+              <a:t>eGoverment</a:t>
             </a:r>
             <a:endParaRPr lang="cs-CZ" sz="1800" dirty="0">
               <a:solidFill>
@@ -7256,30 +8913,17 @@
                   <a:schemeClr val="tx1"/>
                 </a:solidFill>
               </a:rPr>
-              <a:t>Statní instant-</a:t>
-            </a:r>
-            <a:r>
-              <a:rPr lang="cs-CZ" sz="1800" dirty="0" err="1">
-                <a:solidFill>
-                  <a:schemeClr val="tx1"/>
-                </a:solidFill>
-              </a:rPr>
-              <a:t>messaging</a:t>
-            </a:r>
-            <a:endParaRPr lang="cs-CZ" sz="1800" dirty="0">
-              <a:solidFill>
-                <a:schemeClr val="tx1"/>
-              </a:solidFill>
-            </a:endParaRPr>
+              <a:t>Portál občana</a:t>
+            </a:r>
           </a:p>
         </p:txBody>
       </p:sp>
       <p:pic>
         <p:nvPicPr>
-          <p:cNvPr id="3076" name="Picture 4" descr="EUROPEAN COMPUTER DRIVING LICENCE / INTERNATIONAL COMPUTER DRIVING LICENCE  - e-Citizen SYLABUS 1.0">
-            <a:extLst>
-              <a:ext uri="{FF2B5EF4-FFF2-40B4-BE49-F238E27FC236}">
-                <a16:creationId xmlns:a16="http://schemas.microsoft.com/office/drawing/2014/main" id="{B2D88B05-D1C6-4D79-AFD6-C63F345CC632}"/>
+          <p:cNvPr id="1026" name="Picture 2" descr="ČSOB umožní snadné přihlašování k eGovernmentu - Cnews.cz">
+            <a:extLst>
+              <a:ext uri="{FF2B5EF4-FFF2-40B4-BE49-F238E27FC236}">
+                <a16:creationId xmlns:a16="http://schemas.microsoft.com/office/drawing/2014/main" id="{FD5CE867-32F6-275D-B1C6-361E84CC275A}"/>
               </a:ext>
             </a:extLst>
           </p:cNvPr>
@@ -7302,8 +8946,8 @@
         </p:blipFill>
         <p:spPr bwMode="auto">
           <a:xfrm>
-            <a:off x="5996628" y="3024933"/>
-            <a:ext cx="5585772" cy="2993681"/>
+            <a:off x="5996628" y="2957758"/>
+            <a:ext cx="5585772" cy="3128032"/>
           </a:xfrm>
           <a:prstGeom prst="rect">
             <a:avLst/>
@@ -7323,7 +8967,7 @@
     </p:spTree>
     <p:extLst>
       <p:ext uri="{BB962C8B-B14F-4D97-AF65-F5344CB8AC3E}">
-        <p14:creationId xmlns:p14="http://schemas.microsoft.com/office/powerpoint/2010/main" val="1335757661"/>
+        <p14:creationId xmlns:p14="http://schemas.microsoft.com/office/powerpoint/2010/main" val="3096248135"/>
       </p:ext>
     </p:extLst>
   </p:cSld>
@@ -7333,7 +8977,7 @@
 </p:sld>
 </file>
 
-<file path=ppt/slides/slide5.xml><?xml version="1.0" encoding="utf-8"?>
+<file path=ppt/slides/slide6.xml><?xml version="1.0" encoding="utf-8"?>
 <p:sld xmlns:a="http://schemas.openxmlformats.org/drawingml/2006/main" xmlns:r="http://schemas.openxmlformats.org/officeDocument/2006/relationships" xmlns:p="http://schemas.openxmlformats.org/presentationml/2006/main">
   <p:cSld>
     <p:bg>
@@ -7360,7 +9004,7 @@
       </p:grpSpPr>
       <p:sp useBgFill="1">
         <p:nvSpPr>
-          <p:cNvPr id="2055" name="Rectangle 2054">
+          <p:cNvPr id="3081" name="Rectangle 3080">
             <a:extLst>
               <a:ext uri="{FF2B5EF4-FFF2-40B4-BE49-F238E27FC236}">
                 <a16:creationId xmlns:a16="http://schemas.microsoft.com/office/drawing/2014/main" id="{4AB8125F-0FD8-48CD-9F43-73E5494EA774}"/>
@@ -7428,7 +9072,7 @@
       </p:sp>
       <p:sp>
         <p:nvSpPr>
-          <p:cNvPr id="2057" name="Rectangle 2056">
+          <p:cNvPr id="3083" name="Rectangle 3082">
             <a:extLst>
               <a:ext uri="{FF2B5EF4-FFF2-40B4-BE49-F238E27FC236}">
                 <a16:creationId xmlns:a16="http://schemas.microsoft.com/office/drawing/2014/main" id="{0019DD6C-5899-4C07-864B-EB0A7D104ACF}"/>
@@ -7501,7 +9145,7 @@
       </p:sp>
       <p:sp>
         <p:nvSpPr>
-          <p:cNvPr id="2059" name="Rectangle 2058">
+          <p:cNvPr id="3085" name="Rectangle 3084">
             <a:extLst>
               <a:ext uri="{FF2B5EF4-FFF2-40B4-BE49-F238E27FC236}">
                 <a16:creationId xmlns:a16="http://schemas.microsoft.com/office/drawing/2014/main" id="{EBDFFBC1-15BD-428E-B8AF-ECF5D1B76DEB}"/>
@@ -7575,7 +9219,7 @@
       </p:sp>
       <p:sp>
         <p:nvSpPr>
-          <p:cNvPr id="2061" name="Rectangle 2060">
+          <p:cNvPr id="3087" name="Rectangle 3086">
             <a:extLst>
               <a:ext uri="{FF2B5EF4-FFF2-40B4-BE49-F238E27FC236}">
                 <a16:creationId xmlns:a16="http://schemas.microsoft.com/office/drawing/2014/main" id="{EBFB3075-0323-4EB0-B1A5-776A0E709CEF}"/>
@@ -7652,7 +9296,7 @@
           <p:cNvPr id="2" name="Nadpis 1">
             <a:extLst>
               <a:ext uri="{FF2B5EF4-FFF2-40B4-BE49-F238E27FC236}">
-                <a16:creationId xmlns:a16="http://schemas.microsoft.com/office/drawing/2014/main" id="{F6CBFAC3-B37A-43CE-ADAB-824526337979}"/>
+                <a16:creationId xmlns:a16="http://schemas.microsoft.com/office/drawing/2014/main" id="{6DDC27C6-03BB-41F6-AEEB-7496BDE645F4}"/>
               </a:ext>
             </a:extLst>
           </p:cNvPr>
@@ -7676,10 +9320,9 @@
           <a:lstStyle/>
           <a:p>
             <a:r>
-              <a:rPr lang="cs-CZ"/>
-              <a:t>Portál občana</a:t>
-            </a:r>
-            <a:endParaRPr lang="cs-CZ" dirty="0"/>
+              <a:rPr lang="cs-CZ" dirty="0"/>
+              <a:t>eGovernment</a:t>
+            </a:r>
           </a:p>
         </p:txBody>
       </p:sp>
@@ -7688,7 +9331,7 @@
           <p:cNvPr id="3" name="Zástupný obsah 2">
             <a:extLst>
               <a:ext uri="{FF2B5EF4-FFF2-40B4-BE49-F238E27FC236}">
-                <a16:creationId xmlns:a16="http://schemas.microsoft.com/office/drawing/2014/main" id="{16B73FDF-F64B-46C0-B598-1661946D8CB1}"/>
+                <a16:creationId xmlns:a16="http://schemas.microsoft.com/office/drawing/2014/main" id="{CFCFAC44-F1A4-4636-982E-A61E4F3BD009}"/>
               </a:ext>
             </a:extLst>
           </p:cNvPr>
@@ -7712,42 +9355,68 @@
           <a:lstStyle/>
           <a:p>
             <a:r>
-              <a:rPr lang="cs-CZ" sz="1800">
+              <a:rPr lang="cs-CZ" sz="1800" dirty="0">
                 <a:solidFill>
                   <a:schemeClr val="tx1"/>
                 </a:solidFill>
               </a:rPr>
-              <a:t>Opensource</a:t>
-            </a:r>
-          </a:p>
-          <a:p>
-            <a:r>
-              <a:rPr lang="cs-CZ" sz="1800">
+              <a:t>Komunikace státu s občany</a:t>
+            </a:r>
+          </a:p>
+          <a:p>
+            <a:r>
+              <a:rPr lang="cs-CZ" sz="1800" dirty="0">
                 <a:solidFill>
                   <a:schemeClr val="tx1"/>
                 </a:solidFill>
               </a:rPr>
-              <a:t>Datová schránka</a:t>
-            </a:r>
-          </a:p>
-          <a:p>
-            <a:r>
-              <a:rPr lang="cs-CZ" sz="1800">
+              <a:t>Komunikace tipu e-</a:t>
+            </a:r>
+            <a:r>
+              <a:rPr lang="cs-CZ" sz="1800" dirty="0" err="1">
                 <a:solidFill>
                   <a:schemeClr val="tx1"/>
                 </a:solidFill>
               </a:rPr>
-              <a:t>Správa dokladů</a:t>
-            </a:r>
+              <a:t>citizen</a:t>
+            </a:r>
+            <a:endParaRPr lang="cs-CZ" sz="1800" dirty="0">
+              <a:solidFill>
+                <a:schemeClr val="tx1"/>
+              </a:solidFill>
+            </a:endParaRPr>
+          </a:p>
+          <a:p>
+            <a:r>
+              <a:rPr lang="cs-CZ" sz="1800" dirty="0">
+                <a:solidFill>
+                  <a:schemeClr val="tx1"/>
+                </a:solidFill>
+              </a:rPr>
+              <a:t>Statní instant-</a:t>
+            </a:r>
+            <a:r>
+              <a:rPr lang="cs-CZ" sz="1800" dirty="0" err="1">
+                <a:solidFill>
+                  <a:schemeClr val="tx1"/>
+                </a:solidFill>
+              </a:rPr>
+              <a:t>messaging</a:t>
+            </a:r>
+            <a:endParaRPr lang="cs-CZ" sz="1800" dirty="0">
+              <a:solidFill>
+                <a:schemeClr val="tx1"/>
+              </a:solidFill>
+            </a:endParaRPr>
           </a:p>
         </p:txBody>
       </p:sp>
       <p:pic>
         <p:nvPicPr>
-          <p:cNvPr id="2050" name="Picture 2" descr="Datové schránky – Hospodářská Komora">
-            <a:extLst>
-              <a:ext uri="{FF2B5EF4-FFF2-40B4-BE49-F238E27FC236}">
-                <a16:creationId xmlns:a16="http://schemas.microsoft.com/office/drawing/2014/main" id="{AE22F750-C310-4943-AB52-637EFDE69DA8}"/>
+          <p:cNvPr id="3076" name="Picture 4" descr="EUROPEAN COMPUTER DRIVING LICENCE / INTERNATIONAL COMPUTER DRIVING LICENCE  - e-Citizen SYLABUS 1.0">
+            <a:extLst>
+              <a:ext uri="{FF2B5EF4-FFF2-40B4-BE49-F238E27FC236}">
+                <a16:creationId xmlns:a16="http://schemas.microsoft.com/office/drawing/2014/main" id="{B2D88B05-D1C6-4D79-AFD6-C63F345CC632}"/>
               </a:ext>
             </a:extLst>
           </p:cNvPr>
@@ -7770,8 +9439,8 @@
         </p:blipFill>
         <p:spPr bwMode="auto">
           <a:xfrm>
-            <a:off x="5996628" y="3588419"/>
-            <a:ext cx="5585772" cy="1866710"/>
+            <a:off x="5996628" y="3024933"/>
+            <a:ext cx="5585772" cy="2993681"/>
           </a:xfrm>
           <a:prstGeom prst="rect">
             <a:avLst/>
@@ -7791,7 +9460,7 @@
     </p:spTree>
     <p:extLst>
       <p:ext uri="{BB962C8B-B14F-4D97-AF65-F5344CB8AC3E}">
-        <p14:creationId xmlns:p14="http://schemas.microsoft.com/office/powerpoint/2010/main" val="2866794615"/>
+        <p14:creationId xmlns:p14="http://schemas.microsoft.com/office/powerpoint/2010/main" val="1335757661"/>
       </p:ext>
     </p:extLst>
   </p:cSld>
@@ -7801,7 +9470,7 @@
 </p:sld>
 </file>
 
-<file path=ppt/slides/slide6.xml><?xml version="1.0" encoding="utf-8"?>
+<file path=ppt/slides/slide7.xml><?xml version="1.0" encoding="utf-8"?>
 <p:sld xmlns:a="http://schemas.openxmlformats.org/drawingml/2006/main" xmlns:r="http://schemas.openxmlformats.org/officeDocument/2006/relationships" xmlns:p="http://schemas.openxmlformats.org/presentationml/2006/main">
   <p:cSld>
     <p:bg>
@@ -7828,7 +9497,7 @@
       </p:grpSpPr>
       <p:sp useBgFill="1">
         <p:nvSpPr>
-          <p:cNvPr id="11" name="Rectangle 10">
+          <p:cNvPr id="2055" name="Rectangle 2054">
             <a:extLst>
               <a:ext uri="{FF2B5EF4-FFF2-40B4-BE49-F238E27FC236}">
                 <a16:creationId xmlns:a16="http://schemas.microsoft.com/office/drawing/2014/main" id="{4AB8125F-0FD8-48CD-9F43-73E5494EA774}"/>
@@ -7896,7 +9565,7 @@
       </p:sp>
       <p:sp>
         <p:nvSpPr>
-          <p:cNvPr id="13" name="Rectangle 12">
+          <p:cNvPr id="2057" name="Rectangle 2056">
             <a:extLst>
               <a:ext uri="{FF2B5EF4-FFF2-40B4-BE49-F238E27FC236}">
                 <a16:creationId xmlns:a16="http://schemas.microsoft.com/office/drawing/2014/main" id="{0019DD6C-5899-4C07-864B-EB0A7D104ACF}"/>
@@ -7969,7 +9638,7 @@
       </p:sp>
       <p:sp>
         <p:nvSpPr>
-          <p:cNvPr id="15" name="Rectangle 14">
+          <p:cNvPr id="2059" name="Rectangle 2058">
             <a:extLst>
               <a:ext uri="{FF2B5EF4-FFF2-40B4-BE49-F238E27FC236}">
                 <a16:creationId xmlns:a16="http://schemas.microsoft.com/office/drawing/2014/main" id="{EBDFFBC1-15BD-428E-B8AF-ECF5D1B76DEB}"/>
@@ -8043,7 +9712,7 @@
       </p:sp>
       <p:sp>
         <p:nvSpPr>
-          <p:cNvPr id="17" name="Rectangle 16">
+          <p:cNvPr id="2061" name="Rectangle 2060">
             <a:extLst>
               <a:ext uri="{FF2B5EF4-FFF2-40B4-BE49-F238E27FC236}">
                 <a16:creationId xmlns:a16="http://schemas.microsoft.com/office/drawing/2014/main" id="{EBFB3075-0323-4EB0-B1A5-776A0E709CEF}"/>
@@ -8120,7 +9789,7 @@
           <p:cNvPr id="2" name="Nadpis 1">
             <a:extLst>
               <a:ext uri="{FF2B5EF4-FFF2-40B4-BE49-F238E27FC236}">
-                <a16:creationId xmlns:a16="http://schemas.microsoft.com/office/drawing/2014/main" id="{33F7C8E2-B064-4EF9-B86F-71F2C7F47CA8}"/>
+                <a16:creationId xmlns:a16="http://schemas.microsoft.com/office/drawing/2014/main" id="{F6CBFAC3-B37A-43CE-ADAB-824526337979}"/>
               </a:ext>
             </a:extLst>
           </p:cNvPr>
@@ -8145,8 +9814,9 @@
           <a:p>
             <a:r>
               <a:rPr lang="cs-CZ"/>
-              <a:t>BankID ve statní správě</a:t>
-            </a:r>
+              <a:t>Portál občana</a:t>
+            </a:r>
+            <a:endParaRPr lang="cs-CZ" dirty="0"/>
           </a:p>
         </p:txBody>
       </p:sp>
@@ -8155,7 +9825,7 @@
           <p:cNvPr id="3" name="Zástupný obsah 2">
             <a:extLst>
               <a:ext uri="{FF2B5EF4-FFF2-40B4-BE49-F238E27FC236}">
-                <a16:creationId xmlns:a16="http://schemas.microsoft.com/office/drawing/2014/main" id="{35CD13C8-9712-472D-8031-96AAF2DB53EC}"/>
+                <a16:creationId xmlns:a16="http://schemas.microsoft.com/office/drawing/2014/main" id="{16B73FDF-F64B-46C0-B598-1661946D8CB1}"/>
               </a:ext>
             </a:extLst>
           </p:cNvPr>
@@ -8179,60 +9849,47 @@
           <a:lstStyle/>
           <a:p>
             <a:r>
-              <a:rPr lang="cs-CZ" sz="1800" dirty="0">
+              <a:rPr lang="cs-CZ" sz="1800">
                 <a:solidFill>
                   <a:schemeClr val="tx1"/>
                 </a:solidFill>
               </a:rPr>
-              <a:t>Portál občana</a:t>
-            </a:r>
-          </a:p>
-          <a:p>
-            <a:r>
-              <a:rPr lang="cs-CZ" sz="1800" dirty="0">
+              <a:t>Opensource</a:t>
+            </a:r>
+          </a:p>
+          <a:p>
+            <a:r>
+              <a:rPr lang="cs-CZ" sz="1800">
                 <a:solidFill>
                   <a:schemeClr val="tx1"/>
                 </a:solidFill>
               </a:rPr>
-              <a:t>Česká správa sociálního </a:t>
-            </a:r>
-            <a:r>
-              <a:rPr lang="cs-CZ" sz="1800" dirty="0" err="1">
+              <a:t>Datová schránka</a:t>
+            </a:r>
+          </a:p>
+          <a:p>
+            <a:r>
+              <a:rPr lang="cs-CZ" sz="1800">
                 <a:solidFill>
                   <a:schemeClr val="tx1"/>
                 </a:solidFill>
               </a:rPr>
-              <a:t>zabespečení</a:t>
-            </a:r>
-            <a:endParaRPr lang="cs-CZ" sz="1800" dirty="0">
-              <a:solidFill>
-                <a:schemeClr val="tx1"/>
-              </a:solidFill>
-            </a:endParaRPr>
-          </a:p>
-          <a:p>
-            <a:r>
-              <a:rPr lang="cs-CZ" sz="1800" dirty="0">
-                <a:solidFill>
-                  <a:schemeClr val="tx1"/>
-                </a:solidFill>
-              </a:rPr>
-              <a:t>Moje daně</a:t>
+              <a:t>Správa dokladů</a:t>
             </a:r>
           </a:p>
         </p:txBody>
       </p:sp>
       <p:pic>
         <p:nvPicPr>
-          <p:cNvPr id="6" name="Obrázek 5">
-            <a:extLst>
-              <a:ext uri="{FF2B5EF4-FFF2-40B4-BE49-F238E27FC236}">
-                <a16:creationId xmlns:a16="http://schemas.microsoft.com/office/drawing/2014/main" id="{E7D24F6B-1FE5-44BC-A877-A22D83CB3C17}"/>
+          <p:cNvPr id="2050" name="Picture 2" descr="Datové schránky – Hospodářská Komora">
+            <a:extLst>
+              <a:ext uri="{FF2B5EF4-FFF2-40B4-BE49-F238E27FC236}">
+                <a16:creationId xmlns:a16="http://schemas.microsoft.com/office/drawing/2014/main" id="{AE22F750-C310-4943-AB52-637EFDE69DA8}"/>
               </a:ext>
             </a:extLst>
           </p:cNvPr>
           <p:cNvPicPr>
-            <a:picLocks noChangeAspect="1"/>
+            <a:picLocks noChangeAspect="1" noChangeArrowheads="1"/>
           </p:cNvPicPr>
           <p:nvPr/>
         </p:nvPicPr>
@@ -8248,20 +9905,30 @@
             <a:fillRect/>
           </a:stretch>
         </p:blipFill>
-        <p:spPr>
+        <p:spPr bwMode="auto">
           <a:xfrm>
-            <a:off x="7572672" y="2745362"/>
-            <a:ext cx="2433684" cy="3552824"/>
+            <a:off x="5996628" y="3588419"/>
+            <a:ext cx="5585772" cy="1866710"/>
           </a:xfrm>
           <a:prstGeom prst="rect">
             <a:avLst/>
           </a:prstGeom>
+          <a:noFill/>
+          <a:extLst>
+            <a:ext uri="{909E8E84-426E-40DD-AFC4-6F175D3DCCD1}">
+              <a14:hiddenFill xmlns:a14="http://schemas.microsoft.com/office/drawing/2010/main">
+                <a:solidFill>
+                  <a:srgbClr val="FFFFFF"/>
+                </a:solidFill>
+              </a14:hiddenFill>
+            </a:ext>
+          </a:extLst>
         </p:spPr>
       </p:pic>
     </p:spTree>
     <p:extLst>
       <p:ext uri="{BB962C8B-B14F-4D97-AF65-F5344CB8AC3E}">
-        <p14:creationId xmlns:p14="http://schemas.microsoft.com/office/powerpoint/2010/main" val="357394144"/>
+        <p14:creationId xmlns:p14="http://schemas.microsoft.com/office/powerpoint/2010/main" val="2866794615"/>
       </p:ext>
     </p:extLst>
   </p:cSld>
@@ -8271,7 +9938,7 @@
 </p:sld>
 </file>
 
-<file path=ppt/slides/slide7.xml><?xml version="1.0" encoding="utf-8"?>
+<file path=ppt/slides/slide8.xml><?xml version="1.0" encoding="utf-8"?>
 <p:sld xmlns:a="http://schemas.openxmlformats.org/drawingml/2006/main" xmlns:r="http://schemas.openxmlformats.org/officeDocument/2006/relationships" xmlns:p="http://schemas.openxmlformats.org/presentationml/2006/main">
   <p:cSld>
     <p:bg>
@@ -8298,7 +9965,7 @@
       </p:grpSpPr>
       <p:sp useBgFill="1">
         <p:nvSpPr>
-          <p:cNvPr id="12" name="Rectangle 11">
+          <p:cNvPr id="11" name="Rectangle 10">
             <a:extLst>
               <a:ext uri="{FF2B5EF4-FFF2-40B4-BE49-F238E27FC236}">
                 <a16:creationId xmlns:a16="http://schemas.microsoft.com/office/drawing/2014/main" id="{4AB8125F-0FD8-48CD-9F43-73E5494EA774}"/>
@@ -8366,7 +10033,7 @@
       </p:sp>
       <p:sp>
         <p:nvSpPr>
-          <p:cNvPr id="14" name="Rectangle 13">
+          <p:cNvPr id="13" name="Rectangle 12">
             <a:extLst>
               <a:ext uri="{FF2B5EF4-FFF2-40B4-BE49-F238E27FC236}">
                 <a16:creationId xmlns:a16="http://schemas.microsoft.com/office/drawing/2014/main" id="{0019DD6C-5899-4C07-864B-EB0A7D104ACF}"/>
@@ -8439,7 +10106,7 @@
       </p:sp>
       <p:sp>
         <p:nvSpPr>
-          <p:cNvPr id="16" name="Rectangle 15">
+          <p:cNvPr id="15" name="Rectangle 14">
             <a:extLst>
               <a:ext uri="{FF2B5EF4-FFF2-40B4-BE49-F238E27FC236}">
                 <a16:creationId xmlns:a16="http://schemas.microsoft.com/office/drawing/2014/main" id="{EBDFFBC1-15BD-428E-B8AF-ECF5D1B76DEB}"/>
@@ -8513,7 +10180,7 @@
       </p:sp>
       <p:sp>
         <p:nvSpPr>
-          <p:cNvPr id="18" name="Rectangle 17">
+          <p:cNvPr id="17" name="Rectangle 16">
             <a:extLst>
               <a:ext uri="{FF2B5EF4-FFF2-40B4-BE49-F238E27FC236}">
                 <a16:creationId xmlns:a16="http://schemas.microsoft.com/office/drawing/2014/main" id="{EBFB3075-0323-4EB0-B1A5-776A0E709CEF}"/>
@@ -8590,6 +10257,480 @@
           <p:cNvPr id="2" name="Nadpis 1">
             <a:extLst>
               <a:ext uri="{FF2B5EF4-FFF2-40B4-BE49-F238E27FC236}">
+                <a16:creationId xmlns:a16="http://schemas.microsoft.com/office/drawing/2014/main" id="{33F7C8E2-B064-4EF9-B86F-71F2C7F47CA8}"/>
+              </a:ext>
+            </a:extLst>
+          </p:cNvPr>
+          <p:cNvSpPr>
+            <a:spLocks noGrp="1"/>
+          </p:cNvSpPr>
+          <p:nvPr>
+            <p:ph type="title"/>
+          </p:nvPr>
+        </p:nvSpPr>
+        <p:spPr>
+          <a:xfrm>
+            <a:off x="838200" y="381000"/>
+            <a:ext cx="10003218" cy="1600124"/>
+          </a:xfrm>
+        </p:spPr>
+        <p:txBody>
+          <a:bodyPr>
+            <a:normAutofit/>
+          </a:bodyPr>
+          <a:lstStyle/>
+          <a:p>
+            <a:r>
+              <a:rPr lang="cs-CZ" dirty="0" err="1"/>
+              <a:t>BankID</a:t>
+            </a:r>
+            <a:r>
+              <a:rPr lang="cs-CZ" dirty="0"/>
+              <a:t> ve státní správě</a:t>
+            </a:r>
+          </a:p>
+        </p:txBody>
+      </p:sp>
+      <p:sp>
+        <p:nvSpPr>
+          <p:cNvPr id="3" name="Zástupný obsah 2">
+            <a:extLst>
+              <a:ext uri="{FF2B5EF4-FFF2-40B4-BE49-F238E27FC236}">
+                <a16:creationId xmlns:a16="http://schemas.microsoft.com/office/drawing/2014/main" id="{35CD13C8-9712-472D-8031-96AAF2DB53EC}"/>
+              </a:ext>
+            </a:extLst>
+          </p:cNvPr>
+          <p:cNvSpPr>
+            <a:spLocks noGrp="1"/>
+          </p:cNvSpPr>
+          <p:nvPr>
+            <p:ph idx="1"/>
+          </p:nvPr>
+        </p:nvSpPr>
+        <p:spPr>
+          <a:xfrm>
+            <a:off x="838200" y="2745362"/>
+            <a:ext cx="4800600" cy="3552824"/>
+          </a:xfrm>
+        </p:spPr>
+        <p:txBody>
+          <a:bodyPr anchor="ctr">
+            <a:normAutofit/>
+          </a:bodyPr>
+          <a:lstStyle/>
+          <a:p>
+            <a:r>
+              <a:rPr lang="cs-CZ" sz="1800" dirty="0">
+                <a:solidFill>
+                  <a:schemeClr val="tx1"/>
+                </a:solidFill>
+              </a:rPr>
+              <a:t>Portál občana - kontrola dokladů</a:t>
+            </a:r>
+          </a:p>
+          <a:p>
+            <a:r>
+              <a:rPr lang="cs-CZ" sz="1800" dirty="0">
+                <a:solidFill>
+                  <a:schemeClr val="tx1"/>
+                </a:solidFill>
+              </a:rPr>
+              <a:t>Česká správa sociálního </a:t>
+            </a:r>
+            <a:r>
+              <a:rPr lang="cs-CZ" sz="1800" dirty="0" err="1">
+                <a:solidFill>
+                  <a:schemeClr val="tx1"/>
+                </a:solidFill>
+              </a:rPr>
+              <a:t>zabespečení</a:t>
+            </a:r>
+            <a:endParaRPr lang="cs-CZ" sz="1800" dirty="0">
+              <a:solidFill>
+                <a:schemeClr val="tx1"/>
+              </a:solidFill>
+            </a:endParaRPr>
+          </a:p>
+          <a:p>
+            <a:r>
+              <a:rPr lang="cs-CZ" sz="1800" dirty="0">
+                <a:solidFill>
+                  <a:schemeClr val="tx1"/>
+                </a:solidFill>
+              </a:rPr>
+              <a:t>Moje daně</a:t>
+            </a:r>
+          </a:p>
+        </p:txBody>
+      </p:sp>
+      <p:pic>
+        <p:nvPicPr>
+          <p:cNvPr id="6" name="Obrázek 5">
+            <a:extLst>
+              <a:ext uri="{FF2B5EF4-FFF2-40B4-BE49-F238E27FC236}">
+                <a16:creationId xmlns:a16="http://schemas.microsoft.com/office/drawing/2014/main" id="{E7D24F6B-1FE5-44BC-A877-A22D83CB3C17}"/>
+              </a:ext>
+            </a:extLst>
+          </p:cNvPr>
+          <p:cNvPicPr>
+            <a:picLocks noChangeAspect="1"/>
+          </p:cNvPicPr>
+          <p:nvPr/>
+        </p:nvPicPr>
+        <p:blipFill>
+          <a:blip r:embed="rId4">
+            <a:extLst>
+              <a:ext uri="{28A0092B-C50C-407E-A947-70E740481C1C}">
+                <a14:useLocalDpi xmlns:a14="http://schemas.microsoft.com/office/drawing/2010/main" val="0"/>
+              </a:ext>
+            </a:extLst>
+          </a:blip>
+          <a:stretch>
+            <a:fillRect/>
+          </a:stretch>
+        </p:blipFill>
+        <p:spPr>
+          <a:xfrm>
+            <a:off x="7572672" y="2745362"/>
+            <a:ext cx="2433684" cy="3552824"/>
+          </a:xfrm>
+          <a:prstGeom prst="rect">
+            <a:avLst/>
+          </a:prstGeom>
+        </p:spPr>
+      </p:pic>
+    </p:spTree>
+    <p:extLst>
+      <p:ext uri="{BB962C8B-B14F-4D97-AF65-F5344CB8AC3E}">
+        <p14:creationId xmlns:p14="http://schemas.microsoft.com/office/powerpoint/2010/main" val="357394144"/>
+      </p:ext>
+    </p:extLst>
+  </p:cSld>
+  <p:clrMapOvr>
+    <a:masterClrMapping/>
+  </p:clrMapOvr>
+</p:sld>
+</file>
+
+<file path=ppt/slides/slide9.xml><?xml version="1.0" encoding="utf-8"?>
+<p:sld xmlns:a="http://schemas.openxmlformats.org/drawingml/2006/main" xmlns:r="http://schemas.openxmlformats.org/officeDocument/2006/relationships" xmlns:p="http://schemas.openxmlformats.org/presentationml/2006/main">
+  <p:cSld>
+    <p:bg>
+      <p:bgPr>
+        <a:solidFill>
+          <a:schemeClr val="bg1"/>
+        </a:solidFill>
+        <a:effectLst/>
+      </p:bgPr>
+    </p:bg>
+    <p:spTree>
+      <p:nvGrpSpPr>
+        <p:cNvPr id="1" name=""/>
+        <p:cNvGrpSpPr/>
+        <p:nvPr/>
+      </p:nvGrpSpPr>
+      <p:grpSpPr>
+        <a:xfrm>
+          <a:off x="0" y="0"/>
+          <a:ext cx="0" cy="0"/>
+          <a:chOff x="0" y="0"/>
+          <a:chExt cx="0" cy="0"/>
+        </a:xfrm>
+      </p:grpSpPr>
+      <p:sp useBgFill="1">
+        <p:nvSpPr>
+          <p:cNvPr id="12" name="Rectangle 11">
+            <a:extLst>
+              <a:ext uri="{FF2B5EF4-FFF2-40B4-BE49-F238E27FC236}">
+                <a16:creationId xmlns:a16="http://schemas.microsoft.com/office/drawing/2014/main" id="{4AB8125F-0FD8-48CD-9F43-73E5494EA774}"/>
+              </a:ext>
+              <a:ext uri="{C183D7F6-B498-43B3-948B-1728B52AA6E4}">
+                <adec:decorative xmlns:adec="http://schemas.microsoft.com/office/drawing/2017/decorative" val="1"/>
+              </a:ext>
+            </a:extLst>
+          </p:cNvPr>
+          <p:cNvSpPr>
+            <a:spLocks noGrp="1" noRot="1" noChangeAspect="1" noMove="1" noResize="1" noEditPoints="1" noAdjustHandles="1" noChangeArrowheads="1" noChangeShapeType="1" noTextEdit="1"/>
+          </p:cNvSpPr>
+          <p:nvPr>
+            <p:extLst>
+              <p:ext uri="{386F3935-93C4-4BCD-93E2-E3B085C9AB24}">
+                <p16:designElem xmlns:p16="http://schemas.microsoft.com/office/powerpoint/2015/main" val="1"/>
+              </p:ext>
+            </p:extLst>
+          </p:nvPr>
+        </p:nvSpPr>
+        <p:spPr>
+          <a:xfrm>
+            <a:off x="3048" y="0"/>
+            <a:ext cx="12188952" cy="6858000"/>
+          </a:xfrm>
+          <a:prstGeom prst="rect">
+            <a:avLst/>
+          </a:prstGeom>
+          <a:ln>
+            <a:noFill/>
+          </a:ln>
+        </p:spPr>
+        <p:style>
+          <a:lnRef idx="2">
+            <a:schemeClr val="accent1">
+              <a:shade val="50000"/>
+            </a:schemeClr>
+          </a:lnRef>
+          <a:fillRef idx="1">
+            <a:schemeClr val="accent1"/>
+          </a:fillRef>
+          <a:effectRef idx="0">
+            <a:schemeClr val="accent1"/>
+          </a:effectRef>
+          <a:fontRef idx="minor">
+            <a:schemeClr val="lt1"/>
+          </a:fontRef>
+        </p:style>
+        <p:txBody>
+          <a:bodyPr rtlCol="0" anchor="ctr"/>
+          <a:lstStyle/>
+          <a:p>
+            <a:pPr algn="ctr"/>
+            <a:endParaRPr lang="en-US">
+              <a:solidFill>
+                <a:schemeClr val="tx1">
+                  <a:lumMod val="65000"/>
+                  <a:lumOff val="35000"/>
+                </a:schemeClr>
+              </a:solidFill>
+              <a:latin typeface="AvenirNext LT Pro Medium" panose="020B0504020202020204" pitchFamily="34" charset="0"/>
+            </a:endParaRPr>
+          </a:p>
+        </p:txBody>
+      </p:sp>
+      <p:sp>
+        <p:nvSpPr>
+          <p:cNvPr id="14" name="Rectangle 13">
+            <a:extLst>
+              <a:ext uri="{FF2B5EF4-FFF2-40B4-BE49-F238E27FC236}">
+                <a16:creationId xmlns:a16="http://schemas.microsoft.com/office/drawing/2014/main" id="{0019DD6C-5899-4C07-864B-EB0A7D104ACF}"/>
+              </a:ext>
+              <a:ext uri="{C183D7F6-B498-43B3-948B-1728B52AA6E4}">
+                <adec:decorative xmlns:adec="http://schemas.microsoft.com/office/drawing/2017/decorative" val="1"/>
+              </a:ext>
+            </a:extLst>
+          </p:cNvPr>
+          <p:cNvSpPr>
+            <a:spLocks noGrp="1" noRot="1" noChangeAspect="1" noMove="1" noResize="1" noEditPoints="1" noAdjustHandles="1" noChangeArrowheads="1" noChangeShapeType="1" noTextEdit="1"/>
+          </p:cNvSpPr>
+          <p:nvPr>
+            <p:extLst>
+              <p:ext uri="{386F3935-93C4-4BCD-93E2-E3B085C9AB24}">
+                <p16:designElem xmlns:p16="http://schemas.microsoft.com/office/powerpoint/2015/main" val="1"/>
+              </p:ext>
+            </p:extLst>
+          </p:nvPr>
+        </p:nvSpPr>
+        <p:spPr>
+          <a:xfrm>
+            <a:off x="3048" y="0"/>
+            <a:ext cx="12188952" cy="6858000"/>
+          </a:xfrm>
+          <a:prstGeom prst="rect">
+            <a:avLst/>
+          </a:prstGeom>
+          <a:solidFill>
+            <a:schemeClr val="bg2">
+              <a:alpha val="70000"/>
+            </a:schemeClr>
+          </a:solidFill>
+          <a:ln>
+            <a:noFill/>
+          </a:ln>
+        </p:spPr>
+        <p:style>
+          <a:lnRef idx="2">
+            <a:schemeClr val="accent1">
+              <a:shade val="50000"/>
+            </a:schemeClr>
+          </a:lnRef>
+          <a:fillRef idx="1">
+            <a:schemeClr val="accent1"/>
+          </a:fillRef>
+          <a:effectRef idx="0">
+            <a:schemeClr val="accent1"/>
+          </a:effectRef>
+          <a:fontRef idx="minor">
+            <a:schemeClr val="lt1"/>
+          </a:fontRef>
+        </p:style>
+        <p:txBody>
+          <a:bodyPr rtlCol="0" anchor="ctr"/>
+          <a:lstStyle/>
+          <a:p>
+            <a:pPr algn="ctr"/>
+            <a:endParaRPr lang="en-US">
+              <a:solidFill>
+                <a:schemeClr val="tx1">
+                  <a:lumMod val="65000"/>
+                  <a:lumOff val="35000"/>
+                </a:schemeClr>
+              </a:solidFill>
+              <a:latin typeface="AvenirNext LT Pro Medium" panose="020B0504020202020204" pitchFamily="34" charset="0"/>
+            </a:endParaRPr>
+          </a:p>
+        </p:txBody>
+      </p:sp>
+      <p:sp>
+        <p:nvSpPr>
+          <p:cNvPr id="16" name="Rectangle 15">
+            <a:extLst>
+              <a:ext uri="{FF2B5EF4-FFF2-40B4-BE49-F238E27FC236}">
+                <a16:creationId xmlns:a16="http://schemas.microsoft.com/office/drawing/2014/main" id="{EBDFFBC1-15BD-428E-B8AF-ECF5D1B76DEB}"/>
+              </a:ext>
+              <a:ext uri="{C183D7F6-B498-43B3-948B-1728B52AA6E4}">
+                <adec:decorative xmlns:adec="http://schemas.microsoft.com/office/drawing/2017/decorative" val="1"/>
+              </a:ext>
+            </a:extLst>
+          </p:cNvPr>
+          <p:cNvSpPr>
+            <a:spLocks noGrp="1" noRot="1" noChangeAspect="1" noMove="1" noResize="1" noEditPoints="1" noAdjustHandles="1" noChangeArrowheads="1" noChangeShapeType="1" noTextEdit="1"/>
+          </p:cNvSpPr>
+          <p:nvPr>
+            <p:extLst>
+              <p:ext uri="{386F3935-93C4-4BCD-93E2-E3B085C9AB24}">
+                <p16:designElem xmlns:p16="http://schemas.microsoft.com/office/powerpoint/2015/main" val="1"/>
+              </p:ext>
+            </p:extLst>
+          </p:nvPr>
+        </p:nvSpPr>
+        <p:spPr>
+          <a:xfrm>
+            <a:off x="0" y="-151"/>
+            <a:ext cx="12192000" cy="2217680"/>
+          </a:xfrm>
+          <a:prstGeom prst="rect">
+            <a:avLst/>
+          </a:prstGeom>
+          <a:solidFill>
+            <a:schemeClr val="tx2">
+              <a:lumMod val="90000"/>
+              <a:lumOff val="10000"/>
+            </a:schemeClr>
+          </a:solidFill>
+          <a:ln>
+            <a:noFill/>
+          </a:ln>
+        </p:spPr>
+        <p:style>
+          <a:lnRef idx="2">
+            <a:schemeClr val="accent1">
+              <a:shade val="50000"/>
+            </a:schemeClr>
+          </a:lnRef>
+          <a:fillRef idx="1">
+            <a:schemeClr val="accent1"/>
+          </a:fillRef>
+          <a:effectRef idx="0">
+            <a:schemeClr val="accent1"/>
+          </a:effectRef>
+          <a:fontRef idx="minor">
+            <a:schemeClr val="lt1"/>
+          </a:fontRef>
+        </p:style>
+        <p:txBody>
+          <a:bodyPr rtlCol="0" anchor="ctr"/>
+          <a:lstStyle/>
+          <a:p>
+            <a:pPr algn="ctr"/>
+            <a:endParaRPr lang="en-US" dirty="0">
+              <a:solidFill>
+                <a:schemeClr val="tx1">
+                  <a:lumMod val="65000"/>
+                  <a:lumOff val="35000"/>
+                </a:schemeClr>
+              </a:solidFill>
+              <a:latin typeface="AvenirNext LT Pro Medium" panose="020B0504020202020204" pitchFamily="34" charset="0"/>
+            </a:endParaRPr>
+          </a:p>
+        </p:txBody>
+      </p:sp>
+      <p:sp>
+        <p:nvSpPr>
+          <p:cNvPr id="18" name="Rectangle 17">
+            <a:extLst>
+              <a:ext uri="{FF2B5EF4-FFF2-40B4-BE49-F238E27FC236}">
+                <a16:creationId xmlns:a16="http://schemas.microsoft.com/office/drawing/2014/main" id="{EBFB3075-0323-4EB0-B1A5-776A0E709CEF}"/>
+              </a:ext>
+              <a:ext uri="{C183D7F6-B498-43B3-948B-1728B52AA6E4}">
+                <adec:decorative xmlns:adec="http://schemas.microsoft.com/office/drawing/2017/decorative" val="1"/>
+              </a:ext>
+            </a:extLst>
+          </p:cNvPr>
+          <p:cNvSpPr>
+            <a:spLocks noGrp="1" noRot="1" noChangeAspect="1" noMove="1" noResize="1" noEditPoints="1" noAdjustHandles="1" noChangeArrowheads="1" noChangeShapeType="1" noTextEdit="1"/>
+          </p:cNvSpPr>
+          <p:nvPr>
+            <p:extLst>
+              <p:ext uri="{386F3935-93C4-4BCD-93E2-E3B085C9AB24}">
+                <p16:designElem xmlns:p16="http://schemas.microsoft.com/office/powerpoint/2015/main" val="1"/>
+              </p:ext>
+            </p:extLst>
+          </p:nvPr>
+        </p:nvSpPr>
+        <p:spPr>
+          <a:xfrm rot="10800000">
+            <a:off x="0" y="-1"/>
+            <a:ext cx="12191999" cy="2224386"/>
+          </a:xfrm>
+          <a:prstGeom prst="rect">
+            <a:avLst/>
+          </a:prstGeom>
+          <a:blipFill dpi="0" rotWithShape="1">
+            <a:blip r:embed="rId3">
+              <a:alphaModFix amt="20000"/>
+              <a:duotone>
+                <a:schemeClr val="accent1">
+                  <a:shade val="45000"/>
+                  <a:satMod val="135000"/>
+                </a:schemeClr>
+                <a:prstClr val="white"/>
+              </a:duotone>
+            </a:blip>
+            <a:srcRect/>
+            <a:tile tx="889000" ty="0" sx="100000" sy="100000" flip="none" algn="tl"/>
+          </a:blipFill>
+          <a:ln>
+            <a:noFill/>
+          </a:ln>
+        </p:spPr>
+        <p:style>
+          <a:lnRef idx="2">
+            <a:schemeClr val="accent1">
+              <a:shade val="50000"/>
+            </a:schemeClr>
+          </a:lnRef>
+          <a:fillRef idx="1">
+            <a:schemeClr val="accent1"/>
+          </a:fillRef>
+          <a:effectRef idx="0">
+            <a:schemeClr val="accent1"/>
+          </a:effectRef>
+          <a:fontRef idx="minor">
+            <a:schemeClr val="lt1"/>
+          </a:fontRef>
+        </p:style>
+        <p:txBody>
+          <a:bodyPr rtlCol="0" anchor="ctr"/>
+          <a:lstStyle/>
+          <a:p>
+            <a:pPr algn="ctr"/>
+            <a:endParaRPr lang="en-US" dirty="0"/>
+          </a:p>
+        </p:txBody>
+      </p:sp>
+      <p:sp>
+        <p:nvSpPr>
+          <p:cNvPr id="2" name="Nadpis 1">
+            <a:extLst>
+              <a:ext uri="{FF2B5EF4-FFF2-40B4-BE49-F238E27FC236}">
                 <a16:creationId xmlns:a16="http://schemas.microsoft.com/office/drawing/2014/main" id="{13129B2B-7521-4D13-B4B9-0808615DE565}"/>
               </a:ext>
             </a:extLst>
@@ -8728,166 +10869,6 @@
     <p:extLst>
       <p:ext uri="{BB962C8B-B14F-4D97-AF65-F5344CB8AC3E}">
         <p14:creationId xmlns:p14="http://schemas.microsoft.com/office/powerpoint/2010/main" val="716167254"/>
-      </p:ext>
-    </p:extLst>
-  </p:cSld>
-  <p:clrMapOvr>
-    <a:masterClrMapping/>
-  </p:clrMapOvr>
-</p:sld>
-</file>
-
-<file path=ppt/slides/slide8.xml><?xml version="1.0" encoding="utf-8"?>
-<p:sld xmlns:a="http://schemas.openxmlformats.org/drawingml/2006/main" xmlns:r="http://schemas.openxmlformats.org/officeDocument/2006/relationships" xmlns:p="http://schemas.openxmlformats.org/presentationml/2006/main">
-  <p:cSld>
-    <p:spTree>
-      <p:nvGrpSpPr>
-        <p:cNvPr id="1" name=""/>
-        <p:cNvGrpSpPr/>
-        <p:nvPr/>
-      </p:nvGrpSpPr>
-      <p:grpSpPr>
-        <a:xfrm>
-          <a:off x="0" y="0"/>
-          <a:ext cx="0" cy="0"/>
-          <a:chOff x="0" y="0"/>
-          <a:chExt cx="0" cy="0"/>
-        </a:xfrm>
-      </p:grpSpPr>
-      <p:sp>
-        <p:nvSpPr>
-          <p:cNvPr id="2" name="Nadpis 1">
-            <a:extLst>
-              <a:ext uri="{FF2B5EF4-FFF2-40B4-BE49-F238E27FC236}">
-                <a16:creationId xmlns:a16="http://schemas.microsoft.com/office/drawing/2014/main" id="{A2920C6B-5210-4567-B7FB-346BD0C3E2E2}"/>
-              </a:ext>
-            </a:extLst>
-          </p:cNvPr>
-          <p:cNvSpPr>
-            <a:spLocks noGrp="1"/>
-          </p:cNvSpPr>
-          <p:nvPr>
-            <p:ph type="title"/>
-          </p:nvPr>
-        </p:nvSpPr>
-        <p:spPr/>
-        <p:txBody>
-          <a:bodyPr/>
-          <a:lstStyle/>
-          <a:p>
-            <a:endParaRPr lang="cs-CZ"/>
-          </a:p>
-        </p:txBody>
-      </p:sp>
-      <p:sp>
-        <p:nvSpPr>
-          <p:cNvPr id="3" name="Zástupný obsah 2">
-            <a:extLst>
-              <a:ext uri="{FF2B5EF4-FFF2-40B4-BE49-F238E27FC236}">
-                <a16:creationId xmlns:a16="http://schemas.microsoft.com/office/drawing/2014/main" id="{4AB92AB2-C9A4-46E3-B8A5-58550FD9E7BA}"/>
-              </a:ext>
-            </a:extLst>
-          </p:cNvPr>
-          <p:cNvSpPr>
-            <a:spLocks noGrp="1"/>
-          </p:cNvSpPr>
-          <p:nvPr>
-            <p:ph idx="1"/>
-          </p:nvPr>
-        </p:nvSpPr>
-        <p:spPr/>
-        <p:txBody>
-          <a:bodyPr/>
-          <a:lstStyle/>
-          <a:p>
-            <a:endParaRPr lang="cs-CZ"/>
-          </a:p>
-        </p:txBody>
-      </p:sp>
-    </p:spTree>
-    <p:extLst>
-      <p:ext uri="{BB962C8B-B14F-4D97-AF65-F5344CB8AC3E}">
-        <p14:creationId xmlns:p14="http://schemas.microsoft.com/office/powerpoint/2010/main" val="3096248135"/>
-      </p:ext>
-    </p:extLst>
-  </p:cSld>
-  <p:clrMapOvr>
-    <a:masterClrMapping/>
-  </p:clrMapOvr>
-</p:sld>
-</file>
-
-<file path=ppt/slides/slide9.xml><?xml version="1.0" encoding="utf-8"?>
-<p:sld xmlns:a="http://schemas.openxmlformats.org/drawingml/2006/main" xmlns:r="http://schemas.openxmlformats.org/officeDocument/2006/relationships" xmlns:p="http://schemas.openxmlformats.org/presentationml/2006/main">
-  <p:cSld>
-    <p:spTree>
-      <p:nvGrpSpPr>
-        <p:cNvPr id="1" name=""/>
-        <p:cNvGrpSpPr/>
-        <p:nvPr/>
-      </p:nvGrpSpPr>
-      <p:grpSpPr>
-        <a:xfrm>
-          <a:off x="0" y="0"/>
-          <a:ext cx="0" cy="0"/>
-          <a:chOff x="0" y="0"/>
-          <a:chExt cx="0" cy="0"/>
-        </a:xfrm>
-      </p:grpSpPr>
-      <p:sp>
-        <p:nvSpPr>
-          <p:cNvPr id="2" name="Nadpis 1">
-            <a:extLst>
-              <a:ext uri="{FF2B5EF4-FFF2-40B4-BE49-F238E27FC236}">
-                <a16:creationId xmlns:a16="http://schemas.microsoft.com/office/drawing/2014/main" id="{38689241-0ECF-4F8D-AFCB-D3D9DB335CC2}"/>
-              </a:ext>
-            </a:extLst>
-          </p:cNvPr>
-          <p:cNvSpPr>
-            <a:spLocks noGrp="1"/>
-          </p:cNvSpPr>
-          <p:nvPr>
-            <p:ph type="title"/>
-          </p:nvPr>
-        </p:nvSpPr>
-        <p:spPr/>
-        <p:txBody>
-          <a:bodyPr/>
-          <a:lstStyle/>
-          <a:p>
-            <a:endParaRPr lang="cs-CZ"/>
-          </a:p>
-        </p:txBody>
-      </p:sp>
-      <p:sp>
-        <p:nvSpPr>
-          <p:cNvPr id="3" name="Zástupný obsah 2">
-            <a:extLst>
-              <a:ext uri="{FF2B5EF4-FFF2-40B4-BE49-F238E27FC236}">
-                <a16:creationId xmlns:a16="http://schemas.microsoft.com/office/drawing/2014/main" id="{13AE5F42-49B4-4EC4-BC84-04D3D6775205}"/>
-              </a:ext>
-            </a:extLst>
-          </p:cNvPr>
-          <p:cNvSpPr>
-            <a:spLocks noGrp="1"/>
-          </p:cNvSpPr>
-          <p:nvPr>
-            <p:ph idx="1"/>
-          </p:nvPr>
-        </p:nvSpPr>
-        <p:spPr/>
-        <p:txBody>
-          <a:bodyPr/>
-          <a:lstStyle/>
-          <a:p>
-            <a:endParaRPr lang="cs-CZ"/>
-          </a:p>
-        </p:txBody>
-      </p:sp>
-    </p:spTree>
-    <p:extLst>
-      <p:ext uri="{BB962C8B-B14F-4D97-AF65-F5344CB8AC3E}">
-        <p14:creationId xmlns:p14="http://schemas.microsoft.com/office/powerpoint/2010/main" val="1540846668"/>
       </p:ext>
     </p:extLst>
   </p:cSld>

--- a/Maixner.pptx
+++ b/Maixner.pptx
@@ -5,7 +5,7 @@
     <p:sldMasterId id="2147483751" r:id="rId1"/>
   </p:sldMasterIdLst>
   <p:notesMasterIdLst>
-    <p:notesMasterId r:id="rId23"/>
+    <p:notesMasterId r:id="rId21"/>
   </p:notesMasterIdLst>
   <p:sldIdLst>
     <p:sldId id="256" r:id="rId2"/>
@@ -18,17 +18,15 @@
     <p:sldId id="277" r:id="rId9"/>
     <p:sldId id="262" r:id="rId10"/>
     <p:sldId id="264" r:id="rId11"/>
-    <p:sldId id="265" r:id="rId12"/>
-    <p:sldId id="266" r:id="rId13"/>
+    <p:sldId id="266" r:id="rId12"/>
+    <p:sldId id="272" r:id="rId13"/>
     <p:sldId id="267" r:id="rId14"/>
     <p:sldId id="268" r:id="rId15"/>
     <p:sldId id="269" r:id="rId16"/>
     <p:sldId id="270" r:id="rId17"/>
-    <p:sldId id="271" r:id="rId18"/>
-    <p:sldId id="272" r:id="rId19"/>
-    <p:sldId id="273" r:id="rId20"/>
-    <p:sldId id="274" r:id="rId21"/>
-    <p:sldId id="275" r:id="rId22"/>
+    <p:sldId id="275" r:id="rId18"/>
+    <p:sldId id="279" r:id="rId19"/>
+    <p:sldId id="274" r:id="rId20"/>
   </p:sldIdLst>
   <p:sldSz cx="12192000" cy="6858000"/>
   <p:notesSz cx="6858000" cy="9144000"/>
@@ -217,7 +215,7 @@
           <a:p>
             <a:fld id="{6FDDD785-E9C8-406C-BA5D-32BF4EC1F056}" type="datetimeFigureOut">
               <a:rPr lang="cs-CZ" smtClean="0"/>
-              <a:t>19.01.2023</a:t>
+              <a:t>22.01.2023</a:t>
             </a:fld>
             <a:endParaRPr lang="cs-CZ"/>
           </a:p>
@@ -616,9 +614,47 @@
           <a:lstStyle/>
           <a:p>
             <a:r>
+              <a:rPr lang="cs-CZ" dirty="0" err="1"/>
+              <a:t>Offline</a:t>
+            </a:r>
+            <a:r>
               <a:rPr lang="cs-CZ" dirty="0"/>
-              <a:t>Sonia-Projekt bankovní asociace pro přípravu Bank id rok 2019</a:t>
-            </a:r>
+              <a:t> i online na internetu   </a:t>
+            </a:r>
+            <a:r>
+              <a:rPr lang="cs-CZ" dirty="0" err="1"/>
+              <a:t>BankID</a:t>
+            </a:r>
+            <a:r>
+              <a:rPr lang="cs-CZ" dirty="0"/>
+              <a:t> se dá propojit s zdravotní pojišťovnou a můžeme kontaktovat lékaře</a:t>
+            </a:r>
+          </a:p>
+          <a:p>
+            <a:r>
+              <a:rPr lang="cs-CZ" dirty="0"/>
+              <a:t>Díky </a:t>
+            </a:r>
+            <a:r>
+              <a:rPr lang="cs-CZ" dirty="0" err="1"/>
+              <a:t>bankID</a:t>
+            </a:r>
+            <a:r>
+              <a:rPr lang="cs-CZ" dirty="0"/>
+              <a:t> si můžeme vžít půjčku nebo začít spořit.  Můžeme si zažádat o příspěvek třeba na dítě na portále úřadu práce</a:t>
+            </a:r>
+          </a:p>
+          <a:p>
+            <a:r>
+              <a:rPr lang="cs-CZ" dirty="0"/>
+              <a:t>Schránka pro elektrické dokumenty</a:t>
+            </a:r>
+          </a:p>
+          <a:p>
+            <a:endParaRPr lang="cs-CZ" dirty="0"/>
+          </a:p>
+          <a:p>
+            <a:endParaRPr lang="cs-CZ" dirty="0"/>
           </a:p>
           <a:p>
             <a:endParaRPr lang="cs-CZ" dirty="0"/>
@@ -651,7 +687,615 @@
     </p:spTree>
     <p:extLst>
       <p:ext uri="{BB962C8B-B14F-4D97-AF65-F5344CB8AC3E}">
-        <p14:creationId xmlns:p14="http://schemas.microsoft.com/office/powerpoint/2010/main" val="2196594349"/>
+        <p14:creationId xmlns:p14="http://schemas.microsoft.com/office/powerpoint/2010/main" val="1597987065"/>
+      </p:ext>
+    </p:extLst>
+  </p:cSld>
+  <p:clrMapOvr>
+    <a:masterClrMapping/>
+  </p:clrMapOvr>
+</p:notes>
+</file>
+
+<file path=ppt/notesSlides/notesSlide11.xml><?xml version="1.0" encoding="utf-8"?>
+<p:notes xmlns:a="http://schemas.openxmlformats.org/drawingml/2006/main" xmlns:r="http://schemas.openxmlformats.org/officeDocument/2006/relationships" xmlns:p="http://schemas.openxmlformats.org/presentationml/2006/main">
+  <p:cSld>
+    <p:spTree>
+      <p:nvGrpSpPr>
+        <p:cNvPr id="1" name=""/>
+        <p:cNvGrpSpPr/>
+        <p:nvPr/>
+      </p:nvGrpSpPr>
+      <p:grpSpPr>
+        <a:xfrm>
+          <a:off x="0" y="0"/>
+          <a:ext cx="0" cy="0"/>
+          <a:chOff x="0" y="0"/>
+          <a:chExt cx="0" cy="0"/>
+        </a:xfrm>
+      </p:grpSpPr>
+      <p:sp>
+        <p:nvSpPr>
+          <p:cNvPr id="2" name="Zástupný symbol pro obrázek snímku 1"/>
+          <p:cNvSpPr>
+            <a:spLocks noGrp="1" noRot="1" noChangeAspect="1"/>
+          </p:cNvSpPr>
+          <p:nvPr>
+            <p:ph type="sldImg"/>
+          </p:nvPr>
+        </p:nvSpPr>
+        <p:spPr/>
+      </p:sp>
+      <p:sp>
+        <p:nvSpPr>
+          <p:cNvPr id="3" name="Zástupný symbol pro poznámky 2"/>
+          <p:cNvSpPr>
+            <a:spLocks noGrp="1"/>
+          </p:cNvSpPr>
+          <p:nvPr>
+            <p:ph type="body" idx="1"/>
+          </p:nvPr>
+        </p:nvSpPr>
+        <p:spPr/>
+        <p:txBody>
+          <a:bodyPr/>
+          <a:lstStyle/>
+          <a:p>
+            <a:r>
+              <a:rPr lang="cs-CZ" dirty="0"/>
+              <a:t>Nemusíme chodit na pobočku nebo řešit papírování abychom si vyřešit pojištění    V </a:t>
+            </a:r>
+            <a:r>
+              <a:rPr lang="cs-CZ" dirty="0" err="1"/>
+              <a:t>eportálu</a:t>
+            </a:r>
+            <a:r>
+              <a:rPr lang="cs-CZ" dirty="0"/>
+              <a:t> ČSSZ si jednoduše můžeme zjistit kdy půjdeme do důchodu a jak velký důchod budeme mít</a:t>
+            </a:r>
+          </a:p>
+          <a:p>
+            <a:r>
+              <a:rPr lang="cs-CZ" dirty="0"/>
+              <a:t>Můžeme požádat o dotace na dům nebo na vytápění domu a nebo kontaktovat dodavatele energii    spravovat daně můžeme na portálu mojedaně.cz a zde můžeme podávat daňové přiznání   když se přihlásíme do portálu investičních společností můžeme investovat do </a:t>
+            </a:r>
+            <a:r>
+              <a:rPr lang="cs-CZ" dirty="0" err="1"/>
+              <a:t>cených</a:t>
+            </a:r>
+            <a:r>
+              <a:rPr lang="cs-CZ" dirty="0"/>
+              <a:t> papírů nebo do kryptoměn</a:t>
+            </a:r>
+          </a:p>
+          <a:p>
+            <a:endParaRPr lang="cs-CZ" dirty="0"/>
+          </a:p>
+          <a:p>
+            <a:endParaRPr lang="cs-CZ" dirty="0"/>
+          </a:p>
+        </p:txBody>
+      </p:sp>
+      <p:sp>
+        <p:nvSpPr>
+          <p:cNvPr id="4" name="Zástupný symbol pro číslo snímku 3"/>
+          <p:cNvSpPr>
+            <a:spLocks noGrp="1"/>
+          </p:cNvSpPr>
+          <p:nvPr>
+            <p:ph type="sldNum" sz="quarter" idx="5"/>
+          </p:nvPr>
+        </p:nvSpPr>
+        <p:spPr/>
+        <p:txBody>
+          <a:bodyPr/>
+          <a:lstStyle/>
+          <a:p>
+            <a:fld id="{335C404A-DE52-464E-AB8D-0875D9A9F9E6}" type="slidenum">
+              <a:rPr lang="cs-CZ" smtClean="0"/>
+              <a:t>12</a:t>
+            </a:fld>
+            <a:endParaRPr lang="cs-CZ"/>
+          </a:p>
+        </p:txBody>
+      </p:sp>
+    </p:spTree>
+    <p:extLst>
+      <p:ext uri="{BB962C8B-B14F-4D97-AF65-F5344CB8AC3E}">
+        <p14:creationId xmlns:p14="http://schemas.microsoft.com/office/powerpoint/2010/main" val="1640095498"/>
+      </p:ext>
+    </p:extLst>
+  </p:cSld>
+  <p:clrMapOvr>
+    <a:masterClrMapping/>
+  </p:clrMapOvr>
+</p:notes>
+</file>
+
+<file path=ppt/notesSlides/notesSlide12.xml><?xml version="1.0" encoding="utf-8"?>
+<p:notes xmlns:a="http://schemas.openxmlformats.org/drawingml/2006/main" xmlns:r="http://schemas.openxmlformats.org/officeDocument/2006/relationships" xmlns:p="http://schemas.openxmlformats.org/presentationml/2006/main">
+  <p:cSld>
+    <p:spTree>
+      <p:nvGrpSpPr>
+        <p:cNvPr id="1" name=""/>
+        <p:cNvGrpSpPr/>
+        <p:nvPr/>
+      </p:nvGrpSpPr>
+      <p:grpSpPr>
+        <a:xfrm>
+          <a:off x="0" y="0"/>
+          <a:ext cx="0" cy="0"/>
+          <a:chOff x="0" y="0"/>
+          <a:chExt cx="0" cy="0"/>
+        </a:xfrm>
+      </p:grpSpPr>
+      <p:sp>
+        <p:nvSpPr>
+          <p:cNvPr id="2" name="Zástupný symbol pro obrázek snímku 1"/>
+          <p:cNvSpPr>
+            <a:spLocks noGrp="1" noRot="1" noChangeAspect="1"/>
+          </p:cNvSpPr>
+          <p:nvPr>
+            <p:ph type="sldImg"/>
+          </p:nvPr>
+        </p:nvSpPr>
+        <p:spPr/>
+      </p:sp>
+      <p:sp>
+        <p:nvSpPr>
+          <p:cNvPr id="3" name="Zástupný symbol pro poznámky 2"/>
+          <p:cNvSpPr>
+            <a:spLocks noGrp="1"/>
+          </p:cNvSpPr>
+          <p:nvPr>
+            <p:ph type="body" idx="1"/>
+          </p:nvPr>
+        </p:nvSpPr>
+        <p:spPr/>
+        <p:txBody>
+          <a:bodyPr/>
+          <a:lstStyle/>
+          <a:p>
+            <a:r>
+              <a:rPr lang="cs-CZ" b="0" i="0" dirty="0" err="1">
+                <a:solidFill>
+                  <a:srgbClr val="29333D"/>
+                </a:solidFill>
+                <a:effectLst/>
+                <a:latin typeface="DM Sans" panose="020B0604020202020204" pitchFamily="2" charset="-18"/>
+              </a:rPr>
+              <a:t>eIdas</a:t>
+            </a:r>
+            <a:r>
+              <a:rPr lang="cs-CZ" b="0" i="0" dirty="0">
+                <a:solidFill>
+                  <a:srgbClr val="29333D"/>
+                </a:solidFill>
+                <a:effectLst/>
+                <a:latin typeface="DM Sans" panose="020B0604020202020204" pitchFamily="2" charset="-18"/>
+              </a:rPr>
+              <a:t> (</a:t>
+            </a:r>
+            <a:r>
+              <a:rPr lang="cs-CZ" b="0" i="0" dirty="0" err="1">
+                <a:solidFill>
+                  <a:srgbClr val="29333D"/>
+                </a:solidFill>
+                <a:effectLst/>
+                <a:latin typeface="DM Sans" panose="020B0604020202020204" pitchFamily="2" charset="-18"/>
+              </a:rPr>
+              <a:t>electronic</a:t>
+            </a:r>
+            <a:r>
+              <a:rPr lang="cs-CZ" b="0" i="0" dirty="0">
+                <a:solidFill>
+                  <a:srgbClr val="29333D"/>
+                </a:solidFill>
+                <a:effectLst/>
+                <a:latin typeface="DM Sans" panose="020B0604020202020204" pitchFamily="2" charset="-18"/>
+              </a:rPr>
+              <a:t> </a:t>
+            </a:r>
+            <a:r>
+              <a:rPr lang="cs-CZ" b="0" i="0" dirty="0" err="1">
+                <a:solidFill>
+                  <a:srgbClr val="29333D"/>
+                </a:solidFill>
+                <a:effectLst/>
+                <a:latin typeface="DM Sans" panose="020B0604020202020204" pitchFamily="2" charset="-18"/>
+              </a:rPr>
+              <a:t>Idetification</a:t>
+            </a:r>
+            <a:r>
+              <a:rPr lang="cs-CZ" b="0" i="0" dirty="0">
+                <a:solidFill>
+                  <a:srgbClr val="29333D"/>
+                </a:solidFill>
+                <a:effectLst/>
+                <a:latin typeface="DM Sans" panose="020B0604020202020204" pitchFamily="2" charset="-18"/>
+              </a:rPr>
+              <a:t>, </a:t>
+            </a:r>
+            <a:r>
+              <a:rPr lang="cs-CZ" b="0" i="0" dirty="0" err="1">
+                <a:solidFill>
+                  <a:srgbClr val="29333D"/>
+                </a:solidFill>
+                <a:effectLst/>
+                <a:latin typeface="DM Sans" panose="020B0604020202020204" pitchFamily="2" charset="-18"/>
+              </a:rPr>
+              <a:t>Autentication</a:t>
+            </a:r>
+            <a:r>
+              <a:rPr lang="cs-CZ" b="0" i="0" dirty="0">
+                <a:solidFill>
+                  <a:srgbClr val="29333D"/>
+                </a:solidFill>
+                <a:effectLst/>
+                <a:latin typeface="DM Sans" panose="020B0604020202020204" pitchFamily="2" charset="-18"/>
+              </a:rPr>
+              <a:t> and trust </a:t>
+            </a:r>
+            <a:r>
+              <a:rPr lang="cs-CZ" b="0" i="0" dirty="0" err="1">
+                <a:solidFill>
+                  <a:srgbClr val="29333D"/>
+                </a:solidFill>
+                <a:effectLst/>
+                <a:latin typeface="DM Sans" panose="020B0604020202020204" pitchFamily="2" charset="-18"/>
+              </a:rPr>
+              <a:t>Services</a:t>
+            </a:r>
+            <a:r>
+              <a:rPr lang="cs-CZ" b="0" i="0" dirty="0">
+                <a:solidFill>
+                  <a:srgbClr val="29333D"/>
+                </a:solidFill>
+                <a:effectLst/>
+                <a:latin typeface="DM Sans" panose="020B0604020202020204" pitchFamily="2" charset="-18"/>
+              </a:rPr>
+              <a:t>) nastavil noví systém </a:t>
+            </a:r>
+            <a:r>
+              <a:rPr lang="cs-CZ" b="0" i="0" dirty="0" err="1">
+                <a:solidFill>
+                  <a:srgbClr val="29333D"/>
+                </a:solidFill>
+                <a:effectLst/>
+                <a:latin typeface="DM Sans" panose="020B0604020202020204" pitchFamily="2" charset="-18"/>
+              </a:rPr>
+              <a:t>interakčí</a:t>
+            </a:r>
+            <a:r>
+              <a:rPr lang="cs-CZ" b="0" i="0" dirty="0">
+                <a:solidFill>
+                  <a:srgbClr val="29333D"/>
+                </a:solidFill>
+                <a:effectLst/>
+                <a:latin typeface="DM Sans" panose="020B0604020202020204" pitchFamily="2" charset="-18"/>
+              </a:rPr>
+              <a:t> mezi hospodáři, </a:t>
+            </a:r>
+            <a:r>
+              <a:rPr lang="cs-CZ" b="0" i="0" dirty="0" err="1">
+                <a:solidFill>
+                  <a:srgbClr val="29333D"/>
+                </a:solidFill>
+                <a:effectLst/>
+                <a:latin typeface="DM Sans" panose="020B0604020202020204" pitchFamily="2" charset="-18"/>
+              </a:rPr>
+              <a:t>obyvately</a:t>
+            </a:r>
+            <a:r>
+              <a:rPr lang="cs-CZ" b="0" i="0" dirty="0">
+                <a:solidFill>
+                  <a:srgbClr val="29333D"/>
+                </a:solidFill>
+                <a:effectLst/>
+                <a:latin typeface="DM Sans" panose="020B0604020202020204" pitchFamily="2" charset="-18"/>
+              </a:rPr>
+              <a:t> a veřejnou zprávou po celé EU.    Elektronický podpis a kvalifikovaný elektrický podpis jsou usnadnění  </a:t>
+            </a:r>
+            <a:r>
+              <a:rPr lang="cs-CZ" b="0" i="0" dirty="0" err="1">
+                <a:solidFill>
+                  <a:srgbClr val="29333D"/>
+                </a:solidFill>
+                <a:effectLst/>
+                <a:latin typeface="DM Sans" panose="020B0604020202020204" pitchFamily="2" charset="-18"/>
+              </a:rPr>
+              <a:t>bysnisu</a:t>
+            </a:r>
+            <a:r>
+              <a:rPr lang="cs-CZ" b="0" i="0" dirty="0">
+                <a:solidFill>
+                  <a:srgbClr val="29333D"/>
+                </a:solidFill>
+                <a:effectLst/>
+                <a:latin typeface="DM Sans" panose="020B0604020202020204" pitchFamily="2" charset="-18"/>
+              </a:rPr>
+              <a:t> po celé EU.    1. případ uznání elektronické komunikace fyzických a </a:t>
+            </a:r>
+            <a:r>
+              <a:rPr lang="cs-CZ" b="0" i="0" dirty="0" err="1">
+                <a:solidFill>
+                  <a:srgbClr val="29333D"/>
+                </a:solidFill>
+                <a:effectLst/>
+                <a:latin typeface="DM Sans" panose="020B0604020202020204" pitchFamily="2" charset="-18"/>
+              </a:rPr>
+              <a:t>pravních</a:t>
+            </a:r>
+            <a:r>
+              <a:rPr lang="cs-CZ" b="0" i="0" dirty="0">
+                <a:solidFill>
+                  <a:srgbClr val="29333D"/>
+                </a:solidFill>
+                <a:effectLst/>
+                <a:latin typeface="DM Sans" panose="020B0604020202020204" pitchFamily="2" charset="-18"/>
+              </a:rPr>
+              <a:t> osob a usnadnění transakcí.</a:t>
+            </a:r>
+          </a:p>
+          <a:p>
+            <a:r>
+              <a:rPr lang="cs-CZ" b="0" i="0" dirty="0">
+                <a:solidFill>
+                  <a:srgbClr val="29333D"/>
+                </a:solidFill>
+                <a:effectLst/>
+                <a:latin typeface="DM Sans" panose="020B0604020202020204" pitchFamily="2" charset="-18"/>
+              </a:rPr>
+              <a:t>2.Případ spočívá ve vytváření el podpisů a el ověřování, jako el podpis el časové razítko a el pečetí a doručování certifikátů</a:t>
+            </a:r>
+          </a:p>
+          <a:p>
+            <a:endParaRPr lang="cs-CZ" dirty="0"/>
+          </a:p>
+        </p:txBody>
+      </p:sp>
+      <p:sp>
+        <p:nvSpPr>
+          <p:cNvPr id="4" name="Zástupný symbol pro číslo snímku 3"/>
+          <p:cNvSpPr>
+            <a:spLocks noGrp="1"/>
+          </p:cNvSpPr>
+          <p:nvPr>
+            <p:ph type="sldNum" sz="quarter" idx="5"/>
+          </p:nvPr>
+        </p:nvSpPr>
+        <p:spPr/>
+        <p:txBody>
+          <a:bodyPr/>
+          <a:lstStyle/>
+          <a:p>
+            <a:fld id="{335C404A-DE52-464E-AB8D-0875D9A9F9E6}" type="slidenum">
+              <a:rPr lang="cs-CZ" smtClean="0"/>
+              <a:t>14</a:t>
+            </a:fld>
+            <a:endParaRPr lang="cs-CZ"/>
+          </a:p>
+        </p:txBody>
+      </p:sp>
+    </p:spTree>
+    <p:extLst>
+      <p:ext uri="{BB962C8B-B14F-4D97-AF65-F5344CB8AC3E}">
+        <p14:creationId xmlns:p14="http://schemas.microsoft.com/office/powerpoint/2010/main" val="914834043"/>
+      </p:ext>
+    </p:extLst>
+  </p:cSld>
+  <p:clrMapOvr>
+    <a:masterClrMapping/>
+  </p:clrMapOvr>
+</p:notes>
+</file>
+
+<file path=ppt/notesSlides/notesSlide13.xml><?xml version="1.0" encoding="utf-8"?>
+<p:notes xmlns:a="http://schemas.openxmlformats.org/drawingml/2006/main" xmlns:r="http://schemas.openxmlformats.org/officeDocument/2006/relationships" xmlns:p="http://schemas.openxmlformats.org/presentationml/2006/main">
+  <p:cSld>
+    <p:spTree>
+      <p:nvGrpSpPr>
+        <p:cNvPr id="1" name=""/>
+        <p:cNvGrpSpPr/>
+        <p:nvPr/>
+      </p:nvGrpSpPr>
+      <p:grpSpPr>
+        <a:xfrm>
+          <a:off x="0" y="0"/>
+          <a:ext cx="0" cy="0"/>
+          <a:chOff x="0" y="0"/>
+          <a:chExt cx="0" cy="0"/>
+        </a:xfrm>
+      </p:grpSpPr>
+      <p:sp>
+        <p:nvSpPr>
+          <p:cNvPr id="2" name="Zástupný symbol pro obrázek snímku 1"/>
+          <p:cNvSpPr>
+            <a:spLocks noGrp="1" noRot="1" noChangeAspect="1"/>
+          </p:cNvSpPr>
+          <p:nvPr>
+            <p:ph type="sldImg"/>
+          </p:nvPr>
+        </p:nvSpPr>
+        <p:spPr/>
+      </p:sp>
+      <p:sp>
+        <p:nvSpPr>
+          <p:cNvPr id="3" name="Zástupný symbol pro poznámky 2"/>
+          <p:cNvSpPr>
+            <a:spLocks noGrp="1"/>
+          </p:cNvSpPr>
+          <p:nvPr>
+            <p:ph type="body" idx="1"/>
+          </p:nvPr>
+        </p:nvSpPr>
+        <p:spPr/>
+        <p:txBody>
+          <a:bodyPr/>
+          <a:lstStyle/>
+          <a:p>
+            <a:r>
+              <a:rPr lang="cs-CZ" dirty="0"/>
+              <a:t>Veřejná správa- portál občana- jediné místo pro komunikaci občana s úřadem, portál veřejné zprávy- je zaměřen na státní zprávu a </a:t>
+            </a:r>
+            <a:r>
+              <a:rPr lang="cs-CZ" dirty="0" err="1"/>
+              <a:t>samozprávu</a:t>
+            </a:r>
+            <a:r>
+              <a:rPr lang="cs-CZ" dirty="0"/>
+              <a:t> i soukromé organizace</a:t>
+            </a:r>
+          </a:p>
+          <a:p>
+            <a:r>
+              <a:rPr lang="cs-CZ" dirty="0"/>
+              <a:t>Práce v ČR-legální práce cizinců-informace o práci v ČR v různých jazycích, práce občanů EU v ČR- informace o práci v ČR pro občany EU</a:t>
+            </a:r>
+          </a:p>
+          <a:p>
+            <a:r>
+              <a:rPr lang="cs-CZ" dirty="0"/>
+              <a:t>Osoby se zdravotním postižením- Asociace pracovní rehabilitace v ČR-</a:t>
+            </a:r>
+            <a:r>
+              <a:rPr lang="cs-CZ" dirty="0" err="1"/>
+              <a:t>rozvijení</a:t>
+            </a:r>
+            <a:r>
+              <a:rPr lang="cs-CZ" dirty="0"/>
+              <a:t> kvalit služeb v pracovní rehabilitaci, Nadační fond pro podporu zaměstnání osob se zdravotním postižením, OZP práce- speciální portál pro zaměstnání zdravotně postižených lidí</a:t>
+            </a:r>
+          </a:p>
+        </p:txBody>
+      </p:sp>
+      <p:sp>
+        <p:nvSpPr>
+          <p:cNvPr id="4" name="Zástupný symbol pro číslo snímku 3"/>
+          <p:cNvSpPr>
+            <a:spLocks noGrp="1"/>
+          </p:cNvSpPr>
+          <p:nvPr>
+            <p:ph type="sldNum" sz="quarter" idx="5"/>
+          </p:nvPr>
+        </p:nvSpPr>
+        <p:spPr/>
+        <p:txBody>
+          <a:bodyPr/>
+          <a:lstStyle/>
+          <a:p>
+            <a:fld id="{335C404A-DE52-464E-AB8D-0875D9A9F9E6}" type="slidenum">
+              <a:rPr lang="cs-CZ" smtClean="0"/>
+              <a:t>15</a:t>
+            </a:fld>
+            <a:endParaRPr lang="cs-CZ"/>
+          </a:p>
+        </p:txBody>
+      </p:sp>
+    </p:spTree>
+    <p:extLst>
+      <p:ext uri="{BB962C8B-B14F-4D97-AF65-F5344CB8AC3E}">
+        <p14:creationId xmlns:p14="http://schemas.microsoft.com/office/powerpoint/2010/main" val="1175659887"/>
+      </p:ext>
+    </p:extLst>
+  </p:cSld>
+  <p:clrMapOvr>
+    <a:masterClrMapping/>
+  </p:clrMapOvr>
+</p:notes>
+</file>
+
+<file path=ppt/notesSlides/notesSlide14.xml><?xml version="1.0" encoding="utf-8"?>
+<p:notes xmlns:a="http://schemas.openxmlformats.org/drawingml/2006/main" xmlns:r="http://schemas.openxmlformats.org/officeDocument/2006/relationships" xmlns:p="http://schemas.openxmlformats.org/presentationml/2006/main">
+  <p:cSld>
+    <p:spTree>
+      <p:nvGrpSpPr>
+        <p:cNvPr id="1" name=""/>
+        <p:cNvGrpSpPr/>
+        <p:nvPr/>
+      </p:nvGrpSpPr>
+      <p:grpSpPr>
+        <a:xfrm>
+          <a:off x="0" y="0"/>
+          <a:ext cx="0" cy="0"/>
+          <a:chOff x="0" y="0"/>
+          <a:chExt cx="0" cy="0"/>
+        </a:xfrm>
+      </p:grpSpPr>
+      <p:sp>
+        <p:nvSpPr>
+          <p:cNvPr id="2" name="Zástupný symbol pro obrázek snímku 1"/>
+          <p:cNvSpPr>
+            <a:spLocks noGrp="1" noRot="1" noChangeAspect="1"/>
+          </p:cNvSpPr>
+          <p:nvPr>
+            <p:ph type="sldImg"/>
+          </p:nvPr>
+        </p:nvSpPr>
+        <p:spPr/>
+      </p:sp>
+      <p:sp>
+        <p:nvSpPr>
+          <p:cNvPr id="3" name="Zástupný symbol pro poznámky 2"/>
+          <p:cNvSpPr>
+            <a:spLocks noGrp="1"/>
+          </p:cNvSpPr>
+          <p:nvPr>
+            <p:ph type="body" idx="1"/>
+          </p:nvPr>
+        </p:nvSpPr>
+        <p:spPr/>
+        <p:txBody>
+          <a:bodyPr/>
+          <a:lstStyle/>
+          <a:p>
+            <a:r>
+              <a:rPr lang="cs-CZ"/>
+              <a:t>Volba povolání-</a:t>
+            </a:r>
+            <a:endParaRPr lang="cs-CZ" dirty="0"/>
+          </a:p>
+          <a:p>
+            <a:r>
+              <a:rPr lang="cs-CZ" dirty="0"/>
+              <a:t>Výběr škol a oborů , další vzdělání, stáže</a:t>
+            </a:r>
+          </a:p>
+          <a:p>
+            <a:r>
+              <a:rPr lang="cs-CZ" dirty="0"/>
+              <a:t>Přijímací zkoušky, maturita</a:t>
+            </a:r>
+          </a:p>
+        </p:txBody>
+      </p:sp>
+      <p:sp>
+        <p:nvSpPr>
+          <p:cNvPr id="4" name="Zástupný symbol pro číslo snímku 3"/>
+          <p:cNvSpPr>
+            <a:spLocks noGrp="1"/>
+          </p:cNvSpPr>
+          <p:nvPr>
+            <p:ph type="sldNum" sz="quarter" idx="5"/>
+          </p:nvPr>
+        </p:nvSpPr>
+        <p:spPr/>
+        <p:txBody>
+          <a:bodyPr/>
+          <a:lstStyle/>
+          <a:p>
+            <a:fld id="{335C404A-DE52-464E-AB8D-0875D9A9F9E6}" type="slidenum">
+              <a:rPr lang="cs-CZ" smtClean="0"/>
+              <a:t>16</a:t>
+            </a:fld>
+            <a:endParaRPr lang="cs-CZ"/>
+          </a:p>
+        </p:txBody>
+      </p:sp>
+    </p:spTree>
+    <p:extLst>
+      <p:ext uri="{BB962C8B-B14F-4D97-AF65-F5344CB8AC3E}">
+        <p14:creationId xmlns:p14="http://schemas.microsoft.com/office/powerpoint/2010/main" val="3968491815"/>
       </p:ext>
     </p:extLst>
   </p:cSld>
@@ -1493,19 +2137,38 @@
           <a:p>
             <a:r>
               <a:rPr lang="cs-CZ" dirty="0"/>
-              <a:t>Založím si učet u banky která má výhody online bankovnictví</a:t>
-            </a:r>
-          </a:p>
-          <a:p>
+              <a:t>Založím si učet u banky která má výhody online bankovnictví    </a:t>
+            </a:r>
+            <a:r>
+              <a:rPr lang="cs-CZ" dirty="0" err="1"/>
+              <a:t>FioBanka</a:t>
+            </a:r>
             <a:r>
               <a:rPr lang="cs-CZ" dirty="0"/>
-              <a:t>ČSOB a Česká spořitelna spustily službu </a:t>
+              <a:t> a </a:t>
+            </a:r>
+            <a:r>
+              <a:rPr lang="cs-CZ" dirty="0" err="1"/>
+              <a:t>unikredit</a:t>
+            </a:r>
+            <a:r>
+              <a:rPr lang="cs-CZ" dirty="0"/>
+              <a:t> Bank umožňují jenom přístup do portálu státní zprávy.</a:t>
+            </a:r>
+          </a:p>
+          <a:p>
+            <a:r>
+              <a:rPr lang="cs-CZ" dirty="0"/>
+              <a:t>ČSOB a Česká spořitelna mezi prvními spustily službu </a:t>
             </a:r>
             <a:r>
               <a:rPr lang="cs-CZ" dirty="0" err="1"/>
               <a:t>BankId</a:t>
             </a:r>
-            <a:endParaRPr lang="cs-CZ" dirty="0"/>
+            <a:r>
+              <a:rPr lang="cs-CZ" dirty="0"/>
+              <a:t>     </a:t>
+            </a:r>
           </a:p>
         </p:txBody>
       </p:sp>
@@ -1701,7 +2364,7 @@
             <a:fld id="{11A6662E-FAF4-44BC-88B5-85A7CBFB6D30}" type="datetime1">
               <a:rPr lang="en-US" smtClean="0"/>
               <a:pPr/>
-              <a:t>1/19/2023</a:t>
+              <a:t>1/22/2023</a:t>
             </a:fld>
             <a:endParaRPr lang="en-US"/>
           </a:p>
@@ -1912,7 +2575,7 @@
           <a:p>
             <a:fld id="{4C559632-1575-4E14-B53B-3DC3D5ED3947}" type="datetime1">
               <a:rPr lang="en-US" smtClean="0"/>
-              <a:t>1/19/2023</a:t>
+              <a:t>1/22/2023</a:t>
             </a:fld>
             <a:endParaRPr lang="en-US"/>
           </a:p>
@@ -2120,7 +2783,7 @@
           <a:p>
             <a:fld id="{CC4A6868-2568-4CC9-B302-F37117B01A6E}" type="datetime1">
               <a:rPr lang="en-US" smtClean="0"/>
-              <a:t>1/19/2023</a:t>
+              <a:t>1/22/2023</a:t>
             </a:fld>
             <a:endParaRPr lang="en-US"/>
           </a:p>
@@ -2323,7 +2986,7 @@
           <a:p>
             <a:fld id="{0055F08A-1E71-4B2B-BB49-E743F2903911}" type="datetime1">
               <a:rPr lang="en-US" smtClean="0"/>
-              <a:t>1/19/2023</a:t>
+              <a:t>1/22/2023</a:t>
             </a:fld>
             <a:endParaRPr lang="en-US" dirty="0"/>
           </a:p>
@@ -2597,7 +3260,7 @@
           <a:p>
             <a:fld id="{15417D9E-721A-44BB-8863-9873FE64DA75}" type="datetime1">
               <a:rPr lang="en-US" smtClean="0"/>
-              <a:t>1/19/2023</a:t>
+              <a:t>1/22/2023</a:t>
             </a:fld>
             <a:endParaRPr lang="en-US"/>
           </a:p>
@@ -2867,7 +3530,7 @@
           <a:p>
             <a:fld id="{5F31DA2F-80B8-49CF-99FB-5ABCA53A607A}" type="datetime1">
               <a:rPr lang="en-US" smtClean="0"/>
-              <a:t>1/19/2023</a:t>
+              <a:t>1/22/2023</a:t>
             </a:fld>
             <a:endParaRPr lang="en-US"/>
           </a:p>
@@ -3280,7 +3943,7 @@
           <a:p>
             <a:fld id="{28852172-E6C9-4B6C-929A-A9DE3837BBF1}" type="datetime1">
               <a:rPr lang="en-US" smtClean="0"/>
-              <a:t>1/19/2023</a:t>
+              <a:t>1/22/2023</a:t>
             </a:fld>
             <a:endParaRPr lang="en-US"/>
           </a:p>
@@ -3426,7 +4089,7 @@
           <a:p>
             <a:fld id="{3AB41CFF-90C9-47B3-9DA1-F2BF8D839F7E}" type="datetime1">
               <a:rPr lang="en-US" smtClean="0"/>
-              <a:t>1/19/2023</a:t>
+              <a:t>1/22/2023</a:t>
             </a:fld>
             <a:endParaRPr lang="en-US"/>
           </a:p>
@@ -3539,7 +4202,7 @@
           <a:p>
             <a:fld id="{F06048FA-06AB-4884-A69B-986B96E68A24}" type="datetime1">
               <a:rPr lang="en-US" smtClean="0"/>
-              <a:t>1/19/2023</a:t>
+              <a:t>1/22/2023</a:t>
             </a:fld>
             <a:endParaRPr lang="en-US"/>
           </a:p>
@@ -3850,7 +4513,7 @@
           <a:p>
             <a:fld id="{50DB7ABA-0172-4F9C-889D-567164F66BCD}" type="datetime1">
               <a:rPr lang="en-US" smtClean="0"/>
-              <a:t>1/19/2023</a:t>
+              <a:t>1/22/2023</a:t>
             </a:fld>
             <a:endParaRPr lang="en-US"/>
           </a:p>
@@ -4141,7 +4804,7 @@
           <a:p>
             <a:fld id="{78AC6A5B-8AE7-4A41-B5A7-9ADC6686DC18}" type="datetime1">
               <a:rPr lang="en-US" smtClean="0"/>
-              <a:t>1/19/2023</a:t>
+              <a:t>1/22/2023</a:t>
             </a:fld>
             <a:endParaRPr lang="en-US"/>
           </a:p>
@@ -4487,7 +5150,7 @@
             <a:fld id="{57E0CF6C-748E-4B7A-BC8B-3011EF78ED13}" type="datetime1">
               <a:rPr lang="en-US" smtClean="0"/>
               <a:pPr/>
-              <a:t>1/19/2023</a:t>
+              <a:t>1/22/2023</a:t>
             </a:fld>
             <a:endParaRPr lang="en-US" dirty="0"/>
           </a:p>
@@ -5656,12 +6319,12 @@
         </p:spPr>
         <p:txBody>
           <a:bodyPr anchor="ctr">
-            <a:normAutofit/>
+            <a:normAutofit lnSpcReduction="10000"/>
           </a:bodyPr>
           <a:lstStyle/>
           <a:p>
             <a:r>
-              <a:rPr lang="cs-CZ" sz="1800">
+              <a:rPr lang="cs-CZ" sz="1800" dirty="0">
                 <a:solidFill>
                   <a:schemeClr val="tx2"/>
                 </a:solidFill>
@@ -5671,22 +6334,183 @@
           </a:p>
           <a:p>
             <a:r>
-              <a:rPr lang="cs-CZ" sz="1800">
+              <a:rPr lang="cs-CZ" sz="1800" dirty="0">
                 <a:solidFill>
                   <a:schemeClr val="tx2"/>
                 </a:solidFill>
               </a:rPr>
-              <a:t>ČSOB</a:t>
-            </a:r>
-          </a:p>
-          <a:p>
-            <a:r>
-              <a:rPr lang="cs-CZ" sz="1800">
+              <a:t>Banky s </a:t>
+            </a:r>
+            <a:r>
+              <a:rPr lang="cs-CZ" sz="1800" dirty="0" err="1">
                 <a:solidFill>
                   <a:schemeClr val="tx2"/>
                 </a:solidFill>
               </a:rPr>
-              <a:t>Česká spořitelna </a:t>
+              <a:t>BankId</a:t>
+            </a:r>
+            <a:r>
+              <a:rPr lang="cs-CZ" sz="1800" dirty="0">
+                <a:solidFill>
+                  <a:schemeClr val="tx2"/>
+                </a:solidFill>
+              </a:rPr>
+              <a:t> : air Bank</a:t>
+            </a:r>
+          </a:p>
+          <a:p>
+            <a:pPr marL="0" indent="0">
+              <a:buNone/>
+            </a:pPr>
+            <a:r>
+              <a:rPr lang="cs-CZ" sz="1800" dirty="0">
+                <a:solidFill>
+                  <a:schemeClr val="tx2"/>
+                </a:solidFill>
+              </a:rPr>
+              <a:t>                                 česká spořitelna </a:t>
+            </a:r>
+          </a:p>
+          <a:p>
+            <a:pPr marL="0" indent="0">
+              <a:buNone/>
+            </a:pPr>
+            <a:r>
+              <a:rPr lang="cs-CZ" sz="1800" dirty="0">
+                <a:solidFill>
+                  <a:schemeClr val="tx2"/>
+                </a:solidFill>
+              </a:rPr>
+              <a:t>                                ČSOB</a:t>
+            </a:r>
+          </a:p>
+          <a:p>
+            <a:pPr marL="0" indent="0">
+              <a:buNone/>
+            </a:pPr>
+            <a:r>
+              <a:rPr lang="cs-CZ" sz="1800" dirty="0">
+                <a:solidFill>
+                  <a:schemeClr val="tx2"/>
+                </a:solidFill>
+              </a:rPr>
+              <a:t>                                 Fio Banka</a:t>
+            </a:r>
+          </a:p>
+          <a:p>
+            <a:pPr marL="0" indent="0">
+              <a:buNone/>
+            </a:pPr>
+            <a:r>
+              <a:rPr lang="cs-CZ" sz="1800" dirty="0">
+                <a:solidFill>
+                  <a:schemeClr val="tx2"/>
+                </a:solidFill>
+              </a:rPr>
+              <a:t>                                 Komerční Banka</a:t>
+            </a:r>
+          </a:p>
+          <a:p>
+            <a:pPr marL="0" indent="0">
+              <a:buNone/>
+            </a:pPr>
+            <a:r>
+              <a:rPr lang="cs-CZ" sz="1800" dirty="0">
+                <a:solidFill>
+                  <a:schemeClr val="tx2"/>
+                </a:solidFill>
+              </a:rPr>
+              <a:t>                                 Moneta </a:t>
+            </a:r>
+            <a:r>
+              <a:rPr lang="cs-CZ" sz="1800" dirty="0" err="1">
+                <a:solidFill>
+                  <a:schemeClr val="tx2"/>
+                </a:solidFill>
+              </a:rPr>
+              <a:t>money</a:t>
+            </a:r>
+            <a:r>
+              <a:rPr lang="cs-CZ" sz="1800" dirty="0">
+                <a:solidFill>
+                  <a:schemeClr val="tx2"/>
+                </a:solidFill>
+              </a:rPr>
+              <a:t> bank</a:t>
+            </a:r>
+          </a:p>
+          <a:p>
+            <a:pPr marL="0" indent="0">
+              <a:buNone/>
+            </a:pPr>
+            <a:r>
+              <a:rPr lang="cs-CZ" sz="1800" dirty="0">
+                <a:solidFill>
+                  <a:schemeClr val="tx2"/>
+                </a:solidFill>
+              </a:rPr>
+              <a:t>                                 </a:t>
+            </a:r>
+            <a:r>
+              <a:rPr lang="cs-CZ" sz="1800" dirty="0" err="1">
+                <a:solidFill>
+                  <a:schemeClr val="tx2"/>
+                </a:solidFill>
+              </a:rPr>
+              <a:t>Raifaisen</a:t>
+            </a:r>
+            <a:r>
+              <a:rPr lang="cs-CZ" sz="1800" dirty="0">
+                <a:solidFill>
+                  <a:schemeClr val="tx2"/>
+                </a:solidFill>
+              </a:rPr>
+              <a:t> bank</a:t>
+            </a:r>
+          </a:p>
+          <a:p>
+            <a:pPr marL="0" indent="0">
+              <a:buNone/>
+            </a:pPr>
+            <a:r>
+              <a:rPr lang="cs-CZ" sz="1800" dirty="0">
+                <a:solidFill>
+                  <a:schemeClr val="tx2"/>
+                </a:solidFill>
+              </a:rPr>
+              <a:t>                                 </a:t>
+            </a:r>
+            <a:r>
+              <a:rPr lang="cs-CZ" sz="1800" dirty="0" err="1">
+                <a:solidFill>
+                  <a:schemeClr val="tx2"/>
+                </a:solidFill>
+              </a:rPr>
+              <a:t>Uni</a:t>
+            </a:r>
+            <a:r>
+              <a:rPr lang="cs-CZ" sz="1800" dirty="0">
+                <a:solidFill>
+                  <a:schemeClr val="tx2"/>
+                </a:solidFill>
+              </a:rPr>
+              <a:t> </a:t>
+            </a:r>
+            <a:r>
+              <a:rPr lang="cs-CZ" sz="1800" dirty="0" err="1">
+                <a:solidFill>
+                  <a:schemeClr val="tx2"/>
+                </a:solidFill>
+              </a:rPr>
+              <a:t>credit</a:t>
+            </a:r>
+            <a:r>
+              <a:rPr lang="cs-CZ" sz="1800" dirty="0">
+                <a:solidFill>
+                  <a:schemeClr val="tx2"/>
+                </a:solidFill>
+              </a:rPr>
+              <a:t> Bank</a:t>
             </a:r>
           </a:p>
         </p:txBody>
@@ -5799,6 +6623,14 @@
 <file path=ppt/slides/slide11.xml><?xml version="1.0" encoding="utf-8"?>
 <p:sld xmlns:a="http://schemas.openxmlformats.org/drawingml/2006/main" xmlns:r="http://schemas.openxmlformats.org/officeDocument/2006/relationships" xmlns:p="http://schemas.openxmlformats.org/presentationml/2006/main">
   <p:cSld>
+    <p:bg>
+      <p:bgPr>
+        <a:solidFill>
+          <a:schemeClr val="bg1"/>
+        </a:solidFill>
+        <a:effectLst/>
+      </p:bgPr>
+    </p:bg>
     <p:spTree>
       <p:nvGrpSpPr>
         <p:cNvPr id="1" name=""/>
@@ -5813,12 +6645,301 @@
           <a:chExt cx="0" cy="0"/>
         </a:xfrm>
       </p:grpSpPr>
+      <p:sp useBgFill="1">
+        <p:nvSpPr>
+          <p:cNvPr id="2066" name="Rectangle 2065">
+            <a:extLst>
+              <a:ext uri="{FF2B5EF4-FFF2-40B4-BE49-F238E27FC236}">
+                <a16:creationId xmlns:a16="http://schemas.microsoft.com/office/drawing/2014/main" id="{4AB8125F-0FD8-48CD-9F43-73E5494EA774}"/>
+              </a:ext>
+              <a:ext uri="{C183D7F6-B498-43B3-948B-1728B52AA6E4}">
+                <adec:decorative xmlns:adec="http://schemas.microsoft.com/office/drawing/2017/decorative" val="1"/>
+              </a:ext>
+            </a:extLst>
+          </p:cNvPr>
+          <p:cNvSpPr>
+            <a:spLocks noGrp="1" noRot="1" noChangeAspect="1" noMove="1" noResize="1" noEditPoints="1" noAdjustHandles="1" noChangeArrowheads="1" noChangeShapeType="1" noTextEdit="1"/>
+          </p:cNvSpPr>
+          <p:nvPr>
+            <p:extLst>
+              <p:ext uri="{386F3935-93C4-4BCD-93E2-E3B085C9AB24}">
+                <p16:designElem xmlns:p16="http://schemas.microsoft.com/office/powerpoint/2015/main" val="1"/>
+              </p:ext>
+            </p:extLst>
+          </p:nvPr>
+        </p:nvSpPr>
+        <p:spPr>
+          <a:xfrm>
+            <a:off x="3048" y="0"/>
+            <a:ext cx="12188952" cy="6858000"/>
+          </a:xfrm>
+          <a:prstGeom prst="rect">
+            <a:avLst/>
+          </a:prstGeom>
+          <a:ln>
+            <a:noFill/>
+          </a:ln>
+        </p:spPr>
+        <p:style>
+          <a:lnRef idx="2">
+            <a:schemeClr val="accent1">
+              <a:shade val="50000"/>
+            </a:schemeClr>
+          </a:lnRef>
+          <a:fillRef idx="1">
+            <a:schemeClr val="accent1"/>
+          </a:fillRef>
+          <a:effectRef idx="0">
+            <a:schemeClr val="accent1"/>
+          </a:effectRef>
+          <a:fontRef idx="minor">
+            <a:schemeClr val="lt1"/>
+          </a:fontRef>
+        </p:style>
+        <p:txBody>
+          <a:bodyPr rtlCol="0" anchor="ctr"/>
+          <a:lstStyle/>
+          <a:p>
+            <a:pPr algn="ctr"/>
+            <a:endParaRPr lang="en-US">
+              <a:solidFill>
+                <a:schemeClr val="tx1">
+                  <a:lumMod val="65000"/>
+                  <a:lumOff val="35000"/>
+                </a:schemeClr>
+              </a:solidFill>
+              <a:latin typeface="AvenirNext LT Pro Medium" panose="020B0504020202020204" pitchFamily="34" charset="0"/>
+            </a:endParaRPr>
+          </a:p>
+        </p:txBody>
+      </p:sp>
+      <p:sp>
+        <p:nvSpPr>
+          <p:cNvPr id="2068" name="Rectangle 2067">
+            <a:extLst>
+              <a:ext uri="{FF2B5EF4-FFF2-40B4-BE49-F238E27FC236}">
+                <a16:creationId xmlns:a16="http://schemas.microsoft.com/office/drawing/2014/main" id="{0019DD6C-5899-4C07-864B-EB0A7D104ACF}"/>
+              </a:ext>
+              <a:ext uri="{C183D7F6-B498-43B3-948B-1728B52AA6E4}">
+                <adec:decorative xmlns:adec="http://schemas.microsoft.com/office/drawing/2017/decorative" val="1"/>
+              </a:ext>
+            </a:extLst>
+          </p:cNvPr>
+          <p:cNvSpPr>
+            <a:spLocks noGrp="1" noRot="1" noChangeAspect="1" noMove="1" noResize="1" noEditPoints="1" noAdjustHandles="1" noChangeArrowheads="1" noChangeShapeType="1" noTextEdit="1"/>
+          </p:cNvSpPr>
+          <p:nvPr>
+            <p:extLst>
+              <p:ext uri="{386F3935-93C4-4BCD-93E2-E3B085C9AB24}">
+                <p16:designElem xmlns:p16="http://schemas.microsoft.com/office/powerpoint/2015/main" val="1"/>
+              </p:ext>
+            </p:extLst>
+          </p:nvPr>
+        </p:nvSpPr>
+        <p:spPr>
+          <a:xfrm>
+            <a:off x="3048" y="0"/>
+            <a:ext cx="12188952" cy="6858000"/>
+          </a:xfrm>
+          <a:prstGeom prst="rect">
+            <a:avLst/>
+          </a:prstGeom>
+          <a:solidFill>
+            <a:schemeClr val="bg2">
+              <a:alpha val="70000"/>
+            </a:schemeClr>
+          </a:solidFill>
+          <a:ln>
+            <a:noFill/>
+          </a:ln>
+        </p:spPr>
+        <p:style>
+          <a:lnRef idx="2">
+            <a:schemeClr val="accent1">
+              <a:shade val="50000"/>
+            </a:schemeClr>
+          </a:lnRef>
+          <a:fillRef idx="1">
+            <a:schemeClr val="accent1"/>
+          </a:fillRef>
+          <a:effectRef idx="0">
+            <a:schemeClr val="accent1"/>
+          </a:effectRef>
+          <a:fontRef idx="minor">
+            <a:schemeClr val="lt1"/>
+          </a:fontRef>
+        </p:style>
+        <p:txBody>
+          <a:bodyPr rtlCol="0" anchor="ctr"/>
+          <a:lstStyle/>
+          <a:p>
+            <a:pPr algn="ctr"/>
+            <a:endParaRPr lang="en-US">
+              <a:solidFill>
+                <a:schemeClr val="tx1">
+                  <a:lumMod val="65000"/>
+                  <a:lumOff val="35000"/>
+                </a:schemeClr>
+              </a:solidFill>
+              <a:latin typeface="AvenirNext LT Pro Medium" panose="020B0504020202020204" pitchFamily="34" charset="0"/>
+            </a:endParaRPr>
+          </a:p>
+        </p:txBody>
+      </p:sp>
+      <p:sp>
+        <p:nvSpPr>
+          <p:cNvPr id="2070" name="Rectangle 2069">
+            <a:extLst>
+              <a:ext uri="{FF2B5EF4-FFF2-40B4-BE49-F238E27FC236}">
+                <a16:creationId xmlns:a16="http://schemas.microsoft.com/office/drawing/2014/main" id="{EBDFFBC1-15BD-428E-B8AF-ECF5D1B76DEB}"/>
+              </a:ext>
+              <a:ext uri="{C183D7F6-B498-43B3-948B-1728B52AA6E4}">
+                <adec:decorative xmlns:adec="http://schemas.microsoft.com/office/drawing/2017/decorative" val="1"/>
+              </a:ext>
+            </a:extLst>
+          </p:cNvPr>
+          <p:cNvSpPr>
+            <a:spLocks noGrp="1" noRot="1" noChangeAspect="1" noMove="1" noResize="1" noEditPoints="1" noAdjustHandles="1" noChangeArrowheads="1" noChangeShapeType="1" noTextEdit="1"/>
+          </p:cNvSpPr>
+          <p:nvPr>
+            <p:extLst>
+              <p:ext uri="{386F3935-93C4-4BCD-93E2-E3B085C9AB24}">
+                <p16:designElem xmlns:p16="http://schemas.microsoft.com/office/powerpoint/2015/main" val="1"/>
+              </p:ext>
+            </p:extLst>
+          </p:nvPr>
+        </p:nvSpPr>
+        <p:spPr>
+          <a:xfrm>
+            <a:off x="0" y="-151"/>
+            <a:ext cx="12192000" cy="2217680"/>
+          </a:xfrm>
+          <a:prstGeom prst="rect">
+            <a:avLst/>
+          </a:prstGeom>
+          <a:solidFill>
+            <a:schemeClr val="tx2">
+              <a:lumMod val="90000"/>
+              <a:lumOff val="10000"/>
+            </a:schemeClr>
+          </a:solidFill>
+          <a:ln>
+            <a:noFill/>
+          </a:ln>
+        </p:spPr>
+        <p:style>
+          <a:lnRef idx="2">
+            <a:schemeClr val="accent1">
+              <a:shade val="50000"/>
+            </a:schemeClr>
+          </a:lnRef>
+          <a:fillRef idx="1">
+            <a:schemeClr val="accent1"/>
+          </a:fillRef>
+          <a:effectRef idx="0">
+            <a:schemeClr val="accent1"/>
+          </a:effectRef>
+          <a:fontRef idx="minor">
+            <a:schemeClr val="lt1"/>
+          </a:fontRef>
+        </p:style>
+        <p:txBody>
+          <a:bodyPr rtlCol="0" anchor="ctr"/>
+          <a:lstStyle/>
+          <a:p>
+            <a:pPr algn="ctr"/>
+            <a:endParaRPr lang="en-US" dirty="0">
+              <a:solidFill>
+                <a:schemeClr val="tx1">
+                  <a:lumMod val="65000"/>
+                  <a:lumOff val="35000"/>
+                </a:schemeClr>
+              </a:solidFill>
+              <a:latin typeface="AvenirNext LT Pro Medium" panose="020B0504020202020204" pitchFamily="34" charset="0"/>
+            </a:endParaRPr>
+          </a:p>
+        </p:txBody>
+      </p:sp>
+      <p:sp>
+        <p:nvSpPr>
+          <p:cNvPr id="2072" name="Rectangle 2071">
+            <a:extLst>
+              <a:ext uri="{FF2B5EF4-FFF2-40B4-BE49-F238E27FC236}">
+                <a16:creationId xmlns:a16="http://schemas.microsoft.com/office/drawing/2014/main" id="{EBFB3075-0323-4EB0-B1A5-776A0E709CEF}"/>
+              </a:ext>
+              <a:ext uri="{C183D7F6-B498-43B3-948B-1728B52AA6E4}">
+                <adec:decorative xmlns:adec="http://schemas.microsoft.com/office/drawing/2017/decorative" val="1"/>
+              </a:ext>
+            </a:extLst>
+          </p:cNvPr>
+          <p:cNvSpPr>
+            <a:spLocks noGrp="1" noRot="1" noChangeAspect="1" noMove="1" noResize="1" noEditPoints="1" noAdjustHandles="1" noChangeArrowheads="1" noChangeShapeType="1" noTextEdit="1"/>
+          </p:cNvSpPr>
+          <p:nvPr>
+            <p:extLst>
+              <p:ext uri="{386F3935-93C4-4BCD-93E2-E3B085C9AB24}">
+                <p16:designElem xmlns:p16="http://schemas.microsoft.com/office/powerpoint/2015/main" val="1"/>
+              </p:ext>
+            </p:extLst>
+          </p:nvPr>
+        </p:nvSpPr>
+        <p:spPr>
+          <a:xfrm rot="10800000">
+            <a:off x="0" y="-1"/>
+            <a:ext cx="12191999" cy="2224386"/>
+          </a:xfrm>
+          <a:prstGeom prst="rect">
+            <a:avLst/>
+          </a:prstGeom>
+          <a:blipFill dpi="0" rotWithShape="1">
+            <a:blip r:embed="rId3">
+              <a:alphaModFix amt="20000"/>
+              <a:duotone>
+                <a:schemeClr val="accent1">
+                  <a:shade val="45000"/>
+                  <a:satMod val="135000"/>
+                </a:schemeClr>
+                <a:prstClr val="white"/>
+              </a:duotone>
+            </a:blip>
+            <a:srcRect/>
+            <a:tile tx="889000" ty="0" sx="100000" sy="100000" flip="none" algn="tl"/>
+          </a:blipFill>
+          <a:ln>
+            <a:noFill/>
+          </a:ln>
+        </p:spPr>
+        <p:style>
+          <a:lnRef idx="2">
+            <a:schemeClr val="accent1">
+              <a:shade val="50000"/>
+            </a:schemeClr>
+          </a:lnRef>
+          <a:fillRef idx="1">
+            <a:schemeClr val="accent1"/>
+          </a:fillRef>
+          <a:effectRef idx="0">
+            <a:schemeClr val="accent1"/>
+          </a:effectRef>
+          <a:fontRef idx="minor">
+            <a:schemeClr val="lt1"/>
+          </a:fontRef>
+        </p:style>
+        <p:txBody>
+          <a:bodyPr rtlCol="0" anchor="ctr"/>
+          <a:lstStyle/>
+          <a:p>
+            <a:pPr algn="ctr"/>
+            <a:endParaRPr lang="en-US" dirty="0"/>
+          </a:p>
+        </p:txBody>
+      </p:sp>
       <p:sp>
         <p:nvSpPr>
           <p:cNvPr id="2" name="Nadpis 1">
             <a:extLst>
               <a:ext uri="{FF2B5EF4-FFF2-40B4-BE49-F238E27FC236}">
-                <a16:creationId xmlns:a16="http://schemas.microsoft.com/office/drawing/2014/main" id="{08BF65CE-E835-43C7-8C33-EA5389542A18}"/>
+                <a16:creationId xmlns:a16="http://schemas.microsoft.com/office/drawing/2014/main" id="{0E329D9B-835D-4E26-83D0-39BFDD45A876}"/>
               </a:ext>
             </a:extLst>
           </p:cNvPr>
@@ -5829,28 +6950,36 @@
             <p:ph type="title"/>
           </p:nvPr>
         </p:nvSpPr>
-        <p:spPr/>
-        <p:txBody>
-          <a:bodyPr/>
-          <a:lstStyle/>
-          <a:p>
-            <a:r>
-              <a:rPr lang="cs-CZ" dirty="0" err="1"/>
+        <p:spPr>
+          <a:xfrm>
+            <a:off x="838200" y="381000"/>
+            <a:ext cx="10003218" cy="1600124"/>
+          </a:xfrm>
+        </p:spPr>
+        <p:txBody>
+          <a:bodyPr>
+            <a:normAutofit/>
+          </a:bodyPr>
+          <a:lstStyle/>
+          <a:p>
+            <a:r>
+              <a:rPr lang="cs-CZ" dirty="0"/>
+              <a:t>Použití </a:t>
+            </a:r>
+            <a:r>
+              <a:rPr lang="cs-CZ"/>
               <a:t>BankID</a:t>
             </a:r>
-            <a:r>
-              <a:rPr lang="cs-CZ" dirty="0"/>
-              <a:t> v ČR</a:t>
-            </a:r>
-          </a:p>
-        </p:txBody>
-      </p:sp>
-      <p:sp>
-        <p:nvSpPr>
-          <p:cNvPr id="3" name="Zástupný obsah 2">
-            <a:extLst>
-              <a:ext uri="{FF2B5EF4-FFF2-40B4-BE49-F238E27FC236}">
-                <a16:creationId xmlns:a16="http://schemas.microsoft.com/office/drawing/2014/main" id="{1FA5A66C-312E-42A6-9C9D-72F3A2104D59}"/>
+            <a:endParaRPr lang="cs-CZ" dirty="0"/>
+          </a:p>
+        </p:txBody>
+      </p:sp>
+      <p:sp>
+        <p:nvSpPr>
+          <p:cNvPr id="9" name="Content Placeholder 8">
+            <a:extLst>
+              <a:ext uri="{FF2B5EF4-FFF2-40B4-BE49-F238E27FC236}">
+                <a16:creationId xmlns:a16="http://schemas.microsoft.com/office/drawing/2014/main" id="{25B1184E-CA5F-BF41-7063-15E86EE0B8BF}"/>
               </a:ext>
             </a:extLst>
           </p:cNvPr>
@@ -5861,29 +6990,134 @@
             <p:ph idx="1"/>
           </p:nvPr>
         </p:nvSpPr>
-        <p:spPr/>
-        <p:txBody>
-          <a:bodyPr/>
-          <a:lstStyle/>
-          <a:p>
-            <a:r>
-              <a:rPr lang="cs-CZ" dirty="0"/>
-              <a:t>SONIA (Soukromá elektronická identita)</a:t>
-            </a:r>
-          </a:p>
-          <a:p>
-            <a:r>
-              <a:rPr lang="cs-CZ"/>
+        <p:spPr>
+          <a:xfrm>
+            <a:off x="838200" y="2745362"/>
+            <a:ext cx="4800600" cy="3552824"/>
+          </a:xfrm>
+        </p:spPr>
+        <p:txBody>
+          <a:bodyPr anchor="ctr">
+            <a:normAutofit/>
+          </a:bodyPr>
+          <a:lstStyle/>
+          <a:p>
+            <a:r>
+              <a:rPr lang="cs-CZ" sz="1800" dirty="0">
+                <a:solidFill>
+                  <a:schemeClr val="tx1"/>
+                </a:solidFill>
+              </a:rPr>
+              <a:t>Nakupování </a:t>
+            </a:r>
+          </a:p>
+          <a:p>
+            <a:r>
+              <a:rPr lang="cs-CZ" sz="1800" dirty="0">
+                <a:solidFill>
+                  <a:schemeClr val="tx1"/>
+                </a:solidFill>
+              </a:rPr>
+              <a:t>Zdraví</a:t>
+            </a:r>
+          </a:p>
+          <a:p>
+            <a:r>
+              <a:rPr lang="cs-CZ" sz="1800" dirty="0">
+                <a:solidFill>
+                  <a:schemeClr val="tx1"/>
+                </a:solidFill>
+              </a:rPr>
+              <a:t>Finance</a:t>
+            </a:r>
+          </a:p>
+          <a:p>
+            <a:r>
+              <a:rPr lang="cs-CZ" sz="1800">
+                <a:solidFill>
+                  <a:schemeClr val="tx1"/>
+                </a:solidFill>
+              </a:rPr>
+              <a:t>Socialní</a:t>
+            </a:r>
+            <a:r>
+              <a:rPr lang="cs-CZ" sz="1800" dirty="0">
+                <a:solidFill>
+                  <a:schemeClr val="tx1"/>
+                </a:solidFill>
+              </a:rPr>
+              <a:t> dávky</a:t>
+            </a:r>
+          </a:p>
+          <a:p>
+            <a:r>
+              <a:rPr lang="cs-CZ" sz="1800" dirty="0">
+                <a:solidFill>
+                  <a:schemeClr val="tx1"/>
+                </a:solidFill>
+              </a:rPr>
               <a:t>Datová schránka</a:t>
             </a:r>
-            <a:endParaRPr lang="cs-CZ" dirty="0"/>
-          </a:p>
-        </p:txBody>
-      </p:sp>
+          </a:p>
+          <a:p>
+            <a:endParaRPr lang="en-US" sz="1800" dirty="0">
+              <a:solidFill>
+                <a:schemeClr val="tx1"/>
+              </a:solidFill>
+            </a:endParaRPr>
+          </a:p>
+        </p:txBody>
+      </p:sp>
+      <p:pic>
+        <p:nvPicPr>
+          <p:cNvPr id="3" name="Picture 2" descr="Pandemie koronaviru se nese ve znamení boomu e-shopů | Průvodce podnikáním  | ČSOB">
+            <a:extLst>
+              <a:ext uri="{FF2B5EF4-FFF2-40B4-BE49-F238E27FC236}">
+                <a16:creationId xmlns:a16="http://schemas.microsoft.com/office/drawing/2014/main" id="{6D04CCFF-212E-C03D-A034-58D975CAEA65}"/>
+              </a:ext>
+            </a:extLst>
+          </p:cNvPr>
+          <p:cNvPicPr>
+            <a:picLocks noChangeAspect="1" noChangeArrowheads="1"/>
+          </p:cNvPicPr>
+          <p:nvPr/>
+        </p:nvPicPr>
+        <p:blipFill>
+          <a:blip r:embed="rId4">
+            <a:extLst>
+              <a:ext uri="{28A0092B-C50C-407E-A947-70E740481C1C}">
+                <a14:useLocalDpi xmlns:a14="http://schemas.microsoft.com/office/drawing/2010/main" val="0"/>
+              </a:ext>
+            </a:extLst>
+          </a:blip>
+          <a:stretch>
+            <a:fillRect/>
+          </a:stretch>
+        </p:blipFill>
+        <p:spPr bwMode="auto">
+          <a:xfrm>
+            <a:off x="5996628" y="3324823"/>
+            <a:ext cx="5585772" cy="2393902"/>
+          </a:xfrm>
+          <a:prstGeom prst="rect">
+            <a:avLst/>
+          </a:prstGeom>
+          <a:noFill/>
+          <a:extLst>
+            <a:ext uri="{909E8E84-426E-40DD-AFC4-6F175D3DCCD1}">
+              <a14:hiddenFill xmlns:a14="http://schemas.microsoft.com/office/drawing/2010/main">
+                <a:solidFill>
+                  <a:srgbClr val="FFFFFF"/>
+                </a:solidFill>
+              </a14:hiddenFill>
+            </a:ext>
+          </a:extLst>
+        </p:spPr>
+      </p:pic>
     </p:spTree>
     <p:extLst>
       <p:ext uri="{BB962C8B-B14F-4D97-AF65-F5344CB8AC3E}">
-        <p14:creationId xmlns:p14="http://schemas.microsoft.com/office/powerpoint/2010/main" val="3872601838"/>
+        <p14:creationId xmlns:p14="http://schemas.microsoft.com/office/powerpoint/2010/main" val="2540076392"/>
       </p:ext>
     </p:extLst>
   </p:cSld>
@@ -5920,7 +7154,7 @@
       </p:grpSpPr>
       <p:sp useBgFill="1">
         <p:nvSpPr>
-          <p:cNvPr id="12" name="Rectangle 11">
+          <p:cNvPr id="3079" name="Rectangle 3078">
             <a:extLst>
               <a:ext uri="{FF2B5EF4-FFF2-40B4-BE49-F238E27FC236}">
                 <a16:creationId xmlns:a16="http://schemas.microsoft.com/office/drawing/2014/main" id="{4AB8125F-0FD8-48CD-9F43-73E5494EA774}"/>
@@ -5988,7 +7222,7 @@
       </p:sp>
       <p:sp>
         <p:nvSpPr>
-          <p:cNvPr id="14" name="Rectangle 13">
+          <p:cNvPr id="3081" name="Rectangle 3080">
             <a:extLst>
               <a:ext uri="{FF2B5EF4-FFF2-40B4-BE49-F238E27FC236}">
                 <a16:creationId xmlns:a16="http://schemas.microsoft.com/office/drawing/2014/main" id="{0019DD6C-5899-4C07-864B-EB0A7D104ACF}"/>
@@ -6061,7 +7295,7 @@
       </p:sp>
       <p:sp>
         <p:nvSpPr>
-          <p:cNvPr id="16" name="Rectangle 15">
+          <p:cNvPr id="3083" name="Rectangle 3082">
             <a:extLst>
               <a:ext uri="{FF2B5EF4-FFF2-40B4-BE49-F238E27FC236}">
                 <a16:creationId xmlns:a16="http://schemas.microsoft.com/office/drawing/2014/main" id="{EBDFFBC1-15BD-428E-B8AF-ECF5D1B76DEB}"/>
@@ -6135,7 +7369,7 @@
       </p:sp>
       <p:sp>
         <p:nvSpPr>
-          <p:cNvPr id="18" name="Rectangle 17">
+          <p:cNvPr id="3085" name="Rectangle 3084">
             <a:extLst>
               <a:ext uri="{FF2B5EF4-FFF2-40B4-BE49-F238E27FC236}">
                 <a16:creationId xmlns:a16="http://schemas.microsoft.com/office/drawing/2014/main" id="{EBFB3075-0323-4EB0-B1A5-776A0E709CEF}"/>
@@ -6165,7 +7399,7 @@
             <a:avLst/>
           </a:prstGeom>
           <a:blipFill dpi="0" rotWithShape="1">
-            <a:blip r:embed="rId2">
+            <a:blip r:embed="rId3">
               <a:alphaModFix amt="20000"/>
               <a:duotone>
                 <a:schemeClr val="accent1">
@@ -6212,7 +7446,7 @@
           <p:cNvPr id="2" name="Nadpis 1">
             <a:extLst>
               <a:ext uri="{FF2B5EF4-FFF2-40B4-BE49-F238E27FC236}">
-                <a16:creationId xmlns:a16="http://schemas.microsoft.com/office/drawing/2014/main" id="{0E329D9B-835D-4E26-83D0-39BFDD45A876}"/>
+                <a16:creationId xmlns:a16="http://schemas.microsoft.com/office/drawing/2014/main" id="{2B1F9A99-A1C4-46C1-A1CF-5734DEA8D85C}"/>
               </a:ext>
             </a:extLst>
           </p:cNvPr>
@@ -6235,16 +7469,24 @@
           </a:bodyPr>
           <a:lstStyle/>
           <a:p>
+            <a:r>
+              <a:rPr lang="cs-CZ" dirty="0"/>
+              <a:t>Použití </a:t>
+            </a:r>
+            <a:r>
+              <a:rPr lang="cs-CZ"/>
+              <a:t>bankID</a:t>
+            </a:r>
             <a:endParaRPr lang="cs-CZ" dirty="0"/>
           </a:p>
         </p:txBody>
       </p:sp>
       <p:sp>
         <p:nvSpPr>
-          <p:cNvPr id="9" name="Content Placeholder 8">
-            <a:extLst>
-              <a:ext uri="{FF2B5EF4-FFF2-40B4-BE49-F238E27FC236}">
-                <a16:creationId xmlns:a16="http://schemas.microsoft.com/office/drawing/2014/main" id="{25B1184E-CA5F-BF41-7063-15E86EE0B8BF}"/>
+          <p:cNvPr id="3" name="Zástupný obsah 2">
+            <a:extLst>
+              <a:ext uri="{FF2B5EF4-FFF2-40B4-BE49-F238E27FC236}">
+                <a16:creationId xmlns:a16="http://schemas.microsoft.com/office/drawing/2014/main" id="{867F62A7-B903-4D63-B906-96F3B610EFF5}"/>
               </a:ext>
             </a:extLst>
           </p:cNvPr>
@@ -6257,7 +7499,7 @@
         </p:nvSpPr>
         <p:spPr>
           <a:xfrm>
-            <a:off x="838200" y="2771995"/>
+            <a:off x="838200" y="2745362"/>
             <a:ext cx="4800600" cy="3552824"/>
           </a:xfrm>
         </p:spPr>
@@ -6267,18 +7509,159 @@
           </a:bodyPr>
           <a:lstStyle/>
           <a:p>
-            <a:endParaRPr lang="en-US" sz="1800" dirty="0">
+            <a:endParaRPr lang="cs-CZ" sz="1800" dirty="0">
               <a:solidFill>
                 <a:schemeClr val="tx1"/>
               </a:solidFill>
             </a:endParaRPr>
           </a:p>
-        </p:txBody>
-      </p:sp>
+          <a:p>
+            <a:endParaRPr lang="cs-CZ" sz="1800" dirty="0">
+              <a:solidFill>
+                <a:schemeClr val="tx1"/>
+              </a:solidFill>
+            </a:endParaRPr>
+          </a:p>
+          <a:p>
+            <a:pPr marL="0" indent="0">
+              <a:buNone/>
+            </a:pPr>
+            <a:endParaRPr lang="cs-CZ" sz="1800" dirty="0">
+              <a:solidFill>
+                <a:schemeClr val="tx1"/>
+              </a:solidFill>
+            </a:endParaRPr>
+          </a:p>
+          <a:p>
+            <a:r>
+              <a:rPr lang="cs-CZ" sz="1800" dirty="0">
+                <a:solidFill>
+                  <a:schemeClr val="tx1"/>
+                </a:solidFill>
+              </a:rPr>
+              <a:t>Pojištění</a:t>
+            </a:r>
+          </a:p>
+          <a:p>
+            <a:r>
+              <a:rPr lang="cs-CZ" sz="1800" dirty="0">
+                <a:solidFill>
+                  <a:schemeClr val="tx1"/>
+                </a:solidFill>
+              </a:rPr>
+              <a:t>Důchod</a:t>
+            </a:r>
+          </a:p>
+          <a:p>
+            <a:r>
+              <a:rPr lang="cs-CZ" sz="1800" dirty="0">
+                <a:solidFill>
+                  <a:schemeClr val="tx1"/>
+                </a:solidFill>
+              </a:rPr>
+              <a:t>Bydlení a energie</a:t>
+            </a:r>
+          </a:p>
+          <a:p>
+            <a:r>
+              <a:rPr lang="cs-CZ" sz="1800" dirty="0">
+                <a:solidFill>
+                  <a:schemeClr val="tx1"/>
+                </a:solidFill>
+              </a:rPr>
+              <a:t>Daně </a:t>
+            </a:r>
+          </a:p>
+          <a:p>
+            <a:r>
+              <a:rPr lang="cs-CZ" sz="1800" dirty="0">
+                <a:solidFill>
+                  <a:schemeClr val="tx1"/>
+                </a:solidFill>
+              </a:rPr>
+              <a:t>investice</a:t>
+            </a:r>
+          </a:p>
+          <a:p>
+            <a:endParaRPr lang="cs-CZ" sz="1800" dirty="0">
+              <a:solidFill>
+                <a:schemeClr val="tx1"/>
+              </a:solidFill>
+            </a:endParaRPr>
+          </a:p>
+          <a:p>
+            <a:endParaRPr lang="cs-CZ" sz="1800" dirty="0">
+              <a:solidFill>
+                <a:schemeClr val="tx1"/>
+              </a:solidFill>
+            </a:endParaRPr>
+          </a:p>
+          <a:p>
+            <a:endParaRPr lang="cs-CZ" sz="1800" dirty="0">
+              <a:solidFill>
+                <a:schemeClr val="tx1"/>
+              </a:solidFill>
+            </a:endParaRPr>
+          </a:p>
+          <a:p>
+            <a:endParaRPr lang="cs-CZ" sz="1800" dirty="0">
+              <a:solidFill>
+                <a:schemeClr val="tx1"/>
+              </a:solidFill>
+            </a:endParaRPr>
+          </a:p>
+        </p:txBody>
+      </p:sp>
+      <p:pic>
+        <p:nvPicPr>
+          <p:cNvPr id="3074" name="Picture 2" descr="Které kryptoměny budou v budoucnu úspěšné? | Platon Life">
+            <a:extLst>
+              <a:ext uri="{FF2B5EF4-FFF2-40B4-BE49-F238E27FC236}">
+                <a16:creationId xmlns:a16="http://schemas.microsoft.com/office/drawing/2014/main" id="{E2285B34-DF10-950E-E976-2C21057C1FC3}"/>
+              </a:ext>
+            </a:extLst>
+          </p:cNvPr>
+          <p:cNvPicPr>
+            <a:picLocks noChangeAspect="1" noChangeArrowheads="1"/>
+          </p:cNvPicPr>
+          <p:nvPr/>
+        </p:nvPicPr>
+        <p:blipFill>
+          <a:blip r:embed="rId4">
+            <a:extLst>
+              <a:ext uri="{28A0092B-C50C-407E-A947-70E740481C1C}">
+                <a14:useLocalDpi xmlns:a14="http://schemas.microsoft.com/office/drawing/2010/main" val="0"/>
+              </a:ext>
+            </a:extLst>
+          </a:blip>
+          <a:stretch>
+            <a:fillRect/>
+          </a:stretch>
+        </p:blipFill>
+        <p:spPr bwMode="auto">
+          <a:xfrm>
+            <a:off x="5996628" y="3390378"/>
+            <a:ext cx="5585772" cy="2262791"/>
+          </a:xfrm>
+          <a:prstGeom prst="rect">
+            <a:avLst/>
+          </a:prstGeom>
+          <a:noFill/>
+          <a:extLst>
+            <a:ext uri="{909E8E84-426E-40DD-AFC4-6F175D3DCCD1}">
+              <a14:hiddenFill xmlns:a14="http://schemas.microsoft.com/office/drawing/2010/main">
+                <a:solidFill>
+                  <a:srgbClr val="FFFFFF"/>
+                </a:solidFill>
+              </a14:hiddenFill>
+            </a:ext>
+          </a:extLst>
+        </p:spPr>
+      </p:pic>
     </p:spTree>
     <p:extLst>
       <p:ext uri="{BB962C8B-B14F-4D97-AF65-F5344CB8AC3E}">
-        <p14:creationId xmlns:p14="http://schemas.microsoft.com/office/powerpoint/2010/main" val="2540076392"/>
+        <p14:creationId xmlns:p14="http://schemas.microsoft.com/office/powerpoint/2010/main" val="3779719780"/>
       </p:ext>
     </p:extLst>
   </p:cSld>
@@ -6326,35 +7709,61 @@
           <a:bodyPr/>
           <a:lstStyle/>
           <a:p>
-            <a:endParaRPr lang="cs-CZ"/>
-          </a:p>
-        </p:txBody>
-      </p:sp>
-      <p:sp>
-        <p:nvSpPr>
-          <p:cNvPr id="3" name="Zástupný obsah 2">
-            <a:extLst>
-              <a:ext uri="{FF2B5EF4-FFF2-40B4-BE49-F238E27FC236}">
-                <a16:creationId xmlns:a16="http://schemas.microsoft.com/office/drawing/2014/main" id="{4E4B6243-49B7-4EF2-9413-00E8E9D4BDAC}"/>
-              </a:ext>
-            </a:extLst>
-          </p:cNvPr>
-          <p:cNvSpPr>
-            <a:spLocks noGrp="1"/>
-          </p:cNvSpPr>
+            <a:r>
+              <a:rPr lang="cs-CZ" dirty="0"/>
+              <a:t>Datová schránka</a:t>
+            </a:r>
+          </a:p>
+        </p:txBody>
+      </p:sp>
+      <p:pic>
+        <p:nvPicPr>
+          <p:cNvPr id="7" name="Zástupný obsah 6">
+            <a:extLst>
+              <a:ext uri="{FF2B5EF4-FFF2-40B4-BE49-F238E27FC236}">
+                <a16:creationId xmlns:a16="http://schemas.microsoft.com/office/drawing/2014/main" id="{7FC01C92-E72C-6B4A-2918-E63919BFA78A}"/>
+              </a:ext>
+            </a:extLst>
+          </p:cNvPr>
+          <p:cNvPicPr>
+            <a:picLocks noGrp="1" noChangeAspect="1"/>
+          </p:cNvPicPr>
           <p:nvPr>
             <p:ph idx="1"/>
           </p:nvPr>
-        </p:nvSpPr>
-        <p:spPr/>
-        <p:txBody>
-          <a:bodyPr/>
-          <a:lstStyle/>
-          <a:p>
-            <a:endParaRPr lang="cs-CZ"/>
-          </a:p>
-        </p:txBody>
-      </p:sp>
+        </p:nvPicPr>
+        <p:blipFill>
+          <a:blip r:embed="rId2">
+            <a:extLst>
+              <a:ext uri="{28A0092B-C50C-407E-A947-70E740481C1C}">
+                <a14:useLocalDpi xmlns:a14="http://schemas.microsoft.com/office/drawing/2010/main" val="0"/>
+              </a:ext>
+            </a:extLst>
+          </a:blip>
+          <a:stretch>
+            <a:fillRect/>
+          </a:stretch>
+        </p:blipFill>
+        <p:spPr bwMode="auto">
+          <a:xfrm>
+            <a:off x="1649691" y="1411733"/>
+            <a:ext cx="8512404" cy="5289852"/>
+          </a:xfrm>
+          <a:prstGeom prst="rect">
+            <a:avLst/>
+          </a:prstGeom>
+          <a:noFill/>
+          <a:extLst>
+            <a:ext uri="{909E8E84-426E-40DD-AFC4-6F175D3DCCD1}">
+              <a14:hiddenFill xmlns:a14="http://schemas.microsoft.com/office/drawing/2010/main">
+                <a:solidFill>
+                  <a:srgbClr val="FFFFFF"/>
+                </a:solidFill>
+              </a14:hiddenFill>
+            </a:ext>
+          </a:extLst>
+        </p:spPr>
+      </p:pic>
     </p:spTree>
     <p:extLst>
       <p:ext uri="{BB962C8B-B14F-4D97-AF65-F5344CB8AC3E}">
@@ -6371,6 +7780,14 @@
 <file path=ppt/slides/slide14.xml><?xml version="1.0" encoding="utf-8"?>
 <p:sld xmlns:a="http://schemas.openxmlformats.org/drawingml/2006/main" xmlns:r="http://schemas.openxmlformats.org/officeDocument/2006/relationships" xmlns:p="http://schemas.openxmlformats.org/presentationml/2006/main">
   <p:cSld>
+    <p:bg>
+      <p:bgPr>
+        <a:solidFill>
+          <a:schemeClr val="bg1"/>
+        </a:solidFill>
+        <a:effectLst/>
+      </p:bgPr>
+    </p:bg>
     <p:spTree>
       <p:nvGrpSpPr>
         <p:cNvPr id="1" name=""/>
@@ -6385,6 +7802,295 @@
           <a:chExt cx="0" cy="0"/>
         </a:xfrm>
       </p:grpSpPr>
+      <p:sp useBgFill="1">
+        <p:nvSpPr>
+          <p:cNvPr id="1031" name="Rectangle 1030">
+            <a:extLst>
+              <a:ext uri="{FF2B5EF4-FFF2-40B4-BE49-F238E27FC236}">
+                <a16:creationId xmlns:a16="http://schemas.microsoft.com/office/drawing/2014/main" id="{4AB8125F-0FD8-48CD-9F43-73E5494EA774}"/>
+              </a:ext>
+              <a:ext uri="{C183D7F6-B498-43B3-948B-1728B52AA6E4}">
+                <adec:decorative xmlns:adec="http://schemas.microsoft.com/office/drawing/2017/decorative" val="1"/>
+              </a:ext>
+            </a:extLst>
+          </p:cNvPr>
+          <p:cNvSpPr>
+            <a:spLocks noGrp="1" noRot="1" noChangeAspect="1" noMove="1" noResize="1" noEditPoints="1" noAdjustHandles="1" noChangeArrowheads="1" noChangeShapeType="1" noTextEdit="1"/>
+          </p:cNvSpPr>
+          <p:nvPr>
+            <p:extLst>
+              <p:ext uri="{386F3935-93C4-4BCD-93E2-E3B085C9AB24}">
+                <p16:designElem xmlns:p16="http://schemas.microsoft.com/office/powerpoint/2015/main" val="1"/>
+              </p:ext>
+            </p:extLst>
+          </p:nvPr>
+        </p:nvSpPr>
+        <p:spPr>
+          <a:xfrm>
+            <a:off x="3048" y="0"/>
+            <a:ext cx="12188952" cy="6858000"/>
+          </a:xfrm>
+          <a:prstGeom prst="rect">
+            <a:avLst/>
+          </a:prstGeom>
+          <a:ln>
+            <a:noFill/>
+          </a:ln>
+        </p:spPr>
+        <p:style>
+          <a:lnRef idx="2">
+            <a:schemeClr val="accent1">
+              <a:shade val="50000"/>
+            </a:schemeClr>
+          </a:lnRef>
+          <a:fillRef idx="1">
+            <a:schemeClr val="accent1"/>
+          </a:fillRef>
+          <a:effectRef idx="0">
+            <a:schemeClr val="accent1"/>
+          </a:effectRef>
+          <a:fontRef idx="minor">
+            <a:schemeClr val="lt1"/>
+          </a:fontRef>
+        </p:style>
+        <p:txBody>
+          <a:bodyPr rtlCol="0" anchor="ctr"/>
+          <a:lstStyle/>
+          <a:p>
+            <a:pPr algn="ctr"/>
+            <a:endParaRPr lang="en-US">
+              <a:solidFill>
+                <a:schemeClr val="tx1">
+                  <a:lumMod val="65000"/>
+                  <a:lumOff val="35000"/>
+                </a:schemeClr>
+              </a:solidFill>
+              <a:latin typeface="AvenirNext LT Pro Medium" panose="020B0504020202020204" pitchFamily="34" charset="0"/>
+            </a:endParaRPr>
+          </a:p>
+        </p:txBody>
+      </p:sp>
+      <p:sp>
+        <p:nvSpPr>
+          <p:cNvPr id="1033" name="Rectangle 1032">
+            <a:extLst>
+              <a:ext uri="{FF2B5EF4-FFF2-40B4-BE49-F238E27FC236}">
+                <a16:creationId xmlns:a16="http://schemas.microsoft.com/office/drawing/2014/main" id="{0019DD6C-5899-4C07-864B-EB0A7D104ACF}"/>
+              </a:ext>
+              <a:ext uri="{C183D7F6-B498-43B3-948B-1728B52AA6E4}">
+                <adec:decorative xmlns:adec="http://schemas.microsoft.com/office/drawing/2017/decorative" val="1"/>
+              </a:ext>
+            </a:extLst>
+          </p:cNvPr>
+          <p:cNvSpPr>
+            <a:spLocks noGrp="1" noRot="1" noChangeAspect="1" noMove="1" noResize="1" noEditPoints="1" noAdjustHandles="1" noChangeArrowheads="1" noChangeShapeType="1" noTextEdit="1"/>
+          </p:cNvSpPr>
+          <p:nvPr>
+            <p:extLst>
+              <p:ext uri="{386F3935-93C4-4BCD-93E2-E3B085C9AB24}">
+                <p16:designElem xmlns:p16="http://schemas.microsoft.com/office/powerpoint/2015/main" val="1"/>
+              </p:ext>
+            </p:extLst>
+          </p:nvPr>
+        </p:nvSpPr>
+        <p:spPr>
+          <a:xfrm>
+            <a:off x="3048" y="0"/>
+            <a:ext cx="12188952" cy="6858000"/>
+          </a:xfrm>
+          <a:prstGeom prst="rect">
+            <a:avLst/>
+          </a:prstGeom>
+          <a:solidFill>
+            <a:schemeClr val="bg2">
+              <a:alpha val="70000"/>
+            </a:schemeClr>
+          </a:solidFill>
+          <a:ln>
+            <a:noFill/>
+          </a:ln>
+        </p:spPr>
+        <p:style>
+          <a:lnRef idx="2">
+            <a:schemeClr val="accent1">
+              <a:shade val="50000"/>
+            </a:schemeClr>
+          </a:lnRef>
+          <a:fillRef idx="1">
+            <a:schemeClr val="accent1"/>
+          </a:fillRef>
+          <a:effectRef idx="0">
+            <a:schemeClr val="accent1"/>
+          </a:effectRef>
+          <a:fontRef idx="minor">
+            <a:schemeClr val="lt1"/>
+          </a:fontRef>
+        </p:style>
+        <p:txBody>
+          <a:bodyPr rtlCol="0" anchor="ctr"/>
+          <a:lstStyle/>
+          <a:p>
+            <a:pPr algn="ctr"/>
+            <a:endParaRPr lang="en-US">
+              <a:solidFill>
+                <a:schemeClr val="tx1">
+                  <a:lumMod val="65000"/>
+                  <a:lumOff val="35000"/>
+                </a:schemeClr>
+              </a:solidFill>
+              <a:latin typeface="AvenirNext LT Pro Medium" panose="020B0504020202020204" pitchFamily="34" charset="0"/>
+            </a:endParaRPr>
+          </a:p>
+        </p:txBody>
+      </p:sp>
+      <p:sp>
+        <p:nvSpPr>
+          <p:cNvPr id="1035" name="Rectangle 1034">
+            <a:extLst>
+              <a:ext uri="{FF2B5EF4-FFF2-40B4-BE49-F238E27FC236}">
+                <a16:creationId xmlns:a16="http://schemas.microsoft.com/office/drawing/2014/main" id="{EBDFFBC1-15BD-428E-B8AF-ECF5D1B76DEB}"/>
+              </a:ext>
+              <a:ext uri="{C183D7F6-B498-43B3-948B-1728B52AA6E4}">
+                <adec:decorative xmlns:adec="http://schemas.microsoft.com/office/drawing/2017/decorative" val="1"/>
+              </a:ext>
+            </a:extLst>
+          </p:cNvPr>
+          <p:cNvSpPr>
+            <a:spLocks noGrp="1" noRot="1" noChangeAspect="1" noMove="1" noResize="1" noEditPoints="1" noAdjustHandles="1" noChangeArrowheads="1" noChangeShapeType="1" noTextEdit="1"/>
+          </p:cNvSpPr>
+          <p:nvPr>
+            <p:extLst>
+              <p:ext uri="{386F3935-93C4-4BCD-93E2-E3B085C9AB24}">
+                <p16:designElem xmlns:p16="http://schemas.microsoft.com/office/powerpoint/2015/main" val="1"/>
+              </p:ext>
+            </p:extLst>
+          </p:nvPr>
+        </p:nvSpPr>
+        <p:spPr>
+          <a:xfrm>
+            <a:off x="0" y="-151"/>
+            <a:ext cx="12192000" cy="2217680"/>
+          </a:xfrm>
+          <a:prstGeom prst="rect">
+            <a:avLst/>
+          </a:prstGeom>
+          <a:solidFill>
+            <a:schemeClr val="tx2">
+              <a:lumMod val="90000"/>
+              <a:lumOff val="10000"/>
+            </a:schemeClr>
+          </a:solidFill>
+          <a:ln>
+            <a:noFill/>
+          </a:ln>
+        </p:spPr>
+        <p:style>
+          <a:lnRef idx="2">
+            <a:schemeClr val="accent1">
+              <a:shade val="50000"/>
+            </a:schemeClr>
+          </a:lnRef>
+          <a:fillRef idx="1">
+            <a:schemeClr val="accent1"/>
+          </a:fillRef>
+          <a:effectRef idx="0">
+            <a:schemeClr val="accent1"/>
+          </a:effectRef>
+          <a:fontRef idx="minor">
+            <a:schemeClr val="lt1"/>
+          </a:fontRef>
+        </p:style>
+        <p:txBody>
+          <a:bodyPr rtlCol="0" anchor="ctr"/>
+          <a:lstStyle/>
+          <a:p>
+            <a:pPr algn="ctr"/>
+            <a:endParaRPr lang="en-US" dirty="0">
+              <a:solidFill>
+                <a:schemeClr val="tx1">
+                  <a:lumMod val="65000"/>
+                  <a:lumOff val="35000"/>
+                </a:schemeClr>
+              </a:solidFill>
+              <a:latin typeface="AvenirNext LT Pro Medium" panose="020B0504020202020204" pitchFamily="34" charset="0"/>
+            </a:endParaRPr>
+          </a:p>
+        </p:txBody>
+      </p:sp>
+      <p:sp>
+        <p:nvSpPr>
+          <p:cNvPr id="1037" name="Rectangle 1036">
+            <a:extLst>
+              <a:ext uri="{FF2B5EF4-FFF2-40B4-BE49-F238E27FC236}">
+                <a16:creationId xmlns:a16="http://schemas.microsoft.com/office/drawing/2014/main" id="{EBFB3075-0323-4EB0-B1A5-776A0E709CEF}"/>
+              </a:ext>
+              <a:ext uri="{C183D7F6-B498-43B3-948B-1728B52AA6E4}">
+                <adec:decorative xmlns:adec="http://schemas.microsoft.com/office/drawing/2017/decorative" val="1"/>
+              </a:ext>
+            </a:extLst>
+          </p:cNvPr>
+          <p:cNvSpPr>
+            <a:spLocks noGrp="1" noRot="1" noChangeAspect="1" noMove="1" noResize="1" noEditPoints="1" noAdjustHandles="1" noChangeArrowheads="1" noChangeShapeType="1" noTextEdit="1"/>
+          </p:cNvSpPr>
+          <p:nvPr>
+            <p:extLst>
+              <p:ext uri="{386F3935-93C4-4BCD-93E2-E3B085C9AB24}">
+                <p16:designElem xmlns:p16="http://schemas.microsoft.com/office/powerpoint/2015/main" val="1"/>
+              </p:ext>
+            </p:extLst>
+          </p:nvPr>
+        </p:nvSpPr>
+        <p:spPr>
+          <a:xfrm rot="10800000">
+            <a:off x="0" y="-1"/>
+            <a:ext cx="12191999" cy="2224386"/>
+          </a:xfrm>
+          <a:prstGeom prst="rect">
+            <a:avLst/>
+          </a:prstGeom>
+          <a:blipFill dpi="0" rotWithShape="1">
+            <a:blip r:embed="rId3">
+              <a:alphaModFix amt="20000"/>
+              <a:duotone>
+                <a:schemeClr val="accent1">
+                  <a:shade val="45000"/>
+                  <a:satMod val="135000"/>
+                </a:schemeClr>
+                <a:prstClr val="white"/>
+              </a:duotone>
+            </a:blip>
+            <a:srcRect/>
+            <a:tile tx="889000" ty="0" sx="100000" sy="100000" flip="none" algn="tl"/>
+          </a:blipFill>
+          <a:ln>
+            <a:noFill/>
+          </a:ln>
+        </p:spPr>
+        <p:style>
+          <a:lnRef idx="2">
+            <a:schemeClr val="accent1">
+              <a:shade val="50000"/>
+            </a:schemeClr>
+          </a:lnRef>
+          <a:fillRef idx="1">
+            <a:schemeClr val="accent1"/>
+          </a:fillRef>
+          <a:effectRef idx="0">
+            <a:schemeClr val="accent1"/>
+          </a:effectRef>
+          <a:fontRef idx="minor">
+            <a:schemeClr val="lt1"/>
+          </a:fontRef>
+        </p:style>
+        <p:txBody>
+          <a:bodyPr rtlCol="0" anchor="ctr"/>
+          <a:lstStyle/>
+          <a:p>
+            <a:pPr algn="ctr"/>
+            <a:endParaRPr lang="en-US" dirty="0"/>
+          </a:p>
+        </p:txBody>
+      </p:sp>
       <p:sp>
         <p:nvSpPr>
           <p:cNvPr id="2" name="Nadpis 1">
@@ -6401,12 +8107,23 @@
             <p:ph type="title"/>
           </p:nvPr>
         </p:nvSpPr>
-        <p:spPr/>
-        <p:txBody>
-          <a:bodyPr/>
-          <a:lstStyle/>
-          <a:p>
-            <a:endParaRPr lang="cs-CZ"/>
+        <p:spPr>
+          <a:xfrm>
+            <a:off x="838200" y="381000"/>
+            <a:ext cx="10003218" cy="1600124"/>
+          </a:xfrm>
+        </p:spPr>
+        <p:txBody>
+          <a:bodyPr>
+            <a:normAutofit/>
+          </a:bodyPr>
+          <a:lstStyle/>
+          <a:p>
+            <a:r>
+              <a:rPr lang="cs-CZ"/>
+              <a:t>eIdas</a:t>
+            </a:r>
+            <a:endParaRPr lang="cs-CZ" dirty="0"/>
           </a:p>
         </p:txBody>
       </p:sp>
@@ -6426,15 +8143,121 @@
             <p:ph idx="1"/>
           </p:nvPr>
         </p:nvSpPr>
-        <p:spPr/>
-        <p:txBody>
-          <a:bodyPr/>
-          <a:lstStyle/>
-          <a:p>
-            <a:endParaRPr lang="cs-CZ"/>
-          </a:p>
-        </p:txBody>
-      </p:sp>
+        <p:spPr>
+          <a:xfrm>
+            <a:off x="838200" y="2745362"/>
+            <a:ext cx="4800600" cy="3552824"/>
+          </a:xfrm>
+        </p:spPr>
+        <p:txBody>
+          <a:bodyPr anchor="ctr">
+            <a:normAutofit/>
+          </a:bodyPr>
+          <a:lstStyle/>
+          <a:p>
+            <a:r>
+              <a:rPr lang="cs-CZ" sz="1800">
+                <a:solidFill>
+                  <a:schemeClr val="tx1"/>
+                </a:solidFill>
+              </a:rPr>
+              <a:t>Nařízení EU</a:t>
+            </a:r>
+          </a:p>
+          <a:p>
+            <a:r>
+              <a:rPr lang="cs-CZ" sz="1800">
+                <a:solidFill>
+                  <a:schemeClr val="tx1"/>
+                </a:solidFill>
+              </a:rPr>
+              <a:t>Elektrické podpisy</a:t>
+            </a:r>
+          </a:p>
+          <a:p>
+            <a:r>
+              <a:rPr lang="cs-CZ" sz="1800">
+                <a:solidFill>
+                  <a:schemeClr val="tx1"/>
+                </a:solidFill>
+              </a:rPr>
+              <a:t> 2 zaležitosti kterých se týká eIdas:</a:t>
+            </a:r>
+          </a:p>
+          <a:p>
+            <a:pPr marL="0" indent="0">
+              <a:buNone/>
+            </a:pPr>
+            <a:r>
+              <a:rPr lang="cs-CZ" sz="1800">
+                <a:solidFill>
+                  <a:schemeClr val="tx1"/>
+                </a:solidFill>
+              </a:rPr>
+              <a:t>   1. Systém elektronické identifikace</a:t>
+            </a:r>
+          </a:p>
+          <a:p>
+            <a:pPr marL="0" indent="0">
+              <a:buNone/>
+            </a:pPr>
+            <a:r>
+              <a:rPr lang="cs-CZ" sz="1800">
+                <a:solidFill>
+                  <a:schemeClr val="tx1"/>
+                </a:solidFill>
+              </a:rPr>
+              <a:t>    2.Služeby vytvářející důvěru</a:t>
+            </a:r>
+          </a:p>
+        </p:txBody>
+      </p:sp>
+      <p:pic>
+        <p:nvPicPr>
+          <p:cNvPr id="1026" name="Picture 2" descr="eIDAS-regulation trust services and eID – IDENTT Verification Systems">
+            <a:extLst>
+              <a:ext uri="{FF2B5EF4-FFF2-40B4-BE49-F238E27FC236}">
+                <a16:creationId xmlns:a16="http://schemas.microsoft.com/office/drawing/2014/main" id="{42BC89C0-8C35-809B-6C2E-3E361B4F7FFA}"/>
+              </a:ext>
+            </a:extLst>
+          </p:cNvPr>
+          <p:cNvPicPr>
+            <a:picLocks noChangeAspect="1" noChangeArrowheads="1"/>
+          </p:cNvPicPr>
+          <p:nvPr/>
+        </p:nvPicPr>
+        <p:blipFill>
+          <a:blip r:embed="rId4">
+            <a:extLst>
+              <a:ext uri="{28A0092B-C50C-407E-A947-70E740481C1C}">
+                <a14:useLocalDpi xmlns:a14="http://schemas.microsoft.com/office/drawing/2010/main" val="0"/>
+              </a:ext>
+            </a:extLst>
+          </a:blip>
+          <a:stretch>
+            <a:fillRect/>
+          </a:stretch>
+        </p:blipFill>
+        <p:spPr bwMode="auto">
+          <a:xfrm>
+            <a:off x="5996628" y="2957758"/>
+            <a:ext cx="5585772" cy="3128032"/>
+          </a:xfrm>
+          <a:prstGeom prst="rect">
+            <a:avLst/>
+          </a:prstGeom>
+          <a:noFill/>
+          <a:extLst>
+            <a:ext uri="{909E8E84-426E-40DD-AFC4-6F175D3DCCD1}">
+              <a14:hiddenFill xmlns:a14="http://schemas.microsoft.com/office/drawing/2010/main">
+                <a:solidFill>
+                  <a:srgbClr val="FFFFFF"/>
+                </a:solidFill>
+              </a14:hiddenFill>
+            </a:ext>
+          </a:extLst>
+        </p:spPr>
+      </p:pic>
     </p:spTree>
     <p:extLst>
       <p:ext uri="{BB962C8B-B14F-4D97-AF65-F5344CB8AC3E}">
@@ -6451,6 +8274,14 @@
 <file path=ppt/slides/slide15.xml><?xml version="1.0" encoding="utf-8"?>
 <p:sld xmlns:a="http://schemas.openxmlformats.org/drawingml/2006/main" xmlns:r="http://schemas.openxmlformats.org/officeDocument/2006/relationships" xmlns:p="http://schemas.openxmlformats.org/presentationml/2006/main">
   <p:cSld>
+    <p:bg>
+      <p:bgPr>
+        <a:solidFill>
+          <a:schemeClr val="bg1"/>
+        </a:solidFill>
+        <a:effectLst/>
+      </p:bgPr>
+    </p:bg>
     <p:spTree>
       <p:nvGrpSpPr>
         <p:cNvPr id="1" name=""/>
@@ -6465,6 +8296,295 @@
           <a:chExt cx="0" cy="0"/>
         </a:xfrm>
       </p:grpSpPr>
+      <p:sp useBgFill="1">
+        <p:nvSpPr>
+          <p:cNvPr id="9" name="Rectangle 8">
+            <a:extLst>
+              <a:ext uri="{FF2B5EF4-FFF2-40B4-BE49-F238E27FC236}">
+                <a16:creationId xmlns:a16="http://schemas.microsoft.com/office/drawing/2014/main" id="{4AB8125F-0FD8-48CD-9F43-73E5494EA774}"/>
+              </a:ext>
+              <a:ext uri="{C183D7F6-B498-43B3-948B-1728B52AA6E4}">
+                <adec:decorative xmlns:adec="http://schemas.microsoft.com/office/drawing/2017/decorative" val="1"/>
+              </a:ext>
+            </a:extLst>
+          </p:cNvPr>
+          <p:cNvSpPr>
+            <a:spLocks noGrp="1" noRot="1" noChangeAspect="1" noMove="1" noResize="1" noEditPoints="1" noAdjustHandles="1" noChangeArrowheads="1" noChangeShapeType="1" noTextEdit="1"/>
+          </p:cNvSpPr>
+          <p:nvPr>
+            <p:extLst>
+              <p:ext uri="{386F3935-93C4-4BCD-93E2-E3B085C9AB24}">
+                <p16:designElem xmlns:p16="http://schemas.microsoft.com/office/powerpoint/2015/main" val="1"/>
+              </p:ext>
+            </p:extLst>
+          </p:nvPr>
+        </p:nvSpPr>
+        <p:spPr>
+          <a:xfrm>
+            <a:off x="3048" y="0"/>
+            <a:ext cx="12188952" cy="6858000"/>
+          </a:xfrm>
+          <a:prstGeom prst="rect">
+            <a:avLst/>
+          </a:prstGeom>
+          <a:ln>
+            <a:noFill/>
+          </a:ln>
+        </p:spPr>
+        <p:style>
+          <a:lnRef idx="2">
+            <a:schemeClr val="accent1">
+              <a:shade val="50000"/>
+            </a:schemeClr>
+          </a:lnRef>
+          <a:fillRef idx="1">
+            <a:schemeClr val="accent1"/>
+          </a:fillRef>
+          <a:effectRef idx="0">
+            <a:schemeClr val="accent1"/>
+          </a:effectRef>
+          <a:fontRef idx="minor">
+            <a:schemeClr val="lt1"/>
+          </a:fontRef>
+        </p:style>
+        <p:txBody>
+          <a:bodyPr rtlCol="0" anchor="ctr"/>
+          <a:lstStyle/>
+          <a:p>
+            <a:pPr algn="ctr"/>
+            <a:endParaRPr lang="en-US">
+              <a:solidFill>
+                <a:schemeClr val="tx1">
+                  <a:lumMod val="65000"/>
+                  <a:lumOff val="35000"/>
+                </a:schemeClr>
+              </a:solidFill>
+              <a:latin typeface="AvenirNext LT Pro Medium" panose="020B0504020202020204" pitchFamily="34" charset="0"/>
+            </a:endParaRPr>
+          </a:p>
+        </p:txBody>
+      </p:sp>
+      <p:sp>
+        <p:nvSpPr>
+          <p:cNvPr id="11" name="Rectangle 10">
+            <a:extLst>
+              <a:ext uri="{FF2B5EF4-FFF2-40B4-BE49-F238E27FC236}">
+                <a16:creationId xmlns:a16="http://schemas.microsoft.com/office/drawing/2014/main" id="{0019DD6C-5899-4C07-864B-EB0A7D104ACF}"/>
+              </a:ext>
+              <a:ext uri="{C183D7F6-B498-43B3-948B-1728B52AA6E4}">
+                <adec:decorative xmlns:adec="http://schemas.microsoft.com/office/drawing/2017/decorative" val="1"/>
+              </a:ext>
+            </a:extLst>
+          </p:cNvPr>
+          <p:cNvSpPr>
+            <a:spLocks noGrp="1" noRot="1" noChangeAspect="1" noMove="1" noResize="1" noEditPoints="1" noAdjustHandles="1" noChangeArrowheads="1" noChangeShapeType="1" noTextEdit="1"/>
+          </p:cNvSpPr>
+          <p:nvPr>
+            <p:extLst>
+              <p:ext uri="{386F3935-93C4-4BCD-93E2-E3B085C9AB24}">
+                <p16:designElem xmlns:p16="http://schemas.microsoft.com/office/powerpoint/2015/main" val="1"/>
+              </p:ext>
+            </p:extLst>
+          </p:nvPr>
+        </p:nvSpPr>
+        <p:spPr>
+          <a:xfrm>
+            <a:off x="3048" y="0"/>
+            <a:ext cx="12188952" cy="6858000"/>
+          </a:xfrm>
+          <a:prstGeom prst="rect">
+            <a:avLst/>
+          </a:prstGeom>
+          <a:solidFill>
+            <a:schemeClr val="bg2">
+              <a:alpha val="70000"/>
+            </a:schemeClr>
+          </a:solidFill>
+          <a:ln>
+            <a:noFill/>
+          </a:ln>
+        </p:spPr>
+        <p:style>
+          <a:lnRef idx="2">
+            <a:schemeClr val="accent1">
+              <a:shade val="50000"/>
+            </a:schemeClr>
+          </a:lnRef>
+          <a:fillRef idx="1">
+            <a:schemeClr val="accent1"/>
+          </a:fillRef>
+          <a:effectRef idx="0">
+            <a:schemeClr val="accent1"/>
+          </a:effectRef>
+          <a:fontRef idx="minor">
+            <a:schemeClr val="lt1"/>
+          </a:fontRef>
+        </p:style>
+        <p:txBody>
+          <a:bodyPr rtlCol="0" anchor="ctr"/>
+          <a:lstStyle/>
+          <a:p>
+            <a:pPr algn="ctr"/>
+            <a:endParaRPr lang="en-US">
+              <a:solidFill>
+                <a:schemeClr val="tx1">
+                  <a:lumMod val="65000"/>
+                  <a:lumOff val="35000"/>
+                </a:schemeClr>
+              </a:solidFill>
+              <a:latin typeface="AvenirNext LT Pro Medium" panose="020B0504020202020204" pitchFamily="34" charset="0"/>
+            </a:endParaRPr>
+          </a:p>
+        </p:txBody>
+      </p:sp>
+      <p:sp>
+        <p:nvSpPr>
+          <p:cNvPr id="13" name="Rectangle 12">
+            <a:extLst>
+              <a:ext uri="{FF2B5EF4-FFF2-40B4-BE49-F238E27FC236}">
+                <a16:creationId xmlns:a16="http://schemas.microsoft.com/office/drawing/2014/main" id="{EBDFFBC1-15BD-428E-B8AF-ECF5D1B76DEB}"/>
+              </a:ext>
+              <a:ext uri="{C183D7F6-B498-43B3-948B-1728B52AA6E4}">
+                <adec:decorative xmlns:adec="http://schemas.microsoft.com/office/drawing/2017/decorative" val="1"/>
+              </a:ext>
+            </a:extLst>
+          </p:cNvPr>
+          <p:cNvSpPr>
+            <a:spLocks noGrp="1" noRot="1" noChangeAspect="1" noMove="1" noResize="1" noEditPoints="1" noAdjustHandles="1" noChangeArrowheads="1" noChangeShapeType="1" noTextEdit="1"/>
+          </p:cNvSpPr>
+          <p:nvPr>
+            <p:extLst>
+              <p:ext uri="{386F3935-93C4-4BCD-93E2-E3B085C9AB24}">
+                <p16:designElem xmlns:p16="http://schemas.microsoft.com/office/powerpoint/2015/main" val="1"/>
+              </p:ext>
+            </p:extLst>
+          </p:nvPr>
+        </p:nvSpPr>
+        <p:spPr>
+          <a:xfrm>
+            <a:off x="0" y="-151"/>
+            <a:ext cx="12192000" cy="2217680"/>
+          </a:xfrm>
+          <a:prstGeom prst="rect">
+            <a:avLst/>
+          </a:prstGeom>
+          <a:solidFill>
+            <a:schemeClr val="tx2">
+              <a:lumMod val="90000"/>
+              <a:lumOff val="10000"/>
+            </a:schemeClr>
+          </a:solidFill>
+          <a:ln>
+            <a:noFill/>
+          </a:ln>
+        </p:spPr>
+        <p:style>
+          <a:lnRef idx="2">
+            <a:schemeClr val="accent1">
+              <a:shade val="50000"/>
+            </a:schemeClr>
+          </a:lnRef>
+          <a:fillRef idx="1">
+            <a:schemeClr val="accent1"/>
+          </a:fillRef>
+          <a:effectRef idx="0">
+            <a:schemeClr val="accent1"/>
+          </a:effectRef>
+          <a:fontRef idx="minor">
+            <a:schemeClr val="lt1"/>
+          </a:fontRef>
+        </p:style>
+        <p:txBody>
+          <a:bodyPr rtlCol="0" anchor="ctr"/>
+          <a:lstStyle/>
+          <a:p>
+            <a:pPr algn="ctr"/>
+            <a:endParaRPr lang="en-US" dirty="0">
+              <a:solidFill>
+                <a:schemeClr val="tx1">
+                  <a:lumMod val="65000"/>
+                  <a:lumOff val="35000"/>
+                </a:schemeClr>
+              </a:solidFill>
+              <a:latin typeface="AvenirNext LT Pro Medium" panose="020B0504020202020204" pitchFamily="34" charset="0"/>
+            </a:endParaRPr>
+          </a:p>
+        </p:txBody>
+      </p:sp>
+      <p:sp>
+        <p:nvSpPr>
+          <p:cNvPr id="15" name="Rectangle 14">
+            <a:extLst>
+              <a:ext uri="{FF2B5EF4-FFF2-40B4-BE49-F238E27FC236}">
+                <a16:creationId xmlns:a16="http://schemas.microsoft.com/office/drawing/2014/main" id="{EBFB3075-0323-4EB0-B1A5-776A0E709CEF}"/>
+              </a:ext>
+              <a:ext uri="{C183D7F6-B498-43B3-948B-1728B52AA6E4}">
+                <adec:decorative xmlns:adec="http://schemas.microsoft.com/office/drawing/2017/decorative" val="1"/>
+              </a:ext>
+            </a:extLst>
+          </p:cNvPr>
+          <p:cNvSpPr>
+            <a:spLocks noGrp="1" noRot="1" noChangeAspect="1" noMove="1" noResize="1" noEditPoints="1" noAdjustHandles="1" noChangeArrowheads="1" noChangeShapeType="1" noTextEdit="1"/>
+          </p:cNvSpPr>
+          <p:nvPr>
+            <p:extLst>
+              <p:ext uri="{386F3935-93C4-4BCD-93E2-E3B085C9AB24}">
+                <p16:designElem xmlns:p16="http://schemas.microsoft.com/office/powerpoint/2015/main" val="1"/>
+              </p:ext>
+            </p:extLst>
+          </p:nvPr>
+        </p:nvSpPr>
+        <p:spPr>
+          <a:xfrm rot="10800000">
+            <a:off x="0" y="-1"/>
+            <a:ext cx="12191999" cy="2224386"/>
+          </a:xfrm>
+          <a:prstGeom prst="rect">
+            <a:avLst/>
+          </a:prstGeom>
+          <a:blipFill dpi="0" rotWithShape="1">
+            <a:blip r:embed="rId3">
+              <a:alphaModFix amt="20000"/>
+              <a:duotone>
+                <a:schemeClr val="accent1">
+                  <a:shade val="45000"/>
+                  <a:satMod val="135000"/>
+                </a:schemeClr>
+                <a:prstClr val="white"/>
+              </a:duotone>
+            </a:blip>
+            <a:srcRect/>
+            <a:tile tx="889000" ty="0" sx="100000" sy="100000" flip="none" algn="tl"/>
+          </a:blipFill>
+          <a:ln>
+            <a:noFill/>
+          </a:ln>
+        </p:spPr>
+        <p:style>
+          <a:lnRef idx="2">
+            <a:schemeClr val="accent1">
+              <a:shade val="50000"/>
+            </a:schemeClr>
+          </a:lnRef>
+          <a:fillRef idx="1">
+            <a:schemeClr val="accent1"/>
+          </a:fillRef>
+          <a:effectRef idx="0">
+            <a:schemeClr val="accent1"/>
+          </a:effectRef>
+          <a:fontRef idx="minor">
+            <a:schemeClr val="lt1"/>
+          </a:fontRef>
+        </p:style>
+        <p:txBody>
+          <a:bodyPr rtlCol="0" anchor="ctr"/>
+          <a:lstStyle/>
+          <a:p>
+            <a:pPr algn="ctr"/>
+            <a:endParaRPr lang="en-US" dirty="0"/>
+          </a:p>
+        </p:txBody>
+      </p:sp>
       <p:sp>
         <p:nvSpPr>
           <p:cNvPr id="2" name="Nadpis 1">
@@ -6481,12 +8601,22 @@
             <p:ph type="title"/>
           </p:nvPr>
         </p:nvSpPr>
-        <p:spPr/>
-        <p:txBody>
-          <a:bodyPr/>
-          <a:lstStyle/>
-          <a:p>
-            <a:endParaRPr lang="cs-CZ"/>
+        <p:spPr>
+          <a:xfrm>
+            <a:off x="838200" y="381000"/>
+            <a:ext cx="10003218" cy="1600124"/>
+          </a:xfrm>
+        </p:spPr>
+        <p:txBody>
+          <a:bodyPr>
+            <a:normAutofit/>
+          </a:bodyPr>
+          <a:lstStyle/>
+          <a:p>
+            <a:r>
+              <a:rPr lang="cs-CZ" dirty="0"/>
+              <a:t>Další portály</a:t>
+            </a:r>
           </a:p>
         </p:txBody>
       </p:sp>
@@ -6506,15 +8636,95 @@
             <p:ph idx="1"/>
           </p:nvPr>
         </p:nvSpPr>
-        <p:spPr/>
-        <p:txBody>
-          <a:bodyPr/>
-          <a:lstStyle/>
-          <a:p>
-            <a:endParaRPr lang="cs-CZ"/>
-          </a:p>
-        </p:txBody>
-      </p:sp>
+        <p:spPr>
+          <a:xfrm>
+            <a:off x="838200" y="2745362"/>
+            <a:ext cx="4800600" cy="3552824"/>
+          </a:xfrm>
+        </p:spPr>
+        <p:txBody>
+          <a:bodyPr anchor="ctr">
+            <a:normAutofit/>
+          </a:bodyPr>
+          <a:lstStyle/>
+          <a:p>
+            <a:r>
+              <a:rPr lang="cs-CZ" sz="1800">
+                <a:solidFill>
+                  <a:schemeClr val="tx1"/>
+                </a:solidFill>
+              </a:rPr>
+              <a:t>Veřejná správa</a:t>
+            </a:r>
+          </a:p>
+          <a:p>
+            <a:r>
+              <a:rPr lang="cs-CZ" sz="1800">
+                <a:solidFill>
+                  <a:schemeClr val="tx1"/>
+                </a:solidFill>
+              </a:rPr>
+              <a:t>Práce v ČR</a:t>
+            </a:r>
+          </a:p>
+          <a:p>
+            <a:r>
+              <a:rPr lang="cs-CZ" sz="1800">
+                <a:solidFill>
+                  <a:schemeClr val="tx1"/>
+                </a:solidFill>
+              </a:rPr>
+              <a:t>Osoby se zdravotním postižením</a:t>
+            </a:r>
+          </a:p>
+        </p:txBody>
+      </p:sp>
+      <p:pic>
+        <p:nvPicPr>
+          <p:cNvPr id="4" name="Picture 2" descr="Úřad práce ČR - kontaktní pracoviště Jirkov - Oficiální stránky města Jirkov">
+            <a:extLst>
+              <a:ext uri="{FF2B5EF4-FFF2-40B4-BE49-F238E27FC236}">
+                <a16:creationId xmlns:a16="http://schemas.microsoft.com/office/drawing/2014/main" id="{E34C4632-426A-4FB8-F3F2-335B6A99175F}"/>
+              </a:ext>
+            </a:extLst>
+          </p:cNvPr>
+          <p:cNvPicPr>
+            <a:picLocks noChangeAspect="1" noChangeArrowheads="1"/>
+          </p:cNvPicPr>
+          <p:nvPr/>
+        </p:nvPicPr>
+        <p:blipFill>
+          <a:blip r:embed="rId4">
+            <a:extLst>
+              <a:ext uri="{28A0092B-C50C-407E-A947-70E740481C1C}">
+                <a14:useLocalDpi xmlns:a14="http://schemas.microsoft.com/office/drawing/2010/main" val="0"/>
+              </a:ext>
+            </a:extLst>
+          </a:blip>
+          <a:stretch>
+            <a:fillRect/>
+          </a:stretch>
+        </p:blipFill>
+        <p:spPr bwMode="auto">
+          <a:xfrm>
+            <a:off x="6408756" y="2745362"/>
+            <a:ext cx="4761516" cy="3552824"/>
+          </a:xfrm>
+          <a:prstGeom prst="rect">
+            <a:avLst/>
+          </a:prstGeom>
+          <a:noFill/>
+          <a:extLst>
+            <a:ext uri="{909E8E84-426E-40DD-AFC4-6F175D3DCCD1}">
+              <a14:hiddenFill xmlns:a14="http://schemas.microsoft.com/office/drawing/2010/main">
+                <a:solidFill>
+                  <a:srgbClr val="FFFFFF"/>
+                </a:solidFill>
+              </a14:hiddenFill>
+            </a:ext>
+          </a:extLst>
+        </p:spPr>
+      </p:pic>
     </p:spTree>
     <p:extLst>
       <p:ext uri="{BB962C8B-B14F-4D97-AF65-F5344CB8AC3E}">
@@ -6566,7 +8776,10 @@
           <a:bodyPr/>
           <a:lstStyle/>
           <a:p>
-            <a:endParaRPr lang="cs-CZ"/>
+            <a:r>
+              <a:rPr lang="cs-CZ" dirty="0"/>
+              <a:t>Další portály</a:t>
+            </a:r>
           </a:p>
         </p:txBody>
       </p:sp>
@@ -6591,7 +8804,22 @@
           <a:bodyPr/>
           <a:lstStyle/>
           <a:p>
-            <a:endParaRPr lang="cs-CZ"/>
+            <a:r>
+              <a:rPr lang="cs-CZ" dirty="0"/>
+              <a:t>Volba povolání </a:t>
+            </a:r>
+          </a:p>
+          <a:p>
+            <a:r>
+              <a:rPr lang="cs-CZ" dirty="0"/>
+              <a:t>Výběr škol a oborů, další vzdělání, stáže</a:t>
+            </a:r>
+          </a:p>
+          <a:p>
+            <a:r>
+              <a:rPr lang="cs-CZ" dirty="0"/>
+              <a:t>Přijímací zkoušky, maturita</a:t>
+            </a:r>
           </a:p>
         </p:txBody>
       </p:sp>
@@ -6630,7 +8858,7 @@
           <p:cNvPr id="2" name="Nadpis 1">
             <a:extLst>
               <a:ext uri="{FF2B5EF4-FFF2-40B4-BE49-F238E27FC236}">
-                <a16:creationId xmlns:a16="http://schemas.microsoft.com/office/drawing/2014/main" id="{DAC5C01B-9CBF-4221-B5FD-BD61A76E30E4}"/>
+                <a16:creationId xmlns:a16="http://schemas.microsoft.com/office/drawing/2014/main" id="{C762E19F-329A-47C3-9C36-54C159349D6C}"/>
               </a:ext>
             </a:extLst>
           </p:cNvPr>
@@ -6646,7 +8874,10 @@
           <a:bodyPr/>
           <a:lstStyle/>
           <a:p>
-            <a:endParaRPr lang="cs-CZ"/>
+            <a:r>
+              <a:rPr lang="cs-CZ" dirty="0"/>
+              <a:t>citace</a:t>
+            </a:r>
           </a:p>
         </p:txBody>
       </p:sp>
@@ -6655,7 +8886,7 @@
           <p:cNvPr id="3" name="Zástupný obsah 2">
             <a:extLst>
               <a:ext uri="{FF2B5EF4-FFF2-40B4-BE49-F238E27FC236}">
-                <a16:creationId xmlns:a16="http://schemas.microsoft.com/office/drawing/2014/main" id="{E4ED5FF2-7E40-4328-89A3-AE7243C8A61C}"/>
+                <a16:creationId xmlns:a16="http://schemas.microsoft.com/office/drawing/2014/main" id="{F96BBD1C-7574-4FCF-A881-EA609BB9D517}"/>
               </a:ext>
             </a:extLst>
           </p:cNvPr>
@@ -6668,17 +8899,516 @@
         </p:nvSpPr>
         <p:spPr/>
         <p:txBody>
-          <a:bodyPr/>
-          <a:lstStyle/>
-          <a:p>
-            <a:endParaRPr lang="cs-CZ"/>
+          <a:bodyPr>
+            <a:normAutofit lnSpcReduction="10000"/>
+          </a:bodyPr>
+          <a:lstStyle/>
+          <a:p>
+            <a:r>
+              <a:rPr lang="cs-CZ" sz="1200" b="0" i="1" dirty="0">
+                <a:effectLst/>
+              </a:rPr>
+              <a:t>Bankovní identita – 5 faktů o </a:t>
+            </a:r>
+            <a:r>
+              <a:rPr lang="cs-CZ" sz="1200" b="0" i="1" dirty="0" err="1">
+                <a:effectLst/>
+              </a:rPr>
+              <a:t>BankID</a:t>
+            </a:r>
+            <a:r>
+              <a:rPr lang="cs-CZ" sz="1200" b="0" i="1" dirty="0">
+                <a:effectLst/>
+              </a:rPr>
+              <a:t>, o kterých jste možná nevěděli - </a:t>
+            </a:r>
+            <a:r>
+              <a:rPr lang="cs-CZ" sz="1200" b="0" i="1" dirty="0" err="1">
+                <a:effectLst/>
+              </a:rPr>
+              <a:t>MoroSystems</a:t>
+            </a:r>
+            <a:r>
+              <a:rPr lang="cs-CZ" sz="1200" b="0" i="1" dirty="0">
+                <a:effectLst/>
+              </a:rPr>
+              <a:t> Blog</a:t>
+            </a:r>
+            <a:r>
+              <a:rPr lang="cs-CZ" sz="1200" b="0" i="0" dirty="0">
+                <a:effectLst/>
+              </a:rPr>
+              <a:t>. (</a:t>
+            </a:r>
+            <a:r>
+              <a:rPr lang="cs-CZ" sz="1200" b="0" i="0" dirty="0" err="1">
+                <a:effectLst/>
+              </a:rPr>
+              <a:t>n.d</a:t>
+            </a:r>
+            <a:r>
+              <a:rPr lang="cs-CZ" sz="1200" b="0" i="0" dirty="0">
+                <a:effectLst/>
+              </a:rPr>
+              <a:t>.). </a:t>
+            </a:r>
+            <a:r>
+              <a:rPr lang="cs-CZ" sz="1200" b="0" i="0" dirty="0" err="1">
+                <a:effectLst/>
+              </a:rPr>
+              <a:t>MoroSystems</a:t>
+            </a:r>
+            <a:r>
+              <a:rPr lang="cs-CZ" sz="1200" b="0" i="0" dirty="0">
+                <a:effectLst/>
+              </a:rPr>
+              <a:t> Blog -.</a:t>
+            </a:r>
+            <a:r>
+              <a:rPr lang="cs-CZ" sz="1200" b="0" i="0" dirty="0">
+                <a:solidFill>
+                  <a:srgbClr val="00B0F0"/>
+                </a:solidFill>
+                <a:effectLst/>
+              </a:rPr>
+              <a:t> </a:t>
+            </a:r>
+            <a:r>
+              <a:rPr lang="cs-CZ" sz="1200" b="0" i="0" u="none" strike="noStrike" dirty="0">
+                <a:solidFill>
+                  <a:srgbClr val="00B0F0"/>
+                </a:solidFill>
+                <a:effectLst/>
+                <a:hlinkClick r:id="rId2">
+                  <a:extLst>
+                    <a:ext uri="{A12FA001-AC4F-418D-AE19-62706E023703}">
+                      <ahyp:hlinkClr xmlns:ahyp="http://schemas.microsoft.com/office/drawing/2018/hyperlinkcolor" val="tx"/>
+                    </a:ext>
+                  </a:extLst>
+                </a:hlinkClick>
+              </a:rPr>
+              <a:t>https://blog.morosystems.cz/2021-02/odborne/bankovni-identita/?gclid=CjwKCAiAzp6eBhByEiwA_gGq5IZJtmOqGbEXki_-uzURo6lk67vM9iCw7Jk9iFupb28Xkg1E9zP30xoCwtUQAvD_BwE</a:t>
+            </a:r>
+            <a:endParaRPr lang="cs-CZ" sz="1200" b="0" i="0" u="none" strike="noStrike" dirty="0">
+              <a:solidFill>
+                <a:srgbClr val="00B0F0"/>
+              </a:solidFill>
+              <a:effectLst/>
+            </a:endParaRPr>
+          </a:p>
+          <a:p>
+            <a:r>
+              <a:rPr lang="cs-CZ" sz="1200" b="0" i="1" dirty="0">
+                <a:effectLst/>
+              </a:rPr>
+              <a:t>gov.cz - Portál veřejné správy</a:t>
+            </a:r>
+            <a:r>
+              <a:rPr lang="cs-CZ" sz="1200" b="0" i="0" dirty="0">
+                <a:effectLst/>
+              </a:rPr>
+              <a:t>. (</a:t>
+            </a:r>
+            <a:r>
+              <a:rPr lang="cs-CZ" sz="1200" b="0" i="0" dirty="0" err="1">
+                <a:effectLst/>
+              </a:rPr>
+              <a:t>n.d</a:t>
+            </a:r>
+            <a:r>
+              <a:rPr lang="cs-CZ" sz="1200" b="0" i="0" dirty="0">
+                <a:effectLst/>
+              </a:rPr>
+              <a:t>.). gov.cz - Portál veřejné správy.</a:t>
+            </a:r>
+            <a:r>
+              <a:rPr lang="cs-CZ" sz="1200" b="0" i="0" dirty="0">
+                <a:solidFill>
+                  <a:srgbClr val="00B0F0"/>
+                </a:solidFill>
+                <a:effectLst/>
+              </a:rPr>
+              <a:t> </a:t>
+            </a:r>
+            <a:r>
+              <a:rPr lang="cs-CZ" sz="1200" b="0" i="0" u="none" strike="noStrike" dirty="0">
+                <a:solidFill>
+                  <a:srgbClr val="00B0F0"/>
+                </a:solidFill>
+                <a:effectLst/>
+                <a:hlinkClick r:id="rId3">
+                  <a:extLst>
+                    <a:ext uri="{A12FA001-AC4F-418D-AE19-62706E023703}">
+                      <ahyp:hlinkClr xmlns:ahyp="http://schemas.microsoft.com/office/drawing/2018/hyperlinkcolor" val="tx"/>
+                    </a:ext>
+                  </a:extLst>
+                </a:hlinkClick>
+              </a:rPr>
+              <a:t>https://portal.gov.cz/rozcestniky/portal-obcana-RZC-108</a:t>
+            </a:r>
+            <a:endParaRPr lang="cs-CZ" sz="1200" b="0" i="0" u="none" strike="noStrike" dirty="0">
+              <a:solidFill>
+                <a:srgbClr val="00B0F0"/>
+              </a:solidFill>
+              <a:effectLst/>
+            </a:endParaRPr>
+          </a:p>
+          <a:p>
+            <a:r>
+              <a:rPr lang="cs-CZ" sz="1200" b="0" i="0" dirty="0">
+                <a:effectLst/>
+              </a:rPr>
+              <a:t>Přispěvatelé projektů </a:t>
+            </a:r>
+            <a:r>
+              <a:rPr lang="cs-CZ" sz="1200" b="0" i="0" dirty="0" err="1">
+                <a:effectLst/>
+              </a:rPr>
+              <a:t>Wikimedia</a:t>
+            </a:r>
+            <a:r>
+              <a:rPr lang="cs-CZ" sz="1200" b="0" i="0" dirty="0">
+                <a:effectLst/>
+              </a:rPr>
+              <a:t>. (2005, July 8). </a:t>
+            </a:r>
+            <a:r>
+              <a:rPr lang="cs-CZ" sz="1200" b="0" i="1" dirty="0">
+                <a:effectLst/>
+              </a:rPr>
+              <a:t>Instant </a:t>
+            </a:r>
+            <a:r>
+              <a:rPr lang="cs-CZ" sz="1200" b="0" i="1" dirty="0" err="1">
+                <a:effectLst/>
+              </a:rPr>
+              <a:t>messaging</a:t>
+            </a:r>
+            <a:r>
+              <a:rPr lang="cs-CZ" sz="1200" b="0" i="1" dirty="0">
+                <a:effectLst/>
+              </a:rPr>
+              <a:t> – Wikipedie</a:t>
+            </a:r>
+            <a:r>
+              <a:rPr lang="cs-CZ" sz="1200" b="0" i="0" dirty="0">
+                <a:effectLst/>
+              </a:rPr>
+              <a:t>. Wikipedie, otevřená encyklopedie.</a:t>
+            </a:r>
+            <a:r>
+              <a:rPr lang="cs-CZ" sz="1200" b="0" i="0" dirty="0">
+                <a:solidFill>
+                  <a:srgbClr val="00B0F0"/>
+                </a:solidFill>
+                <a:effectLst/>
+              </a:rPr>
+              <a:t> </a:t>
+            </a:r>
+            <a:r>
+              <a:rPr lang="cs-CZ" sz="1200" b="0" i="0" u="none" strike="noStrike" dirty="0">
+                <a:solidFill>
+                  <a:srgbClr val="00B0F0"/>
+                </a:solidFill>
+                <a:effectLst/>
+                <a:hlinkClick r:id="rId4">
+                  <a:extLst>
+                    <a:ext uri="{A12FA001-AC4F-418D-AE19-62706E023703}">
+                      <ahyp:hlinkClr xmlns:ahyp="http://schemas.microsoft.com/office/drawing/2018/hyperlinkcolor" val="tx"/>
+                    </a:ext>
+                  </a:extLst>
+                </a:hlinkClick>
+              </a:rPr>
+              <a:t>https://cs.wikipedia.org/wiki/Instant_messaging</a:t>
+            </a:r>
+            <a:endParaRPr lang="cs-CZ" sz="1200" b="0" i="0" u="none" strike="noStrike" dirty="0">
+              <a:solidFill>
+                <a:srgbClr val="00B0F0"/>
+              </a:solidFill>
+              <a:effectLst/>
+            </a:endParaRPr>
+          </a:p>
+          <a:p>
+            <a:r>
+              <a:rPr lang="cs-CZ" sz="1200" b="0" i="0" dirty="0">
+                <a:effectLst/>
+              </a:rPr>
+              <a:t>Přispěvatelé projektů </a:t>
+            </a:r>
+            <a:r>
+              <a:rPr lang="cs-CZ" sz="1200" b="0" i="0" dirty="0" err="1">
+                <a:effectLst/>
+              </a:rPr>
+              <a:t>Wikimedia</a:t>
+            </a:r>
+            <a:r>
+              <a:rPr lang="cs-CZ" sz="1200" b="0" i="0" dirty="0">
+                <a:effectLst/>
+              </a:rPr>
+              <a:t>. (2021, </a:t>
+            </a:r>
+            <a:r>
+              <a:rPr lang="cs-CZ" sz="1200" b="0" i="0" dirty="0" err="1">
+                <a:effectLst/>
+              </a:rPr>
+              <a:t>February</a:t>
+            </a:r>
+            <a:r>
+              <a:rPr lang="cs-CZ" sz="1200" b="0" i="0" dirty="0">
+                <a:effectLst/>
+              </a:rPr>
+              <a:t> 4). </a:t>
+            </a:r>
+            <a:r>
+              <a:rPr lang="cs-CZ" sz="1200" b="0" i="1" dirty="0">
+                <a:effectLst/>
+              </a:rPr>
+              <a:t>Bankovní identita – Wikipedie</a:t>
+            </a:r>
+            <a:r>
+              <a:rPr lang="cs-CZ" sz="1200" b="0" i="0" dirty="0">
+                <a:effectLst/>
+              </a:rPr>
+              <a:t>. Wikipedie, otevřená encyklopedie. </a:t>
+            </a:r>
+            <a:r>
+              <a:rPr lang="cs-CZ" sz="1200" b="0" i="0" u="none" strike="noStrike" dirty="0">
+                <a:solidFill>
+                  <a:srgbClr val="00B0F0"/>
+                </a:solidFill>
+                <a:effectLst/>
+                <a:hlinkClick r:id="rId5">
+                  <a:extLst>
+                    <a:ext uri="{A12FA001-AC4F-418D-AE19-62706E023703}">
+                      <ahyp:hlinkClr xmlns:ahyp="http://schemas.microsoft.com/office/drawing/2018/hyperlinkcolor" val="tx"/>
+                    </a:ext>
+                  </a:extLst>
+                </a:hlinkClick>
+              </a:rPr>
+              <a:t>https://cs.wikipedia.org/wiki/Bankovní_identita#cite_note-1</a:t>
+            </a:r>
+            <a:endParaRPr lang="cs-CZ" sz="1200" dirty="0">
+              <a:solidFill>
+                <a:srgbClr val="00B0F0"/>
+              </a:solidFill>
+            </a:endParaRPr>
+          </a:p>
+          <a:p>
+            <a:r>
+              <a:rPr lang="cs-CZ" sz="1200" b="0" i="0" dirty="0" err="1">
+                <a:effectLst/>
+              </a:rPr>
+              <a:t>řispěvatelé</a:t>
+            </a:r>
+            <a:r>
+              <a:rPr lang="cs-CZ" sz="1200" b="0" i="0" dirty="0">
+                <a:effectLst/>
+              </a:rPr>
+              <a:t> projektů </a:t>
+            </a:r>
+            <a:r>
+              <a:rPr lang="cs-CZ" sz="1200" b="0" i="0" dirty="0" err="1">
+                <a:effectLst/>
+              </a:rPr>
+              <a:t>Wikimedia</a:t>
+            </a:r>
+            <a:r>
+              <a:rPr lang="cs-CZ" sz="1200" b="0" i="0" dirty="0">
+                <a:effectLst/>
+              </a:rPr>
+              <a:t>. (2007, </a:t>
+            </a:r>
+            <a:r>
+              <a:rPr lang="cs-CZ" sz="1200" b="0" i="0" dirty="0" err="1">
+                <a:effectLst/>
+              </a:rPr>
+              <a:t>February</a:t>
+            </a:r>
+            <a:r>
+              <a:rPr lang="cs-CZ" sz="1200" b="0" i="0" dirty="0">
+                <a:effectLst/>
+              </a:rPr>
+              <a:t> 23). </a:t>
+            </a:r>
+            <a:r>
+              <a:rPr lang="cs-CZ" sz="1200" b="0" i="1" dirty="0" err="1">
+                <a:effectLst/>
+              </a:rPr>
+              <a:t>e-Government</a:t>
+            </a:r>
+            <a:r>
+              <a:rPr lang="cs-CZ" sz="1200" b="0" i="1" dirty="0">
+                <a:effectLst/>
+              </a:rPr>
+              <a:t> – Wikipedie</a:t>
+            </a:r>
+            <a:r>
+              <a:rPr lang="cs-CZ" sz="1200" b="0" i="0" dirty="0">
+                <a:effectLst/>
+              </a:rPr>
+              <a:t>. Wikipedie, otevřená encyklopedie</a:t>
+            </a:r>
+            <a:r>
+              <a:rPr lang="cs-CZ" sz="1200" b="0" i="0" dirty="0">
+                <a:solidFill>
+                  <a:srgbClr val="212121"/>
+                </a:solidFill>
+                <a:effectLst/>
+              </a:rPr>
+              <a:t>. </a:t>
+            </a:r>
+            <a:r>
+              <a:rPr lang="cs-CZ" sz="1200" b="0" i="0" u="none" strike="noStrike" dirty="0">
+                <a:solidFill>
+                  <a:srgbClr val="00B0F0"/>
+                </a:solidFill>
+                <a:effectLst/>
+                <a:hlinkClick r:id="rId6">
+                  <a:extLst>
+                    <a:ext uri="{A12FA001-AC4F-418D-AE19-62706E023703}">
+                      <ahyp:hlinkClr xmlns:ahyp="http://schemas.microsoft.com/office/drawing/2018/hyperlinkcolor" val="tx"/>
+                    </a:ext>
+                  </a:extLst>
+                </a:hlinkClick>
+              </a:rPr>
+              <a:t>https://cs.wikipedia.org/wiki/E-Government</a:t>
+            </a:r>
+            <a:endParaRPr lang="cs-CZ" sz="1200" b="0" i="0" u="none" strike="noStrike" dirty="0">
+              <a:solidFill>
+                <a:srgbClr val="00B0F0"/>
+              </a:solidFill>
+              <a:effectLst/>
+            </a:endParaRPr>
+          </a:p>
+          <a:p>
+            <a:r>
+              <a:rPr lang="cs-CZ" sz="1200" b="0" i="1" dirty="0">
+                <a:effectLst/>
+              </a:rPr>
+              <a:t>Vaše digitální občanka</a:t>
+            </a:r>
+            <a:r>
+              <a:rPr lang="cs-CZ" sz="1200" b="0" i="0" dirty="0">
+                <a:effectLst/>
+              </a:rPr>
+              <a:t>. (</a:t>
+            </a:r>
+            <a:r>
+              <a:rPr lang="cs-CZ" sz="1200" b="0" i="0" dirty="0" err="1">
+                <a:effectLst/>
+              </a:rPr>
+              <a:t>n.d</a:t>
+            </a:r>
+            <a:r>
+              <a:rPr lang="cs-CZ" sz="1200" b="0" i="0" dirty="0">
+                <a:effectLst/>
+              </a:rPr>
+              <a:t>.). Bank ID. </a:t>
+            </a:r>
+            <a:r>
+              <a:rPr lang="cs-CZ" sz="1200" b="0" i="0" u="none" strike="noStrike" dirty="0">
+                <a:solidFill>
+                  <a:srgbClr val="00B0F0"/>
+                </a:solidFill>
+                <a:effectLst/>
+                <a:hlinkClick r:id="rId7">
+                  <a:extLst>
+                    <a:ext uri="{A12FA001-AC4F-418D-AE19-62706E023703}">
+                      <ahyp:hlinkClr xmlns:ahyp="http://schemas.microsoft.com/office/drawing/2018/hyperlinkcolor" val="tx"/>
+                    </a:ext>
+                  </a:extLst>
+                </a:hlinkClick>
+              </a:rPr>
+              <a:t>https://www.bankid.cz/</a:t>
+            </a:r>
+            <a:endParaRPr lang="cs-CZ" sz="1200" b="0" i="0" u="none" strike="noStrike" dirty="0">
+              <a:solidFill>
+                <a:srgbClr val="00B0F0"/>
+              </a:solidFill>
+              <a:effectLst/>
+            </a:endParaRPr>
+          </a:p>
+          <a:p>
+            <a:r>
+              <a:rPr lang="pl-PL" sz="1200" b="0" i="0" dirty="0">
+                <a:effectLst/>
+              </a:rPr>
+              <a:t>Autenti, T. (2022, October 5). </a:t>
+            </a:r>
+            <a:r>
+              <a:rPr lang="pl-PL" sz="1200" b="0" i="1" dirty="0">
+                <a:effectLst/>
+              </a:rPr>
+              <a:t>Co je to eIDAS?</a:t>
+            </a:r>
+            <a:r>
+              <a:rPr lang="pl-PL" sz="1200" b="0" i="0" dirty="0">
+                <a:effectLst/>
+              </a:rPr>
+              <a:t> Autenti | Przyspiesz swój biznes dzięki e-podpisowi</a:t>
+            </a:r>
+            <a:r>
+              <a:rPr lang="pl-PL" sz="1200" b="0" i="0" dirty="0">
+                <a:solidFill>
+                  <a:srgbClr val="212121"/>
+                </a:solidFill>
+                <a:effectLst/>
+              </a:rPr>
+              <a:t>.</a:t>
+            </a:r>
+            <a:r>
+              <a:rPr lang="pl-PL" sz="1200" b="0" i="0" dirty="0">
+                <a:solidFill>
+                  <a:srgbClr val="00B0F0"/>
+                </a:solidFill>
+                <a:effectLst/>
+              </a:rPr>
+              <a:t> </a:t>
+            </a:r>
+            <a:r>
+              <a:rPr lang="pl-PL" sz="1200" b="0" i="0" u="none" strike="noStrike" dirty="0">
+                <a:solidFill>
+                  <a:srgbClr val="00B0F0"/>
+                </a:solidFill>
+                <a:effectLst/>
+                <a:hlinkClick r:id="rId8">
+                  <a:extLst>
+                    <a:ext uri="{A12FA001-AC4F-418D-AE19-62706E023703}">
+                      <ahyp:hlinkClr xmlns:ahyp="http://schemas.microsoft.com/office/drawing/2018/hyperlinkcolor" val="tx"/>
+                    </a:ext>
+                  </a:extLst>
+                </a:hlinkClick>
+              </a:rPr>
+              <a:t>https://autenti.com/cs/blog/co-je-to-eidas?utm_term=&amp;amp;utm_campaign=[SN]+/+DSA+/+INT+/+CS+/+Elektronický+podpis+(E-podpis)&amp;amp;utm_source=adwords&amp;amp;utm_medium=ppc&amp;amp;hsa_acc=3048952534&amp;amp;hsa_cam=17938456937&amp;amp;hsa_grp=151199752468&amp;amp;hsa_ad=629835459832&amp;amp;hsa_src=g&amp;amp;hsa_tgt=dsa-1854775676059&amp;amp;hsa_kw=&amp;amp;hsa_mt=&amp;amp;hsa_net=adwords&amp;amp;hsa_ver=3&amp;amp;gclid=CjwKCAiA2rOeBhAsEiwA2Pl7Qx0wTJxHl_aT5g5az9uZkCh4itTjRF7q45aHNERYZ2LpkveR4qs_xRoC_acQAvD_BwE</a:t>
+            </a:r>
+            <a:endParaRPr lang="cs-CZ" sz="1200" dirty="0">
+              <a:solidFill>
+                <a:srgbClr val="00B0F0"/>
+              </a:solidFill>
+            </a:endParaRPr>
+          </a:p>
+          <a:p>
+            <a:endParaRPr lang="cs-CZ" sz="1200" dirty="0">
+              <a:solidFill>
+                <a:srgbClr val="00B0F0"/>
+              </a:solidFill>
+            </a:endParaRPr>
+          </a:p>
+          <a:p>
+            <a:endParaRPr lang="cs-CZ" sz="1200" dirty="0"/>
+          </a:p>
+          <a:p>
+            <a:endParaRPr lang="cs-CZ" sz="1200" dirty="0"/>
+          </a:p>
+          <a:p>
+            <a:endParaRPr lang="cs-CZ" dirty="0"/>
           </a:p>
         </p:txBody>
       </p:sp>
     </p:spTree>
     <p:extLst>
       <p:ext uri="{BB962C8B-B14F-4D97-AF65-F5344CB8AC3E}">
-        <p14:creationId xmlns:p14="http://schemas.microsoft.com/office/powerpoint/2010/main" val="1295116176"/>
+        <p14:creationId xmlns:p14="http://schemas.microsoft.com/office/powerpoint/2010/main" val="3105488888"/>
       </p:ext>
     </p:extLst>
   </p:cSld>
@@ -6710,7 +9440,7 @@
           <p:cNvPr id="2" name="Nadpis 1">
             <a:extLst>
               <a:ext uri="{FF2B5EF4-FFF2-40B4-BE49-F238E27FC236}">
-                <a16:creationId xmlns:a16="http://schemas.microsoft.com/office/drawing/2014/main" id="{2B1F9A99-A1C4-46C1-A1CF-5734DEA8D85C}"/>
+                <a16:creationId xmlns:a16="http://schemas.microsoft.com/office/drawing/2014/main" id="{95B79092-620C-CB0A-8070-A66939B9AE76}"/>
               </a:ext>
             </a:extLst>
           </p:cNvPr>
@@ -6726,7 +9456,10 @@
           <a:bodyPr/>
           <a:lstStyle/>
           <a:p>
-            <a:endParaRPr lang="cs-CZ"/>
+            <a:r>
+              <a:rPr lang="cs-CZ" dirty="0"/>
+              <a:t>citace</a:t>
+            </a:r>
           </a:p>
         </p:txBody>
       </p:sp>
@@ -6735,7 +9468,7 @@
           <p:cNvPr id="3" name="Zástupný obsah 2">
             <a:extLst>
               <a:ext uri="{FF2B5EF4-FFF2-40B4-BE49-F238E27FC236}">
-                <a16:creationId xmlns:a16="http://schemas.microsoft.com/office/drawing/2014/main" id="{867F62A7-B903-4D63-B906-96F3B610EFF5}"/>
+                <a16:creationId xmlns:a16="http://schemas.microsoft.com/office/drawing/2014/main" id="{1ABA63DD-A9EE-3913-3B4F-9F86F57FD40D}"/>
               </a:ext>
             </a:extLst>
           </p:cNvPr>
@@ -6748,17 +9481,159 @@
         </p:nvSpPr>
         <p:spPr/>
         <p:txBody>
-          <a:bodyPr/>
-          <a:lstStyle/>
-          <a:p>
-            <a:endParaRPr lang="cs-CZ"/>
+          <a:bodyPr>
+            <a:normAutofit/>
+          </a:bodyPr>
+          <a:lstStyle/>
+          <a:p>
+            <a:r>
+              <a:rPr lang="cs-CZ" sz="1200" b="0" i="1" dirty="0">
+                <a:effectLst/>
+              </a:rPr>
+              <a:t>vytvářející důvěru – Wikipedie</a:t>
+            </a:r>
+            <a:r>
+              <a:rPr lang="cs-CZ" sz="1200" b="0" i="0" dirty="0">
+                <a:effectLst/>
+              </a:rPr>
+              <a:t>. Wikipedie, otevřená encyklopedie</a:t>
+            </a:r>
+            <a:r>
+              <a:rPr lang="cs-CZ" sz="1200" b="0" i="0" dirty="0">
+                <a:solidFill>
+                  <a:srgbClr val="212121"/>
+                </a:solidFill>
+                <a:effectLst/>
+              </a:rPr>
+              <a:t>.</a:t>
+            </a:r>
+            <a:r>
+              <a:rPr lang="cs-CZ" sz="1200" b="0" i="0" dirty="0">
+                <a:solidFill>
+                  <a:srgbClr val="00B0F0"/>
+                </a:solidFill>
+                <a:effectLst/>
+              </a:rPr>
+              <a:t> </a:t>
+            </a:r>
+            <a:r>
+              <a:rPr lang="cs-CZ" sz="1200" b="0" i="0" u="none" strike="noStrike" dirty="0">
+                <a:solidFill>
+                  <a:srgbClr val="00B0F0"/>
+                </a:solidFill>
+                <a:effectLst/>
+                <a:hlinkClick r:id="rId2">
+                  <a:extLst>
+                    <a:ext uri="{A12FA001-AC4F-418D-AE19-62706E023703}">
+                      <ahyp:hlinkClr xmlns:ahyp="http://schemas.microsoft.com/office/drawing/2018/hyperlinkcolor" val="tx"/>
+                    </a:ext>
+                  </a:extLst>
+                </a:hlinkClick>
+              </a:rPr>
+              <a:t>https://cs.wikipedia.org/wiki/</a:t>
+            </a:r>
+            <a:r>
+              <a:rPr lang="cs-CZ" sz="1200" b="0" i="0" u="none" strike="noStrike" dirty="0" err="1">
+                <a:solidFill>
+                  <a:srgbClr val="00B0F0"/>
+                </a:solidFill>
+                <a:effectLst/>
+                <a:hlinkClick r:id="rId2">
+                  <a:extLst>
+                    <a:ext uri="{A12FA001-AC4F-418D-AE19-62706E023703}">
+                      <ahyp:hlinkClr xmlns:ahyp="http://schemas.microsoft.com/office/drawing/2018/hyperlinkcolor" val="tx"/>
+                    </a:ext>
+                  </a:extLst>
+                </a:hlinkClick>
+              </a:rPr>
+              <a:t>Služba_vytvářející_důvěru</a:t>
+            </a:r>
+            <a:endParaRPr lang="cs-CZ" sz="1200" b="0" i="0" u="none" strike="noStrike" dirty="0">
+              <a:solidFill>
+                <a:srgbClr val="00B0F0"/>
+              </a:solidFill>
+              <a:effectLst/>
+            </a:endParaRPr>
+          </a:p>
+          <a:p>
+            <a:r>
+              <a:rPr lang="cs-CZ" sz="1200" b="0" i="1" dirty="0">
+                <a:effectLst/>
+              </a:rPr>
+              <a:t>Další portály</a:t>
+            </a:r>
+            <a:r>
+              <a:rPr lang="cs-CZ" sz="1200" b="0" i="0" dirty="0">
+                <a:effectLst/>
+              </a:rPr>
+              <a:t>. (</a:t>
+            </a:r>
+            <a:r>
+              <a:rPr lang="cs-CZ" sz="1200" b="0" i="0" dirty="0" err="1">
+                <a:effectLst/>
+              </a:rPr>
+              <a:t>n.d</a:t>
+            </a:r>
+            <a:r>
+              <a:rPr lang="cs-CZ" sz="1200" b="0" i="0" dirty="0">
+                <a:effectLst/>
+              </a:rPr>
+              <a:t>.). Průvodce</a:t>
+            </a:r>
+            <a:r>
+              <a:rPr lang="cs-CZ" sz="1200" b="0" i="0" dirty="0">
+                <a:solidFill>
+                  <a:srgbClr val="212121"/>
+                </a:solidFill>
+                <a:effectLst/>
+              </a:rPr>
+              <a:t>.</a:t>
+            </a:r>
+            <a:r>
+              <a:rPr lang="cs-CZ" sz="1200" b="0" i="0" dirty="0">
+                <a:solidFill>
+                  <a:srgbClr val="00B0F0"/>
+                </a:solidFill>
+                <a:effectLst/>
+              </a:rPr>
+              <a:t> </a:t>
+            </a:r>
+            <a:r>
+              <a:rPr lang="cs-CZ" sz="1200" b="0" i="0" u="none" strike="noStrike" dirty="0">
+                <a:solidFill>
+                  <a:srgbClr val="00B0F0"/>
+                </a:solidFill>
+                <a:effectLst/>
+                <a:hlinkClick r:id="rId3">
+                  <a:extLst>
+                    <a:ext uri="{A12FA001-AC4F-418D-AE19-62706E023703}">
+                      <ahyp:hlinkClr xmlns:ahyp="http://schemas.microsoft.com/office/drawing/2018/hyperlinkcolor" val="tx"/>
+                    </a:ext>
+                  </a:extLst>
+                </a:hlinkClick>
+              </a:rPr>
+              <a:t>https://www.mpsv.cz/web/cz/dalsi-portaly?p_r_p_categoryId=767055&amp;amp;p_r_p_resetCur=true</a:t>
+            </a:r>
+            <a:endParaRPr lang="cs-CZ" sz="1200" b="0" i="0" u="none" strike="noStrike" dirty="0">
+              <a:solidFill>
+                <a:srgbClr val="00B0F0"/>
+              </a:solidFill>
+              <a:effectLst/>
+            </a:endParaRPr>
+          </a:p>
+          <a:p>
+            <a:endParaRPr lang="cs-CZ" sz="1200" dirty="0">
+              <a:solidFill>
+                <a:srgbClr val="00B0F0"/>
+              </a:solidFill>
+            </a:endParaRPr>
           </a:p>
         </p:txBody>
       </p:sp>
     </p:spTree>
     <p:extLst>
       <p:ext uri="{BB962C8B-B14F-4D97-AF65-F5344CB8AC3E}">
-        <p14:creationId xmlns:p14="http://schemas.microsoft.com/office/powerpoint/2010/main" val="3779719780"/>
+        <p14:creationId xmlns:p14="http://schemas.microsoft.com/office/powerpoint/2010/main" val="351905984"/>
       </p:ext>
     </p:extLst>
   </p:cSld>
@@ -6790,7 +9665,7 @@
           <p:cNvPr id="2" name="Nadpis 1">
             <a:extLst>
               <a:ext uri="{FF2B5EF4-FFF2-40B4-BE49-F238E27FC236}">
-                <a16:creationId xmlns:a16="http://schemas.microsoft.com/office/drawing/2014/main" id="{08B9F506-EED6-4275-B929-C3F08AFC98E7}"/>
+                <a16:creationId xmlns:a16="http://schemas.microsoft.com/office/drawing/2014/main" id="{142A986B-2CFD-40AB-A698-05B77717DEEA}"/>
               </a:ext>
             </a:extLst>
           </p:cNvPr>
@@ -6806,7 +9681,10 @@
           <a:bodyPr/>
           <a:lstStyle/>
           <a:p>
-            <a:endParaRPr lang="cs-CZ"/>
+            <a:r>
+              <a:rPr lang="cs-CZ" dirty="0"/>
+              <a:t>GitHub</a:t>
+            </a:r>
           </a:p>
         </p:txBody>
       </p:sp>
@@ -6815,7 +9693,7 @@
           <p:cNvPr id="3" name="Zástupný obsah 2">
             <a:extLst>
               <a:ext uri="{FF2B5EF4-FFF2-40B4-BE49-F238E27FC236}">
-                <a16:creationId xmlns:a16="http://schemas.microsoft.com/office/drawing/2014/main" id="{0A1DF0F6-07B2-4A2A-9AE2-7B13F69D157E}"/>
+                <a16:creationId xmlns:a16="http://schemas.microsoft.com/office/drawing/2014/main" id="{8A2D7135-900B-4463-B846-3D1B65B4C7CD}"/>
               </a:ext>
             </a:extLst>
           </p:cNvPr>
@@ -6838,7 +9716,7 @@
     </p:spTree>
     <p:extLst>
       <p:ext uri="{BB962C8B-B14F-4D97-AF65-F5344CB8AC3E}">
-        <p14:creationId xmlns:p14="http://schemas.microsoft.com/office/powerpoint/2010/main" val="3841958003"/>
+        <p14:creationId xmlns:p14="http://schemas.microsoft.com/office/powerpoint/2010/main" val="2841062117"/>
       </p:ext>
     </p:extLst>
   </p:cSld>
@@ -7357,9 +10235,17 @@
 </p:sld>
 </file>
 
-<file path=ppt/slides/slide20.xml><?xml version="1.0" encoding="utf-8"?>
+<file path=ppt/slides/slide3.xml><?xml version="1.0" encoding="utf-8"?>
 <p:sld xmlns:a="http://schemas.openxmlformats.org/drawingml/2006/main" xmlns:r="http://schemas.openxmlformats.org/officeDocument/2006/relationships" xmlns:p="http://schemas.openxmlformats.org/presentationml/2006/main">
   <p:cSld>
+    <p:bg>
+      <p:bgPr>
+        <a:solidFill>
+          <a:schemeClr val="bg1"/>
+        </a:solidFill>
+        <a:effectLst/>
+      </p:bgPr>
+    </p:bg>
     <p:spTree>
       <p:nvGrpSpPr>
         <p:cNvPr id="1" name=""/>
@@ -7374,12 +10260,374 @@
           <a:chExt cx="0" cy="0"/>
         </a:xfrm>
       </p:grpSpPr>
+      <p:sp useBgFill="1">
+        <p:nvSpPr>
+          <p:cNvPr id="4103" name="Rectangle 4102">
+            <a:extLst>
+              <a:ext uri="{FF2B5EF4-FFF2-40B4-BE49-F238E27FC236}">
+                <a16:creationId xmlns:a16="http://schemas.microsoft.com/office/drawing/2014/main" id="{8651CFA9-6065-4243-AC48-858E359780B1}"/>
+              </a:ext>
+              <a:ext uri="{C183D7F6-B498-43B3-948B-1728B52AA6E4}">
+                <adec:decorative xmlns:adec="http://schemas.microsoft.com/office/drawing/2017/decorative" val="1"/>
+              </a:ext>
+            </a:extLst>
+          </p:cNvPr>
+          <p:cNvSpPr>
+            <a:spLocks noGrp="1" noRot="1" noChangeAspect="1" noMove="1" noResize="1" noEditPoints="1" noAdjustHandles="1" noChangeArrowheads="1" noChangeShapeType="1" noTextEdit="1"/>
+          </p:cNvSpPr>
+          <p:nvPr>
+            <p:extLst>
+              <p:ext uri="{386F3935-93C4-4BCD-93E2-E3B085C9AB24}">
+                <p16:designElem xmlns:p16="http://schemas.microsoft.com/office/powerpoint/2015/main" val="1"/>
+              </p:ext>
+            </p:extLst>
+          </p:nvPr>
+        </p:nvSpPr>
+        <p:spPr>
+          <a:xfrm>
+            <a:off x="0" y="0"/>
+            <a:ext cx="12188952" cy="6858000"/>
+          </a:xfrm>
+          <a:prstGeom prst="rect">
+            <a:avLst/>
+          </a:prstGeom>
+          <a:ln>
+            <a:noFill/>
+          </a:ln>
+        </p:spPr>
+        <p:style>
+          <a:lnRef idx="2">
+            <a:schemeClr val="accent1">
+              <a:shade val="50000"/>
+            </a:schemeClr>
+          </a:lnRef>
+          <a:fillRef idx="1">
+            <a:schemeClr val="accent1"/>
+          </a:fillRef>
+          <a:effectRef idx="0">
+            <a:schemeClr val="accent1"/>
+          </a:effectRef>
+          <a:fontRef idx="minor">
+            <a:schemeClr val="lt1"/>
+          </a:fontRef>
+        </p:style>
+        <p:txBody>
+          <a:bodyPr rtlCol="0" anchor="ctr"/>
+          <a:lstStyle/>
+          <a:p>
+            <a:pPr algn="ctr"/>
+            <a:endParaRPr lang="en-US" dirty="0">
+              <a:solidFill>
+                <a:schemeClr val="tx1">
+                  <a:lumMod val="65000"/>
+                  <a:lumOff val="35000"/>
+                </a:schemeClr>
+              </a:solidFill>
+              <a:latin typeface="AvenirNext LT Pro Medium" panose="020B0504020202020204" pitchFamily="34" charset="0"/>
+            </a:endParaRPr>
+          </a:p>
+        </p:txBody>
+      </p:sp>
+      <p:sp>
+        <p:nvSpPr>
+          <p:cNvPr id="4105" name="Rectangle 4104">
+            <a:extLst>
+              <a:ext uri="{FF2B5EF4-FFF2-40B4-BE49-F238E27FC236}">
+                <a16:creationId xmlns:a16="http://schemas.microsoft.com/office/drawing/2014/main" id="{FBC8BBE5-981E-4B0B-9654-32B5668BFF31}"/>
+              </a:ext>
+              <a:ext uri="{C183D7F6-B498-43B3-948B-1728B52AA6E4}">
+                <adec:decorative xmlns:adec="http://schemas.microsoft.com/office/drawing/2017/decorative" val="1"/>
+              </a:ext>
+            </a:extLst>
+          </p:cNvPr>
+          <p:cNvSpPr>
+            <a:spLocks noGrp="1" noRot="1" noChangeAspect="1" noMove="1" noResize="1" noEditPoints="1" noAdjustHandles="1" noChangeArrowheads="1" noChangeShapeType="1" noTextEdit="1"/>
+          </p:cNvSpPr>
+          <p:nvPr>
+            <p:extLst>
+              <p:ext uri="{386F3935-93C4-4BCD-93E2-E3B085C9AB24}">
+                <p16:designElem xmlns:p16="http://schemas.microsoft.com/office/powerpoint/2015/main" val="1"/>
+              </p:ext>
+            </p:extLst>
+          </p:nvPr>
+        </p:nvSpPr>
+        <p:spPr>
+          <a:xfrm>
+            <a:off x="3048" y="0"/>
+            <a:ext cx="12188952" cy="6858000"/>
+          </a:xfrm>
+          <a:prstGeom prst="rect">
+            <a:avLst/>
+          </a:prstGeom>
+          <a:solidFill>
+            <a:schemeClr val="bg2">
+              <a:alpha val="70000"/>
+            </a:schemeClr>
+          </a:solidFill>
+          <a:ln>
+            <a:noFill/>
+          </a:ln>
+        </p:spPr>
+        <p:style>
+          <a:lnRef idx="2">
+            <a:schemeClr val="accent1">
+              <a:shade val="50000"/>
+            </a:schemeClr>
+          </a:lnRef>
+          <a:fillRef idx="1">
+            <a:schemeClr val="accent1"/>
+          </a:fillRef>
+          <a:effectRef idx="0">
+            <a:schemeClr val="accent1"/>
+          </a:effectRef>
+          <a:fontRef idx="minor">
+            <a:schemeClr val="lt1"/>
+          </a:fontRef>
+        </p:style>
+        <p:txBody>
+          <a:bodyPr rtlCol="0" anchor="ctr"/>
+          <a:lstStyle/>
+          <a:p>
+            <a:pPr algn="ctr"/>
+            <a:endParaRPr lang="en-US">
+              <a:solidFill>
+                <a:schemeClr val="tx1">
+                  <a:lumMod val="65000"/>
+                  <a:lumOff val="35000"/>
+                </a:schemeClr>
+              </a:solidFill>
+              <a:latin typeface="AvenirNext LT Pro Medium" panose="020B0504020202020204" pitchFamily="34" charset="0"/>
+            </a:endParaRPr>
+          </a:p>
+        </p:txBody>
+      </p:sp>
+      <p:sp>
+        <p:nvSpPr>
+          <p:cNvPr id="4107" name="Rectangle 4106">
+            <a:extLst>
+              <a:ext uri="{FF2B5EF4-FFF2-40B4-BE49-F238E27FC236}">
+                <a16:creationId xmlns:a16="http://schemas.microsoft.com/office/drawing/2014/main" id="{094C9708-F6A4-4956-B261-A4A2C4DFEBF7}"/>
+              </a:ext>
+              <a:ext uri="{C183D7F6-B498-43B3-948B-1728B52AA6E4}">
+                <adec:decorative xmlns:adec="http://schemas.microsoft.com/office/drawing/2017/decorative" val="1"/>
+              </a:ext>
+            </a:extLst>
+          </p:cNvPr>
+          <p:cNvSpPr>
+            <a:spLocks noGrp="1" noRot="1" noChangeAspect="1" noMove="1" noResize="1" noEditPoints="1" noAdjustHandles="1" noChangeArrowheads="1" noChangeShapeType="1" noTextEdit="1"/>
+          </p:cNvSpPr>
+          <p:nvPr>
+            <p:extLst>
+              <p:ext uri="{386F3935-93C4-4BCD-93E2-E3B085C9AB24}">
+                <p16:designElem xmlns:p16="http://schemas.microsoft.com/office/powerpoint/2015/main" val="1"/>
+              </p:ext>
+            </p:extLst>
+          </p:nvPr>
+        </p:nvSpPr>
+        <p:spPr>
+          <a:xfrm>
+            <a:off x="6248400" y="0"/>
+            <a:ext cx="5943600" cy="6858000"/>
+          </a:xfrm>
+          <a:prstGeom prst="rect">
+            <a:avLst/>
+          </a:prstGeom>
+          <a:solidFill>
+            <a:schemeClr val="bg2">
+              <a:alpha val="60000"/>
+            </a:schemeClr>
+          </a:solidFill>
+          <a:ln>
+            <a:noFill/>
+          </a:ln>
+        </p:spPr>
+        <p:style>
+          <a:lnRef idx="2">
+            <a:schemeClr val="accent1">
+              <a:shade val="50000"/>
+            </a:schemeClr>
+          </a:lnRef>
+          <a:fillRef idx="1">
+            <a:schemeClr val="accent1"/>
+          </a:fillRef>
+          <a:effectRef idx="0">
+            <a:schemeClr val="accent1"/>
+          </a:effectRef>
+          <a:fontRef idx="minor">
+            <a:schemeClr val="lt1"/>
+          </a:fontRef>
+        </p:style>
+        <p:txBody>
+          <a:bodyPr rtlCol="0" anchor="ctr"/>
+          <a:lstStyle/>
+          <a:p>
+            <a:pPr algn="ctr"/>
+            <a:endParaRPr lang="en-US" dirty="0">
+              <a:solidFill>
+                <a:schemeClr val="tx1">
+                  <a:lumMod val="65000"/>
+                  <a:lumOff val="35000"/>
+                </a:schemeClr>
+              </a:solidFill>
+              <a:latin typeface="AvenirNext LT Pro Medium" panose="020B0504020202020204" pitchFamily="34" charset="0"/>
+            </a:endParaRPr>
+          </a:p>
+        </p:txBody>
+      </p:sp>
+      <p:sp>
+        <p:nvSpPr>
+          <p:cNvPr id="4109" name="Rectangle 4108">
+            <a:extLst>
+              <a:ext uri="{FF2B5EF4-FFF2-40B4-BE49-F238E27FC236}">
+                <a16:creationId xmlns:a16="http://schemas.microsoft.com/office/drawing/2014/main" id="{592DB257-3E16-4A3C-9E28-4682828127AD}"/>
+              </a:ext>
+              <a:ext uri="{C183D7F6-B498-43B3-948B-1728B52AA6E4}">
+                <adec:decorative xmlns:adec="http://schemas.microsoft.com/office/drawing/2017/decorative" val="1"/>
+              </a:ext>
+            </a:extLst>
+          </p:cNvPr>
+          <p:cNvSpPr>
+            <a:spLocks noGrp="1" noRot="1" noChangeAspect="1" noMove="1" noResize="1" noEditPoints="1" noAdjustHandles="1" noChangeArrowheads="1" noChangeShapeType="1" noTextEdit="1"/>
+          </p:cNvSpPr>
+          <p:nvPr>
+            <p:extLst>
+              <p:ext uri="{386F3935-93C4-4BCD-93E2-E3B085C9AB24}">
+                <p16:designElem xmlns:p16="http://schemas.microsoft.com/office/powerpoint/2015/main" val="1"/>
+              </p:ext>
+            </p:extLst>
+          </p:nvPr>
+        </p:nvSpPr>
+        <p:spPr>
+          <a:xfrm flipH="1">
+            <a:off x="0" y="-150"/>
+            <a:ext cx="6254652" cy="6858000"/>
+          </a:xfrm>
+          <a:prstGeom prst="rect">
+            <a:avLst/>
+          </a:prstGeom>
+          <a:solidFill>
+            <a:schemeClr val="tx2">
+              <a:lumMod val="90000"/>
+              <a:lumOff val="10000"/>
+            </a:schemeClr>
+          </a:solidFill>
+          <a:ln>
+            <a:noFill/>
+          </a:ln>
+        </p:spPr>
+        <p:style>
+          <a:lnRef idx="2">
+            <a:schemeClr val="accent1">
+              <a:shade val="50000"/>
+            </a:schemeClr>
+          </a:lnRef>
+          <a:fillRef idx="1">
+            <a:schemeClr val="accent1"/>
+          </a:fillRef>
+          <a:effectRef idx="0">
+            <a:schemeClr val="accent1"/>
+          </a:effectRef>
+          <a:fontRef idx="minor">
+            <a:schemeClr val="lt1"/>
+          </a:fontRef>
+        </p:style>
+        <p:txBody>
+          <a:bodyPr rtlCol="0" anchor="ctr"/>
+          <a:lstStyle/>
+          <a:p>
+            <a:pPr algn="ctr"/>
+            <a:endParaRPr lang="en-US" dirty="0">
+              <a:solidFill>
+                <a:schemeClr val="tx1">
+                  <a:lumMod val="65000"/>
+                  <a:lumOff val="35000"/>
+                </a:schemeClr>
+              </a:solidFill>
+              <a:latin typeface="AvenirNext LT Pro Medium" panose="020B0504020202020204" pitchFamily="34" charset="0"/>
+            </a:endParaRPr>
+          </a:p>
+        </p:txBody>
+      </p:sp>
+      <p:sp>
+        <p:nvSpPr>
+          <p:cNvPr id="4111" name="Rectangle 4110">
+            <a:extLst>
+              <a:ext uri="{FF2B5EF4-FFF2-40B4-BE49-F238E27FC236}">
+                <a16:creationId xmlns:a16="http://schemas.microsoft.com/office/drawing/2014/main" id="{487685E6-1160-459B-8C70-301404C06C23}"/>
+              </a:ext>
+              <a:ext uri="{C183D7F6-B498-43B3-948B-1728B52AA6E4}">
+                <adec:decorative xmlns:adec="http://schemas.microsoft.com/office/drawing/2017/decorative" val="1"/>
+              </a:ext>
+            </a:extLst>
+          </p:cNvPr>
+          <p:cNvSpPr>
+            <a:spLocks noGrp="1" noRot="1" noChangeAspect="1" noMove="1" noResize="1" noEditPoints="1" noAdjustHandles="1" noChangeArrowheads="1" noChangeShapeType="1" noTextEdit="1"/>
+          </p:cNvSpPr>
+          <p:nvPr>
+            <p:extLst>
+              <p:ext uri="{386F3935-93C4-4BCD-93E2-E3B085C9AB24}">
+                <p16:designElem xmlns:p16="http://schemas.microsoft.com/office/powerpoint/2015/main" val="1"/>
+              </p:ext>
+            </p:extLst>
+          </p:nvPr>
+        </p:nvSpPr>
+        <p:spPr>
+          <a:xfrm rot="10800000" flipH="1">
+            <a:off x="-3048" y="0"/>
+            <a:ext cx="6251447" cy="6858000"/>
+          </a:xfrm>
+          <a:prstGeom prst="rect">
+            <a:avLst/>
+          </a:prstGeom>
+          <a:blipFill dpi="0" rotWithShape="1">
+            <a:blip r:embed="rId3">
+              <a:alphaModFix amt="20000"/>
+              <a:duotone>
+                <a:schemeClr val="accent1">
+                  <a:shade val="45000"/>
+                  <a:satMod val="135000"/>
+                </a:schemeClr>
+                <a:prstClr val="white"/>
+              </a:duotone>
+            </a:blip>
+            <a:srcRect/>
+            <a:tile tx="889000" ty="0" sx="100000" sy="100000" flip="none" algn="tl"/>
+          </a:blipFill>
+          <a:ln>
+            <a:noFill/>
+          </a:ln>
+        </p:spPr>
+        <p:style>
+          <a:lnRef idx="2">
+            <a:schemeClr val="accent1">
+              <a:shade val="50000"/>
+            </a:schemeClr>
+          </a:lnRef>
+          <a:fillRef idx="1">
+            <a:schemeClr val="accent1"/>
+          </a:fillRef>
+          <a:effectRef idx="0">
+            <a:schemeClr val="accent1"/>
+          </a:effectRef>
+          <a:fontRef idx="minor">
+            <a:schemeClr val="lt1"/>
+          </a:fontRef>
+        </p:style>
+        <p:txBody>
+          <a:bodyPr rtlCol="0" anchor="ctr"/>
+          <a:lstStyle/>
+          <a:p>
+            <a:pPr algn="ctr"/>
+            <a:endParaRPr lang="en-US" dirty="0"/>
+          </a:p>
+        </p:txBody>
+      </p:sp>
       <p:sp>
         <p:nvSpPr>
           <p:cNvPr id="2" name="Nadpis 1">
             <a:extLst>
               <a:ext uri="{FF2B5EF4-FFF2-40B4-BE49-F238E27FC236}">
-                <a16:creationId xmlns:a16="http://schemas.microsoft.com/office/drawing/2014/main" id="{142A986B-2CFD-40AB-A698-05B77717DEEA}"/>
+                <a16:creationId xmlns:a16="http://schemas.microsoft.com/office/drawing/2014/main" id="{3878BF4E-7C37-8B96-DAF4-8DD4C1A22A49}"/>
               </a:ext>
             </a:extLst>
           </p:cNvPr>
@@ -7390,561 +10638,16 @@
             <p:ph type="title"/>
           </p:nvPr>
         </p:nvSpPr>
-        <p:spPr/>
-        <p:txBody>
-          <a:bodyPr/>
-          <a:lstStyle/>
-          <a:p>
-            <a:endParaRPr lang="cs-CZ"/>
-          </a:p>
-        </p:txBody>
-      </p:sp>
-      <p:sp>
-        <p:nvSpPr>
-          <p:cNvPr id="3" name="Zástupný obsah 2">
-            <a:extLst>
-              <a:ext uri="{FF2B5EF4-FFF2-40B4-BE49-F238E27FC236}">
-                <a16:creationId xmlns:a16="http://schemas.microsoft.com/office/drawing/2014/main" id="{8A2D7135-900B-4463-B846-3D1B65B4C7CD}"/>
-              </a:ext>
-            </a:extLst>
-          </p:cNvPr>
-          <p:cNvSpPr>
-            <a:spLocks noGrp="1"/>
-          </p:cNvSpPr>
-          <p:nvPr>
-            <p:ph idx="1"/>
-          </p:nvPr>
-        </p:nvSpPr>
-        <p:spPr/>
-        <p:txBody>
-          <a:bodyPr/>
-          <a:lstStyle/>
-          <a:p>
-            <a:endParaRPr lang="cs-CZ"/>
-          </a:p>
-        </p:txBody>
-      </p:sp>
-    </p:spTree>
-    <p:extLst>
-      <p:ext uri="{BB962C8B-B14F-4D97-AF65-F5344CB8AC3E}">
-        <p14:creationId xmlns:p14="http://schemas.microsoft.com/office/powerpoint/2010/main" val="2841062117"/>
-      </p:ext>
-    </p:extLst>
-  </p:cSld>
-  <p:clrMapOvr>
-    <a:masterClrMapping/>
-  </p:clrMapOvr>
-</p:sld>
-</file>
-
-<file path=ppt/slides/slide21.xml><?xml version="1.0" encoding="utf-8"?>
-<p:sld xmlns:a="http://schemas.openxmlformats.org/drawingml/2006/main" xmlns:r="http://schemas.openxmlformats.org/officeDocument/2006/relationships" xmlns:p="http://schemas.openxmlformats.org/presentationml/2006/main">
-  <p:cSld>
-    <p:spTree>
-      <p:nvGrpSpPr>
-        <p:cNvPr id="1" name=""/>
-        <p:cNvGrpSpPr/>
-        <p:nvPr/>
-      </p:nvGrpSpPr>
-      <p:grpSpPr>
-        <a:xfrm>
-          <a:off x="0" y="0"/>
-          <a:ext cx="0" cy="0"/>
-          <a:chOff x="0" y="0"/>
-          <a:chExt cx="0" cy="0"/>
-        </a:xfrm>
-      </p:grpSpPr>
-      <p:sp>
-        <p:nvSpPr>
-          <p:cNvPr id="2" name="Nadpis 1">
-            <a:extLst>
-              <a:ext uri="{FF2B5EF4-FFF2-40B4-BE49-F238E27FC236}">
-                <a16:creationId xmlns:a16="http://schemas.microsoft.com/office/drawing/2014/main" id="{C762E19F-329A-47C3-9C36-54C159349D6C}"/>
-              </a:ext>
-            </a:extLst>
-          </p:cNvPr>
-          <p:cNvSpPr>
-            <a:spLocks noGrp="1"/>
-          </p:cNvSpPr>
-          <p:nvPr>
-            <p:ph type="title"/>
-          </p:nvPr>
-        </p:nvSpPr>
-        <p:spPr/>
-        <p:txBody>
-          <a:bodyPr/>
-          <a:lstStyle/>
-          <a:p>
-            <a:r>
-              <a:rPr lang="cs-CZ" dirty="0"/>
-              <a:t>citace</a:t>
-            </a:r>
-          </a:p>
-        </p:txBody>
-      </p:sp>
-      <p:sp>
-        <p:nvSpPr>
-          <p:cNvPr id="3" name="Zástupný obsah 2">
-            <a:extLst>
-              <a:ext uri="{FF2B5EF4-FFF2-40B4-BE49-F238E27FC236}">
-                <a16:creationId xmlns:a16="http://schemas.microsoft.com/office/drawing/2014/main" id="{F96BBD1C-7574-4FCF-A881-EA609BB9D517}"/>
-              </a:ext>
-            </a:extLst>
-          </p:cNvPr>
-          <p:cNvSpPr>
-            <a:spLocks noGrp="1"/>
-          </p:cNvSpPr>
-          <p:nvPr>
-            <p:ph idx="1"/>
-          </p:nvPr>
-        </p:nvSpPr>
-        <p:spPr/>
-        <p:txBody>
-          <a:bodyPr/>
-          <a:lstStyle/>
-          <a:p>
-            <a:r>
-              <a:rPr lang="cs-CZ" sz="1200" b="0" i="1" dirty="0">
-                <a:effectLst/>
-              </a:rPr>
-              <a:t>Bankovní identita – 5 faktů o </a:t>
-            </a:r>
-            <a:r>
-              <a:rPr lang="cs-CZ" sz="1200" b="0" i="1" dirty="0" err="1">
-                <a:effectLst/>
-              </a:rPr>
-              <a:t>BankID</a:t>
-            </a:r>
-            <a:r>
-              <a:rPr lang="cs-CZ" sz="1200" b="0" i="1" dirty="0">
-                <a:effectLst/>
-              </a:rPr>
-              <a:t>, o kterých jste možná nevěděli - </a:t>
-            </a:r>
-            <a:r>
-              <a:rPr lang="cs-CZ" sz="1200" b="0" i="1" dirty="0" err="1">
-                <a:effectLst/>
-              </a:rPr>
-              <a:t>MoroSystems</a:t>
-            </a:r>
-            <a:r>
-              <a:rPr lang="cs-CZ" sz="1200" b="0" i="1" dirty="0">
-                <a:effectLst/>
-              </a:rPr>
-              <a:t> Blog</a:t>
-            </a:r>
-            <a:r>
-              <a:rPr lang="cs-CZ" sz="1200" b="0" i="0" dirty="0">
-                <a:effectLst/>
-              </a:rPr>
-              <a:t>. (</a:t>
-            </a:r>
-            <a:r>
-              <a:rPr lang="cs-CZ" sz="1200" b="0" i="0" dirty="0" err="1">
-                <a:effectLst/>
-              </a:rPr>
-              <a:t>n.d</a:t>
-            </a:r>
-            <a:r>
-              <a:rPr lang="cs-CZ" sz="1200" b="0" i="0" dirty="0">
-                <a:effectLst/>
-              </a:rPr>
-              <a:t>.). </a:t>
-            </a:r>
-            <a:r>
-              <a:rPr lang="cs-CZ" sz="1200" b="0" i="0" dirty="0" err="1">
-                <a:effectLst/>
-              </a:rPr>
-              <a:t>MoroSystems</a:t>
-            </a:r>
-            <a:r>
-              <a:rPr lang="cs-CZ" sz="1200" b="0" i="0" dirty="0">
-                <a:effectLst/>
-              </a:rPr>
-              <a:t> Blog -.</a:t>
-            </a:r>
-            <a:r>
-              <a:rPr lang="cs-CZ" sz="1200" b="0" i="0" dirty="0">
-                <a:solidFill>
-                  <a:srgbClr val="00B0F0"/>
-                </a:solidFill>
-                <a:effectLst/>
-              </a:rPr>
-              <a:t> </a:t>
-            </a:r>
-            <a:r>
-              <a:rPr lang="cs-CZ" sz="1200" b="0" i="0" u="none" strike="noStrike" dirty="0">
-                <a:solidFill>
-                  <a:srgbClr val="00B0F0"/>
-                </a:solidFill>
-                <a:effectLst/>
-                <a:hlinkClick r:id="rId2">
-                  <a:extLst>
-                    <a:ext uri="{A12FA001-AC4F-418D-AE19-62706E023703}">
-                      <ahyp:hlinkClr xmlns:ahyp="http://schemas.microsoft.com/office/drawing/2018/hyperlinkcolor" val="tx"/>
-                    </a:ext>
-                  </a:extLst>
-                </a:hlinkClick>
-              </a:rPr>
-              <a:t>https://blog.morosystems.cz/2021-02/odborne/bankovni-identita/?gclid=CjwKCAiAzp6eBhByEiwA_gGq5IZJtmOqGbEXki_-uzURo6lk67vM9iCw7Jk9iFupb28Xkg1E9zP30xoCwtUQAvD_BwE</a:t>
-            </a:r>
-            <a:endParaRPr lang="cs-CZ" sz="1200" b="0" i="0" u="none" strike="noStrike" dirty="0">
-              <a:solidFill>
-                <a:srgbClr val="00B0F0"/>
-              </a:solidFill>
-              <a:effectLst/>
-            </a:endParaRPr>
-          </a:p>
-          <a:p>
-            <a:r>
-              <a:rPr lang="cs-CZ" sz="1200" b="0" i="1" dirty="0">
-                <a:effectLst/>
-              </a:rPr>
-              <a:t>gov.cz - Portál veřejné správy</a:t>
-            </a:r>
-            <a:r>
-              <a:rPr lang="cs-CZ" sz="1200" b="0" i="0" dirty="0">
-                <a:effectLst/>
-              </a:rPr>
-              <a:t>. (</a:t>
-            </a:r>
-            <a:r>
-              <a:rPr lang="cs-CZ" sz="1200" b="0" i="0" dirty="0" err="1">
-                <a:effectLst/>
-              </a:rPr>
-              <a:t>n.d</a:t>
-            </a:r>
-            <a:r>
-              <a:rPr lang="cs-CZ" sz="1200" b="0" i="0" dirty="0">
-                <a:effectLst/>
-              </a:rPr>
-              <a:t>.). gov.cz - Portál veřejné správy.</a:t>
-            </a:r>
-            <a:r>
-              <a:rPr lang="cs-CZ" sz="1200" b="0" i="0" dirty="0">
-                <a:solidFill>
-                  <a:srgbClr val="00B0F0"/>
-                </a:solidFill>
-                <a:effectLst/>
-              </a:rPr>
-              <a:t> </a:t>
-            </a:r>
-            <a:r>
-              <a:rPr lang="cs-CZ" sz="1200" b="0" i="0" u="none" strike="noStrike" dirty="0">
-                <a:solidFill>
-                  <a:srgbClr val="00B0F0"/>
-                </a:solidFill>
-                <a:effectLst/>
-                <a:hlinkClick r:id="rId3">
-                  <a:extLst>
-                    <a:ext uri="{A12FA001-AC4F-418D-AE19-62706E023703}">
-                      <ahyp:hlinkClr xmlns:ahyp="http://schemas.microsoft.com/office/drawing/2018/hyperlinkcolor" val="tx"/>
-                    </a:ext>
-                  </a:extLst>
-                </a:hlinkClick>
-              </a:rPr>
-              <a:t>https://portal.gov.cz/rozcestniky/portal-obcana-RZC-108</a:t>
-            </a:r>
-            <a:endParaRPr lang="cs-CZ" sz="1200" b="0" i="0" u="none" strike="noStrike" dirty="0">
-              <a:solidFill>
-                <a:srgbClr val="00B0F0"/>
-              </a:solidFill>
-              <a:effectLst/>
-            </a:endParaRPr>
-          </a:p>
-          <a:p>
-            <a:r>
-              <a:rPr lang="cs-CZ" sz="1200" b="0" i="0" dirty="0">
-                <a:effectLst/>
-              </a:rPr>
-              <a:t>Přispěvatelé projektů </a:t>
-            </a:r>
-            <a:r>
-              <a:rPr lang="cs-CZ" sz="1200" b="0" i="0" dirty="0" err="1">
-                <a:effectLst/>
-              </a:rPr>
-              <a:t>Wikimedia</a:t>
-            </a:r>
-            <a:r>
-              <a:rPr lang="cs-CZ" sz="1200" b="0" i="0" dirty="0">
-                <a:effectLst/>
-              </a:rPr>
-              <a:t>. (2005, July 8). </a:t>
-            </a:r>
-            <a:r>
-              <a:rPr lang="cs-CZ" sz="1200" b="0" i="1" dirty="0">
-                <a:effectLst/>
-              </a:rPr>
-              <a:t>Instant </a:t>
-            </a:r>
-            <a:r>
-              <a:rPr lang="cs-CZ" sz="1200" b="0" i="1" dirty="0" err="1">
-                <a:effectLst/>
-              </a:rPr>
-              <a:t>messaging</a:t>
-            </a:r>
-            <a:r>
-              <a:rPr lang="cs-CZ" sz="1200" b="0" i="1" dirty="0">
-                <a:effectLst/>
-              </a:rPr>
-              <a:t> – Wikipedie</a:t>
-            </a:r>
-            <a:r>
-              <a:rPr lang="cs-CZ" sz="1200" b="0" i="0" dirty="0">
-                <a:effectLst/>
-              </a:rPr>
-              <a:t>. Wikipedie, otevřená encyklopedie.</a:t>
-            </a:r>
-            <a:r>
-              <a:rPr lang="cs-CZ" sz="1200" b="0" i="0" dirty="0">
-                <a:solidFill>
-                  <a:srgbClr val="00B0F0"/>
-                </a:solidFill>
-                <a:effectLst/>
-              </a:rPr>
-              <a:t> </a:t>
-            </a:r>
-            <a:r>
-              <a:rPr lang="cs-CZ" sz="1200" b="0" i="0" u="none" strike="noStrike" dirty="0">
-                <a:solidFill>
-                  <a:srgbClr val="00B0F0"/>
-                </a:solidFill>
-                <a:effectLst/>
-                <a:hlinkClick r:id="rId4">
-                  <a:extLst>
-                    <a:ext uri="{A12FA001-AC4F-418D-AE19-62706E023703}">
-                      <ahyp:hlinkClr xmlns:ahyp="http://schemas.microsoft.com/office/drawing/2018/hyperlinkcolor" val="tx"/>
-                    </a:ext>
-                  </a:extLst>
-                </a:hlinkClick>
-              </a:rPr>
-              <a:t>https://cs.wikipedia.org/wiki/Instant_messaging</a:t>
-            </a:r>
-            <a:endParaRPr lang="cs-CZ" sz="1200" b="0" i="0" u="none" strike="noStrike" dirty="0">
-              <a:solidFill>
-                <a:srgbClr val="00B0F0"/>
-              </a:solidFill>
-              <a:effectLst/>
-            </a:endParaRPr>
-          </a:p>
-          <a:p>
-            <a:r>
-              <a:rPr lang="cs-CZ" sz="1200" b="0" i="0" dirty="0">
-                <a:effectLst/>
-              </a:rPr>
-              <a:t>Přispěvatelé projektů </a:t>
-            </a:r>
-            <a:r>
-              <a:rPr lang="cs-CZ" sz="1200" b="0" i="0" dirty="0" err="1">
-                <a:effectLst/>
-              </a:rPr>
-              <a:t>Wikimedia</a:t>
-            </a:r>
-            <a:r>
-              <a:rPr lang="cs-CZ" sz="1200" b="0" i="0" dirty="0">
-                <a:effectLst/>
-              </a:rPr>
-              <a:t>. (2021, </a:t>
-            </a:r>
-            <a:r>
-              <a:rPr lang="cs-CZ" sz="1200" b="0" i="0" dirty="0" err="1">
-                <a:effectLst/>
-              </a:rPr>
-              <a:t>February</a:t>
-            </a:r>
-            <a:r>
-              <a:rPr lang="cs-CZ" sz="1200" b="0" i="0" dirty="0">
-                <a:effectLst/>
-              </a:rPr>
-              <a:t> 4). </a:t>
-            </a:r>
-            <a:r>
-              <a:rPr lang="cs-CZ" sz="1200" b="0" i="1" dirty="0">
-                <a:effectLst/>
-              </a:rPr>
-              <a:t>Bankovní identita – Wikipedie</a:t>
-            </a:r>
-            <a:r>
-              <a:rPr lang="cs-CZ" sz="1200" b="0" i="0" dirty="0">
-                <a:effectLst/>
-              </a:rPr>
-              <a:t>. Wikipedie, otevřená encyklopedie. </a:t>
-            </a:r>
-            <a:r>
-              <a:rPr lang="cs-CZ" sz="1200" b="0" i="0" u="none" strike="noStrike" dirty="0">
-                <a:solidFill>
-                  <a:srgbClr val="00B0F0"/>
-                </a:solidFill>
-                <a:effectLst/>
-                <a:hlinkClick r:id="rId5">
-                  <a:extLst>
-                    <a:ext uri="{A12FA001-AC4F-418D-AE19-62706E023703}">
-                      <ahyp:hlinkClr xmlns:ahyp="http://schemas.microsoft.com/office/drawing/2018/hyperlinkcolor" val="tx"/>
-                    </a:ext>
-                  </a:extLst>
-                </a:hlinkClick>
-              </a:rPr>
-              <a:t>https://cs.wikipedia.org/wiki/Bankovní_identita#cite_note-1</a:t>
-            </a:r>
-            <a:endParaRPr lang="cs-CZ" sz="1200" dirty="0">
-              <a:solidFill>
-                <a:srgbClr val="00B0F0"/>
-              </a:solidFill>
-            </a:endParaRPr>
-          </a:p>
-          <a:p>
-            <a:r>
-              <a:rPr lang="cs-CZ" sz="1200" b="0" i="0" dirty="0" err="1">
-                <a:effectLst/>
-              </a:rPr>
-              <a:t>řispěvatelé</a:t>
-            </a:r>
-            <a:r>
-              <a:rPr lang="cs-CZ" sz="1200" b="0" i="0" dirty="0">
-                <a:effectLst/>
-              </a:rPr>
-              <a:t> projektů </a:t>
-            </a:r>
-            <a:r>
-              <a:rPr lang="cs-CZ" sz="1200" b="0" i="0" dirty="0" err="1">
-                <a:effectLst/>
-              </a:rPr>
-              <a:t>Wikimedia</a:t>
-            </a:r>
-            <a:r>
-              <a:rPr lang="cs-CZ" sz="1200" b="0" i="0" dirty="0">
-                <a:effectLst/>
-              </a:rPr>
-              <a:t>. (2007, </a:t>
-            </a:r>
-            <a:r>
-              <a:rPr lang="cs-CZ" sz="1200" b="0" i="0" dirty="0" err="1">
-                <a:effectLst/>
-              </a:rPr>
-              <a:t>February</a:t>
-            </a:r>
-            <a:r>
-              <a:rPr lang="cs-CZ" sz="1200" b="0" i="0" dirty="0">
-                <a:effectLst/>
-              </a:rPr>
-              <a:t> 23). </a:t>
-            </a:r>
-            <a:r>
-              <a:rPr lang="cs-CZ" sz="1200" b="0" i="1" dirty="0" err="1">
-                <a:effectLst/>
-              </a:rPr>
-              <a:t>e-Government</a:t>
-            </a:r>
-            <a:r>
-              <a:rPr lang="cs-CZ" sz="1200" b="0" i="1" dirty="0">
-                <a:effectLst/>
-              </a:rPr>
-              <a:t> – Wikipedie</a:t>
-            </a:r>
-            <a:r>
-              <a:rPr lang="cs-CZ" sz="1200" b="0" i="0" dirty="0">
-                <a:effectLst/>
-              </a:rPr>
-              <a:t>. Wikipedie, otevřená encyklopedie</a:t>
-            </a:r>
-            <a:r>
-              <a:rPr lang="cs-CZ" sz="1200" b="0" i="0" dirty="0">
-                <a:solidFill>
-                  <a:srgbClr val="212121"/>
-                </a:solidFill>
-                <a:effectLst/>
-              </a:rPr>
-              <a:t>. </a:t>
-            </a:r>
-            <a:r>
-              <a:rPr lang="cs-CZ" sz="1200" b="0" i="0" u="none" strike="noStrike" dirty="0">
-                <a:solidFill>
-                  <a:srgbClr val="00B0F0"/>
-                </a:solidFill>
-                <a:effectLst/>
-                <a:hlinkClick r:id="rId6">
-                  <a:extLst>
-                    <a:ext uri="{A12FA001-AC4F-418D-AE19-62706E023703}">
-                      <ahyp:hlinkClr xmlns:ahyp="http://schemas.microsoft.com/office/drawing/2018/hyperlinkcolor" val="tx"/>
-                    </a:ext>
-                  </a:extLst>
-                </a:hlinkClick>
-              </a:rPr>
-              <a:t>https://cs.wikipedia.org/wiki/E-Government</a:t>
-            </a:r>
-            <a:endParaRPr lang="cs-CZ" sz="1200" dirty="0">
-              <a:solidFill>
-                <a:srgbClr val="00B0F0"/>
-              </a:solidFill>
-            </a:endParaRPr>
-          </a:p>
-          <a:p>
-            <a:endParaRPr lang="cs-CZ" sz="1200" dirty="0">
-              <a:solidFill>
-                <a:srgbClr val="00B0F0"/>
-              </a:solidFill>
-            </a:endParaRPr>
-          </a:p>
-          <a:p>
-            <a:endParaRPr lang="cs-CZ" sz="1200" dirty="0"/>
-          </a:p>
-          <a:p>
-            <a:endParaRPr lang="cs-CZ" sz="1200" dirty="0"/>
-          </a:p>
-          <a:p>
-            <a:endParaRPr lang="cs-CZ" dirty="0"/>
-          </a:p>
-        </p:txBody>
-      </p:sp>
-    </p:spTree>
-    <p:extLst>
-      <p:ext uri="{BB962C8B-B14F-4D97-AF65-F5344CB8AC3E}">
-        <p14:creationId xmlns:p14="http://schemas.microsoft.com/office/powerpoint/2010/main" val="3105488888"/>
-      </p:ext>
-    </p:extLst>
-  </p:cSld>
-  <p:clrMapOvr>
-    <a:masterClrMapping/>
-  </p:clrMapOvr>
-</p:sld>
-</file>
-
-<file path=ppt/slides/slide3.xml><?xml version="1.0" encoding="utf-8"?>
-<p:sld xmlns:a="http://schemas.openxmlformats.org/drawingml/2006/main" xmlns:r="http://schemas.openxmlformats.org/officeDocument/2006/relationships" xmlns:p="http://schemas.openxmlformats.org/presentationml/2006/main">
-  <p:cSld>
-    <p:spTree>
-      <p:nvGrpSpPr>
-        <p:cNvPr id="1" name=""/>
-        <p:cNvGrpSpPr/>
-        <p:nvPr/>
-      </p:nvGrpSpPr>
-      <p:grpSpPr>
-        <a:xfrm>
-          <a:off x="0" y="0"/>
-          <a:ext cx="0" cy="0"/>
-          <a:chOff x="0" y="0"/>
-          <a:chExt cx="0" cy="0"/>
-        </a:xfrm>
-      </p:grpSpPr>
-      <p:sp>
-        <p:nvSpPr>
-          <p:cNvPr id="2" name="Nadpis 1">
-            <a:extLst>
-              <a:ext uri="{FF2B5EF4-FFF2-40B4-BE49-F238E27FC236}">
-                <a16:creationId xmlns:a16="http://schemas.microsoft.com/office/drawing/2014/main" id="{3878BF4E-7C37-8B96-DAF4-8DD4C1A22A49}"/>
-              </a:ext>
-            </a:extLst>
-          </p:cNvPr>
-          <p:cNvSpPr>
-            <a:spLocks noGrp="1"/>
-          </p:cNvSpPr>
-          <p:nvPr>
-            <p:ph type="title"/>
-          </p:nvPr>
-        </p:nvSpPr>
-        <p:spPr/>
-        <p:txBody>
-          <a:bodyPr/>
+        <p:spPr>
+          <a:xfrm>
+            <a:off x="838200" y="586992"/>
+            <a:ext cx="4953000" cy="1664573"/>
+          </a:xfrm>
+        </p:spPr>
+        <p:txBody>
+          <a:bodyPr>
+            <a:normAutofit/>
+          </a:bodyPr>
           <a:lstStyle/>
           <a:p>
             <a:r>
@@ -7952,7 +10655,7 @@
               <a:t>Identifikace v </a:t>
             </a:r>
             <a:r>
-              <a:rPr lang="cs-CZ" dirty="0" err="1"/>
+              <a:rPr lang="cs-CZ"/>
               <a:t>BankID</a:t>
             </a:r>
             <a:endParaRPr lang="cs-CZ" dirty="0"/>
@@ -7975,33 +10678,85 @@
             <p:ph idx="1"/>
           </p:nvPr>
         </p:nvSpPr>
-        <p:spPr/>
-        <p:txBody>
-          <a:bodyPr/>
-          <a:lstStyle/>
-          <a:p>
-            <a:r>
-              <a:rPr lang="cs-CZ" dirty="0"/>
+        <p:spPr>
+          <a:xfrm>
+            <a:off x="838200" y="2430703"/>
+            <a:ext cx="4952681" cy="3728613"/>
+          </a:xfrm>
+        </p:spPr>
+        <p:txBody>
+          <a:bodyPr>
+            <a:normAutofit/>
+          </a:bodyPr>
+          <a:lstStyle/>
+          <a:p>
+            <a:r>
+              <a:rPr lang="cs-CZ" sz="1800"/>
               <a:t>Bankovní identita </a:t>
             </a:r>
           </a:p>
           <a:p>
             <a:r>
-              <a:rPr lang="cs-CZ" dirty="0"/>
+              <a:rPr lang="cs-CZ" sz="1800"/>
               <a:t>Občanský průkaz</a:t>
             </a:r>
           </a:p>
           <a:p>
             <a:r>
-              <a:rPr lang="cs-CZ" dirty="0"/>
+              <a:rPr lang="cs-CZ" sz="1800"/>
               <a:t>Elektronický klíč</a:t>
             </a:r>
           </a:p>
           <a:p>
-            <a:endParaRPr lang="cs-CZ" dirty="0"/>
-          </a:p>
-        </p:txBody>
-      </p:sp>
+            <a:endParaRPr lang="cs-CZ" sz="1800"/>
+          </a:p>
+        </p:txBody>
+      </p:sp>
+      <p:pic>
+        <p:nvPicPr>
+          <p:cNvPr id="4098" name="Picture 2" descr="ELEKTRONICKÝ KLÍČ SYSTÉMU EUROKEY – matobe.cz vše pro automyčky">
+            <a:extLst>
+              <a:ext uri="{FF2B5EF4-FFF2-40B4-BE49-F238E27FC236}">
+                <a16:creationId xmlns:a16="http://schemas.microsoft.com/office/drawing/2014/main" id="{64279EF8-1832-48DF-E84D-1F1D4B14802C}"/>
+              </a:ext>
+            </a:extLst>
+          </p:cNvPr>
+          <p:cNvPicPr>
+            <a:picLocks noChangeAspect="1" noChangeArrowheads="1"/>
+          </p:cNvPicPr>
+          <p:nvPr/>
+        </p:nvPicPr>
+        <p:blipFill rotWithShape="1">
+          <a:blip r:embed="rId4">
+            <a:extLst>
+              <a:ext uri="{28A0092B-C50C-407E-A947-70E740481C1C}">
+                <a14:useLocalDpi xmlns:a14="http://schemas.microsoft.com/office/drawing/2010/main" val="0"/>
+              </a:ext>
+            </a:extLst>
+          </a:blip>
+          <a:srcRect t="3268" r="2" b="1139"/>
+          <a:stretch/>
+        </p:blipFill>
+        <p:spPr bwMode="auto">
+          <a:xfrm>
+            <a:off x="6858001" y="586992"/>
+            <a:ext cx="4724400" cy="5716862"/>
+          </a:xfrm>
+          <a:prstGeom prst="rect">
+            <a:avLst/>
+          </a:prstGeom>
+          <a:noFill/>
+          <a:extLst>
+            <a:ext uri="{909E8E84-426E-40DD-AFC4-6F175D3DCCD1}">
+              <a14:hiddenFill xmlns:a14="http://schemas.microsoft.com/office/drawing/2010/main">
+                <a:solidFill>
+                  <a:srgbClr val="FFFFFF"/>
+                </a:solidFill>
+              </a14:hiddenFill>
+            </a:ext>
+          </a:extLst>
+        </p:spPr>
+      </p:pic>
     </p:spTree>
     <p:extLst>
       <p:ext uri="{BB962C8B-B14F-4D97-AF65-F5344CB8AC3E}">

--- a/Maixner.pptx
+++ b/Maixner.pptx
@@ -1250,21 +1250,48 @@
           <a:lstStyle/>
           <a:p>
             <a:r>
-              <a:rPr lang="cs-CZ"/>
-              <a:t>Volba povolání-</a:t>
-            </a:r>
-            <a:endParaRPr lang="cs-CZ" dirty="0"/>
-          </a:p>
-          <a:p>
-            <a:r>
               <a:rPr lang="cs-CZ" dirty="0"/>
-              <a:t>Výběr škol a oborů , další vzdělání, stáže</a:t>
-            </a:r>
-          </a:p>
-          <a:p>
+              <a:t>Volba povolání- národní soustava kvalifikací- informuje o soustavě celostátních profesionálních </a:t>
+            </a:r>
+            <a:r>
+              <a:rPr lang="cs-CZ" dirty="0" err="1"/>
+              <a:t>kvalifikaví</a:t>
+            </a:r>
             <a:r>
               <a:rPr lang="cs-CZ" dirty="0"/>
-              <a:t>Přijímací zkoušky, maturita</a:t>
+              <a:t> v ČR, Národní soustava povolání- dostupná databáze povolání spravovaná ministerstvem práce a soc. věcí v ČR, průvodce volbou povolání- informuje o uplatnění absolventů škol na trhu práce     Výběr škol a oborů , další vzdělání, stáže-Atlas školství slouží k vyhledávání škol, Střední školy-umožnuje vyhledávání středních škol podle různých </a:t>
+            </a:r>
+            <a:r>
+              <a:rPr lang="cs-CZ" dirty="0" err="1"/>
+              <a:t>kriterii</a:t>
+            </a:r>
+            <a:r>
+              <a:rPr lang="cs-CZ" dirty="0"/>
+              <a:t>, vysoké školy-umožnuje vyhledat vysokou podle různých </a:t>
+            </a:r>
+            <a:r>
+              <a:rPr lang="cs-CZ" dirty="0" err="1"/>
+              <a:t>kriterii</a:t>
+            </a:r>
+            <a:r>
+              <a:rPr lang="cs-CZ" dirty="0"/>
+              <a:t>, vyšší odborné školy, Vyšší odborné školy- umožnuje vyhledávat vyšší odborné školy podle různých kritérii              Přijímací zkoušky, maturita-CERMAT-</a:t>
+            </a:r>
+            <a:r>
+              <a:rPr lang="cs-CZ" dirty="0" err="1"/>
+              <a:t>zjištuje</a:t>
+            </a:r>
+            <a:r>
+              <a:rPr lang="cs-CZ" dirty="0"/>
+              <a:t> </a:t>
+            </a:r>
+            <a:r>
+              <a:rPr lang="cs-CZ" dirty="0" err="1"/>
+              <a:t>yýsledky</a:t>
+            </a:r>
+            <a:r>
+              <a:rPr lang="cs-CZ" dirty="0"/>
+              <a:t> vzdělání obsahující kromě informací až k maturitě, Nová maturita- Bližší informace k maturitě, SCIO- zaměřuje se na školní a mimoškolní vzdělání s orientací na vysoké školy.</a:t>
             </a:r>
           </a:p>
         </p:txBody>
@@ -5935,6 +5962,18 @@
   <p:clrMapOvr>
     <a:masterClrMapping/>
   </p:clrMapOvr>
+  <mc:AlternateContent xmlns:mc="http://schemas.openxmlformats.org/markup-compatibility/2006">
+    <mc:Choice xmlns:p159="http://schemas.microsoft.com/office/powerpoint/2015/09/main" Requires="p159">
+      <p:transition xmlns:p14="http://schemas.microsoft.com/office/powerpoint/2010/main" spd="slow" p14:dur="2000" advClick="0" advTm="15000">
+        <p159:morph option="byObject"/>
+      </p:transition>
+    </mc:Choice>
+    <mc:Fallback>
+      <p:transition spd="slow" advClick="0" advTm="15000">
+        <p:fade/>
+      </p:transition>
+    </mc:Fallback>
+  </mc:AlternateContent>
 </p:sld>
 </file>
 
@@ -6617,6 +6656,18 @@
   <p:clrMapOvr>
     <a:masterClrMapping/>
   </p:clrMapOvr>
+  <mc:AlternateContent xmlns:mc="http://schemas.openxmlformats.org/markup-compatibility/2006">
+    <mc:Choice xmlns:p159="http://schemas.microsoft.com/office/powerpoint/2015/09/main" Requires="p159">
+      <p:transition xmlns:p14="http://schemas.microsoft.com/office/powerpoint/2010/main" spd="slow" p14:dur="2000" advClick="0" advTm="60000">
+        <p159:morph option="byObject"/>
+      </p:transition>
+    </mc:Choice>
+    <mc:Fallback>
+      <p:transition spd="slow" advClick="0" advTm="60000">
+        <p:fade/>
+      </p:transition>
+    </mc:Fallback>
+  </mc:AlternateContent>
 </p:sld>
 </file>
 
@@ -7124,6 +7175,18 @@
   <p:clrMapOvr>
     <a:masterClrMapping/>
   </p:clrMapOvr>
+  <mc:AlternateContent xmlns:mc="http://schemas.openxmlformats.org/markup-compatibility/2006">
+    <mc:Choice xmlns:p159="http://schemas.microsoft.com/office/powerpoint/2015/09/main" Requires="p159">
+      <p:transition xmlns:p14="http://schemas.microsoft.com/office/powerpoint/2010/main" spd="slow" p14:dur="2000" advClick="0" advTm="60000">
+        <p159:morph option="byObject"/>
+      </p:transition>
+    </mc:Choice>
+    <mc:Fallback>
+      <p:transition spd="slow" advClick="0" advTm="60000">
+        <p:fade/>
+      </p:transition>
+    </mc:Fallback>
+  </mc:AlternateContent>
 </p:sld>
 </file>
 
@@ -7668,6 +7731,14 @@
   <p:clrMapOvr>
     <a:masterClrMapping/>
   </p:clrMapOvr>
+  <mc:AlternateContent xmlns:mc="http://schemas.openxmlformats.org/markup-compatibility/2006">
+    <mc:Choice xmlns:p14="http://schemas.microsoft.com/office/powerpoint/2010/main" Requires="p14">
+      <p:transition spd="slow" p14:dur="2000" advClick="0" advTm="60000"/>
+    </mc:Choice>
+    <mc:Fallback>
+      <p:transition spd="slow" advClick="0" advTm="60000"/>
+    </mc:Fallback>
+  </mc:AlternateContent>
 </p:sld>
 </file>
 
@@ -7774,6 +7845,18 @@
   <p:clrMapOvr>
     <a:masterClrMapping/>
   </p:clrMapOvr>
+  <mc:AlternateContent xmlns:mc="http://schemas.openxmlformats.org/markup-compatibility/2006">
+    <mc:Choice xmlns:p159="http://schemas.microsoft.com/office/powerpoint/2015/09/main" Requires="p159">
+      <p:transition xmlns:p14="http://schemas.microsoft.com/office/powerpoint/2010/main" spd="slow" p14:dur="2000" advClick="0" advTm="60000">
+        <p159:morph option="byObject"/>
+      </p:transition>
+    </mc:Choice>
+    <mc:Fallback>
+      <p:transition spd="slow" advClick="0" advTm="60000">
+        <p:fade/>
+      </p:transition>
+    </mc:Fallback>
+  </mc:AlternateContent>
 </p:sld>
 </file>
 
@@ -8268,6 +8351,18 @@
   <p:clrMapOvr>
     <a:masterClrMapping/>
   </p:clrMapOvr>
+  <mc:AlternateContent xmlns:mc="http://schemas.openxmlformats.org/markup-compatibility/2006">
+    <mc:Choice xmlns:p159="http://schemas.microsoft.com/office/powerpoint/2015/09/main" Requires="p159">
+      <p:transition xmlns:p14="http://schemas.microsoft.com/office/powerpoint/2010/main" spd="slow" p14:dur="2000" advClick="0" advTm="60000">
+        <p159:morph option="byObject"/>
+      </p:transition>
+    </mc:Choice>
+    <mc:Fallback>
+      <p:transition spd="slow" advClick="0" advTm="60000">
+        <p:fade/>
+      </p:transition>
+    </mc:Fallback>
+  </mc:AlternateContent>
 </p:sld>
 </file>
 
@@ -8735,12 +8830,32 @@
   <p:clrMapOvr>
     <a:masterClrMapping/>
   </p:clrMapOvr>
+  <mc:AlternateContent xmlns:mc="http://schemas.openxmlformats.org/markup-compatibility/2006">
+    <mc:Choice xmlns:p159="http://schemas.microsoft.com/office/powerpoint/2015/09/main" Requires="p159">
+      <p:transition xmlns:p14="http://schemas.microsoft.com/office/powerpoint/2010/main" spd="slow" p14:dur="2000" advClick="0" advTm="60000">
+        <p159:morph option="byObject"/>
+      </p:transition>
+    </mc:Choice>
+    <mc:Fallback>
+      <p:transition spd="slow" advClick="0" advTm="60000">
+        <p:fade/>
+      </p:transition>
+    </mc:Fallback>
+  </mc:AlternateContent>
 </p:sld>
 </file>
 
 <file path=ppt/slides/slide16.xml><?xml version="1.0" encoding="utf-8"?>
 <p:sld xmlns:a="http://schemas.openxmlformats.org/drawingml/2006/main" xmlns:r="http://schemas.openxmlformats.org/officeDocument/2006/relationships" xmlns:p="http://schemas.openxmlformats.org/presentationml/2006/main">
   <p:cSld>
+    <p:bg>
+      <p:bgPr>
+        <a:solidFill>
+          <a:schemeClr val="bg1"/>
+        </a:solidFill>
+        <a:effectLst/>
+      </p:bgPr>
+    </p:bg>
     <p:spTree>
       <p:nvGrpSpPr>
         <p:cNvPr id="1" name=""/>
@@ -8755,6 +8870,295 @@
           <a:chExt cx="0" cy="0"/>
         </a:xfrm>
       </p:grpSpPr>
+      <p:sp useBgFill="1">
+        <p:nvSpPr>
+          <p:cNvPr id="1031" name="Rectangle 1030">
+            <a:extLst>
+              <a:ext uri="{FF2B5EF4-FFF2-40B4-BE49-F238E27FC236}">
+                <a16:creationId xmlns:a16="http://schemas.microsoft.com/office/drawing/2014/main" id="{4AB8125F-0FD8-48CD-9F43-73E5494EA774}"/>
+              </a:ext>
+              <a:ext uri="{C183D7F6-B498-43B3-948B-1728B52AA6E4}">
+                <adec:decorative xmlns:adec="http://schemas.microsoft.com/office/drawing/2017/decorative" val="1"/>
+              </a:ext>
+            </a:extLst>
+          </p:cNvPr>
+          <p:cNvSpPr>
+            <a:spLocks noGrp="1" noRot="1" noChangeAspect="1" noMove="1" noResize="1" noEditPoints="1" noAdjustHandles="1" noChangeArrowheads="1" noChangeShapeType="1" noTextEdit="1"/>
+          </p:cNvSpPr>
+          <p:nvPr>
+            <p:extLst>
+              <p:ext uri="{386F3935-93C4-4BCD-93E2-E3B085C9AB24}">
+                <p16:designElem xmlns:p16="http://schemas.microsoft.com/office/powerpoint/2015/main" val="1"/>
+              </p:ext>
+            </p:extLst>
+          </p:nvPr>
+        </p:nvSpPr>
+        <p:spPr>
+          <a:xfrm>
+            <a:off x="3048" y="0"/>
+            <a:ext cx="12188952" cy="6858000"/>
+          </a:xfrm>
+          <a:prstGeom prst="rect">
+            <a:avLst/>
+          </a:prstGeom>
+          <a:ln>
+            <a:noFill/>
+          </a:ln>
+        </p:spPr>
+        <p:style>
+          <a:lnRef idx="2">
+            <a:schemeClr val="accent1">
+              <a:shade val="50000"/>
+            </a:schemeClr>
+          </a:lnRef>
+          <a:fillRef idx="1">
+            <a:schemeClr val="accent1"/>
+          </a:fillRef>
+          <a:effectRef idx="0">
+            <a:schemeClr val="accent1"/>
+          </a:effectRef>
+          <a:fontRef idx="minor">
+            <a:schemeClr val="lt1"/>
+          </a:fontRef>
+        </p:style>
+        <p:txBody>
+          <a:bodyPr rtlCol="0" anchor="ctr"/>
+          <a:lstStyle/>
+          <a:p>
+            <a:pPr algn="ctr"/>
+            <a:endParaRPr lang="en-US">
+              <a:solidFill>
+                <a:schemeClr val="tx1">
+                  <a:lumMod val="65000"/>
+                  <a:lumOff val="35000"/>
+                </a:schemeClr>
+              </a:solidFill>
+              <a:latin typeface="AvenirNext LT Pro Medium" panose="020B0504020202020204" pitchFamily="34" charset="0"/>
+            </a:endParaRPr>
+          </a:p>
+        </p:txBody>
+      </p:sp>
+      <p:sp>
+        <p:nvSpPr>
+          <p:cNvPr id="1033" name="Rectangle 1032">
+            <a:extLst>
+              <a:ext uri="{FF2B5EF4-FFF2-40B4-BE49-F238E27FC236}">
+                <a16:creationId xmlns:a16="http://schemas.microsoft.com/office/drawing/2014/main" id="{0019DD6C-5899-4C07-864B-EB0A7D104ACF}"/>
+              </a:ext>
+              <a:ext uri="{C183D7F6-B498-43B3-948B-1728B52AA6E4}">
+                <adec:decorative xmlns:adec="http://schemas.microsoft.com/office/drawing/2017/decorative" val="1"/>
+              </a:ext>
+            </a:extLst>
+          </p:cNvPr>
+          <p:cNvSpPr>
+            <a:spLocks noGrp="1" noRot="1" noChangeAspect="1" noMove="1" noResize="1" noEditPoints="1" noAdjustHandles="1" noChangeArrowheads="1" noChangeShapeType="1" noTextEdit="1"/>
+          </p:cNvSpPr>
+          <p:nvPr>
+            <p:extLst>
+              <p:ext uri="{386F3935-93C4-4BCD-93E2-E3B085C9AB24}">
+                <p16:designElem xmlns:p16="http://schemas.microsoft.com/office/powerpoint/2015/main" val="1"/>
+              </p:ext>
+            </p:extLst>
+          </p:nvPr>
+        </p:nvSpPr>
+        <p:spPr>
+          <a:xfrm>
+            <a:off x="3048" y="0"/>
+            <a:ext cx="12188952" cy="6858000"/>
+          </a:xfrm>
+          <a:prstGeom prst="rect">
+            <a:avLst/>
+          </a:prstGeom>
+          <a:solidFill>
+            <a:schemeClr val="bg2">
+              <a:alpha val="70000"/>
+            </a:schemeClr>
+          </a:solidFill>
+          <a:ln>
+            <a:noFill/>
+          </a:ln>
+        </p:spPr>
+        <p:style>
+          <a:lnRef idx="2">
+            <a:schemeClr val="accent1">
+              <a:shade val="50000"/>
+            </a:schemeClr>
+          </a:lnRef>
+          <a:fillRef idx="1">
+            <a:schemeClr val="accent1"/>
+          </a:fillRef>
+          <a:effectRef idx="0">
+            <a:schemeClr val="accent1"/>
+          </a:effectRef>
+          <a:fontRef idx="minor">
+            <a:schemeClr val="lt1"/>
+          </a:fontRef>
+        </p:style>
+        <p:txBody>
+          <a:bodyPr rtlCol="0" anchor="ctr"/>
+          <a:lstStyle/>
+          <a:p>
+            <a:pPr algn="ctr"/>
+            <a:endParaRPr lang="en-US">
+              <a:solidFill>
+                <a:schemeClr val="tx1">
+                  <a:lumMod val="65000"/>
+                  <a:lumOff val="35000"/>
+                </a:schemeClr>
+              </a:solidFill>
+              <a:latin typeface="AvenirNext LT Pro Medium" panose="020B0504020202020204" pitchFamily="34" charset="0"/>
+            </a:endParaRPr>
+          </a:p>
+        </p:txBody>
+      </p:sp>
+      <p:sp>
+        <p:nvSpPr>
+          <p:cNvPr id="1035" name="Rectangle 1034">
+            <a:extLst>
+              <a:ext uri="{FF2B5EF4-FFF2-40B4-BE49-F238E27FC236}">
+                <a16:creationId xmlns:a16="http://schemas.microsoft.com/office/drawing/2014/main" id="{EBDFFBC1-15BD-428E-B8AF-ECF5D1B76DEB}"/>
+              </a:ext>
+              <a:ext uri="{C183D7F6-B498-43B3-948B-1728B52AA6E4}">
+                <adec:decorative xmlns:adec="http://schemas.microsoft.com/office/drawing/2017/decorative" val="1"/>
+              </a:ext>
+            </a:extLst>
+          </p:cNvPr>
+          <p:cNvSpPr>
+            <a:spLocks noGrp="1" noRot="1" noChangeAspect="1" noMove="1" noResize="1" noEditPoints="1" noAdjustHandles="1" noChangeArrowheads="1" noChangeShapeType="1" noTextEdit="1"/>
+          </p:cNvSpPr>
+          <p:nvPr>
+            <p:extLst>
+              <p:ext uri="{386F3935-93C4-4BCD-93E2-E3B085C9AB24}">
+                <p16:designElem xmlns:p16="http://schemas.microsoft.com/office/powerpoint/2015/main" val="1"/>
+              </p:ext>
+            </p:extLst>
+          </p:nvPr>
+        </p:nvSpPr>
+        <p:spPr>
+          <a:xfrm>
+            <a:off x="0" y="-151"/>
+            <a:ext cx="12192000" cy="2217680"/>
+          </a:xfrm>
+          <a:prstGeom prst="rect">
+            <a:avLst/>
+          </a:prstGeom>
+          <a:solidFill>
+            <a:schemeClr val="tx2">
+              <a:lumMod val="90000"/>
+              <a:lumOff val="10000"/>
+            </a:schemeClr>
+          </a:solidFill>
+          <a:ln>
+            <a:noFill/>
+          </a:ln>
+        </p:spPr>
+        <p:style>
+          <a:lnRef idx="2">
+            <a:schemeClr val="accent1">
+              <a:shade val="50000"/>
+            </a:schemeClr>
+          </a:lnRef>
+          <a:fillRef idx="1">
+            <a:schemeClr val="accent1"/>
+          </a:fillRef>
+          <a:effectRef idx="0">
+            <a:schemeClr val="accent1"/>
+          </a:effectRef>
+          <a:fontRef idx="minor">
+            <a:schemeClr val="lt1"/>
+          </a:fontRef>
+        </p:style>
+        <p:txBody>
+          <a:bodyPr rtlCol="0" anchor="ctr"/>
+          <a:lstStyle/>
+          <a:p>
+            <a:pPr algn="ctr"/>
+            <a:endParaRPr lang="en-US" dirty="0">
+              <a:solidFill>
+                <a:schemeClr val="tx1">
+                  <a:lumMod val="65000"/>
+                  <a:lumOff val="35000"/>
+                </a:schemeClr>
+              </a:solidFill>
+              <a:latin typeface="AvenirNext LT Pro Medium" panose="020B0504020202020204" pitchFamily="34" charset="0"/>
+            </a:endParaRPr>
+          </a:p>
+        </p:txBody>
+      </p:sp>
+      <p:sp>
+        <p:nvSpPr>
+          <p:cNvPr id="1037" name="Rectangle 1036">
+            <a:extLst>
+              <a:ext uri="{FF2B5EF4-FFF2-40B4-BE49-F238E27FC236}">
+                <a16:creationId xmlns:a16="http://schemas.microsoft.com/office/drawing/2014/main" id="{EBFB3075-0323-4EB0-B1A5-776A0E709CEF}"/>
+              </a:ext>
+              <a:ext uri="{C183D7F6-B498-43B3-948B-1728B52AA6E4}">
+                <adec:decorative xmlns:adec="http://schemas.microsoft.com/office/drawing/2017/decorative" val="1"/>
+              </a:ext>
+            </a:extLst>
+          </p:cNvPr>
+          <p:cNvSpPr>
+            <a:spLocks noGrp="1" noRot="1" noChangeAspect="1" noMove="1" noResize="1" noEditPoints="1" noAdjustHandles="1" noChangeArrowheads="1" noChangeShapeType="1" noTextEdit="1"/>
+          </p:cNvSpPr>
+          <p:nvPr>
+            <p:extLst>
+              <p:ext uri="{386F3935-93C4-4BCD-93E2-E3B085C9AB24}">
+                <p16:designElem xmlns:p16="http://schemas.microsoft.com/office/powerpoint/2015/main" val="1"/>
+              </p:ext>
+            </p:extLst>
+          </p:nvPr>
+        </p:nvSpPr>
+        <p:spPr>
+          <a:xfrm rot="10800000">
+            <a:off x="0" y="-1"/>
+            <a:ext cx="12191999" cy="2224386"/>
+          </a:xfrm>
+          <a:prstGeom prst="rect">
+            <a:avLst/>
+          </a:prstGeom>
+          <a:blipFill dpi="0" rotWithShape="1">
+            <a:blip r:embed="rId3">
+              <a:alphaModFix amt="20000"/>
+              <a:duotone>
+                <a:schemeClr val="accent1">
+                  <a:shade val="45000"/>
+                  <a:satMod val="135000"/>
+                </a:schemeClr>
+                <a:prstClr val="white"/>
+              </a:duotone>
+            </a:blip>
+            <a:srcRect/>
+            <a:tile tx="889000" ty="0" sx="100000" sy="100000" flip="none" algn="tl"/>
+          </a:blipFill>
+          <a:ln>
+            <a:noFill/>
+          </a:ln>
+        </p:spPr>
+        <p:style>
+          <a:lnRef idx="2">
+            <a:schemeClr val="accent1">
+              <a:shade val="50000"/>
+            </a:schemeClr>
+          </a:lnRef>
+          <a:fillRef idx="1">
+            <a:schemeClr val="accent1"/>
+          </a:fillRef>
+          <a:effectRef idx="0">
+            <a:schemeClr val="accent1"/>
+          </a:effectRef>
+          <a:fontRef idx="minor">
+            <a:schemeClr val="lt1"/>
+          </a:fontRef>
+        </p:style>
+        <p:txBody>
+          <a:bodyPr rtlCol="0" anchor="ctr"/>
+          <a:lstStyle/>
+          <a:p>
+            <a:pPr algn="ctr"/>
+            <a:endParaRPr lang="en-US" dirty="0"/>
+          </a:p>
+        </p:txBody>
+      </p:sp>
       <p:sp>
         <p:nvSpPr>
           <p:cNvPr id="2" name="Nadpis 1">
@@ -8771,9 +9175,16 @@
             <p:ph type="title"/>
           </p:nvPr>
         </p:nvSpPr>
-        <p:spPr/>
-        <p:txBody>
-          <a:bodyPr/>
+        <p:spPr>
+          <a:xfrm>
+            <a:off x="838200" y="381000"/>
+            <a:ext cx="10003218" cy="1600124"/>
+          </a:xfrm>
+        </p:spPr>
+        <p:txBody>
+          <a:bodyPr>
+            <a:normAutofit/>
+          </a:bodyPr>
           <a:lstStyle/>
           <a:p>
             <a:r>
@@ -8799,30 +9210,95 @@
             <p:ph idx="1"/>
           </p:nvPr>
         </p:nvSpPr>
-        <p:spPr/>
-        <p:txBody>
-          <a:bodyPr/>
-          <a:lstStyle/>
-          <a:p>
-            <a:r>
-              <a:rPr lang="cs-CZ" dirty="0"/>
+        <p:spPr>
+          <a:xfrm>
+            <a:off x="838200" y="2745362"/>
+            <a:ext cx="4800600" cy="3552824"/>
+          </a:xfrm>
+        </p:spPr>
+        <p:txBody>
+          <a:bodyPr anchor="ctr">
+            <a:normAutofit/>
+          </a:bodyPr>
+          <a:lstStyle/>
+          <a:p>
+            <a:r>
+              <a:rPr lang="cs-CZ" sz="1800">
+                <a:solidFill>
+                  <a:schemeClr val="tx1"/>
+                </a:solidFill>
+              </a:rPr>
               <a:t>Volba povolání </a:t>
             </a:r>
           </a:p>
           <a:p>
             <a:r>
-              <a:rPr lang="cs-CZ" dirty="0"/>
+              <a:rPr lang="cs-CZ" sz="1800">
+                <a:solidFill>
+                  <a:schemeClr val="tx1"/>
+                </a:solidFill>
+              </a:rPr>
               <a:t>Výběr škol a oborů, další vzdělání, stáže</a:t>
             </a:r>
           </a:p>
           <a:p>
             <a:r>
-              <a:rPr lang="cs-CZ" dirty="0"/>
+              <a:rPr lang="cs-CZ" sz="1800">
+                <a:solidFill>
+                  <a:schemeClr val="tx1"/>
+                </a:solidFill>
+              </a:rPr>
               <a:t>Přijímací zkoušky, maturita</a:t>
             </a:r>
           </a:p>
         </p:txBody>
       </p:sp>
+      <p:pic>
+        <p:nvPicPr>
+          <p:cNvPr id="1026" name="Picture 2" descr="Centrum pro zjišťování výsledků vzdělávání">
+            <a:extLst>
+              <a:ext uri="{FF2B5EF4-FFF2-40B4-BE49-F238E27FC236}">
+                <a16:creationId xmlns:a16="http://schemas.microsoft.com/office/drawing/2014/main" id="{6D2FE369-AA34-0F09-014B-7CCC13D87D11}"/>
+              </a:ext>
+            </a:extLst>
+          </p:cNvPr>
+          <p:cNvPicPr>
+            <a:picLocks noChangeAspect="1" noChangeArrowheads="1"/>
+          </p:cNvPicPr>
+          <p:nvPr/>
+        </p:nvPicPr>
+        <p:blipFill>
+          <a:blip r:embed="rId4">
+            <a:extLst>
+              <a:ext uri="{28A0092B-C50C-407E-A947-70E740481C1C}">
+                <a14:useLocalDpi xmlns:a14="http://schemas.microsoft.com/office/drawing/2010/main" val="0"/>
+              </a:ext>
+            </a:extLst>
+          </a:blip>
+          <a:stretch>
+            <a:fillRect/>
+          </a:stretch>
+        </p:blipFill>
+        <p:spPr bwMode="auto">
+          <a:xfrm>
+            <a:off x="6977215" y="2745362"/>
+            <a:ext cx="3624598" cy="3552824"/>
+          </a:xfrm>
+          <a:prstGeom prst="rect">
+            <a:avLst/>
+          </a:prstGeom>
+          <a:noFill/>
+          <a:extLst>
+            <a:ext uri="{909E8E84-426E-40DD-AFC4-6F175D3DCCD1}">
+              <a14:hiddenFill xmlns:a14="http://schemas.microsoft.com/office/drawing/2010/main">
+                <a:solidFill>
+                  <a:srgbClr val="FFFFFF"/>
+                </a:solidFill>
+              </a14:hiddenFill>
+            </a:ext>
+          </a:extLst>
+        </p:spPr>
+      </p:pic>
     </p:spTree>
     <p:extLst>
       <p:ext uri="{BB962C8B-B14F-4D97-AF65-F5344CB8AC3E}">
@@ -8833,6 +9309,18 @@
   <p:clrMapOvr>
     <a:masterClrMapping/>
   </p:clrMapOvr>
+  <mc:AlternateContent xmlns:mc="http://schemas.openxmlformats.org/markup-compatibility/2006">
+    <mc:Choice xmlns:p159="http://schemas.microsoft.com/office/powerpoint/2015/09/main" Requires="p159">
+      <p:transition xmlns:p14="http://schemas.microsoft.com/office/powerpoint/2010/main" spd="slow" p14:dur="2000" advClick="0" advTm="60000">
+        <p159:morph option="byObject"/>
+      </p:transition>
+    </mc:Choice>
+    <mc:Fallback>
+      <p:transition spd="slow" advClick="0" advTm="60000">
+        <p:fade/>
+      </p:transition>
+    </mc:Fallback>
+  </mc:AlternateContent>
 </p:sld>
 </file>
 
@@ -9415,6 +9903,18 @@
   <p:clrMapOvr>
     <a:masterClrMapping/>
   </p:clrMapOvr>
+  <mc:AlternateContent xmlns:mc="http://schemas.openxmlformats.org/markup-compatibility/2006">
+    <mc:Choice xmlns:p159="http://schemas.microsoft.com/office/powerpoint/2015/09/main" Requires="p159">
+      <p:transition xmlns:p14="http://schemas.microsoft.com/office/powerpoint/2010/main" spd="slow" p14:dur="2000" advClick="0" advTm="15000">
+        <p159:morph option="byObject"/>
+      </p:transition>
+    </mc:Choice>
+    <mc:Fallback>
+      <p:transition spd="slow" advClick="0" advTm="15000">
+        <p:fade/>
+      </p:transition>
+    </mc:Fallback>
+  </mc:AlternateContent>
 </p:sld>
 </file>
 
@@ -9640,6 +10140,18 @@
   <p:clrMapOvr>
     <a:masterClrMapping/>
   </p:clrMapOvr>
+  <mc:AlternateContent xmlns:mc="http://schemas.openxmlformats.org/markup-compatibility/2006">
+    <mc:Choice xmlns:p159="http://schemas.microsoft.com/office/powerpoint/2015/09/main" Requires="p159">
+      <p:transition xmlns:p14="http://schemas.microsoft.com/office/powerpoint/2010/main" spd="slow" p14:dur="2000" advClick="0" advTm="15000">
+        <p159:morph option="byObject"/>
+      </p:transition>
+    </mc:Choice>
+    <mc:Fallback>
+      <p:transition spd="slow" advClick="0" advTm="15000">
+        <p:fade/>
+      </p:transition>
+    </mc:Fallback>
+  </mc:AlternateContent>
 </p:sld>
 </file>
 
@@ -9709,7 +10221,32 @@
           <a:bodyPr/>
           <a:lstStyle/>
           <a:p>
-            <a:endParaRPr lang="cs-CZ"/>
+            <a:r>
+              <a:rPr lang="cs-CZ" dirty="0">
+                <a:solidFill>
+                  <a:srgbClr val="00B0F0"/>
+                </a:solidFill>
+                <a:hlinkClick r:id="rId2">
+                  <a:extLst>
+                    <a:ext uri="{A12FA001-AC4F-418D-AE19-62706E023703}">
+                      <ahyp:hlinkClr xmlns:ahyp="http://schemas.microsoft.com/office/drawing/2018/hyperlinkcolor" val="tx"/>
+                    </a:ext>
+                  </a:extLst>
+                </a:hlinkClick>
+              </a:rPr>
+              <a:t>https://github.com/22maixner/prezentace</a:t>
+            </a:r>
+            <a:endParaRPr lang="cs-CZ" b="1" dirty="0">
+              <a:solidFill>
+                <a:srgbClr val="00B0F0"/>
+              </a:solidFill>
+            </a:endParaRPr>
+          </a:p>
+          <a:p>
+            <a:pPr marL="0" indent="0">
+              <a:buNone/>
+            </a:pPr>
+            <a:endParaRPr lang="cs-CZ" dirty="0"/>
           </a:p>
         </p:txBody>
       </p:sp>
@@ -9723,6 +10260,18 @@
   <p:clrMapOvr>
     <a:masterClrMapping/>
   </p:clrMapOvr>
+  <mc:AlternateContent xmlns:mc="http://schemas.openxmlformats.org/markup-compatibility/2006">
+    <mc:Choice xmlns:p159="http://schemas.microsoft.com/office/powerpoint/2015/09/main" Requires="p159">
+      <p:transition xmlns:p14="http://schemas.microsoft.com/office/powerpoint/2010/main" spd="slow" p14:dur="2000" advClick="0" advTm="15000">
+        <p159:morph option="byObject"/>
+      </p:transition>
+    </mc:Choice>
+    <mc:Fallback>
+      <p:transition spd="slow" advClick="0" advTm="15000">
+        <p:fade/>
+      </p:transition>
+    </mc:Fallback>
+  </mc:AlternateContent>
 </p:sld>
 </file>
 
@@ -10232,6 +10781,18 @@
   <p:clrMapOvr>
     <a:masterClrMapping/>
   </p:clrMapOvr>
+  <mc:AlternateContent xmlns:mc="http://schemas.openxmlformats.org/markup-compatibility/2006">
+    <mc:Choice xmlns:p159="http://schemas.microsoft.com/office/powerpoint/2015/09/main" Requires="p159">
+      <p:transition xmlns:p14="http://schemas.microsoft.com/office/powerpoint/2010/main" spd="slow" p14:dur="2000" advClick="0" advTm="60000">
+        <p159:morph option="byObject"/>
+      </p:transition>
+    </mc:Choice>
+    <mc:Fallback>
+      <p:transition spd="slow" advClick="0" advTm="60000">
+        <p:fade/>
+      </p:transition>
+    </mc:Fallback>
+  </mc:AlternateContent>
 </p:sld>
 </file>
 
@@ -10767,6 +11328,18 @@
   <p:clrMapOvr>
     <a:masterClrMapping/>
   </p:clrMapOvr>
+  <mc:AlternateContent xmlns:mc="http://schemas.openxmlformats.org/markup-compatibility/2006">
+    <mc:Choice xmlns:p159="http://schemas.microsoft.com/office/powerpoint/2015/09/main" Requires="p159">
+      <p:transition xmlns:p14="http://schemas.microsoft.com/office/powerpoint/2010/main" spd="slow" p14:dur="2000" advClick="0" advTm="60000">
+        <p159:morph option="byObject"/>
+      </p:transition>
+    </mc:Choice>
+    <mc:Fallback>
+      <p:transition spd="slow" advClick="0" advTm="60000">
+        <p:fade/>
+      </p:transition>
+    </mc:Fallback>
+  </mc:AlternateContent>
 </p:sld>
 </file>
 
@@ -11246,6 +11819,18 @@
   <p:clrMapOvr>
     <a:masterClrMapping/>
   </p:clrMapOvr>
+  <mc:AlternateContent xmlns:mc="http://schemas.openxmlformats.org/markup-compatibility/2006">
+    <mc:Choice xmlns:p159="http://schemas.microsoft.com/office/powerpoint/2015/09/main" Requires="p159">
+      <p:transition xmlns:p14="http://schemas.microsoft.com/office/powerpoint/2010/main" spd="slow" p14:dur="2000" advClick="0" advTm="60000">
+        <p159:morph option="byObject"/>
+      </p:transition>
+    </mc:Choice>
+    <mc:Fallback>
+      <p:transition spd="slow" advClick="0" advTm="60000">
+        <p:fade/>
+      </p:transition>
+    </mc:Fallback>
+  </mc:AlternateContent>
 </p:sld>
 </file>
 
@@ -11729,6 +12314,18 @@
   <p:clrMapOvr>
     <a:masterClrMapping/>
   </p:clrMapOvr>
+  <mc:AlternateContent xmlns:mc="http://schemas.openxmlformats.org/markup-compatibility/2006">
+    <mc:Choice xmlns:p159="http://schemas.microsoft.com/office/powerpoint/2015/09/main" Requires="p159">
+      <p:transition xmlns:p14="http://schemas.microsoft.com/office/powerpoint/2010/main" spd="slow" p14:dur="2000" advClick="0" advTm="60000">
+        <p159:morph option="byObject"/>
+      </p:transition>
+    </mc:Choice>
+    <mc:Fallback>
+      <p:transition spd="slow" advClick="0" advTm="60000">
+        <p:fade/>
+      </p:transition>
+    </mc:Fallback>
+  </mc:AlternateContent>
 </p:sld>
 </file>
 
@@ -12222,6 +12819,18 @@
   <p:clrMapOvr>
     <a:masterClrMapping/>
   </p:clrMapOvr>
+  <mc:AlternateContent xmlns:mc="http://schemas.openxmlformats.org/markup-compatibility/2006">
+    <mc:Choice xmlns:p159="http://schemas.microsoft.com/office/powerpoint/2015/09/main" Requires="p159">
+      <p:transition xmlns:p14="http://schemas.microsoft.com/office/powerpoint/2010/main" spd="slow" p14:dur="2000" advClick="0" advTm="60000">
+        <p159:morph option="byObject"/>
+      </p:transition>
+    </mc:Choice>
+    <mc:Fallback>
+      <p:transition spd="slow" advClick="0" advTm="60000">
+        <p:fade/>
+      </p:transition>
+    </mc:Fallback>
+  </mc:AlternateContent>
 </p:sld>
 </file>
 
@@ -12690,6 +13299,18 @@
   <p:clrMapOvr>
     <a:masterClrMapping/>
   </p:clrMapOvr>
+  <mc:AlternateContent xmlns:mc="http://schemas.openxmlformats.org/markup-compatibility/2006">
+    <mc:Choice xmlns:p159="http://schemas.microsoft.com/office/powerpoint/2015/09/main" Requires="p159">
+      <p:transition xmlns:p14="http://schemas.microsoft.com/office/powerpoint/2010/main" spd="slow" p14:dur="2000" advClick="0" advTm="60000">
+        <p159:morph option="byObject"/>
+      </p:transition>
+    </mc:Choice>
+    <mc:Fallback>
+      <p:transition spd="slow" advClick="0" advTm="60000">
+        <p:fade/>
+      </p:transition>
+    </mc:Fallback>
+  </mc:AlternateContent>
 </p:sld>
 </file>
 
@@ -13164,6 +13785,18 @@
   <p:clrMapOvr>
     <a:masterClrMapping/>
   </p:clrMapOvr>
+  <mc:AlternateContent xmlns:mc="http://schemas.openxmlformats.org/markup-compatibility/2006">
+    <mc:Choice xmlns:p159="http://schemas.microsoft.com/office/powerpoint/2015/09/main" Requires="p159">
+      <p:transition xmlns:p14="http://schemas.microsoft.com/office/powerpoint/2010/main" spd="slow" p14:dur="2000" advClick="0" advTm="60000">
+        <p159:morph option="byObject"/>
+      </p:transition>
+    </mc:Choice>
+    <mc:Fallback>
+      <p:transition spd="slow" advClick="0" advTm="60000">
+        <p:fade/>
+      </p:transition>
+    </mc:Fallback>
+  </mc:AlternateContent>
 </p:sld>
 </file>
 
@@ -13630,6 +14263,18 @@
   <p:clrMapOvr>
     <a:masterClrMapping/>
   </p:clrMapOvr>
+  <mc:AlternateContent xmlns:mc="http://schemas.openxmlformats.org/markup-compatibility/2006">
+    <mc:Choice xmlns:p159="http://schemas.microsoft.com/office/powerpoint/2015/09/main" Requires="p159">
+      <p:transition xmlns:p14="http://schemas.microsoft.com/office/powerpoint/2010/main" spd="slow" p14:dur="2000" advClick="0" advTm="60000">
+        <p159:morph option="byObject"/>
+      </p:transition>
+    </mc:Choice>
+    <mc:Fallback>
+      <p:transition spd="slow" advClick="0" advTm="60000">
+        <p:fade/>
+      </p:transition>
+    </mc:Fallback>
+  </mc:AlternateContent>
 </p:sld>
 </file>
 
